--- a/trunk/Presentacion Final Ciclo 2011-1/Presentación Semana 17.pptx
+++ b/trunk/Presentacion Final Ciclo 2011-1/Presentación Semana 17.pptx
@@ -12239,15 +12239,55 @@
             </a:r>
             <a:r>
               <a:rPr lang="es-PE" dirty="0" smtClean="0"/>
-              <a:t>2011-1</a:t>
+              <a:t>2010-1</a:t>
+            </a:r>
+            <a:r>
+              <a:rPr lang="es-PE" dirty="0" smtClean="0"/>
+              <a:t/>
             </a:r>
             <a:br>
               <a:rPr lang="es-PE" dirty="0" smtClean="0"/>
             </a:br>
             <a:r>
               <a:rPr lang="es-PE" sz="3300" dirty="0" smtClean="0"/>
-              <a:t>Mapa de Procesos</a:t>
-            </a:r>
+              <a:t>Mapa de </a:t>
+            </a:r>
+            <a:r>
+              <a:rPr lang="es-PE" sz="3300" dirty="0" smtClean="0"/>
+              <a:t>Procesos del Proyecto </a:t>
+            </a:r>
+            <a:r>
+              <a:rPr lang="es-PE" sz="3600" dirty="0"/>
+              <a:t>“Modelo de Negocios Empresarial de la Oficina Central de Fe y Alegría</a:t>
+            </a:r>
+            <a:r>
+              <a:rPr lang="es-PE" sz="3600" dirty="0" smtClean="0"/>
+              <a:t>”</a:t>
+            </a:r>
+            <a:br>
+              <a:rPr lang="es-PE" sz="3600" dirty="0" smtClean="0"/>
+            </a:br>
+            <a:r>
+              <a:rPr lang="es-PE" sz="3600" dirty="0"/>
+              <a:t/>
+            </a:r>
+            <a:br>
+              <a:rPr lang="es-PE" sz="3600" dirty="0"/>
+            </a:br>
+            <a:r>
+              <a:rPr lang="es-PE" sz="3600" dirty="0" smtClean="0"/>
+              <a:t/>
+            </a:r>
+            <a:br>
+              <a:rPr lang="es-PE" sz="3600" dirty="0" smtClean="0"/>
+            </a:br>
+            <a:r>
+              <a:rPr lang="es-PE" sz="3600" dirty="0"/>
+              <a:t/>
+            </a:r>
+            <a:br>
+              <a:rPr lang="es-PE" sz="3600" dirty="0"/>
+            </a:br>
             <a:endParaRPr lang="es-PE" sz="3300" dirty="0"/>
           </a:p>
         </p:txBody>
@@ -13832,7 +13872,7 @@
           <p:nvPr>
             <p:extLst>
               <p:ext uri="{D42A27DB-BD31-4B8C-83A1-F6EECF244321}">
-                <p14:modId xmlns:p14="http://schemas.microsoft.com/office/powerpoint/2010/main" val="3205569361"/>
+                <p14:modId xmlns:p14="http://schemas.microsoft.com/office/powerpoint/2010/main" val="416313120"/>
               </p:ext>
             </p:extLst>
           </p:nvPr>
@@ -13979,15 +14019,42 @@
                     <a:p>
                       <a:pPr algn="l" fontAlgn="b"/>
                       <a:r>
-                        <a:rPr lang="es-PE" sz="1600" b="0" i="0" u="none" strike="noStrike">
+                        <a:rPr lang="es-PE" sz="1600" b="0" i="0" u="none" strike="noStrike" dirty="0">
                           <a:solidFill>
                             <a:srgbClr val="000000"/>
                           </a:solidFill>
                           <a:effectLst/>
                           <a:latin typeface="Calibri"/>
                         </a:rPr>
-                        <a:t>Total Diagramas</a:t>
+                        <a:t>Total </a:t>
                       </a:r>
+                      <a:r>
+                        <a:rPr lang="es-PE" sz="1600" b="0" i="0" u="none" strike="noStrike" dirty="0" smtClean="0">
+                          <a:solidFill>
+                            <a:srgbClr val="000000"/>
+                          </a:solidFill>
+                          <a:effectLst/>
+                          <a:latin typeface="Calibri"/>
+                        </a:rPr>
+                        <a:t>Procesos</a:t>
+                      </a:r>
+                      <a:r>
+                        <a:rPr lang="es-PE" sz="1600" b="0" i="0" u="none" strike="noStrike" baseline="0" dirty="0" smtClean="0">
+                          <a:solidFill>
+                            <a:srgbClr val="000000"/>
+                          </a:solidFill>
+                          <a:effectLst/>
+                          <a:latin typeface="Calibri"/>
+                        </a:rPr>
+                        <a:t> diagramados</a:t>
+                      </a:r>
+                      <a:endParaRPr lang="es-PE" sz="1600" b="0" i="0" u="none" strike="noStrike" dirty="0">
+                        <a:solidFill>
+                          <a:srgbClr val="000000"/>
+                        </a:solidFill>
+                        <a:effectLst/>
+                        <a:latin typeface="Calibri"/>
+                      </a:endParaRPr>
                     </a:p>
                   </a:txBody>
                   <a:tcPr marL="9525" marR="9525" marT="9525" marB="0" anchor="b">
@@ -14098,15 +14165,42 @@
                     <a:p>
                       <a:pPr algn="l" fontAlgn="b"/>
                       <a:r>
-                        <a:rPr lang="es-PE" sz="1600" b="0" i="0" u="none" strike="noStrike">
+                        <a:rPr lang="es-PE" sz="1600" b="0" i="0" u="none" strike="noStrike" dirty="0">
                           <a:solidFill>
                             <a:srgbClr val="000000"/>
                           </a:solidFill>
                           <a:effectLst/>
                           <a:latin typeface="Calibri"/>
                         </a:rPr>
-                        <a:t>Total Procesos</a:t>
+                        <a:t>Total </a:t>
                       </a:r>
+                      <a:r>
+                        <a:rPr lang="es-PE" sz="1600" b="0" i="0" u="none" strike="noStrike" dirty="0" smtClean="0">
+                          <a:solidFill>
+                            <a:srgbClr val="000000"/>
+                          </a:solidFill>
+                          <a:effectLst/>
+                          <a:latin typeface="Calibri"/>
+                        </a:rPr>
+                        <a:t>Procesos de 2do</a:t>
+                      </a:r>
+                      <a:r>
+                        <a:rPr lang="es-PE" sz="1600" b="0" i="0" u="none" strike="noStrike" baseline="0" dirty="0" smtClean="0">
+                          <a:solidFill>
+                            <a:srgbClr val="000000"/>
+                          </a:solidFill>
+                          <a:effectLst/>
+                          <a:latin typeface="Calibri"/>
+                        </a:rPr>
+                        <a:t>. Nivel</a:t>
+                      </a:r>
+                      <a:endParaRPr lang="es-PE" sz="1600" b="0" i="0" u="none" strike="noStrike" dirty="0">
+                        <a:solidFill>
+                          <a:srgbClr val="000000"/>
+                        </a:solidFill>
+                        <a:effectLst/>
+                        <a:latin typeface="Calibri"/>
+                      </a:endParaRPr>
                     </a:p>
                   </a:txBody>
                   <a:tcPr marL="9525" marR="9525" marT="9525" marB="0" anchor="b">
@@ -14217,7 +14311,7 @@
                     <a:p>
                       <a:pPr algn="l" fontAlgn="b"/>
                       <a:r>
-                        <a:rPr lang="es-PE" sz="1600" b="0" i="0" u="none" strike="noStrike">
+                        <a:rPr lang="es-PE" sz="1600" b="0" i="0" u="none" strike="noStrike" dirty="0">
                           <a:solidFill>
                             <a:srgbClr val="000000"/>
                           </a:solidFill>
@@ -14336,7 +14430,7 @@
                     <a:p>
                       <a:pPr algn="l" fontAlgn="b"/>
                       <a:r>
-                        <a:rPr lang="es-PE" sz="1600" b="0" i="0" u="none" strike="noStrike">
+                        <a:rPr lang="es-PE" sz="1600" b="0" i="0" u="none" strike="noStrike" dirty="0">
                           <a:solidFill>
                             <a:srgbClr val="000000"/>
                           </a:solidFill>
@@ -15018,17 +15112,60 @@
                     <a:bodyPr/>
                     <a:lstStyle/>
                     <a:p>
-                      <a:pPr algn="l" fontAlgn="b"/>
+                      <a:pPr marL="0" marR="0" indent="0" algn="l" defTabSz="914400" rtl="0" eaLnBrk="1" fontAlgn="b" latinLnBrk="0" hangingPunct="1">
+                        <a:lnSpc>
+                          <a:spcPct val="100000"/>
+                        </a:lnSpc>
+                        <a:spcBef>
+                          <a:spcPts val="0"/>
+                        </a:spcBef>
+                        <a:spcAft>
+                          <a:spcPts val="0"/>
+                        </a:spcAft>
+                        <a:buClrTx/>
+                        <a:buSzTx/>
+                        <a:buFontTx/>
+                        <a:buNone/>
+                        <a:tabLst/>
+                        <a:defRPr/>
+                      </a:pPr>
                       <a:r>
-                        <a:rPr lang="es-PE" sz="1600" b="0" i="0" u="none" strike="noStrike">
+                        <a:rPr lang="es-PE" sz="1600" b="0" i="0" u="none" strike="noStrike" dirty="0">
                           <a:solidFill>
                             <a:srgbClr val="000000"/>
                           </a:solidFill>
                           <a:effectLst/>
                           <a:latin typeface="Calibri"/>
                         </a:rPr>
-                        <a:t>Total Diagramas</a:t>
+                        <a:t>Total </a:t>
                       </a:r>
+                      <a:r>
+                        <a:rPr lang="es-PE" sz="1600" b="0" i="0" u="none" strike="noStrike" dirty="0" smtClean="0">
+                          <a:solidFill>
+                            <a:srgbClr val="000000"/>
+                          </a:solidFill>
+                          <a:effectLst/>
+                          <a:latin typeface="Calibri"/>
+                        </a:rPr>
+                        <a:t>Procesos</a:t>
+                      </a:r>
+                      <a:r>
+                        <a:rPr lang="es-PE" sz="1600" b="0" i="0" u="none" strike="noStrike" baseline="0" dirty="0" smtClean="0">
+                          <a:solidFill>
+                            <a:srgbClr val="000000"/>
+                          </a:solidFill>
+                          <a:effectLst/>
+                          <a:latin typeface="Calibri"/>
+                        </a:rPr>
+                        <a:t> diagramados</a:t>
+                      </a:r>
+                      <a:endParaRPr lang="es-PE" sz="1600" b="0" i="0" u="none" strike="noStrike" dirty="0" smtClean="0">
+                        <a:solidFill>
+                          <a:srgbClr val="000000"/>
+                        </a:solidFill>
+                        <a:effectLst/>
+                        <a:latin typeface="Calibri"/>
+                      </a:endParaRPr>
                     </a:p>
                   </a:txBody>
                   <a:tcPr marL="9525" marR="9525" marT="9525" marB="0" anchor="b">
@@ -15139,15 +15276,42 @@
                     <a:p>
                       <a:pPr algn="l" fontAlgn="b"/>
                       <a:r>
-                        <a:rPr lang="es-PE" sz="1600" b="0" i="0" u="none" strike="noStrike">
+                        <a:rPr lang="es-PE" sz="1600" b="0" i="0" u="none" strike="noStrike" dirty="0">
                           <a:solidFill>
                             <a:srgbClr val="000000"/>
                           </a:solidFill>
                           <a:effectLst/>
                           <a:latin typeface="Calibri"/>
                         </a:rPr>
-                        <a:t>Total Procesos</a:t>
+                        <a:t>Total </a:t>
                       </a:r>
+                      <a:r>
+                        <a:rPr lang="es-PE" sz="1600" b="0" i="0" u="none" strike="noStrike" dirty="0" smtClean="0">
+                          <a:solidFill>
+                            <a:srgbClr val="000000"/>
+                          </a:solidFill>
+                          <a:effectLst/>
+                          <a:latin typeface="Calibri"/>
+                        </a:rPr>
+                        <a:t>Procesos de 2do</a:t>
+                      </a:r>
+                      <a:r>
+                        <a:rPr lang="es-PE" sz="1600" b="0" i="0" u="none" strike="noStrike" baseline="0" dirty="0" smtClean="0">
+                          <a:solidFill>
+                            <a:srgbClr val="000000"/>
+                          </a:solidFill>
+                          <a:effectLst/>
+                          <a:latin typeface="Calibri"/>
+                        </a:rPr>
+                        <a:t>. Nivel</a:t>
+                      </a:r>
+                      <a:endParaRPr lang="es-PE" sz="1600" b="0" i="0" u="none" strike="noStrike" dirty="0">
+                        <a:solidFill>
+                          <a:srgbClr val="000000"/>
+                        </a:solidFill>
+                        <a:effectLst/>
+                        <a:latin typeface="Calibri"/>
+                      </a:endParaRPr>
                     </a:p>
                   </a:txBody>
                   <a:tcPr marL="9525" marR="9525" marT="9525" marB="0" anchor="b">
@@ -15704,15 +15868,42 @@
                     <a:p>
                       <a:pPr algn="l" fontAlgn="b"/>
                       <a:r>
-                        <a:rPr lang="es-PE" sz="1600" b="0" i="0" u="none" strike="noStrike">
+                        <a:rPr lang="es-PE" sz="1600" b="0" i="0" u="none" strike="noStrike" dirty="0">
                           <a:solidFill>
                             <a:srgbClr val="000000"/>
                           </a:solidFill>
                           <a:effectLst/>
                           <a:latin typeface="Calibri"/>
                         </a:rPr>
-                        <a:t>Total Diagramas</a:t>
+                        <a:t>Total </a:t>
                       </a:r>
+                      <a:r>
+                        <a:rPr lang="es-PE" sz="1600" b="0" i="0" u="none" strike="noStrike" dirty="0" smtClean="0">
+                          <a:solidFill>
+                            <a:srgbClr val="000000"/>
+                          </a:solidFill>
+                          <a:effectLst/>
+                          <a:latin typeface="Calibri"/>
+                        </a:rPr>
+                        <a:t>Procesos</a:t>
+                      </a:r>
+                      <a:r>
+                        <a:rPr lang="es-PE" sz="1600" b="0" i="0" u="none" strike="noStrike" baseline="0" dirty="0" smtClean="0">
+                          <a:solidFill>
+                            <a:srgbClr val="000000"/>
+                          </a:solidFill>
+                          <a:effectLst/>
+                          <a:latin typeface="Calibri"/>
+                        </a:rPr>
+                        <a:t> diagramados</a:t>
+                      </a:r>
+                      <a:endParaRPr lang="es-PE" sz="1600" b="0" i="0" u="none" strike="noStrike" dirty="0">
+                        <a:solidFill>
+                          <a:srgbClr val="000000"/>
+                        </a:solidFill>
+                        <a:effectLst/>
+                        <a:latin typeface="Calibri"/>
+                      </a:endParaRPr>
                     </a:p>
                   </a:txBody>
                   <a:tcPr marL="9525" marR="9525" marT="9525" marB="0" anchor="b">
@@ -15823,15 +16014,42 @@
                     <a:p>
                       <a:pPr algn="l" fontAlgn="b"/>
                       <a:r>
-                        <a:rPr lang="es-PE" sz="1600" b="0" i="0" u="none" strike="noStrike">
+                        <a:rPr lang="es-PE" sz="1600" b="0" i="0" u="none" strike="noStrike" dirty="0">
                           <a:solidFill>
                             <a:srgbClr val="000000"/>
                           </a:solidFill>
                           <a:effectLst/>
                           <a:latin typeface="Calibri"/>
                         </a:rPr>
-                        <a:t>Total Procesos</a:t>
+                        <a:t>Total </a:t>
                       </a:r>
+                      <a:r>
+                        <a:rPr lang="es-PE" sz="1600" b="0" i="0" u="none" strike="noStrike" dirty="0" smtClean="0">
+                          <a:solidFill>
+                            <a:srgbClr val="000000"/>
+                          </a:solidFill>
+                          <a:effectLst/>
+                          <a:latin typeface="Calibri"/>
+                        </a:rPr>
+                        <a:t>Procesos de 2do</a:t>
+                      </a:r>
+                      <a:r>
+                        <a:rPr lang="es-PE" sz="1600" b="0" i="0" u="none" strike="noStrike" baseline="0" dirty="0" smtClean="0">
+                          <a:solidFill>
+                            <a:srgbClr val="000000"/>
+                          </a:solidFill>
+                          <a:effectLst/>
+                          <a:latin typeface="Calibri"/>
+                        </a:rPr>
+                        <a:t>. Nivel</a:t>
+                      </a:r>
+                      <a:endParaRPr lang="es-PE" sz="1600" b="0" i="0" u="none" strike="noStrike" dirty="0">
+                        <a:solidFill>
+                          <a:srgbClr val="000000"/>
+                        </a:solidFill>
+                        <a:effectLst/>
+                        <a:latin typeface="Calibri"/>
+                      </a:endParaRPr>
                     </a:p>
                   </a:txBody>
                   <a:tcPr marL="9525" marR="9525" marT="9525" marB="0" anchor="b">
@@ -21417,11 +21635,7 @@
             </a:r>
             <a:r>
               <a:rPr lang="en-US" sz="1800" dirty="0" smtClean="0"/>
-              <a:t> </a:t>
-            </a:r>
-            <a:r>
-              <a:rPr lang="en-US" sz="1800" dirty="0" smtClean="0"/>
-              <a:t>2011 - 2</a:t>
+              <a:t> 2011 - 2</a:t>
             </a:r>
             <a:endParaRPr lang="es-PE" sz="1800" dirty="0" smtClean="0"/>
           </a:p>
@@ -25126,14 +25340,14 @@
           <p:nvPr>
             <p:extLst>
               <p:ext uri="{D42A27DB-BD31-4B8C-83A1-F6EECF244321}">
-                <p14:modId xmlns:p14="http://schemas.microsoft.com/office/powerpoint/2010/main" val="3532031899"/>
+                <p14:modId xmlns:p14="http://schemas.microsoft.com/office/powerpoint/2010/main" val="2123225017"/>
               </p:ext>
             </p:extLst>
           </p:nvPr>
         </p:nvGraphicFramePr>
         <p:xfrm>
           <a:off x="467545" y="1949800"/>
-          <a:ext cx="7992887" cy="3785616"/>
+          <a:ext cx="7992887" cy="3767074"/>
         </p:xfrm>
         <a:graphic>
           <a:graphicData uri="http://schemas.openxmlformats.org/drawingml/2006/table">
@@ -25839,7 +26053,25 @@
                           </a:solidFill>
                           <a:effectLst/>
                         </a:rPr>
-                        <a:t>Aceptación del cliente de los Macroprocesos de Gestión de Obras Civiles, Gestión de Abastecimiento, Gestión de Control de Pagos y,  Contabilidad y Presupuestos.</a:t>
+                        <a:t>Aceptación del </a:t>
+                      </a:r>
+                      <a:r>
+                        <a:rPr lang="es-ES" sz="1800" b="0" dirty="0" smtClean="0">
+                          <a:solidFill>
+                            <a:schemeClr val="tx1"/>
+                          </a:solidFill>
+                          <a:effectLst/>
+                        </a:rPr>
+                        <a:t>Cliente </a:t>
+                      </a:r>
+                      <a:r>
+                        <a:rPr lang="es-ES" sz="1800" b="0" dirty="0">
+                          <a:solidFill>
+                            <a:schemeClr val="tx1"/>
+                          </a:solidFill>
+                          <a:effectLst/>
+                        </a:rPr>
+                        <a:t>de los Macroprocesos de Gestión de Obras Civiles, Gestión de Abastecimiento, Gestión de Control de Pagos y,  Contabilidad y Presupuestos.</a:t>
                       </a:r>
                       <a:endParaRPr lang="es-PE" sz="1800" b="0" dirty="0">
                         <a:solidFill>
@@ -29412,8 +29644,13 @@
             <a:pPr lvl="1" algn="just"/>
             <a:r>
               <a:rPr lang="es-PE" sz="2200" dirty="0" smtClean="0"/>
-              <a:t>16 procesos (33 modelados en el Proyecto)</a:t>
-            </a:r>
+              <a:t>16 procesos (33 modelados en el </a:t>
+            </a:r>
+            <a:r>
+              <a:rPr lang="es-PE" sz="2200" dirty="0" smtClean="0"/>
+              <a:t>Proyecto Anterior)</a:t>
+            </a:r>
+            <a:endParaRPr lang="es-PE" sz="2200" dirty="0" smtClean="0"/>
           </a:p>
           <a:p>
             <a:pPr algn="just"/>
@@ -30181,7 +30418,15 @@
                   <a:srgbClr val="FFC000"/>
                 </a:solidFill>
               </a:rPr>
-              <a:t>Todos los se realizan procesos </a:t>
+              <a:t>Todos los </a:t>
+            </a:r>
+            <a:r>
+              <a:rPr lang="es-PE" sz="2000" b="1" dirty="0">
+                <a:solidFill>
+                  <a:srgbClr val="FFC000"/>
+                </a:solidFill>
+              </a:rPr>
+              <a:t>procesos se realizan </a:t>
             </a:r>
             <a:r>
               <a:rPr lang="es-PE" sz="2000" b="1" dirty="0">
@@ -30221,7 +30466,15 @@
             </a:r>
             <a:r>
               <a:rPr lang="es-PE" sz="2000" dirty="0"/>
-              <a:t> para cumplir con las actividades cotidianas y que se vuelvan ineficientes.</a:t>
+              <a:t> para cumplir con las actividades cotidianas y que </a:t>
+            </a:r>
+            <a:r>
+              <a:rPr lang="es-PE" sz="2000" dirty="0" smtClean="0"/>
+              <a:t>éstas se </a:t>
+            </a:r>
+            <a:r>
+              <a:rPr lang="es-PE" sz="2000" dirty="0"/>
+              <a:t>vuelvan ineficientes.</a:t>
             </a:r>
           </a:p>
           <a:p>
@@ -30393,7 +30646,15 @@
                   <a:srgbClr val="FFC000"/>
                 </a:solidFill>
               </a:rPr>
-              <a:t>Arquitectura de Negocio </a:t>
+              <a:t>Arquitectura de </a:t>
+            </a:r>
+            <a:r>
+              <a:rPr lang="es-ES" sz="1800" b="1" dirty="0" smtClean="0">
+                <a:solidFill>
+                  <a:srgbClr val="FFC000"/>
+                </a:solidFill>
+              </a:rPr>
+              <a:t>Negocios </a:t>
             </a:r>
             <a:r>
               <a:rPr lang="es-ES" sz="1800" dirty="0" smtClean="0"/>
@@ -30495,11 +30756,15 @@
             </a:r>
             <a:r>
               <a:rPr lang="es-ES" sz="1800" dirty="0" smtClean="0"/>
-              <a:t>	             y como </a:t>
+              <a:t>	             y </a:t>
+            </a:r>
+            <a:r>
+              <a:rPr lang="es-ES" sz="1800" dirty="0" smtClean="0"/>
+              <a:t>cómo todas las </a:t>
             </a:r>
             <a:r>
               <a:rPr lang="es-ES" sz="1800" dirty="0"/>
-              <a:t>todas partes: personas, procesos, información y </a:t>
+              <a:t>partes: personas, procesos, información y </a:t>
             </a:r>
             <a:endParaRPr lang="es-ES" sz="1800" dirty="0" smtClean="0"/>
           </a:p>
@@ -30643,7 +30908,12 @@
             <p:ph idx="1"/>
           </p:nvPr>
         </p:nvSpPr>
-        <p:spPr/>
+        <p:spPr>
+          <a:xfrm>
+            <a:off x="457200" y="1774825"/>
+            <a:ext cx="8229600" cy="3598391"/>
+          </a:xfrm>
+        </p:spPr>
         <p:txBody>
           <a:bodyPr/>
           <a:lstStyle/>
@@ -30670,7 +30940,7 @@
             <a:endParaRPr lang="es-PE" sz="2000" dirty="0"/>
           </a:p>
           <a:p>
-            <a:endParaRPr lang="es-PE" sz="2000" dirty="0"/>
+            <a:endParaRPr lang="es-PE" sz="1100" dirty="0"/>
           </a:p>
           <a:p>
             <a:pPr marL="119062" indent="0" algn="just">
@@ -30682,64 +30952,76 @@
                   <a:srgbClr val="FFC000"/>
                 </a:solidFill>
               </a:rPr>
-              <a:t>Objetivo del proyecto:</a:t>
+              <a:t>Objetivo inicial del proyecto:</a:t>
             </a:r>
             <a:r>
               <a:rPr lang="es-ES" sz="2000" dirty="0" smtClean="0"/>
-              <a:t> desarrollar </a:t>
+              <a:t> desarrollar la Arquitectura </a:t>
             </a:r>
             <a:r>
               <a:rPr lang="es-ES" sz="2000" dirty="0"/>
-              <a:t>un modelo de negocios empresarial para apoyar la mejora de la gestión de los centros educativos Fe y Alegría desde la Oficina Central Fe y Alegría Perú.</a:t>
-            </a:r>
-            <a:endParaRPr lang="es-PE" sz="2000" dirty="0"/>
-          </a:p>
-          <a:p>
-            <a:pPr marL="119062" indent="0">
-              <a:buNone/>
-            </a:pPr>
+              <a:t>E</a:t>
+            </a:r>
+            <a:r>
+              <a:rPr lang="es-ES" sz="2000" dirty="0" smtClean="0"/>
+              <a:t>mpresarial de </a:t>
+            </a:r>
+            <a:r>
+              <a:rPr lang="es-ES" sz="2000" dirty="0" smtClean="0"/>
+              <a:t>la Oficina de </a:t>
+            </a:r>
+            <a:r>
+              <a:rPr lang="es-ES" sz="2000" dirty="0" smtClean="0"/>
+              <a:t>Fe </a:t>
+            </a:r>
             <a:r>
               <a:rPr lang="es-ES" sz="2000" dirty="0"/>
-              <a:t> </a:t>
-            </a:r>
-            <a:endParaRPr lang="es-PE" sz="2000" dirty="0"/>
+              <a:t>y Alegría desde la Oficina Central Fe y Alegría Perú</a:t>
+            </a:r>
+            <a:r>
+              <a:rPr lang="es-ES" sz="2000" dirty="0" smtClean="0"/>
+              <a:t>. Esto incluiría la Arquitectura de Negocios, Arquitectura de Aplicaciones, Arquitectura de Datos y la </a:t>
+            </a:r>
+            <a:r>
+              <a:rPr lang="es-ES" sz="2000" dirty="0" smtClean="0"/>
+              <a:t>Arquitectura de </a:t>
+            </a:r>
+            <a:r>
+              <a:rPr lang="es-ES" sz="2000" dirty="0" smtClean="0"/>
+              <a:t>Redes.</a:t>
+            </a:r>
           </a:p>
           <a:p>
             <a:pPr marL="119062" indent="0" algn="just">
               <a:buNone/>
             </a:pPr>
-            <a:r>
-              <a:rPr lang="es-ES" sz="2000" b="1" dirty="0" smtClean="0">
+            <a:endParaRPr lang="es-ES" sz="1100" dirty="0"/>
+          </a:p>
+          <a:p>
+            <a:pPr marL="119062" indent="0" algn="just">
+              <a:buNone/>
+            </a:pPr>
+            <a:r>
+              <a:rPr lang="es-ES" sz="2000" b="1" dirty="0">
                 <a:solidFill>
                   <a:srgbClr val="FFC000"/>
                 </a:solidFill>
               </a:rPr>
-              <a:t>Complicaciones:</a:t>
-            </a:r>
-          </a:p>
-          <a:p>
-            <a:pPr marL="119062" indent="0" algn="just">
+              <a:t>Objetivo del proyecto:</a:t>
+            </a:r>
+            <a:r>
+              <a:rPr lang="es-ES" sz="2000" dirty="0"/>
+              <a:t> desarrollar un modelo de negocios empresarial para apoyar la mejora de la gestión de los centros educativos Fe y Alegría desde la Oficina Central Fe y Alegría Perú.</a:t>
+            </a:r>
+            <a:endParaRPr lang="es-PE" sz="2000" dirty="0"/>
+          </a:p>
+          <a:p>
+            <a:pPr marL="119062" indent="0">
               <a:buNone/>
             </a:pPr>
             <a:r>
-              <a:rPr lang="es-ES" sz="2000" dirty="0" smtClean="0"/>
-              <a:t>El </a:t>
-            </a:r>
-            <a:r>
               <a:rPr lang="es-ES" sz="2000" dirty="0"/>
-              <a:t>alcance se redujo a sólo realizar el Modelo de Negocios de la mayoría de Procesos de la Oficina Central de Fe y Alegría Perú, </a:t>
-            </a:r>
-            <a:r>
-              <a:rPr lang="es-ES" sz="2000" dirty="0" smtClean="0"/>
-              <a:t>dejando </a:t>
-            </a:r>
-            <a:r>
-              <a:rPr lang="es-ES" sz="2000" dirty="0"/>
-              <a:t>los procesos de Administración y Contabilidad fuera del </a:t>
-            </a:r>
-            <a:r>
-              <a:rPr lang="es-ES" sz="2000" dirty="0" smtClean="0"/>
-              <a:t>alcance.</a:t>
+              <a:t> </a:t>
             </a:r>
             <a:endParaRPr lang="es-PE" sz="2000" dirty="0"/>
           </a:p>
@@ -30770,6 +31052,55 @@
               </a:pPr>
               <a:t>7</a:t>
             </a:fld>
+            <a:endParaRPr lang="es-PE" dirty="0"/>
+          </a:p>
+        </p:txBody>
+      </p:sp>
+      <p:sp>
+        <p:nvSpPr>
+          <p:cNvPr id="4" name="3 CuadroTexto"/>
+          <p:cNvSpPr txBox="1"/>
+          <p:nvPr/>
+        </p:nvSpPr>
+        <p:spPr>
+          <a:xfrm>
+            <a:off x="443481" y="5083294"/>
+            <a:ext cx="7056784" cy="1754326"/>
+          </a:xfrm>
+          <a:prstGeom prst="rect">
+            <a:avLst/>
+          </a:prstGeom>
+          <a:noFill/>
+        </p:spPr>
+        <p:txBody>
+          <a:bodyPr wrap="square" rtlCol="0">
+            <a:spAutoFit/>
+          </a:bodyPr>
+          <a:lstStyle/>
+          <a:p>
+            <a:pPr marL="119062" indent="0" algn="just">
+              <a:buNone/>
+            </a:pPr>
+            <a:r>
+              <a:rPr lang="es-ES" b="1" dirty="0">
+                <a:solidFill>
+                  <a:srgbClr val="FFC000"/>
+                </a:solidFill>
+              </a:rPr>
+              <a:t>Complicaciones:</a:t>
+            </a:r>
+          </a:p>
+          <a:p>
+            <a:pPr marL="119062" indent="0" algn="just">
+              <a:buNone/>
+            </a:pPr>
+            <a:r>
+              <a:rPr lang="es-ES" dirty="0"/>
+              <a:t>El alcance se redujo a sólo realizar el Modelo de Negocios de la mayoría de Procesos de la Oficina Central de Fe y Alegría Perú, dejando los procesos de Administración y Contabilidad fuera del alcance.</a:t>
+            </a:r>
+            <a:endParaRPr lang="es-PE" dirty="0"/>
+          </a:p>
+          <a:p>
             <a:endParaRPr lang="es-PE" dirty="0"/>
           </a:p>
         </p:txBody>

--- a/trunk/Presentacion Final Ciclo 2011-1/Presentación Semana 17.pptx
+++ b/trunk/Presentacion Final Ciclo 2011-1/Presentación Semana 17.pptx
@@ -5,10 +5,10 @@
     <p:sldMasterId id="2147483684" r:id="rId1"/>
   </p:sldMasterIdLst>
   <p:notesMasterIdLst>
-    <p:notesMasterId r:id="rId35"/>
+    <p:notesMasterId r:id="rId44"/>
   </p:notesMasterIdLst>
   <p:handoutMasterIdLst>
-    <p:handoutMasterId r:id="rId36"/>
+    <p:handoutMasterId r:id="rId45"/>
   </p:handoutMasterIdLst>
   <p:sldIdLst>
     <p:sldId id="256" r:id="rId2"/>
@@ -44,6 +44,15 @@
     <p:sldId id="274" r:id="rId32"/>
     <p:sldId id="280" r:id="rId33"/>
     <p:sldId id="285" r:id="rId34"/>
+    <p:sldId id="290" r:id="rId35"/>
+    <p:sldId id="291" r:id="rId36"/>
+    <p:sldId id="292" r:id="rId37"/>
+    <p:sldId id="293" r:id="rId38"/>
+    <p:sldId id="299" r:id="rId39"/>
+    <p:sldId id="300" r:id="rId40"/>
+    <p:sldId id="297" r:id="rId41"/>
+    <p:sldId id="295" r:id="rId42"/>
+    <p:sldId id="298" r:id="rId43"/>
   </p:sldIdLst>
   <p:sldSz cx="9144000" cy="6858000" type="screen4x3"/>
   <p:notesSz cx="10020300" cy="6888163"/>
@@ -12226,7 +12235,12 @@
             <p:ph type="title"/>
           </p:nvPr>
         </p:nvSpPr>
-        <p:spPr/>
+        <p:spPr>
+          <a:xfrm>
+            <a:off x="457200" y="116632"/>
+            <a:ext cx="8229600" cy="1252728"/>
+          </a:xfrm>
+        </p:spPr>
         <p:txBody>
           <a:bodyPr>
             <a:normAutofit fontScale="90000"/>
@@ -12249,45 +12263,17 @@
               <a:rPr lang="es-PE" dirty="0" smtClean="0"/>
             </a:br>
             <a:r>
-              <a:rPr lang="es-PE" sz="3300" dirty="0" smtClean="0"/>
-              <a:t>Mapa de </a:t>
-            </a:r>
-            <a:r>
-              <a:rPr lang="es-PE" sz="3300" dirty="0" smtClean="0"/>
-              <a:t>Procesos del Proyecto </a:t>
-            </a:r>
-            <a:r>
-              <a:rPr lang="es-PE" sz="3600" dirty="0"/>
-              <a:t>“Modelo de Negocios Empresarial de la Oficina Central de Fe y Alegría</a:t>
-            </a:r>
-            <a:r>
-              <a:rPr lang="es-PE" sz="3600" dirty="0" smtClean="0"/>
-              <a:t>”</a:t>
-            </a:r>
-            <a:br>
-              <a:rPr lang="es-PE" sz="3600" dirty="0" smtClean="0"/>
-            </a:br>
-            <a:r>
-              <a:rPr lang="es-PE" sz="3600" dirty="0"/>
-              <a:t/>
-            </a:r>
-            <a:br>
-              <a:rPr lang="es-PE" sz="3600" dirty="0"/>
-            </a:br>
-            <a:r>
-              <a:rPr lang="es-PE" sz="3600" dirty="0" smtClean="0"/>
-              <a:t/>
-            </a:r>
-            <a:br>
-              <a:rPr lang="es-PE" sz="3600" dirty="0" smtClean="0"/>
-            </a:br>
-            <a:r>
-              <a:rPr lang="es-PE" sz="3600" dirty="0"/>
-              <a:t/>
-            </a:r>
-            <a:br>
-              <a:rPr lang="es-PE" sz="3600" dirty="0"/>
-            </a:br>
+              <a:rPr lang="es-PE" sz="2700" dirty="0" smtClean="0"/>
+              <a:t>Mapa de Procesos del Proyecto </a:t>
+            </a:r>
+            <a:r>
+              <a:rPr lang="es-PE" sz="2700" dirty="0"/>
+              <a:t>“Modelo de Negocios Empresarial de la Oficina Central de </a:t>
+            </a:r>
+            <a:r>
+              <a:rPr lang="es-PE" sz="2700" dirty="0" smtClean="0"/>
+              <a:t>Fe y Alegría”</a:t>
+            </a:r>
             <a:endParaRPr lang="es-PE" sz="3300" dirty="0"/>
           </a:p>
         </p:txBody>
@@ -18752,14 +18738,14 @@
           <p:nvPr>
             <p:extLst>
               <p:ext uri="{D42A27DB-BD31-4B8C-83A1-F6EECF244321}">
-                <p14:modId xmlns:p14="http://schemas.microsoft.com/office/powerpoint/2010/main" val="2992426223"/>
+                <p14:modId xmlns:p14="http://schemas.microsoft.com/office/powerpoint/2010/main" val="3106836137"/>
               </p:ext>
             </p:extLst>
           </p:nvPr>
         </p:nvGraphicFramePr>
         <p:xfrm>
           <a:off x="323528" y="2708920"/>
-          <a:ext cx="7344815" cy="3293745"/>
+          <a:ext cx="7344815" cy="3324225"/>
         </p:xfrm>
         <a:graphic>
           <a:graphicData uri="http://schemas.openxmlformats.org/drawingml/2006/table">
@@ -18769,28 +18755,36 @@
                 <a:gridCol w="527528"/>
                 <a:gridCol w="1082109"/>
                 <a:gridCol w="1082109"/>
-                <a:gridCol w="1082109"/>
+                <a:gridCol w="1037659"/>
+                <a:gridCol w="44450"/>
                 <a:gridCol w="1082109"/>
                 <a:gridCol w="1082109"/>
                 <a:gridCol w="1406742"/>
               </a:tblGrid>
               <a:tr h="190500">
-                <a:tc gridSpan="3">
+                <a:tc gridSpan="4">
                   <a:txBody>
                     <a:bodyPr/>
                     <a:lstStyle/>
                     <a:p>
                       <a:pPr algn="l" fontAlgn="b"/>
                       <a:r>
-                        <a:rPr lang="es-PE" sz="1600" b="1" i="0" u="none" strike="noStrike" dirty="0">
+                        <a:rPr lang="es-PE" sz="1600" b="1" i="0" u="none" strike="noStrike" dirty="0" smtClean="0">
                           <a:solidFill>
                             <a:srgbClr val="FFFFFF"/>
                           </a:solidFill>
                           <a:effectLst/>
                           <a:latin typeface="Calibri"/>
                         </a:rPr>
-                        <a:t>Gestión de Control de Pagos</a:t>
+                        <a:t>GESTIÓN DE CONTROL DE PAGOS</a:t>
                       </a:r>
+                      <a:endParaRPr lang="es-PE" sz="1600" b="1" i="0" u="none" strike="noStrike" dirty="0">
+                        <a:solidFill>
+                          <a:srgbClr val="FFFFFF"/>
+                        </a:solidFill>
+                        <a:effectLst/>
+                        <a:latin typeface="Calibri"/>
+                      </a:endParaRPr>
                     </a:p>
                   </a:txBody>
                   <a:tcPr marL="9525" marR="9525" marT="9525" marB="0" anchor="b">
@@ -18831,6 +18825,39 @@
                   </a:txBody>
                   <a:tcPr/>
                 </a:tc>
+                <a:tc hMerge="1">
+                  <a:txBody>
+                    <a:bodyPr/>
+                    <a:lstStyle/>
+                    <a:p>
+                      <a:pPr algn="l" fontAlgn="b"/>
+                      <a:endParaRPr lang="es-PE" sz="1600" b="0" i="0" u="none" strike="noStrike">
+                        <a:solidFill>
+                          <a:srgbClr val="FFFFFF"/>
+                        </a:solidFill>
+                        <a:effectLst/>
+                        <a:latin typeface="Calibri"/>
+                      </a:endParaRPr>
+                    </a:p>
+                  </a:txBody>
+                  <a:tcPr marL="9525" marR="9525" marT="9525" marB="0" anchor="b">
+                    <a:lnL>
+                      <a:noFill/>
+                    </a:lnL>
+                    <a:lnR>
+                      <a:noFill/>
+                    </a:lnR>
+                    <a:lnT>
+                      <a:noFill/>
+                    </a:lnT>
+                    <a:lnB>
+                      <a:noFill/>
+                    </a:lnB>
+                    <a:solidFill>
+                      <a:srgbClr val="974706"/>
+                    </a:solidFill>
+                  </a:tcPr>
+                </a:tc>
                 <a:tc>
                   <a:txBody>
                     <a:bodyPr/>
@@ -18838,7 +18865,7 @@
                     <a:p>
                       <a:pPr algn="l" fontAlgn="b"/>
                       <a:r>
-                        <a:rPr lang="es-PE" sz="1600" b="0" i="0" u="none" strike="noStrike">
+                        <a:rPr lang="es-PE" sz="1600" b="0" i="0" u="none" strike="noStrike" dirty="0">
                           <a:solidFill>
                             <a:srgbClr val="FFFFFF"/>
                           </a:solidFill>
@@ -19020,7 +19047,7 @@
                     </a:solidFill>
                   </a:tcPr>
                 </a:tc>
-                <a:tc gridSpan="2">
+                <a:tc gridSpan="3">
                   <a:txBody>
                     <a:bodyPr/>
                     <a:lstStyle/>
@@ -19065,6 +19092,39 @@
                     </a:p>
                   </a:txBody>
                   <a:tcPr/>
+                </a:tc>
+                <a:tc hMerge="1">
+                  <a:txBody>
+                    <a:bodyPr/>
+                    <a:lstStyle/>
+                    <a:p>
+                      <a:pPr algn="l" fontAlgn="b"/>
+                      <a:endParaRPr lang="es-PE" sz="1600" b="0" i="0" u="none" strike="noStrike">
+                        <a:solidFill>
+                          <a:srgbClr val="000000"/>
+                        </a:solidFill>
+                        <a:effectLst/>
+                        <a:latin typeface="Calibri"/>
+                      </a:endParaRPr>
+                    </a:p>
+                  </a:txBody>
+                  <a:tcPr marL="9525" marR="9525" marT="9525" marB="0" anchor="b">
+                    <a:lnL>
+                      <a:noFill/>
+                    </a:lnL>
+                    <a:lnR>
+                      <a:noFill/>
+                    </a:lnR>
+                    <a:lnT>
+                      <a:noFill/>
+                    </a:lnT>
+                    <a:lnB>
+                      <a:noFill/>
+                    </a:lnB>
+                    <a:solidFill>
+                      <a:srgbClr val="FCD5B4"/>
+                    </a:solidFill>
+                  </a:tcPr>
                 </a:tc>
                 <a:tc>
                   <a:txBody>
@@ -19255,7 +19315,7 @@
                     </a:solidFill>
                   </a:tcPr>
                 </a:tc>
-                <a:tc gridSpan="4">
+                <a:tc gridSpan="5">
                   <a:txBody>
                     <a:bodyPr/>
                     <a:lstStyle/>
@@ -19290,6 +19350,16 @@
                       <a:srgbClr val="FCD5B4"/>
                     </a:solidFill>
                   </a:tcPr>
+                </a:tc>
+                <a:tc hMerge="1">
+                  <a:txBody>
+                    <a:bodyPr/>
+                    <a:lstStyle/>
+                    <a:p>
+                      <a:endParaRPr lang="es-PE"/>
+                    </a:p>
+                  </a:txBody>
+                  <a:tcPr/>
                 </a:tc>
                 <a:tc hMerge="1">
                   <a:txBody>
@@ -19438,7 +19508,7 @@
                     </a:solidFill>
                   </a:tcPr>
                 </a:tc>
-                <a:tc gridSpan="5">
+                <a:tc gridSpan="6">
                   <a:txBody>
                     <a:bodyPr/>
                     <a:lstStyle/>
@@ -19473,6 +19543,16 @@
                       <a:srgbClr val="FCD5B4"/>
                     </a:solidFill>
                   </a:tcPr>
+                </a:tc>
+                <a:tc hMerge="1">
+                  <a:txBody>
+                    <a:bodyPr/>
+                    <a:lstStyle/>
+                    <a:p>
+                      <a:endParaRPr lang="es-PE"/>
+                    </a:p>
+                  </a:txBody>
+                  <a:tcPr/>
                 </a:tc>
                 <a:tc hMerge="1">
                   <a:txBody>
@@ -19595,7 +19675,7 @@
                     </a:solidFill>
                   </a:tcPr>
                 </a:tc>
-                <a:tc gridSpan="4">
+                <a:tc gridSpan="5">
                   <a:txBody>
                     <a:bodyPr/>
                     <a:lstStyle/>
@@ -19630,6 +19710,16 @@
                       <a:srgbClr val="FCD5B4"/>
                     </a:solidFill>
                   </a:tcPr>
+                </a:tc>
+                <a:tc hMerge="1">
+                  <a:txBody>
+                    <a:bodyPr/>
+                    <a:lstStyle/>
+                    <a:p>
+                      <a:endParaRPr lang="es-PE"/>
+                    </a:p>
+                  </a:txBody>
+                  <a:tcPr/>
                 </a:tc>
                 <a:tc hMerge="1">
                   <a:txBody>
@@ -19778,7 +19868,7 @@
                     </a:solidFill>
                   </a:tcPr>
                 </a:tc>
-                <a:tc gridSpan="3">
+                <a:tc gridSpan="4">
                   <a:txBody>
                     <a:bodyPr/>
                     <a:lstStyle/>
@@ -19813,6 +19903,16 @@
                       <a:srgbClr val="FCD5B4"/>
                     </a:solidFill>
                   </a:tcPr>
+                </a:tc>
+                <a:tc hMerge="1">
+                  <a:txBody>
+                    <a:bodyPr/>
+                    <a:lstStyle/>
+                    <a:p>
+                      <a:endParaRPr lang="es-PE"/>
+                    </a:p>
+                  </a:txBody>
+                  <a:tcPr/>
                 </a:tc>
                 <a:tc hMerge="1">
                   <a:txBody>
@@ -19987,7 +20087,7 @@
                     </a:solidFill>
                   </a:tcPr>
                 </a:tc>
-                <a:tc gridSpan="3">
+                <a:tc gridSpan="4">
                   <a:txBody>
                     <a:bodyPr/>
                     <a:lstStyle/>
@@ -20022,6 +20122,16 @@
                       <a:srgbClr val="FCD5B4"/>
                     </a:solidFill>
                   </a:tcPr>
+                </a:tc>
+                <a:tc hMerge="1">
+                  <a:txBody>
+                    <a:bodyPr/>
+                    <a:lstStyle/>
+                    <a:p>
+                      <a:endParaRPr lang="es-PE"/>
+                    </a:p>
+                  </a:txBody>
+                  <a:tcPr/>
                 </a:tc>
                 <a:tc hMerge="1">
                   <a:txBody>
@@ -20196,7 +20306,7 @@
                     </a:solidFill>
                   </a:tcPr>
                 </a:tc>
-                <a:tc gridSpan="3">
+                <a:tc gridSpan="4">
                   <a:txBody>
                     <a:bodyPr/>
                     <a:lstStyle/>
@@ -20252,6 +20362,16 @@
                   </a:txBody>
                   <a:tcPr/>
                 </a:tc>
+                <a:tc hMerge="1">
+                  <a:txBody>
+                    <a:bodyPr/>
+                    <a:lstStyle/>
+                    <a:p>
+                      <a:endParaRPr lang="es-PE"/>
+                    </a:p>
+                  </a:txBody>
+                  <a:tcPr/>
+                </a:tc>
                 <a:tc>
                   <a:txBody>
                     <a:bodyPr/>
@@ -20422,7 +20542,7 @@
                     </a:lnB>
                   </a:tcPr>
                 </a:tc>
-                <a:tc>
+                <a:tc gridSpan="2">
                   <a:txBody>
                     <a:bodyPr/>
                     <a:lstStyle/>
@@ -20452,7 +20572,7 @@
                     </a:lnB>
                   </a:tcPr>
                 </a:tc>
-                <a:tc>
+                <a:tc hMerge="1">
                   <a:txBody>
                     <a:bodyPr/>
                     <a:lstStyle/>
@@ -20487,6 +20607,29 @@
                     <a:bodyPr/>
                     <a:lstStyle/>
                     <a:p>
+                      <a:endParaRPr lang="es-PE" dirty="0"/>
+                    </a:p>
+                  </a:txBody>
+                  <a:tcPr marL="9525" marR="9525" marT="9525" marB="0" anchor="b">
+                    <a:lnL>
+                      <a:noFill/>
+                    </a:lnL>
+                    <a:lnR>
+                      <a:noFill/>
+                    </a:lnR>
+                    <a:lnT>
+                      <a:noFill/>
+                    </a:lnT>
+                    <a:lnB>
+                      <a:noFill/>
+                    </a:lnB>
+                  </a:tcPr>
+                </a:tc>
+                <a:tc>
+                  <a:txBody>
+                    <a:bodyPr/>
+                    <a:lstStyle/>
+                    <a:p>
                       <a:pPr algn="l" fontAlgn="b"/>
                       <a:endParaRPr lang="es-PE" sz="1600" b="0" i="0" u="none" strike="noStrike">
                         <a:solidFill>
@@ -20574,22 +20717,29 @@
                 </a:tc>
               </a:tr>
               <a:tr h="190500">
-                <a:tc gridSpan="3">
+                <a:tc gridSpan="4">
                   <a:txBody>
                     <a:bodyPr/>
                     <a:lstStyle/>
                     <a:p>
                       <a:pPr algn="l" fontAlgn="b"/>
                       <a:r>
-                        <a:rPr lang="es-PE" sz="1600" b="1" i="0" u="none" strike="noStrike" dirty="0">
+                        <a:rPr lang="es-PE" sz="1600" b="1" i="0" u="none" strike="noStrike" dirty="0" smtClean="0">
                           <a:solidFill>
                             <a:srgbClr val="FFFFFF"/>
                           </a:solidFill>
                           <a:effectLst/>
                           <a:latin typeface="Calibri"/>
                         </a:rPr>
-                        <a:t>Contabilidad y Presupuesto</a:t>
+                        <a:t>CONTABILIDAD Y PRESUPUESTO</a:t>
                       </a:r>
+                      <a:endParaRPr lang="es-PE" sz="1600" b="1" i="0" u="none" strike="noStrike" dirty="0">
+                        <a:solidFill>
+                          <a:srgbClr val="FFFFFF"/>
+                        </a:solidFill>
+                        <a:effectLst/>
+                        <a:latin typeface="Calibri"/>
+                      </a:endParaRPr>
                     </a:p>
                   </a:txBody>
                   <a:tcPr marL="9525" marR="9525" marT="9525" marB="0" anchor="b">
@@ -20629,6 +20779,39 @@
                     </a:p>
                   </a:txBody>
                   <a:tcPr/>
+                </a:tc>
+                <a:tc hMerge="1">
+                  <a:txBody>
+                    <a:bodyPr/>
+                    <a:lstStyle/>
+                    <a:p>
+                      <a:pPr algn="l" fontAlgn="b"/>
+                      <a:endParaRPr lang="es-PE" sz="1600" b="0" i="0" u="none" strike="noStrike">
+                        <a:solidFill>
+                          <a:srgbClr val="FFFFFF"/>
+                        </a:solidFill>
+                        <a:effectLst/>
+                        <a:latin typeface="Calibri"/>
+                      </a:endParaRPr>
+                    </a:p>
+                  </a:txBody>
+                  <a:tcPr marL="9525" marR="9525" marT="9525" marB="0" anchor="b">
+                    <a:lnL>
+                      <a:noFill/>
+                    </a:lnL>
+                    <a:lnR>
+                      <a:noFill/>
+                    </a:lnR>
+                    <a:lnT>
+                      <a:noFill/>
+                    </a:lnT>
+                    <a:lnB>
+                      <a:noFill/>
+                    </a:lnB>
+                    <a:solidFill>
+                      <a:srgbClr val="8064A2"/>
+                    </a:solidFill>
+                  </a:tcPr>
                 </a:tc>
                 <a:tc>
                   <a:txBody>
@@ -20819,14 +21002,14 @@
                     </a:solidFill>
                   </a:tcPr>
                 </a:tc>
-                <a:tc gridSpan="3">
+                <a:tc gridSpan="4">
                   <a:txBody>
                     <a:bodyPr/>
                     <a:lstStyle/>
                     <a:p>
                       <a:pPr algn="l" fontAlgn="b"/>
                       <a:r>
-                        <a:rPr lang="es-PE" sz="1600" b="0" i="0" u="none" strike="noStrike">
+                        <a:rPr lang="es-PE" sz="1600" b="0" i="0" u="none" strike="noStrike" dirty="0">
                           <a:solidFill>
                             <a:srgbClr val="000000"/>
                           </a:solidFill>
@@ -20854,6 +21037,16 @@
                       <a:srgbClr val="E4DFEC"/>
                     </a:solidFill>
                   </a:tcPr>
+                </a:tc>
+                <a:tc hMerge="1">
+                  <a:txBody>
+                    <a:bodyPr/>
+                    <a:lstStyle/>
+                    <a:p>
+                      <a:endParaRPr lang="es-PE"/>
+                    </a:p>
+                  </a:txBody>
+                  <a:tcPr/>
                 </a:tc>
                 <a:tc hMerge="1">
                   <a:txBody>
@@ -21074,14 +21267,14 @@
                   </a:txBody>
                   <a:tcPr/>
                 </a:tc>
-                <a:tc>
+                <a:tc gridSpan="2">
                   <a:txBody>
                     <a:bodyPr/>
                     <a:lstStyle/>
                     <a:p>
                       <a:pPr algn="l" fontAlgn="b"/>
                       <a:r>
-                        <a:rPr lang="es-PE" sz="1600" b="0" i="0" u="none" strike="noStrike">
+                        <a:rPr lang="es-PE" sz="1600" b="0" i="0" u="none" strike="noStrike" dirty="0">
                           <a:solidFill>
                             <a:srgbClr val="000000"/>
                           </a:solidFill>
@@ -21109,6 +21302,16 @@
                       <a:srgbClr val="E4DFEC"/>
                     </a:solidFill>
                   </a:tcPr>
+                </a:tc>
+                <a:tc hMerge="1">
+                  <a:txBody>
+                    <a:bodyPr/>
+                    <a:lstStyle/>
+                    <a:p>
+                      <a:endParaRPr lang="es-PE"/>
+                    </a:p>
+                  </a:txBody>
+                  <a:tcPr/>
                 </a:tc>
                 <a:tc>
                   <a:txBody>
@@ -21263,7 +21466,7 @@
                     </a:solidFill>
                   </a:tcPr>
                 </a:tc>
-                <a:tc gridSpan="3">
+                <a:tc gridSpan="4">
                   <a:txBody>
                     <a:bodyPr/>
                     <a:lstStyle/>
@@ -21298,6 +21501,16 @@
                       <a:srgbClr val="E4DFEC"/>
                     </a:solidFill>
                   </a:tcPr>
+                </a:tc>
+                <a:tc hMerge="1">
+                  <a:txBody>
+                    <a:bodyPr/>
+                    <a:lstStyle/>
+                    <a:p>
+                      <a:endParaRPr lang="es-PE"/>
+                    </a:p>
+                  </a:txBody>
+                  <a:tcPr/>
                 </a:tc>
                 <a:tc hMerge="1">
                   <a:txBody>
@@ -21825,7 +22038,7 @@
           <p:nvPr>
             <p:extLst>
               <p:ext uri="{D42A27DB-BD31-4B8C-83A1-F6EECF244321}">
-                <p14:modId xmlns:p14="http://schemas.microsoft.com/office/powerpoint/2010/main" val="3816901371"/>
+                <p14:modId xmlns:p14="http://schemas.microsoft.com/office/powerpoint/2010/main" val="4007552841"/>
               </p:ext>
             </p:extLst>
           </p:nvPr>
@@ -21856,15 +22069,22 @@
                     <a:p>
                       <a:pPr algn="l" fontAlgn="b"/>
                       <a:r>
-                        <a:rPr lang="es-PE" sz="1600" b="1" i="0" u="none" strike="noStrike" dirty="0">
+                        <a:rPr lang="es-PE" sz="1600" b="1" i="0" u="none" strike="noStrike" dirty="0" smtClean="0">
                           <a:solidFill>
                             <a:srgbClr val="FFFFFF"/>
                           </a:solidFill>
                           <a:effectLst/>
                           <a:latin typeface="Calibri"/>
                         </a:rPr>
-                        <a:t>Gestión de Recursos Humanos</a:t>
+                        <a:t>GESTIÓN DE RECURSOS HUMANOS</a:t>
                       </a:r>
+                      <a:endParaRPr lang="es-PE" sz="1600" b="1" i="0" u="none" strike="noStrike" dirty="0">
+                        <a:solidFill>
+                          <a:srgbClr val="FFFFFF"/>
+                        </a:solidFill>
+                        <a:effectLst/>
+                        <a:latin typeface="Calibri"/>
+                      </a:endParaRPr>
                     </a:p>
                   </a:txBody>
                   <a:tcPr marL="9525" marR="9525" marT="9525" marB="0" anchor="b">
@@ -24263,15 +24483,22 @@
                     <a:p>
                       <a:pPr algn="l" fontAlgn="b"/>
                       <a:r>
-                        <a:rPr lang="es-PE" sz="1600" b="1" i="0" u="none" strike="noStrike">
+                        <a:rPr lang="es-PE" sz="1600" b="1" i="0" u="none" strike="noStrike" dirty="0" smtClean="0">
                           <a:solidFill>
                             <a:srgbClr val="FFFFFF"/>
                           </a:solidFill>
                           <a:effectLst/>
                           <a:latin typeface="Calibri"/>
                         </a:rPr>
-                        <a:t>Gestión de Educación Rural</a:t>
+                        <a:t>GESTIÓN DE EDUCACIÓN RURAL</a:t>
                       </a:r>
+                      <a:endParaRPr lang="es-PE" sz="1600" b="1" i="0" u="none" strike="noStrike" dirty="0">
+                        <a:solidFill>
+                          <a:srgbClr val="FFFFFF"/>
+                        </a:solidFill>
+                        <a:effectLst/>
+                        <a:latin typeface="Calibri"/>
+                      </a:endParaRPr>
                     </a:p>
                   </a:txBody>
                   <a:tcPr marL="9525" marR="9525" marT="9525" marB="0" anchor="b">
@@ -24501,7 +24728,7 @@
                     <a:p>
                       <a:pPr algn="l" fontAlgn="b"/>
                       <a:r>
-                        <a:rPr lang="es-PE" sz="1600" b="0" i="0" u="none" strike="noStrike">
+                        <a:rPr lang="es-PE" sz="1600" b="0" i="0" u="none" strike="noStrike" dirty="0">
                           <a:solidFill>
                             <a:srgbClr val="000000"/>
                           </a:solidFill>
@@ -25039,7 +25266,7 @@
                     <a:p>
                       <a:pPr algn="l" fontAlgn="b"/>
                       <a:r>
-                        <a:rPr lang="es-PE" sz="1600" b="0" i="0" u="none" strike="noStrike">
+                        <a:rPr lang="es-PE" sz="1600" b="0" i="0" u="none" strike="noStrike" dirty="0">
                           <a:solidFill>
                             <a:srgbClr val="000000"/>
                           </a:solidFill>
@@ -25347,7 +25574,7 @@
         </p:nvGraphicFramePr>
         <p:xfrm>
           <a:off x="467545" y="1949800"/>
-          <a:ext cx="7992887" cy="3767074"/>
+          <a:ext cx="7992887" cy="3785616"/>
         </p:xfrm>
         <a:graphic>
           <a:graphicData uri="http://schemas.openxmlformats.org/drawingml/2006/table">
@@ -29644,13 +29871,8 @@
             <a:pPr lvl="1" algn="just"/>
             <a:r>
               <a:rPr lang="es-PE" sz="2200" dirty="0" smtClean="0"/>
-              <a:t>16 procesos (33 modelados en el </a:t>
-            </a:r>
-            <a:r>
-              <a:rPr lang="es-PE" sz="2200" dirty="0" smtClean="0"/>
-              <a:t>Proyecto Anterior)</a:t>
-            </a:r>
-            <a:endParaRPr lang="es-PE" sz="2200" dirty="0" smtClean="0"/>
+              <a:t>16 procesos (33 modelados en el Proyecto Anterior)</a:t>
+            </a:r>
           </a:p>
           <a:p>
             <a:pPr algn="just"/>
@@ -29944,6 +30166,1183 @@
     <p:extLst>
       <p:ext uri="{BB962C8B-B14F-4D97-AF65-F5344CB8AC3E}">
         <p14:creationId xmlns:p14="http://schemas.microsoft.com/office/powerpoint/2010/main" val="764807507"/>
+      </p:ext>
+    </p:extLst>
+  </p:cSld>
+  <p:clrMapOvr>
+    <a:masterClrMapping/>
+  </p:clrMapOvr>
+  <p:transition spd="slow">
+    <p:fade thruBlk="1"/>
+  </p:transition>
+  <p:timing>
+    <p:tnLst>
+      <p:par>
+        <p:cTn id="1" dur="indefinite" restart="never" nodeType="tmRoot"/>
+      </p:par>
+    </p:tnLst>
+  </p:timing>
+</p:sld>
+</file>
+
+<file path=ppt/slides/slide34.xml><?xml version="1.0" encoding="utf-8"?>
+<p:sld xmlns:a="http://schemas.openxmlformats.org/drawingml/2006/main" xmlns:r="http://schemas.openxmlformats.org/officeDocument/2006/relationships" xmlns:p="http://schemas.openxmlformats.org/presentationml/2006/main">
+  <p:cSld>
+    <p:spTree>
+      <p:nvGrpSpPr>
+        <p:cNvPr id="1" name=""/>
+        <p:cNvGrpSpPr/>
+        <p:nvPr/>
+      </p:nvGrpSpPr>
+      <p:grpSpPr>
+        <a:xfrm>
+          <a:off x="0" y="0"/>
+          <a:ext cx="0" cy="0"/>
+          <a:chOff x="0" y="0"/>
+          <a:chExt cx="0" cy="0"/>
+        </a:xfrm>
+      </p:grpSpPr>
+      <p:sp>
+        <p:nvSpPr>
+          <p:cNvPr id="2" name="1 Título"/>
+          <p:cNvSpPr>
+            <a:spLocks noGrp="1"/>
+          </p:cNvSpPr>
+          <p:nvPr>
+            <p:ph type="title"/>
+          </p:nvPr>
+        </p:nvSpPr>
+        <p:spPr/>
+        <p:txBody>
+          <a:bodyPr/>
+          <a:lstStyle/>
+          <a:p>
+            <a:r>
+              <a:rPr lang="es-PE" dirty="0"/>
+              <a:t>GESTIÓN DE OBRAS CIVILES</a:t>
+            </a:r>
+            <a:endParaRPr lang="es-PE" dirty="0"/>
+          </a:p>
+        </p:txBody>
+      </p:sp>
+      <p:sp>
+        <p:nvSpPr>
+          <p:cNvPr id="5" name="4 Marcador de número de diapositiva"/>
+          <p:cNvSpPr>
+            <a:spLocks noGrp="1"/>
+          </p:cNvSpPr>
+          <p:nvPr>
+            <p:ph type="sldNum" sz="quarter" idx="12"/>
+          </p:nvPr>
+        </p:nvSpPr>
+        <p:spPr/>
+        <p:txBody>
+          <a:bodyPr/>
+          <a:lstStyle/>
+          <a:p>
+            <a:pPr>
+              <a:defRPr/>
+            </a:pPr>
+            <a:fld id="{136A18BD-B34A-4A65-9A7B-D6103CEFB862}" type="slidenum">
+              <a:rPr lang="es-PE" smtClean="0"/>
+              <a:pPr>
+                <a:defRPr/>
+              </a:pPr>
+              <a:t>34</a:t>
+            </a:fld>
+            <a:endParaRPr lang="es-PE" dirty="0"/>
+          </a:p>
+        </p:txBody>
+      </p:sp>
+      <p:pic>
+        <p:nvPicPr>
+          <p:cNvPr id="6" name="5 Imagen" descr="D:\Documents and Settings\Jose\Escritorio\Proyecto Fe y Alegria\Gestión de Obras Civiles\MP - Gestión de Obras Civiles.png"/>
+          <p:cNvPicPr/>
+          <p:nvPr/>
+        </p:nvPicPr>
+        <p:blipFill>
+          <a:blip r:embed="rId2">
+            <a:extLst>
+              <a:ext uri="{28A0092B-C50C-407E-A947-70E740481C1C}">
+                <a14:useLocalDpi xmlns:a14="http://schemas.microsoft.com/office/drawing/2010/main" val="0"/>
+              </a:ext>
+            </a:extLst>
+          </a:blip>
+          <a:srcRect/>
+          <a:stretch>
+            <a:fillRect/>
+          </a:stretch>
+        </p:blipFill>
+        <p:spPr bwMode="auto">
+          <a:xfrm>
+            <a:off x="145226" y="1772816"/>
+            <a:ext cx="8891270" cy="3870960"/>
+          </a:xfrm>
+          <a:prstGeom prst="rect">
+            <a:avLst/>
+          </a:prstGeom>
+          <a:noFill/>
+          <a:ln>
+            <a:noFill/>
+          </a:ln>
+        </p:spPr>
+      </p:pic>
+      <p:sp>
+        <p:nvSpPr>
+          <p:cNvPr id="7" name="6 Flecha derecha">
+            <a:hlinkClick r:id="rId3" action="ppaction://hlinksldjump"/>
+          </p:cNvPr>
+          <p:cNvSpPr/>
+          <p:nvPr/>
+        </p:nvSpPr>
+        <p:spPr>
+          <a:xfrm>
+            <a:off x="611560" y="6093296"/>
+            <a:ext cx="2088232" cy="576064"/>
+          </a:xfrm>
+          <a:prstGeom prst="rightArrow">
+            <a:avLst/>
+          </a:prstGeom>
+          <a:solidFill>
+            <a:srgbClr val="FFC000"/>
+          </a:solidFill>
+        </p:spPr>
+        <p:style>
+          <a:lnRef idx="2">
+            <a:schemeClr val="accent1">
+              <a:shade val="50000"/>
+            </a:schemeClr>
+          </a:lnRef>
+          <a:fillRef idx="1">
+            <a:schemeClr val="accent1"/>
+          </a:fillRef>
+          <a:effectRef idx="0">
+            <a:schemeClr val="accent1"/>
+          </a:effectRef>
+          <a:fontRef idx="minor">
+            <a:schemeClr val="lt1"/>
+          </a:fontRef>
+        </p:style>
+        <p:txBody>
+          <a:bodyPr rtlCol="0" anchor="ctr"/>
+          <a:lstStyle/>
+          <a:p>
+            <a:pPr algn="ctr"/>
+            <a:r>
+              <a:rPr lang="es-PE" dirty="0" smtClean="0">
+                <a:solidFill>
+                  <a:srgbClr val="004F8A"/>
+                </a:solidFill>
+              </a:rPr>
+              <a:t>Proyecto Anterior</a:t>
+            </a:r>
+            <a:endParaRPr lang="es-PE" dirty="0">
+              <a:solidFill>
+                <a:srgbClr val="004F8A"/>
+              </a:solidFill>
+            </a:endParaRPr>
+          </a:p>
+        </p:txBody>
+      </p:sp>
+      <p:sp>
+        <p:nvSpPr>
+          <p:cNvPr id="8" name="7 CuadroTexto"/>
+          <p:cNvSpPr txBox="1"/>
+          <p:nvPr/>
+        </p:nvSpPr>
+        <p:spPr>
+          <a:xfrm>
+            <a:off x="1043608" y="5643776"/>
+            <a:ext cx="7244994" cy="553998"/>
+          </a:xfrm>
+          <a:prstGeom prst="rect">
+            <a:avLst/>
+          </a:prstGeom>
+          <a:noFill/>
+        </p:spPr>
+        <p:txBody>
+          <a:bodyPr wrap="square" rtlCol="0">
+            <a:spAutoFit/>
+          </a:bodyPr>
+          <a:lstStyle/>
+          <a:p>
+            <a:pPr algn="ctr"/>
+            <a:r>
+              <a:rPr lang="es-PE" sz="1000" b="1" dirty="0"/>
+              <a:t>Diagrama de Procesos: </a:t>
+            </a:r>
+            <a:r>
+              <a:rPr lang="es-PE" sz="1000" b="1" dirty="0" err="1"/>
+              <a:t>Macroproceso</a:t>
+            </a:r>
+            <a:r>
+              <a:rPr lang="es-PE" sz="1000" b="1" dirty="0"/>
+              <a:t> "Gestión de Obras Civiles"</a:t>
+            </a:r>
+          </a:p>
+          <a:p>
+            <a:pPr algn="ctr"/>
+            <a:r>
+              <a:rPr lang="es-ES" sz="1000" b="1" dirty="0"/>
+              <a:t>Fuente: Elaboración Propia</a:t>
+            </a:r>
+            <a:endParaRPr lang="es-PE" sz="1000" b="1" dirty="0"/>
+          </a:p>
+          <a:p>
+            <a:endParaRPr lang="es-PE" sz="1000" dirty="0"/>
+          </a:p>
+        </p:txBody>
+      </p:sp>
+    </p:spTree>
+    <p:extLst>
+      <p:ext uri="{BB962C8B-B14F-4D97-AF65-F5344CB8AC3E}">
+        <p14:creationId xmlns:p14="http://schemas.microsoft.com/office/powerpoint/2010/main" val="712445467"/>
+      </p:ext>
+    </p:extLst>
+  </p:cSld>
+  <p:clrMapOvr>
+    <a:masterClrMapping/>
+  </p:clrMapOvr>
+  <p:transition spd="slow">
+    <p:fade thruBlk="1"/>
+  </p:transition>
+  <p:timing>
+    <p:tnLst>
+      <p:par>
+        <p:cTn id="1" dur="indefinite" restart="never" nodeType="tmRoot"/>
+      </p:par>
+    </p:tnLst>
+  </p:timing>
+</p:sld>
+</file>
+
+<file path=ppt/slides/slide35.xml><?xml version="1.0" encoding="utf-8"?>
+<p:sld xmlns:a="http://schemas.openxmlformats.org/drawingml/2006/main" xmlns:r="http://schemas.openxmlformats.org/officeDocument/2006/relationships" xmlns:p="http://schemas.openxmlformats.org/presentationml/2006/main">
+  <p:cSld>
+    <p:spTree>
+      <p:nvGrpSpPr>
+        <p:cNvPr id="1" name=""/>
+        <p:cNvGrpSpPr/>
+        <p:nvPr/>
+      </p:nvGrpSpPr>
+      <p:grpSpPr>
+        <a:xfrm>
+          <a:off x="0" y="0"/>
+          <a:ext cx="0" cy="0"/>
+          <a:chOff x="0" y="0"/>
+          <a:chExt cx="0" cy="0"/>
+        </a:xfrm>
+      </p:grpSpPr>
+      <p:sp>
+        <p:nvSpPr>
+          <p:cNvPr id="2" name="1 Título"/>
+          <p:cNvSpPr>
+            <a:spLocks noGrp="1"/>
+          </p:cNvSpPr>
+          <p:nvPr>
+            <p:ph type="title"/>
+          </p:nvPr>
+        </p:nvSpPr>
+        <p:spPr/>
+        <p:txBody>
+          <a:bodyPr>
+            <a:normAutofit/>
+          </a:bodyPr>
+          <a:lstStyle/>
+          <a:p>
+            <a:r>
+              <a:rPr lang="es-PE" dirty="0" smtClean="0"/>
+              <a:t>GESTIÓN </a:t>
+            </a:r>
+            <a:r>
+              <a:rPr lang="es-PE" dirty="0"/>
+              <a:t>DE </a:t>
+            </a:r>
+            <a:r>
+              <a:rPr lang="es-PE" dirty="0" smtClean="0"/>
+              <a:t>ABASTECIMIENTO</a:t>
+            </a:r>
+            <a:endParaRPr lang="es-PE" dirty="0"/>
+          </a:p>
+        </p:txBody>
+      </p:sp>
+      <p:sp>
+        <p:nvSpPr>
+          <p:cNvPr id="5" name="4 Marcador de número de diapositiva"/>
+          <p:cNvSpPr>
+            <a:spLocks noGrp="1"/>
+          </p:cNvSpPr>
+          <p:nvPr>
+            <p:ph type="sldNum" sz="quarter" idx="12"/>
+          </p:nvPr>
+        </p:nvSpPr>
+        <p:spPr/>
+        <p:txBody>
+          <a:bodyPr/>
+          <a:lstStyle/>
+          <a:p>
+            <a:pPr>
+              <a:defRPr/>
+            </a:pPr>
+            <a:fld id="{136A18BD-B34A-4A65-9A7B-D6103CEFB862}" type="slidenum">
+              <a:rPr lang="es-PE" smtClean="0"/>
+              <a:pPr>
+                <a:defRPr/>
+              </a:pPr>
+              <a:t>35</a:t>
+            </a:fld>
+            <a:endParaRPr lang="es-PE" dirty="0"/>
+          </a:p>
+        </p:txBody>
+      </p:sp>
+      <p:pic>
+        <p:nvPicPr>
+          <p:cNvPr id="6" name="5 Imagen" descr="D:\Documents and Settings\Jose\Escritorio\Proyecto Fe y Alegria\Gestión de Abastecimientos\MP - Gestión de Abastecimientos.png"/>
+          <p:cNvPicPr/>
+          <p:nvPr/>
+        </p:nvPicPr>
+        <p:blipFill>
+          <a:blip r:embed="rId2">
+            <a:extLst>
+              <a:ext uri="{28A0092B-C50C-407E-A947-70E740481C1C}">
+                <a14:useLocalDpi xmlns:a14="http://schemas.microsoft.com/office/drawing/2010/main" val="0"/>
+              </a:ext>
+            </a:extLst>
+          </a:blip>
+          <a:srcRect/>
+          <a:stretch>
+            <a:fillRect/>
+          </a:stretch>
+        </p:blipFill>
+        <p:spPr bwMode="auto">
+          <a:xfrm>
+            <a:off x="871536" y="1556792"/>
+            <a:ext cx="7400925" cy="4861560"/>
+          </a:xfrm>
+          <a:prstGeom prst="rect">
+            <a:avLst/>
+          </a:prstGeom>
+          <a:noFill/>
+          <a:ln>
+            <a:noFill/>
+          </a:ln>
+        </p:spPr>
+      </p:pic>
+      <p:pic>
+        <p:nvPicPr>
+          <p:cNvPr id="1026" name="Picture 2">
+            <a:hlinkClick r:id="rId3" action="ppaction://hlinksldjump"/>
+          </p:cNvPr>
+          <p:cNvPicPr>
+            <a:picLocks noChangeAspect="1" noChangeArrowheads="1"/>
+          </p:cNvPicPr>
+          <p:nvPr/>
+        </p:nvPicPr>
+        <p:blipFill>
+          <a:blip r:embed="rId4">
+            <a:extLst>
+              <a:ext uri="{28A0092B-C50C-407E-A947-70E740481C1C}">
+                <a14:useLocalDpi xmlns:a14="http://schemas.microsoft.com/office/drawing/2010/main" val="0"/>
+              </a:ext>
+            </a:extLst>
+          </a:blip>
+          <a:srcRect/>
+          <a:stretch>
+            <a:fillRect/>
+          </a:stretch>
+        </p:blipFill>
+        <p:spPr bwMode="auto">
+          <a:xfrm>
+            <a:off x="691158" y="5992813"/>
+            <a:ext cx="2152650" cy="695325"/>
+          </a:xfrm>
+          <a:prstGeom prst="rect">
+            <a:avLst/>
+          </a:prstGeom>
+          <a:noFill/>
+          <a:ln>
+            <a:noFill/>
+          </a:ln>
+          <a:effectLst/>
+          <a:extLst>
+            <a:ext uri="{909E8E84-426E-40DD-AFC4-6F175D3DCCD1}">
+              <a14:hiddenFill xmlns:a14="http://schemas.microsoft.com/office/drawing/2010/main">
+                <a:solidFill>
+                  <a:schemeClr val="accent1"/>
+                </a:solidFill>
+              </a14:hiddenFill>
+            </a:ext>
+            <a:ext uri="{91240B29-F687-4F45-9708-019B960494DF}">
+              <a14:hiddenLine xmlns:a14="http://schemas.microsoft.com/office/drawing/2010/main" w="9525">
+                <a:solidFill>
+                  <a:schemeClr val="tx1"/>
+                </a:solidFill>
+                <a:miter lim="800000"/>
+                <a:headEnd/>
+                <a:tailEnd/>
+              </a14:hiddenLine>
+            </a:ext>
+            <a:ext uri="{AF507438-7753-43E0-B8FC-AC1667EBCBE1}">
+              <a14:hiddenEffects xmlns:a14="http://schemas.microsoft.com/office/drawing/2010/main">
+                <a:effectLst>
+                  <a:outerShdw dist="35921" dir="2700000" algn="ctr" rotWithShape="0">
+                    <a:schemeClr val="bg2"/>
+                  </a:outerShdw>
+                </a:effectLst>
+              </a14:hiddenEffects>
+            </a:ext>
+          </a:extLst>
+        </p:spPr>
+      </p:pic>
+      <p:sp>
+        <p:nvSpPr>
+          <p:cNvPr id="7" name="6 CuadroTexto"/>
+          <p:cNvSpPr txBox="1"/>
+          <p:nvPr/>
+        </p:nvSpPr>
+        <p:spPr>
+          <a:xfrm>
+            <a:off x="2915816" y="6418352"/>
+            <a:ext cx="5328592" cy="677108"/>
+          </a:xfrm>
+          <a:prstGeom prst="rect">
+            <a:avLst/>
+          </a:prstGeom>
+          <a:noFill/>
+        </p:spPr>
+        <p:txBody>
+          <a:bodyPr wrap="square" rtlCol="0">
+            <a:spAutoFit/>
+          </a:bodyPr>
+          <a:lstStyle/>
+          <a:p>
+            <a:pPr algn="r"/>
+            <a:r>
+              <a:rPr lang="es-PE" sz="1000" b="1" dirty="0"/>
+              <a:t>Diagrama de Procesos: </a:t>
+            </a:r>
+            <a:r>
+              <a:rPr lang="es-PE" sz="1000" b="1" dirty="0" err="1"/>
+              <a:t>Macroproceso</a:t>
+            </a:r>
+            <a:r>
+              <a:rPr lang="es-PE" sz="1000" b="1" dirty="0"/>
+              <a:t> "Gestión de Abastecimiento"</a:t>
+            </a:r>
+          </a:p>
+          <a:p>
+            <a:pPr algn="r"/>
+            <a:r>
+              <a:rPr lang="es-ES" sz="1000" b="1" dirty="0"/>
+              <a:t>Fuente: Elaboración Propia</a:t>
+            </a:r>
+            <a:endParaRPr lang="es-PE" sz="1000" b="1" dirty="0"/>
+          </a:p>
+          <a:p>
+            <a:pPr algn="r"/>
+            <a:endParaRPr lang="es-PE" dirty="0"/>
+          </a:p>
+        </p:txBody>
+      </p:sp>
+    </p:spTree>
+    <p:extLst>
+      <p:ext uri="{BB962C8B-B14F-4D97-AF65-F5344CB8AC3E}">
+        <p14:creationId xmlns:p14="http://schemas.microsoft.com/office/powerpoint/2010/main" val="2026059650"/>
+      </p:ext>
+    </p:extLst>
+  </p:cSld>
+  <p:clrMapOvr>
+    <a:masterClrMapping/>
+  </p:clrMapOvr>
+  <p:transition spd="slow">
+    <p:fade thruBlk="1"/>
+  </p:transition>
+  <p:timing>
+    <p:tnLst>
+      <p:par>
+        <p:cTn id="1" dur="indefinite" restart="never" nodeType="tmRoot"/>
+      </p:par>
+    </p:tnLst>
+  </p:timing>
+</p:sld>
+</file>
+
+<file path=ppt/slides/slide36.xml><?xml version="1.0" encoding="utf-8"?>
+<p:sld xmlns:a="http://schemas.openxmlformats.org/drawingml/2006/main" xmlns:r="http://schemas.openxmlformats.org/officeDocument/2006/relationships" xmlns:p="http://schemas.openxmlformats.org/presentationml/2006/main">
+  <p:cSld>
+    <p:spTree>
+      <p:nvGrpSpPr>
+        <p:cNvPr id="1" name=""/>
+        <p:cNvGrpSpPr/>
+        <p:nvPr/>
+      </p:nvGrpSpPr>
+      <p:grpSpPr>
+        <a:xfrm>
+          <a:off x="0" y="0"/>
+          <a:ext cx="0" cy="0"/>
+          <a:chOff x="0" y="0"/>
+          <a:chExt cx="0" cy="0"/>
+        </a:xfrm>
+      </p:grpSpPr>
+      <p:sp>
+        <p:nvSpPr>
+          <p:cNvPr id="2" name="1 Título"/>
+          <p:cNvSpPr>
+            <a:spLocks noGrp="1"/>
+          </p:cNvSpPr>
+          <p:nvPr>
+            <p:ph type="title"/>
+          </p:nvPr>
+        </p:nvSpPr>
+        <p:spPr/>
+        <p:txBody>
+          <a:bodyPr>
+            <a:normAutofit fontScale="90000"/>
+          </a:bodyPr>
+          <a:lstStyle/>
+          <a:p>
+            <a:r>
+              <a:rPr lang="es-PE" dirty="0"/>
+              <a:t>GESTIÓN DE CONTROL DE PAGOS</a:t>
+            </a:r>
+            <a:endParaRPr lang="es-PE" dirty="0"/>
+          </a:p>
+        </p:txBody>
+      </p:sp>
+      <p:sp>
+        <p:nvSpPr>
+          <p:cNvPr id="5" name="4 Marcador de número de diapositiva"/>
+          <p:cNvSpPr>
+            <a:spLocks noGrp="1"/>
+          </p:cNvSpPr>
+          <p:nvPr>
+            <p:ph type="sldNum" sz="quarter" idx="12"/>
+          </p:nvPr>
+        </p:nvSpPr>
+        <p:spPr/>
+        <p:txBody>
+          <a:bodyPr/>
+          <a:lstStyle/>
+          <a:p>
+            <a:pPr>
+              <a:defRPr/>
+            </a:pPr>
+            <a:fld id="{136A18BD-B34A-4A65-9A7B-D6103CEFB862}" type="slidenum">
+              <a:rPr lang="es-PE" smtClean="0"/>
+              <a:pPr>
+                <a:defRPr/>
+              </a:pPr>
+              <a:t>36</a:t>
+            </a:fld>
+            <a:endParaRPr lang="es-PE" dirty="0"/>
+          </a:p>
+        </p:txBody>
+      </p:sp>
+      <p:pic>
+        <p:nvPicPr>
+          <p:cNvPr id="6" name="5 Imagen" descr="D:\Documents and Settings\Jose\Escritorio\Modificados\Gestion de Control de Pagos.png"/>
+          <p:cNvPicPr/>
+          <p:nvPr/>
+        </p:nvPicPr>
+        <p:blipFill>
+          <a:blip r:embed="rId2">
+            <a:extLst>
+              <a:ext uri="{28A0092B-C50C-407E-A947-70E740481C1C}">
+                <a14:useLocalDpi xmlns:a14="http://schemas.microsoft.com/office/drawing/2010/main" val="0"/>
+              </a:ext>
+            </a:extLst>
+          </a:blip>
+          <a:srcRect/>
+          <a:stretch>
+            <a:fillRect/>
+          </a:stretch>
+        </p:blipFill>
+        <p:spPr bwMode="auto">
+          <a:xfrm>
+            <a:off x="1626235" y="1628800"/>
+            <a:ext cx="5891530" cy="4850765"/>
+          </a:xfrm>
+          <a:prstGeom prst="rect">
+            <a:avLst/>
+          </a:prstGeom>
+          <a:noFill/>
+          <a:ln>
+            <a:noFill/>
+          </a:ln>
+        </p:spPr>
+      </p:pic>
+      <p:sp>
+        <p:nvSpPr>
+          <p:cNvPr id="7" name="6 CuadroTexto"/>
+          <p:cNvSpPr txBox="1"/>
+          <p:nvPr/>
+        </p:nvSpPr>
+        <p:spPr>
+          <a:xfrm>
+            <a:off x="1259632" y="6418352"/>
+            <a:ext cx="6624736" cy="677108"/>
+          </a:xfrm>
+          <a:prstGeom prst="rect">
+            <a:avLst/>
+          </a:prstGeom>
+          <a:noFill/>
+        </p:spPr>
+        <p:txBody>
+          <a:bodyPr wrap="square" rtlCol="0">
+            <a:spAutoFit/>
+          </a:bodyPr>
+          <a:lstStyle/>
+          <a:p>
+            <a:pPr algn="ctr"/>
+            <a:r>
+              <a:rPr lang="es-PE" sz="1000" b="1" dirty="0"/>
+              <a:t>Diagrama de Procesos: </a:t>
+            </a:r>
+            <a:r>
+              <a:rPr lang="es-PE" sz="1000" b="1" dirty="0" err="1"/>
+              <a:t>Macroproceso</a:t>
+            </a:r>
+            <a:r>
+              <a:rPr lang="es-PE" sz="1000" b="1" dirty="0"/>
+              <a:t> "Gestión </a:t>
+            </a:r>
+            <a:r>
+              <a:rPr lang="es-PE" sz="1000" b="1" dirty="0" smtClean="0"/>
+              <a:t>de Control de Pagos"</a:t>
+            </a:r>
+            <a:endParaRPr lang="es-PE" sz="1000" b="1" dirty="0"/>
+          </a:p>
+          <a:p>
+            <a:pPr algn="ctr"/>
+            <a:r>
+              <a:rPr lang="es-ES" sz="1000" b="1" dirty="0"/>
+              <a:t>Fuente: Elaboración Propia</a:t>
+            </a:r>
+            <a:endParaRPr lang="es-PE" sz="1000" b="1" dirty="0"/>
+          </a:p>
+          <a:p>
+            <a:pPr algn="ctr"/>
+            <a:endParaRPr lang="es-PE" dirty="0"/>
+          </a:p>
+        </p:txBody>
+      </p:sp>
+    </p:spTree>
+    <p:extLst>
+      <p:ext uri="{BB962C8B-B14F-4D97-AF65-F5344CB8AC3E}">
+        <p14:creationId xmlns:p14="http://schemas.microsoft.com/office/powerpoint/2010/main" val="99394056"/>
+      </p:ext>
+    </p:extLst>
+  </p:cSld>
+  <p:clrMapOvr>
+    <a:masterClrMapping/>
+  </p:clrMapOvr>
+  <p:transition spd="slow">
+    <p:fade thruBlk="1"/>
+  </p:transition>
+  <p:timing>
+    <p:tnLst>
+      <p:par>
+        <p:cTn id="1" dur="indefinite" restart="never" nodeType="tmRoot"/>
+      </p:par>
+    </p:tnLst>
+  </p:timing>
+</p:sld>
+</file>
+
+<file path=ppt/slides/slide37.xml><?xml version="1.0" encoding="utf-8"?>
+<p:sld xmlns:a="http://schemas.openxmlformats.org/drawingml/2006/main" xmlns:r="http://schemas.openxmlformats.org/officeDocument/2006/relationships" xmlns:p="http://schemas.openxmlformats.org/presentationml/2006/main">
+  <p:cSld>
+    <p:spTree>
+      <p:nvGrpSpPr>
+        <p:cNvPr id="1" name=""/>
+        <p:cNvGrpSpPr/>
+        <p:nvPr/>
+      </p:nvGrpSpPr>
+      <p:grpSpPr>
+        <a:xfrm>
+          <a:off x="0" y="0"/>
+          <a:ext cx="0" cy="0"/>
+          <a:chOff x="0" y="0"/>
+          <a:chExt cx="0" cy="0"/>
+        </a:xfrm>
+      </p:grpSpPr>
+      <p:sp>
+        <p:nvSpPr>
+          <p:cNvPr id="2" name="1 Título"/>
+          <p:cNvSpPr>
+            <a:spLocks noGrp="1"/>
+          </p:cNvSpPr>
+          <p:nvPr>
+            <p:ph type="title"/>
+          </p:nvPr>
+        </p:nvSpPr>
+        <p:spPr/>
+        <p:txBody>
+          <a:bodyPr>
+            <a:normAutofit fontScale="90000"/>
+          </a:bodyPr>
+          <a:lstStyle/>
+          <a:p>
+            <a:r>
+              <a:rPr lang="es-PE" dirty="0" smtClean="0"/>
+              <a:t>CONTABILIDAD </a:t>
+            </a:r>
+            <a:r>
+              <a:rPr lang="es-PE" dirty="0"/>
+              <a:t>Y PRESUPUESTO</a:t>
+            </a:r>
+            <a:endParaRPr lang="es-PE" dirty="0"/>
+          </a:p>
+        </p:txBody>
+      </p:sp>
+      <p:sp>
+        <p:nvSpPr>
+          <p:cNvPr id="5" name="4 Marcador de número de diapositiva"/>
+          <p:cNvSpPr>
+            <a:spLocks noGrp="1"/>
+          </p:cNvSpPr>
+          <p:nvPr>
+            <p:ph type="sldNum" sz="quarter" idx="12"/>
+          </p:nvPr>
+        </p:nvSpPr>
+        <p:spPr/>
+        <p:txBody>
+          <a:bodyPr/>
+          <a:lstStyle/>
+          <a:p>
+            <a:pPr>
+              <a:defRPr/>
+            </a:pPr>
+            <a:fld id="{136A18BD-B34A-4A65-9A7B-D6103CEFB862}" type="slidenum">
+              <a:rPr lang="es-PE" smtClean="0"/>
+              <a:pPr>
+                <a:defRPr/>
+              </a:pPr>
+              <a:t>37</a:t>
+            </a:fld>
+            <a:endParaRPr lang="es-PE" dirty="0"/>
+          </a:p>
+        </p:txBody>
+      </p:sp>
+      <p:pic>
+        <p:nvPicPr>
+          <p:cNvPr id="6" name="5 Imagen" descr="D:\Documents and Settings\Jose\Escritorio\Modificados\Contabilidad y Presupuestos.png"/>
+          <p:cNvPicPr/>
+          <p:nvPr/>
+        </p:nvPicPr>
+        <p:blipFill>
+          <a:blip r:embed="rId2">
+            <a:extLst>
+              <a:ext uri="{28A0092B-C50C-407E-A947-70E740481C1C}">
+                <a14:useLocalDpi xmlns:a14="http://schemas.microsoft.com/office/drawing/2010/main" val="0"/>
+              </a:ext>
+            </a:extLst>
+          </a:blip>
+          <a:srcRect/>
+          <a:stretch>
+            <a:fillRect/>
+          </a:stretch>
+        </p:blipFill>
+        <p:spPr bwMode="auto">
+          <a:xfrm>
+            <a:off x="1041716" y="1556792"/>
+            <a:ext cx="7060565" cy="4979035"/>
+          </a:xfrm>
+          <a:prstGeom prst="rect">
+            <a:avLst/>
+          </a:prstGeom>
+          <a:noFill/>
+          <a:ln>
+            <a:noFill/>
+          </a:ln>
+        </p:spPr>
+      </p:pic>
+      <p:sp>
+        <p:nvSpPr>
+          <p:cNvPr id="7" name="6 Flecha derecha">
+            <a:hlinkClick r:id="rId3" action="ppaction://hlinksldjump"/>
+          </p:cNvPr>
+          <p:cNvSpPr/>
+          <p:nvPr/>
+        </p:nvSpPr>
+        <p:spPr>
+          <a:xfrm>
+            <a:off x="755576" y="6093296"/>
+            <a:ext cx="2088232" cy="576064"/>
+          </a:xfrm>
+          <a:prstGeom prst="rightArrow">
+            <a:avLst/>
+          </a:prstGeom>
+          <a:solidFill>
+            <a:srgbClr val="FFC000"/>
+          </a:solidFill>
+        </p:spPr>
+        <p:style>
+          <a:lnRef idx="2">
+            <a:schemeClr val="accent1">
+              <a:shade val="50000"/>
+            </a:schemeClr>
+          </a:lnRef>
+          <a:fillRef idx="1">
+            <a:schemeClr val="accent1"/>
+          </a:fillRef>
+          <a:effectRef idx="0">
+            <a:schemeClr val="accent1"/>
+          </a:effectRef>
+          <a:fontRef idx="minor">
+            <a:schemeClr val="lt1"/>
+          </a:fontRef>
+        </p:style>
+        <p:txBody>
+          <a:bodyPr rtlCol="0" anchor="ctr"/>
+          <a:lstStyle/>
+          <a:p>
+            <a:pPr algn="ctr"/>
+            <a:r>
+              <a:rPr lang="es-PE" dirty="0" smtClean="0">
+                <a:solidFill>
+                  <a:srgbClr val="004F8A"/>
+                </a:solidFill>
+              </a:rPr>
+              <a:t>Proyecto Anterior</a:t>
+            </a:r>
+            <a:endParaRPr lang="es-PE" dirty="0">
+              <a:solidFill>
+                <a:srgbClr val="004F8A"/>
+              </a:solidFill>
+            </a:endParaRPr>
+          </a:p>
+        </p:txBody>
+      </p:sp>
+      <p:sp>
+        <p:nvSpPr>
+          <p:cNvPr id="8" name="7 CuadroTexto"/>
+          <p:cNvSpPr txBox="1"/>
+          <p:nvPr/>
+        </p:nvSpPr>
+        <p:spPr>
+          <a:xfrm>
+            <a:off x="2771800" y="6418352"/>
+            <a:ext cx="5328592" cy="677108"/>
+          </a:xfrm>
+          <a:prstGeom prst="rect">
+            <a:avLst/>
+          </a:prstGeom>
+          <a:noFill/>
+        </p:spPr>
+        <p:txBody>
+          <a:bodyPr wrap="square" rtlCol="0">
+            <a:spAutoFit/>
+          </a:bodyPr>
+          <a:lstStyle/>
+          <a:p>
+            <a:pPr algn="r"/>
+            <a:r>
+              <a:rPr lang="es-PE" sz="1000" b="1" dirty="0"/>
+              <a:t>Diagrama de Procesos: </a:t>
+            </a:r>
+            <a:r>
+              <a:rPr lang="es-PE" sz="1000" b="1" dirty="0" err="1"/>
+              <a:t>Macroproceso</a:t>
+            </a:r>
+            <a:r>
+              <a:rPr lang="es-PE" sz="1000" b="1" dirty="0"/>
+              <a:t> </a:t>
+            </a:r>
+            <a:r>
+              <a:rPr lang="es-PE" sz="1000" b="1" dirty="0" smtClean="0"/>
+              <a:t>“Contabilidad y Presupuesto"</a:t>
+            </a:r>
+            <a:endParaRPr lang="es-PE" sz="1000" b="1" dirty="0"/>
+          </a:p>
+          <a:p>
+            <a:pPr algn="r"/>
+            <a:r>
+              <a:rPr lang="es-ES" sz="1000" b="1" dirty="0"/>
+              <a:t>Fuente: Elaboración Propia</a:t>
+            </a:r>
+            <a:endParaRPr lang="es-PE" sz="1000" b="1" dirty="0"/>
+          </a:p>
+          <a:p>
+            <a:pPr algn="r"/>
+            <a:endParaRPr lang="es-PE" dirty="0"/>
+          </a:p>
+        </p:txBody>
+      </p:sp>
+    </p:spTree>
+    <p:extLst>
+      <p:ext uri="{BB962C8B-B14F-4D97-AF65-F5344CB8AC3E}">
+        <p14:creationId xmlns:p14="http://schemas.microsoft.com/office/powerpoint/2010/main" val="474787151"/>
+      </p:ext>
+    </p:extLst>
+  </p:cSld>
+  <p:clrMapOvr>
+    <a:masterClrMapping/>
+  </p:clrMapOvr>
+  <p:transition spd="slow">
+    <p:fade thruBlk="1"/>
+  </p:transition>
+  <p:timing>
+    <p:tnLst>
+      <p:par>
+        <p:cTn id="1" dur="indefinite" restart="never" nodeType="tmRoot"/>
+      </p:par>
+    </p:tnLst>
+  </p:timing>
+</p:sld>
+</file>
+
+<file path=ppt/slides/slide38.xml><?xml version="1.0" encoding="utf-8"?>
+<p:sld xmlns:a="http://schemas.openxmlformats.org/drawingml/2006/main" xmlns:r="http://schemas.openxmlformats.org/officeDocument/2006/relationships" xmlns:p="http://schemas.openxmlformats.org/presentationml/2006/main">
+  <p:cSld>
+    <p:spTree>
+      <p:nvGrpSpPr>
+        <p:cNvPr id="1" name=""/>
+        <p:cNvGrpSpPr/>
+        <p:nvPr/>
+      </p:nvGrpSpPr>
+      <p:grpSpPr>
+        <a:xfrm>
+          <a:off x="0" y="0"/>
+          <a:ext cx="0" cy="0"/>
+          <a:chOff x="0" y="0"/>
+          <a:chExt cx="0" cy="0"/>
+        </a:xfrm>
+      </p:grpSpPr>
+      <p:sp>
+        <p:nvSpPr>
+          <p:cNvPr id="6" name="5 Título"/>
+          <p:cNvSpPr>
+            <a:spLocks noGrp="1"/>
+          </p:cNvSpPr>
+          <p:nvPr>
+            <p:ph type="ctrTitle"/>
+          </p:nvPr>
+        </p:nvSpPr>
+        <p:spPr>
+          <a:xfrm>
+            <a:off x="4139952" y="5500266"/>
+            <a:ext cx="4764832" cy="1097086"/>
+          </a:xfrm>
+        </p:spPr>
+        <p:txBody>
+          <a:bodyPr/>
+          <a:lstStyle/>
+          <a:p>
+            <a:pPr algn="r"/>
+            <a:r>
+              <a:rPr lang="es-PE" dirty="0" smtClean="0"/>
+              <a:t>GRACIAS</a:t>
+            </a:r>
+            <a:endParaRPr lang="es-PE" dirty="0"/>
+          </a:p>
+        </p:txBody>
+      </p:sp>
+      <p:sp>
+        <p:nvSpPr>
+          <p:cNvPr id="5" name="4 Marcador de número de diapositiva"/>
+          <p:cNvSpPr>
+            <a:spLocks noGrp="1"/>
+          </p:cNvSpPr>
+          <p:nvPr>
+            <p:ph type="sldNum" sz="quarter" idx="12"/>
+          </p:nvPr>
+        </p:nvSpPr>
+        <p:spPr/>
+        <p:txBody>
+          <a:bodyPr/>
+          <a:lstStyle/>
+          <a:p>
+            <a:pPr>
+              <a:defRPr/>
+            </a:pPr>
+            <a:fld id="{ABC6DA0C-88F5-4C27-9344-81B08FDD38DA}" type="slidenum">
+              <a:rPr lang="es-PE" smtClean="0"/>
+              <a:pPr>
+                <a:defRPr/>
+              </a:pPr>
+              <a:t>38</a:t>
+            </a:fld>
+            <a:endParaRPr lang="es-PE" dirty="0"/>
+          </a:p>
+        </p:txBody>
+      </p:sp>
+    </p:spTree>
+    <p:extLst>
+      <p:ext uri="{BB962C8B-B14F-4D97-AF65-F5344CB8AC3E}">
+        <p14:creationId xmlns:p14="http://schemas.microsoft.com/office/powerpoint/2010/main" val="4222525848"/>
+      </p:ext>
+    </p:extLst>
+  </p:cSld>
+  <p:clrMapOvr>
+    <a:masterClrMapping/>
+  </p:clrMapOvr>
+  <p:transition spd="slow">
+    <p:fade thruBlk="1"/>
+  </p:transition>
+  <p:timing>
+    <p:tnLst>
+      <p:par>
+        <p:cTn id="1" dur="indefinite" restart="never" nodeType="tmRoot"/>
+      </p:par>
+    </p:tnLst>
+  </p:timing>
+</p:sld>
+</file>
+
+<file path=ppt/slides/slide39.xml><?xml version="1.0" encoding="utf-8"?>
+<p:sld xmlns:a="http://schemas.openxmlformats.org/drawingml/2006/main" xmlns:r="http://schemas.openxmlformats.org/officeDocument/2006/relationships" xmlns:p="http://schemas.openxmlformats.org/presentationml/2006/main">
+  <p:cSld>
+    <p:spTree>
+      <p:nvGrpSpPr>
+        <p:cNvPr id="1" name=""/>
+        <p:cNvGrpSpPr/>
+        <p:nvPr/>
+      </p:nvGrpSpPr>
+      <p:grpSpPr>
+        <a:xfrm>
+          <a:off x="0" y="0"/>
+          <a:ext cx="0" cy="0"/>
+          <a:chOff x="0" y="0"/>
+          <a:chExt cx="0" cy="0"/>
+        </a:xfrm>
+      </p:grpSpPr>
+      <p:sp>
+        <p:nvSpPr>
+          <p:cNvPr id="2" name="1 Título"/>
+          <p:cNvSpPr>
+            <a:spLocks noGrp="1"/>
+          </p:cNvSpPr>
+          <p:nvPr>
+            <p:ph type="title"/>
+          </p:nvPr>
+        </p:nvSpPr>
+        <p:spPr/>
+        <p:txBody>
+          <a:bodyPr/>
+          <a:lstStyle/>
+          <a:p>
+            <a:endParaRPr lang="es-PE"/>
+          </a:p>
+        </p:txBody>
+      </p:sp>
+      <p:sp>
+        <p:nvSpPr>
+          <p:cNvPr id="3" name="2 Marcador de contenido"/>
+          <p:cNvSpPr>
+            <a:spLocks noGrp="1"/>
+          </p:cNvSpPr>
+          <p:nvPr>
+            <p:ph idx="1"/>
+          </p:nvPr>
+        </p:nvSpPr>
+        <p:spPr/>
+        <p:txBody>
+          <a:bodyPr/>
+          <a:lstStyle/>
+          <a:p>
+            <a:endParaRPr lang="es-PE"/>
+          </a:p>
+        </p:txBody>
+      </p:sp>
+      <p:sp>
+        <p:nvSpPr>
+          <p:cNvPr id="4" name="3 Marcador de pie de página"/>
+          <p:cNvSpPr>
+            <a:spLocks noGrp="1"/>
+          </p:cNvSpPr>
+          <p:nvPr>
+            <p:ph type="ftr" sz="quarter" idx="11"/>
+          </p:nvPr>
+        </p:nvSpPr>
+        <p:spPr/>
+        <p:txBody>
+          <a:bodyPr/>
+          <a:lstStyle/>
+          <a:p>
+            <a:pPr>
+              <a:defRPr/>
+            </a:pPr>
+            <a:endParaRPr lang="es-ES" dirty="0"/>
+          </a:p>
+        </p:txBody>
+      </p:sp>
+      <p:sp>
+        <p:nvSpPr>
+          <p:cNvPr id="5" name="4 Marcador de número de diapositiva"/>
+          <p:cNvSpPr>
+            <a:spLocks noGrp="1"/>
+          </p:cNvSpPr>
+          <p:nvPr>
+            <p:ph type="sldNum" sz="quarter" idx="12"/>
+          </p:nvPr>
+        </p:nvSpPr>
+        <p:spPr/>
+        <p:txBody>
+          <a:bodyPr/>
+          <a:lstStyle/>
+          <a:p>
+            <a:pPr>
+              <a:defRPr/>
+            </a:pPr>
+            <a:fld id="{136A18BD-B34A-4A65-9A7B-D6103CEFB862}" type="slidenum">
+              <a:rPr lang="es-PE" smtClean="0"/>
+              <a:pPr>
+                <a:defRPr/>
+              </a:pPr>
+              <a:t>39</a:t>
+            </a:fld>
+            <a:endParaRPr lang="es-PE" dirty="0"/>
+          </a:p>
+        </p:txBody>
+      </p:sp>
+      <p:sp>
+        <p:nvSpPr>
+          <p:cNvPr id="6" name="5 Rectángulo"/>
+          <p:cNvSpPr/>
+          <p:nvPr/>
+        </p:nvSpPr>
+        <p:spPr>
+          <a:xfrm>
+            <a:off x="-396552" y="-459432"/>
+            <a:ext cx="9793088" cy="7416824"/>
+          </a:xfrm>
+          <a:prstGeom prst="rect">
+            <a:avLst/>
+          </a:prstGeom>
+          <a:solidFill>
+            <a:schemeClr val="tx1"/>
+          </a:solidFill>
+        </p:spPr>
+        <p:style>
+          <a:lnRef idx="2">
+            <a:schemeClr val="accent1">
+              <a:shade val="50000"/>
+            </a:schemeClr>
+          </a:lnRef>
+          <a:fillRef idx="1">
+            <a:schemeClr val="accent1"/>
+          </a:fillRef>
+          <a:effectRef idx="0">
+            <a:schemeClr val="accent1"/>
+          </a:effectRef>
+          <a:fontRef idx="minor">
+            <a:schemeClr val="lt1"/>
+          </a:fontRef>
+        </p:style>
+        <p:txBody>
+          <a:bodyPr rtlCol="0" anchor="ctr"/>
+          <a:lstStyle/>
+          <a:p>
+            <a:pPr algn="ctr"/>
+            <a:endParaRPr lang="es-PE"/>
+          </a:p>
+        </p:txBody>
+      </p:sp>
+    </p:spTree>
+    <p:extLst>
+      <p:ext uri="{BB962C8B-B14F-4D97-AF65-F5344CB8AC3E}">
+        <p14:creationId xmlns:p14="http://schemas.microsoft.com/office/powerpoint/2010/main" val="937120603"/>
       </p:ext>
     </p:extLst>
   </p:cSld>
@@ -30299,6 +31698,601 @@
 </p:sld>
 </file>
 
+<file path=ppt/slides/slide40.xml><?xml version="1.0" encoding="utf-8"?>
+<p:sld xmlns:a="http://schemas.openxmlformats.org/drawingml/2006/main" xmlns:r="http://schemas.openxmlformats.org/officeDocument/2006/relationships" xmlns:p="http://schemas.openxmlformats.org/presentationml/2006/main">
+  <p:cSld>
+    <p:spTree>
+      <p:nvGrpSpPr>
+        <p:cNvPr id="1" name=""/>
+        <p:cNvGrpSpPr/>
+        <p:nvPr/>
+      </p:nvGrpSpPr>
+      <p:grpSpPr>
+        <a:xfrm>
+          <a:off x="0" y="0"/>
+          <a:ext cx="0" cy="0"/>
+          <a:chOff x="0" y="0"/>
+          <a:chExt cx="0" cy="0"/>
+        </a:xfrm>
+      </p:grpSpPr>
+      <p:sp>
+        <p:nvSpPr>
+          <p:cNvPr id="2" name="1 Título"/>
+          <p:cNvSpPr>
+            <a:spLocks noGrp="1"/>
+          </p:cNvSpPr>
+          <p:nvPr>
+            <p:ph type="title"/>
+          </p:nvPr>
+        </p:nvSpPr>
+        <p:spPr/>
+        <p:txBody>
+          <a:bodyPr>
+            <a:normAutofit fontScale="90000"/>
+          </a:bodyPr>
+          <a:lstStyle/>
+          <a:p>
+            <a:r>
+              <a:rPr lang="es-PE" dirty="0" smtClean="0"/>
+              <a:t>CONTABILIDAD </a:t>
+            </a:r>
+            <a:r>
+              <a:rPr lang="es-PE" dirty="0"/>
+              <a:t>Y </a:t>
+            </a:r>
+            <a:r>
+              <a:rPr lang="es-PE" dirty="0" smtClean="0"/>
+              <a:t>PRESUPUESTO </a:t>
+            </a:r>
+            <a:r>
+              <a:rPr lang="es-PE" dirty="0"/>
+              <a:t>– Proyecto Anterior</a:t>
+            </a:r>
+            <a:endParaRPr lang="es-PE" dirty="0"/>
+          </a:p>
+        </p:txBody>
+      </p:sp>
+      <p:pic>
+        <p:nvPicPr>
+          <p:cNvPr id="7" name="Picture 38"/>
+          <p:cNvPicPr/>
+          <p:nvPr/>
+        </p:nvPicPr>
+        <p:blipFill>
+          <a:blip r:embed="rId2" cstate="print"/>
+          <a:srcRect b="14001"/>
+          <a:stretch>
+            <a:fillRect/>
+          </a:stretch>
+        </p:blipFill>
+        <p:spPr bwMode="auto">
+          <a:xfrm>
+            <a:off x="1707832" y="1794192"/>
+            <a:ext cx="5728335" cy="3269615"/>
+          </a:xfrm>
+          <a:prstGeom prst="rect">
+            <a:avLst/>
+          </a:prstGeom>
+          <a:noFill/>
+          <a:ln w="9525">
+            <a:noFill/>
+            <a:miter lim="800000"/>
+            <a:headEnd/>
+            <a:tailEnd/>
+          </a:ln>
+        </p:spPr>
+      </p:pic>
+      <p:sp>
+        <p:nvSpPr>
+          <p:cNvPr id="3" name="2 CuadroTexto"/>
+          <p:cNvSpPr txBox="1"/>
+          <p:nvPr/>
+        </p:nvSpPr>
+        <p:spPr>
+          <a:xfrm>
+            <a:off x="395536" y="5063807"/>
+            <a:ext cx="8280920" cy="553998"/>
+          </a:xfrm>
+          <a:prstGeom prst="rect">
+            <a:avLst/>
+          </a:prstGeom>
+          <a:noFill/>
+        </p:spPr>
+        <p:txBody>
+          <a:bodyPr wrap="square" rtlCol="0">
+            <a:spAutoFit/>
+          </a:bodyPr>
+          <a:lstStyle/>
+          <a:p>
+            <a:pPr algn="ctr"/>
+            <a:r>
+              <a:rPr lang="es-PE" sz="1000" b="1" dirty="0"/>
+              <a:t>Diagrama del macro proceso “Contabilidad y Presupuestos”</a:t>
+            </a:r>
+          </a:p>
+          <a:p>
+            <a:pPr algn="ctr"/>
+            <a:r>
+              <a:rPr lang="es-PE" sz="1000" b="1" dirty="0"/>
+              <a:t>Fuente: </a:t>
+            </a:r>
+            <a:r>
+              <a:rPr lang="es-PE" sz="1000" b="1" dirty="0"/>
+              <a:t>Memoria de Proyecto “Modelo de Negocios Empresarial de la Oficina Central de Fe y Alegría”</a:t>
+            </a:r>
+          </a:p>
+          <a:p>
+            <a:endParaRPr lang="es-PE" sz="1000" dirty="0"/>
+          </a:p>
+        </p:txBody>
+      </p:sp>
+      <p:sp>
+        <p:nvSpPr>
+          <p:cNvPr id="4" name="3 Flecha izquierda">
+            <a:hlinkClick r:id="rId3" action="ppaction://hlinksldjump"/>
+          </p:cNvPr>
+          <p:cNvSpPr/>
+          <p:nvPr/>
+        </p:nvSpPr>
+        <p:spPr>
+          <a:xfrm>
+            <a:off x="755576" y="5949280"/>
+            <a:ext cx="360040" cy="360040"/>
+          </a:xfrm>
+          <a:prstGeom prst="leftArrow">
+            <a:avLst/>
+          </a:prstGeom>
+          <a:solidFill>
+            <a:srgbClr val="FF0000"/>
+          </a:solidFill>
+        </p:spPr>
+        <p:style>
+          <a:lnRef idx="2">
+            <a:schemeClr val="accent1">
+              <a:shade val="50000"/>
+            </a:schemeClr>
+          </a:lnRef>
+          <a:fillRef idx="1">
+            <a:schemeClr val="accent1"/>
+          </a:fillRef>
+          <a:effectRef idx="0">
+            <a:schemeClr val="accent1"/>
+          </a:effectRef>
+          <a:fontRef idx="minor">
+            <a:schemeClr val="lt1"/>
+          </a:fontRef>
+        </p:style>
+        <p:txBody>
+          <a:bodyPr rtlCol="0" anchor="ctr"/>
+          <a:lstStyle/>
+          <a:p>
+            <a:pPr algn="ctr"/>
+            <a:endParaRPr lang="es-PE"/>
+          </a:p>
+        </p:txBody>
+      </p:sp>
+    </p:spTree>
+    <p:extLst>
+      <p:ext uri="{BB962C8B-B14F-4D97-AF65-F5344CB8AC3E}">
+        <p14:creationId xmlns:p14="http://schemas.microsoft.com/office/powerpoint/2010/main" val="652088297"/>
+      </p:ext>
+    </p:extLst>
+  </p:cSld>
+  <p:clrMapOvr>
+    <a:masterClrMapping/>
+  </p:clrMapOvr>
+  <p:transition spd="slow">
+    <p:fade thruBlk="1"/>
+  </p:transition>
+  <p:timing>
+    <p:tnLst>
+      <p:par>
+        <p:cTn id="1" dur="indefinite" restart="never" nodeType="tmRoot"/>
+      </p:par>
+    </p:tnLst>
+  </p:timing>
+</p:sld>
+</file>
+
+<file path=ppt/slides/slide41.xml><?xml version="1.0" encoding="utf-8"?>
+<p:sld xmlns:a="http://schemas.openxmlformats.org/drawingml/2006/main" xmlns:r="http://schemas.openxmlformats.org/officeDocument/2006/relationships" xmlns:p="http://schemas.openxmlformats.org/presentationml/2006/main">
+  <p:cSld>
+    <p:spTree>
+      <p:nvGrpSpPr>
+        <p:cNvPr id="1" name=""/>
+        <p:cNvGrpSpPr/>
+        <p:nvPr/>
+      </p:nvGrpSpPr>
+      <p:grpSpPr>
+        <a:xfrm>
+          <a:off x="0" y="0"/>
+          <a:ext cx="0" cy="0"/>
+          <a:chOff x="0" y="0"/>
+          <a:chExt cx="0" cy="0"/>
+        </a:xfrm>
+      </p:grpSpPr>
+      <p:sp>
+        <p:nvSpPr>
+          <p:cNvPr id="2" name="1 Título"/>
+          <p:cNvSpPr>
+            <a:spLocks noGrp="1"/>
+          </p:cNvSpPr>
+          <p:nvPr>
+            <p:ph type="title"/>
+          </p:nvPr>
+        </p:nvSpPr>
+        <p:spPr/>
+        <p:txBody>
+          <a:bodyPr>
+            <a:normAutofit fontScale="90000"/>
+          </a:bodyPr>
+          <a:lstStyle/>
+          <a:p>
+            <a:r>
+              <a:rPr lang="es-PE" dirty="0" smtClean="0"/>
+              <a:t>GESTIÓN </a:t>
+            </a:r>
+            <a:r>
+              <a:rPr lang="es-PE" dirty="0"/>
+              <a:t>DE </a:t>
+            </a:r>
+            <a:r>
+              <a:rPr lang="es-PE" dirty="0" smtClean="0"/>
+              <a:t>ABASTECIMIENTO </a:t>
+            </a:r>
+            <a:r>
+              <a:rPr lang="es-PE" dirty="0"/>
+              <a:t>– Proyecto Anterior</a:t>
+            </a:r>
+            <a:endParaRPr lang="es-PE" dirty="0"/>
+          </a:p>
+        </p:txBody>
+      </p:sp>
+      <p:pic>
+        <p:nvPicPr>
+          <p:cNvPr id="7" name="Picture 42"/>
+          <p:cNvPicPr/>
+          <p:nvPr/>
+        </p:nvPicPr>
+        <p:blipFill>
+          <a:blip r:embed="rId2" cstate="print"/>
+          <a:srcRect b="7739"/>
+          <a:stretch>
+            <a:fillRect/>
+          </a:stretch>
+        </p:blipFill>
+        <p:spPr bwMode="auto">
+          <a:xfrm>
+            <a:off x="1755457" y="1844824"/>
+            <a:ext cx="5192807" cy="4313723"/>
+          </a:xfrm>
+          <a:prstGeom prst="rect">
+            <a:avLst/>
+          </a:prstGeom>
+          <a:noFill/>
+          <a:ln w="9525">
+            <a:noFill/>
+            <a:miter lim="800000"/>
+            <a:headEnd/>
+            <a:tailEnd/>
+          </a:ln>
+        </p:spPr>
+      </p:pic>
+      <p:sp>
+        <p:nvSpPr>
+          <p:cNvPr id="3" name="2 CuadroTexto"/>
+          <p:cNvSpPr txBox="1"/>
+          <p:nvPr/>
+        </p:nvSpPr>
+        <p:spPr>
+          <a:xfrm>
+            <a:off x="467544" y="6158547"/>
+            <a:ext cx="7704856" cy="400110"/>
+          </a:xfrm>
+          <a:prstGeom prst="rect">
+            <a:avLst/>
+          </a:prstGeom>
+          <a:noFill/>
+        </p:spPr>
+        <p:txBody>
+          <a:bodyPr wrap="square" rtlCol="0">
+            <a:spAutoFit/>
+          </a:bodyPr>
+          <a:lstStyle/>
+          <a:p>
+            <a:pPr algn="ctr"/>
+            <a:r>
+              <a:rPr lang="es-PE" sz="1000" b="1" dirty="0"/>
+              <a:t>Diagrama del macro proceso “Gestión de Abastecimiento”</a:t>
+            </a:r>
+          </a:p>
+          <a:p>
+            <a:pPr algn="ctr"/>
+            <a:r>
+              <a:rPr lang="es-PE" sz="1000" b="1" dirty="0"/>
+              <a:t>Fuente</a:t>
+            </a:r>
+            <a:r>
+              <a:rPr lang="es-PE" sz="1000" b="1" dirty="0" smtClean="0"/>
+              <a:t>: </a:t>
+            </a:r>
+            <a:r>
+              <a:rPr lang="es-PE" sz="1000" b="1" dirty="0"/>
+              <a:t>Memoria de Proyecto “Modelo de Negocios Empresarial de la Oficina Central de Fe y Alegría</a:t>
+            </a:r>
+            <a:r>
+              <a:rPr lang="es-PE" sz="1000" b="1" dirty="0" smtClean="0"/>
+              <a:t>”</a:t>
+            </a:r>
+            <a:endParaRPr lang="es-PE" sz="1000" b="1" dirty="0"/>
+          </a:p>
+        </p:txBody>
+      </p:sp>
+      <p:sp>
+        <p:nvSpPr>
+          <p:cNvPr id="8" name="7 Flecha izquierda">
+            <a:hlinkClick r:id="rId3" action="ppaction://hlinksldjump"/>
+          </p:cNvPr>
+          <p:cNvSpPr/>
+          <p:nvPr/>
+        </p:nvSpPr>
+        <p:spPr>
+          <a:xfrm>
+            <a:off x="575556" y="6198617"/>
+            <a:ext cx="360040" cy="360040"/>
+          </a:xfrm>
+          <a:prstGeom prst="leftArrow">
+            <a:avLst/>
+          </a:prstGeom>
+          <a:solidFill>
+            <a:srgbClr val="FF0000"/>
+          </a:solidFill>
+        </p:spPr>
+        <p:style>
+          <a:lnRef idx="2">
+            <a:schemeClr val="accent1">
+              <a:shade val="50000"/>
+            </a:schemeClr>
+          </a:lnRef>
+          <a:fillRef idx="1">
+            <a:schemeClr val="accent1"/>
+          </a:fillRef>
+          <a:effectRef idx="0">
+            <a:schemeClr val="accent1"/>
+          </a:effectRef>
+          <a:fontRef idx="minor">
+            <a:schemeClr val="lt1"/>
+          </a:fontRef>
+        </p:style>
+        <p:txBody>
+          <a:bodyPr rtlCol="0" anchor="ctr"/>
+          <a:lstStyle/>
+          <a:p>
+            <a:pPr algn="ctr"/>
+            <a:endParaRPr lang="es-PE"/>
+          </a:p>
+        </p:txBody>
+      </p:sp>
+    </p:spTree>
+    <p:extLst>
+      <p:ext uri="{BB962C8B-B14F-4D97-AF65-F5344CB8AC3E}">
+        <p14:creationId xmlns:p14="http://schemas.microsoft.com/office/powerpoint/2010/main" val="1377543476"/>
+      </p:ext>
+    </p:extLst>
+  </p:cSld>
+  <p:clrMapOvr>
+    <a:masterClrMapping/>
+  </p:clrMapOvr>
+  <p:transition spd="slow">
+    <p:fade thruBlk="1"/>
+  </p:transition>
+  <p:timing>
+    <p:tnLst>
+      <p:par>
+        <p:cTn id="1" dur="indefinite" restart="never" nodeType="tmRoot"/>
+      </p:par>
+    </p:tnLst>
+  </p:timing>
+</p:sld>
+</file>
+
+<file path=ppt/slides/slide42.xml><?xml version="1.0" encoding="utf-8"?>
+<p:sld xmlns:a="http://schemas.openxmlformats.org/drawingml/2006/main" xmlns:r="http://schemas.openxmlformats.org/officeDocument/2006/relationships" xmlns:p="http://schemas.openxmlformats.org/presentationml/2006/main">
+  <p:cSld>
+    <p:spTree>
+      <p:nvGrpSpPr>
+        <p:cNvPr id="1" name=""/>
+        <p:cNvGrpSpPr/>
+        <p:nvPr/>
+      </p:nvGrpSpPr>
+      <p:grpSpPr>
+        <a:xfrm>
+          <a:off x="0" y="0"/>
+          <a:ext cx="0" cy="0"/>
+          <a:chOff x="0" y="0"/>
+          <a:chExt cx="0" cy="0"/>
+        </a:xfrm>
+      </p:grpSpPr>
+      <p:sp>
+        <p:nvSpPr>
+          <p:cNvPr id="2" name="1 Título"/>
+          <p:cNvSpPr>
+            <a:spLocks noGrp="1"/>
+          </p:cNvSpPr>
+          <p:nvPr>
+            <p:ph type="title"/>
+          </p:nvPr>
+        </p:nvSpPr>
+        <p:spPr/>
+        <p:txBody>
+          <a:bodyPr>
+            <a:normAutofit fontScale="90000"/>
+          </a:bodyPr>
+          <a:lstStyle/>
+          <a:p>
+            <a:r>
+              <a:rPr lang="es-PE" dirty="0"/>
+              <a:t>GESTIÓN DE OBRAS </a:t>
+            </a:r>
+            <a:r>
+              <a:rPr lang="es-PE" dirty="0" smtClean="0"/>
+              <a:t>CIVILES – Proyecto Anterior</a:t>
+            </a:r>
+            <a:endParaRPr lang="es-PE" dirty="0"/>
+          </a:p>
+        </p:txBody>
+      </p:sp>
+      <p:pic>
+        <p:nvPicPr>
+          <p:cNvPr id="7" name="Picture 46"/>
+          <p:cNvPicPr/>
+          <p:nvPr/>
+        </p:nvPicPr>
+        <p:blipFill>
+          <a:blip r:embed="rId2" cstate="print"/>
+          <a:srcRect b="25301"/>
+          <a:stretch>
+            <a:fillRect/>
+          </a:stretch>
+        </p:blipFill>
+        <p:spPr bwMode="auto">
+          <a:xfrm>
+            <a:off x="1905484" y="2323401"/>
+            <a:ext cx="5797952" cy="2689775"/>
+          </a:xfrm>
+          <a:prstGeom prst="rect">
+            <a:avLst/>
+          </a:prstGeom>
+          <a:noFill/>
+          <a:ln w="9525">
+            <a:noFill/>
+            <a:miter lim="800000"/>
+            <a:headEnd/>
+            <a:tailEnd/>
+          </a:ln>
+        </p:spPr>
+      </p:pic>
+      <p:sp>
+        <p:nvSpPr>
+          <p:cNvPr id="3" name="2 CuadroTexto"/>
+          <p:cNvSpPr txBox="1"/>
+          <p:nvPr/>
+        </p:nvSpPr>
+        <p:spPr>
+          <a:xfrm>
+            <a:off x="971600" y="5013176"/>
+            <a:ext cx="7776864" cy="677108"/>
+          </a:xfrm>
+          <a:prstGeom prst="rect">
+            <a:avLst/>
+          </a:prstGeom>
+          <a:noFill/>
+        </p:spPr>
+        <p:txBody>
+          <a:bodyPr wrap="square" rtlCol="0">
+            <a:spAutoFit/>
+          </a:bodyPr>
+          <a:lstStyle/>
+          <a:p>
+            <a:pPr algn="ctr"/>
+            <a:r>
+              <a:rPr lang="es-PE" sz="1000" b="1" dirty="0"/>
+              <a:t>Diagrama del macro proceso “Gestión de Obras Civiles”</a:t>
+            </a:r>
+          </a:p>
+          <a:p>
+            <a:pPr algn="ctr"/>
+            <a:r>
+              <a:rPr lang="es-PE" sz="1000" b="1" dirty="0"/>
+              <a:t>Fuente: </a:t>
+            </a:r>
+            <a:r>
+              <a:rPr lang="es-PE" sz="1000" b="1" dirty="0" smtClean="0"/>
+              <a:t>Memoria de Proyecto “</a:t>
+            </a:r>
+            <a:r>
+              <a:rPr lang="es-PE" sz="1000" b="1" dirty="0"/>
+              <a:t>Modelo de Negocios Empresarial de la Oficina Central de Fe y Alegría</a:t>
+            </a:r>
+            <a:r>
+              <a:rPr lang="es-PE" sz="1000" b="1" dirty="0" smtClean="0"/>
+              <a:t>”</a:t>
+            </a:r>
+            <a:endParaRPr lang="es-PE" sz="1000" b="1" dirty="0"/>
+          </a:p>
+          <a:p>
+            <a:endParaRPr lang="es-PE" dirty="0"/>
+          </a:p>
+        </p:txBody>
+      </p:sp>
+      <p:sp>
+        <p:nvSpPr>
+          <p:cNvPr id="6" name="5 Flecha izquierda">
+            <a:hlinkClick r:id="rId3" action="ppaction://hlinksldjump"/>
+          </p:cNvPr>
+          <p:cNvSpPr/>
+          <p:nvPr/>
+        </p:nvSpPr>
+        <p:spPr>
+          <a:xfrm>
+            <a:off x="755576" y="5949280"/>
+            <a:ext cx="360040" cy="360040"/>
+          </a:xfrm>
+          <a:prstGeom prst="leftArrow">
+            <a:avLst/>
+          </a:prstGeom>
+          <a:solidFill>
+            <a:srgbClr val="FF0000"/>
+          </a:solidFill>
+        </p:spPr>
+        <p:style>
+          <a:lnRef idx="2">
+            <a:schemeClr val="accent1">
+              <a:shade val="50000"/>
+            </a:schemeClr>
+          </a:lnRef>
+          <a:fillRef idx="1">
+            <a:schemeClr val="accent1"/>
+          </a:fillRef>
+          <a:effectRef idx="0">
+            <a:schemeClr val="accent1"/>
+          </a:effectRef>
+          <a:fontRef idx="minor">
+            <a:schemeClr val="lt1"/>
+          </a:fontRef>
+        </p:style>
+        <p:txBody>
+          <a:bodyPr rtlCol="0" anchor="ctr"/>
+          <a:lstStyle/>
+          <a:p>
+            <a:pPr algn="ctr"/>
+            <a:endParaRPr lang="es-PE"/>
+          </a:p>
+        </p:txBody>
+      </p:sp>
+    </p:spTree>
+    <p:extLst>
+      <p:ext uri="{BB962C8B-B14F-4D97-AF65-F5344CB8AC3E}">
+        <p14:creationId xmlns:p14="http://schemas.microsoft.com/office/powerpoint/2010/main" val="814916345"/>
+      </p:ext>
+    </p:extLst>
+  </p:cSld>
+  <p:clrMapOvr>
+    <a:masterClrMapping/>
+  </p:clrMapOvr>
+  <p:transition spd="slow">
+    <p:fade thruBlk="1"/>
+  </p:transition>
+  <p:timing>
+    <p:tnLst>
+      <p:par>
+        <p:cTn id="1" dur="indefinite" restart="never" nodeType="tmRoot"/>
+      </p:par>
+    </p:tnLst>
+  </p:timing>
+</p:sld>
+</file>
+
 <file path=ppt/slides/slide5.xml><?xml version="1.0" encoding="utf-8"?>
 <p:sld xmlns:a="http://schemas.openxmlformats.org/drawingml/2006/main" xmlns:r="http://schemas.openxmlformats.org/officeDocument/2006/relationships" xmlns:p="http://schemas.openxmlformats.org/presentationml/2006/main">
   <p:cSld>
@@ -30426,15 +32420,7 @@
                   <a:srgbClr val="FFC000"/>
                 </a:solidFill>
               </a:rPr>
-              <a:t>procesos se realizan </a:t>
-            </a:r>
-            <a:r>
-              <a:rPr lang="es-PE" sz="2000" b="1" dirty="0">
-                <a:solidFill>
-                  <a:srgbClr val="FFC000"/>
-                </a:solidFill>
-              </a:rPr>
-              <a:t>de manera manual y mecánica</a:t>
+              <a:t>procesos se realizan de manera manual y mecánica</a:t>
             </a:r>
             <a:r>
               <a:rPr lang="es-PE" sz="2000" dirty="0"/>
@@ -30756,11 +32742,7 @@
             </a:r>
             <a:r>
               <a:rPr lang="es-ES" sz="1800" dirty="0" smtClean="0"/>
-              <a:t>	             y </a:t>
-            </a:r>
-            <a:r>
-              <a:rPr lang="es-ES" sz="1800" dirty="0" smtClean="0"/>
-              <a:t>cómo todas las </a:t>
+              <a:t>	             y cómo todas las </a:t>
             </a:r>
             <a:r>
               <a:rPr lang="es-ES" sz="1800" dirty="0"/>
@@ -30964,15 +32946,7 @@
             </a:r>
             <a:r>
               <a:rPr lang="es-ES" sz="2000" dirty="0" smtClean="0"/>
-              <a:t>mpresarial de </a:t>
-            </a:r>
-            <a:r>
-              <a:rPr lang="es-ES" sz="2000" dirty="0" smtClean="0"/>
-              <a:t>la Oficina de </a:t>
-            </a:r>
-            <a:r>
-              <a:rPr lang="es-ES" sz="2000" dirty="0" smtClean="0"/>
-              <a:t>Fe </a:t>
+              <a:t>mpresarial de la Oficina de Fe </a:t>
             </a:r>
             <a:r>
               <a:rPr lang="es-ES" sz="2000" dirty="0"/>
@@ -30980,15 +32954,7 @@
             </a:r>
             <a:r>
               <a:rPr lang="es-ES" sz="2000" dirty="0" smtClean="0"/>
-              <a:t>. Esto incluiría la Arquitectura de Negocios, Arquitectura de Aplicaciones, Arquitectura de Datos y la </a:t>
-            </a:r>
-            <a:r>
-              <a:rPr lang="es-ES" sz="2000" dirty="0" smtClean="0"/>
-              <a:t>Arquitectura de </a:t>
-            </a:r>
-            <a:r>
-              <a:rPr lang="es-ES" sz="2000" dirty="0" smtClean="0"/>
-              <a:t>Redes.</a:t>
+              <a:t>. Esto incluiría la Arquitectura de Negocios, Arquitectura de Aplicaciones, Arquitectura de Datos y la Arquitectura de Redes.</a:t>
             </a:r>
           </a:p>
           <a:p>

--- a/trunk/Presentacion Final Ciclo 2011-1/Presentación Semana 17.pptx
+++ b/trunk/Presentacion Final Ciclo 2011-1/Presentación Semana 17.pptx
@@ -12255,10 +12255,6 @@
               <a:rPr lang="es-PE" dirty="0" smtClean="0"/>
               <a:t>2010-1</a:t>
             </a:r>
-            <a:r>
-              <a:rPr lang="es-PE" dirty="0" smtClean="0"/>
-              <a:t/>
-            </a:r>
             <a:br>
               <a:rPr lang="es-PE" dirty="0" smtClean="0"/>
             </a:br>
@@ -16412,7 +16408,7 @@
           <p:nvPr>
             <p:extLst>
               <p:ext uri="{D42A27DB-BD31-4B8C-83A1-F6EECF244321}">
-                <p14:modId xmlns:p14="http://schemas.microsoft.com/office/powerpoint/2010/main" val="1173423388"/>
+                <p14:modId xmlns:p14="http://schemas.microsoft.com/office/powerpoint/2010/main" val="2912345889"/>
               </p:ext>
             </p:extLst>
           </p:nvPr>
@@ -17289,7 +17285,17 @@
                           <a:effectLst/>
                           <a:latin typeface="Calibri"/>
                         </a:rPr>
-                        <a:t>GESTIÓN DE ABASTECIMIENTOS</a:t>
+                        <a:t>GESTIÓN DE </a:t>
+                      </a:r>
+                      <a:r>
+                        <a:rPr lang="es-PE" sz="1600" b="1" i="0" u="none" strike="noStrike" dirty="0" smtClean="0">
+                          <a:solidFill>
+                            <a:srgbClr val="FFFFFF"/>
+                          </a:solidFill>
+                          <a:effectLst/>
+                          <a:latin typeface="Calibri"/>
+                        </a:rPr>
+                        <a:t>ABASTECIMIENTO</a:t>
                       </a:r>
                       <a:endParaRPr lang="es-PE" sz="1600" b="1" i="0" u="none" strike="noStrike" dirty="0">
                         <a:solidFill>
@@ -30221,7 +30227,6 @@
               <a:rPr lang="es-PE" dirty="0"/>
               <a:t>GESTIÓN DE OBRAS CIVILES</a:t>
             </a:r>
-            <a:endParaRPr lang="es-PE" dirty="0"/>
           </a:p>
         </p:txBody>
       </p:sp>
@@ -30705,7 +30710,6 @@
               <a:rPr lang="es-PE" dirty="0"/>
               <a:t>GESTIÓN DE CONTROL DE PAGOS</a:t>
             </a:r>
-            <a:endParaRPr lang="es-PE" dirty="0"/>
           </a:p>
         </p:txBody>
       </p:sp>
@@ -30891,7 +30895,6 @@
               <a:rPr lang="es-PE" dirty="0"/>
               <a:t>Y PRESUPUESTO</a:t>
             </a:r>
-            <a:endParaRPr lang="es-PE" dirty="0"/>
           </a:p>
         </p:txBody>
       </p:sp>
@@ -31748,7 +31751,6 @@
               <a:rPr lang="es-PE" dirty="0"/>
               <a:t>– Proyecto Anterior</a:t>
             </a:r>
-            <a:endParaRPr lang="es-PE" dirty="0"/>
           </a:p>
         </p:txBody>
       </p:sp>
@@ -31814,11 +31816,7 @@
             <a:pPr algn="ctr"/>
             <a:r>
               <a:rPr lang="es-PE" sz="1000" b="1" dirty="0"/>
-              <a:t>Fuente: </a:t>
-            </a:r>
-            <a:r>
-              <a:rPr lang="es-PE" sz="1000" b="1" dirty="0"/>
-              <a:t>Memoria de Proyecto “Modelo de Negocios Empresarial de la Oficina Central de Fe y Alegría”</a:t>
+              <a:t>Fuente: Memoria de Proyecto “Modelo de Negocios Empresarial de la Oficina Central de Fe y Alegría”</a:t>
             </a:r>
           </a:p>
           <a:p>
@@ -31944,7 +31942,6 @@
               <a:rPr lang="es-PE" dirty="0"/>
               <a:t>– Proyecto Anterior</a:t>
             </a:r>
-            <a:endParaRPr lang="es-PE" dirty="0"/>
           </a:p>
         </p:txBody>
       </p:sp>
@@ -33031,7 +33028,7 @@
         <p:spPr>
           <a:xfrm>
             <a:off x="443481" y="5083294"/>
-            <a:ext cx="7056784" cy="1754326"/>
+            <a:ext cx="7056784" cy="1877437"/>
           </a:xfrm>
           <a:prstGeom prst="rect">
             <a:avLst/>
@@ -33061,10 +33058,16 @@
               <a:buNone/>
             </a:pPr>
             <a:r>
-              <a:rPr lang="es-ES" dirty="0"/>
+              <a:rPr lang="es-ES" sz="2000" dirty="0">
+                <a:latin typeface="+mn-lt"/>
+                <a:cs typeface="+mn-cs"/>
+              </a:rPr>
               <a:t>El alcance se redujo a sólo realizar el Modelo de Negocios de la mayoría de Procesos de la Oficina Central de Fe y Alegría Perú, dejando los procesos de Administración y Contabilidad fuera del alcance.</a:t>
             </a:r>
-            <a:endParaRPr lang="es-PE" dirty="0"/>
+            <a:endParaRPr lang="es-PE" sz="2000" dirty="0">
+              <a:latin typeface="+mn-lt"/>
+              <a:cs typeface="+mn-cs"/>
+            </a:endParaRPr>
           </a:p>
           <a:p>
             <a:endParaRPr lang="es-PE" dirty="0"/>

--- a/trunk/Presentacion Final Ciclo 2011-1/Presentación Semana 17.pptx
+++ b/trunk/Presentacion Final Ciclo 2011-1/Presentación Semana 17.pptx
@@ -5218,6 +5218,96 @@
 </p:notes>
 </file>
 
+<file path=ppt/notesSlides/notesSlide3.xml><?xml version="1.0" encoding="utf-8"?>
+<p:notes xmlns:a="http://schemas.openxmlformats.org/drawingml/2006/main" xmlns:r="http://schemas.openxmlformats.org/officeDocument/2006/relationships" xmlns:p="http://schemas.openxmlformats.org/presentationml/2006/main">
+  <p:cSld>
+    <p:spTree>
+      <p:nvGrpSpPr>
+        <p:cNvPr id="1" name=""/>
+        <p:cNvGrpSpPr/>
+        <p:nvPr/>
+      </p:nvGrpSpPr>
+      <p:grpSpPr>
+        <a:xfrm>
+          <a:off x="0" y="0"/>
+          <a:ext cx="0" cy="0"/>
+          <a:chOff x="0" y="0"/>
+          <a:chExt cx="0" cy="0"/>
+        </a:xfrm>
+      </p:grpSpPr>
+      <p:sp>
+        <p:nvSpPr>
+          <p:cNvPr id="2" name="1 Marcador de imagen de diapositiva"/>
+          <p:cNvSpPr>
+            <a:spLocks noGrp="1" noRot="1" noChangeAspect="1"/>
+          </p:cNvSpPr>
+          <p:nvPr>
+            <p:ph type="sldImg"/>
+          </p:nvPr>
+        </p:nvSpPr>
+        <p:spPr/>
+      </p:sp>
+      <p:sp>
+        <p:nvSpPr>
+          <p:cNvPr id="3" name="2 Marcador de notas"/>
+          <p:cNvSpPr>
+            <a:spLocks noGrp="1"/>
+          </p:cNvSpPr>
+          <p:nvPr>
+            <p:ph type="body" idx="1"/>
+          </p:nvPr>
+        </p:nvSpPr>
+        <p:spPr/>
+        <p:txBody>
+          <a:bodyPr/>
+          <a:lstStyle/>
+          <a:p>
+            <a:endParaRPr lang="es-PE" dirty="0"/>
+          </a:p>
+        </p:txBody>
+      </p:sp>
+      <p:sp>
+        <p:nvSpPr>
+          <p:cNvPr id="4" name="3 Marcador de número de diapositiva"/>
+          <p:cNvSpPr>
+            <a:spLocks noGrp="1"/>
+          </p:cNvSpPr>
+          <p:nvPr>
+            <p:ph type="sldNum" sz="quarter" idx="10"/>
+          </p:nvPr>
+        </p:nvSpPr>
+        <p:spPr/>
+        <p:txBody>
+          <a:bodyPr/>
+          <a:lstStyle/>
+          <a:p>
+            <a:pPr>
+              <a:defRPr/>
+            </a:pPr>
+            <a:fld id="{280CDAE8-4D9F-43BF-8523-2263FB601090}" type="slidenum">
+              <a:rPr lang="es-PE" smtClean="0"/>
+              <a:pPr>
+                <a:defRPr/>
+              </a:pPr>
+              <a:t>37</a:t>
+            </a:fld>
+            <a:endParaRPr lang="es-PE" dirty="0"/>
+          </a:p>
+        </p:txBody>
+      </p:sp>
+    </p:spTree>
+    <p:extLst>
+      <p:ext uri="{BB962C8B-B14F-4D97-AF65-F5344CB8AC3E}">
+        <p14:creationId xmlns:p14="http://schemas.microsoft.com/office/powerpoint/2010/main" val="4240319893"/>
+      </p:ext>
+    </p:extLst>
+  </p:cSld>
+  <p:clrMapOvr>
+    <a:masterClrMapping/>
+  </p:clrMapOvr>
+</p:notes>
+</file>
+
 <file path=ppt/slideLayouts/slideLayout1.xml><?xml version="1.0" encoding="utf-8"?>
 <p:sldLayout xmlns:a="http://schemas.openxmlformats.org/drawingml/2006/main" xmlns:r="http://schemas.openxmlformats.org/officeDocument/2006/relationships" xmlns:p="http://schemas.openxmlformats.org/presentationml/2006/main" showMasterSp="0" type="title" preserve="1">
   <p:cSld name="Title Slide">
@@ -17285,17 +17375,7 @@
                           <a:effectLst/>
                           <a:latin typeface="Calibri"/>
                         </a:rPr>
-                        <a:t>GESTIÓN DE </a:t>
-                      </a:r>
-                      <a:r>
-                        <a:rPr lang="es-PE" sz="1600" b="1" i="0" u="none" strike="noStrike" dirty="0" smtClean="0">
-                          <a:solidFill>
-                            <a:srgbClr val="FFFFFF"/>
-                          </a:solidFill>
-                          <a:effectLst/>
-                          <a:latin typeface="Calibri"/>
-                        </a:rPr>
-                        <a:t>ABASTECIMIENTO</a:t>
+                        <a:t>GESTIÓN DE ABASTECIMIENTO</a:t>
                       </a:r>
                       <a:endParaRPr lang="es-PE" sz="1600" b="1" i="0" u="none" strike="noStrike" dirty="0">
                         <a:solidFill>
@@ -26754,7 +26834,7 @@
             </a:pPr>
             <a:r>
               <a:rPr lang="es-PE" sz="2600" b="1" dirty="0" smtClean="0"/>
-              <a:t>Project Charter Aprobado</a:t>
+              <a:t>PROJECT CHARTER APROBADO</a:t>
             </a:r>
             <a:endParaRPr lang="es-PE" sz="2600" b="1" dirty="0"/>
           </a:p>
@@ -30294,7 +30374,88 @@
       </p:pic>
       <p:sp>
         <p:nvSpPr>
-          <p:cNvPr id="7" name="6 Flecha derecha">
+          <p:cNvPr id="8" name="7 CuadroTexto"/>
+          <p:cNvSpPr txBox="1"/>
+          <p:nvPr/>
+        </p:nvSpPr>
+        <p:spPr>
+          <a:xfrm>
+            <a:off x="1043608" y="5643776"/>
+            <a:ext cx="7244994" cy="738664"/>
+          </a:xfrm>
+          <a:prstGeom prst="rect">
+            <a:avLst/>
+          </a:prstGeom>
+          <a:noFill/>
+        </p:spPr>
+        <p:txBody>
+          <a:bodyPr wrap="square" rtlCol="0">
+            <a:spAutoFit/>
+          </a:bodyPr>
+          <a:lstStyle/>
+          <a:p>
+            <a:pPr algn="ctr"/>
+            <a:r>
+              <a:rPr lang="es-PE" sz="1400" b="1" dirty="0">
+                <a:latin typeface="Calibri" pitchFamily="34" charset="0"/>
+                <a:cs typeface="Calibri" pitchFamily="34" charset="0"/>
+              </a:rPr>
+              <a:t>Diagrama de Procesos: </a:t>
+            </a:r>
+            <a:r>
+              <a:rPr lang="es-PE" sz="1400" b="1" dirty="0" smtClean="0">
+                <a:latin typeface="Calibri" pitchFamily="34" charset="0"/>
+                <a:cs typeface="Calibri" pitchFamily="34" charset="0"/>
+              </a:rPr>
+              <a:t> </a:t>
+            </a:r>
+            <a:r>
+              <a:rPr lang="es-PE" sz="1400" dirty="0" smtClean="0">
+                <a:latin typeface="Calibri" pitchFamily="34" charset="0"/>
+                <a:cs typeface="Calibri" pitchFamily="34" charset="0"/>
+              </a:rPr>
+              <a:t>Macroproceso </a:t>
+            </a:r>
+            <a:r>
+              <a:rPr lang="es-PE" sz="1400" dirty="0">
+                <a:latin typeface="Calibri" pitchFamily="34" charset="0"/>
+                <a:cs typeface="Calibri" pitchFamily="34" charset="0"/>
+              </a:rPr>
+              <a:t>"Gestión de Obras Civiles"</a:t>
+            </a:r>
+          </a:p>
+          <a:p>
+            <a:pPr algn="ctr"/>
+            <a:r>
+              <a:rPr lang="es-ES" sz="1400" b="1" dirty="0">
+                <a:latin typeface="Calibri" pitchFamily="34" charset="0"/>
+                <a:cs typeface="Calibri" pitchFamily="34" charset="0"/>
+              </a:rPr>
+              <a:t>Fuente: </a:t>
+            </a:r>
+            <a:r>
+              <a:rPr lang="es-ES" sz="1400" dirty="0">
+                <a:latin typeface="Calibri" pitchFamily="34" charset="0"/>
+                <a:cs typeface="Calibri" pitchFamily="34" charset="0"/>
+              </a:rPr>
+              <a:t>Elaboración Propia</a:t>
+            </a:r>
+            <a:endParaRPr lang="es-PE" sz="1400" dirty="0">
+              <a:latin typeface="Calibri" pitchFamily="34" charset="0"/>
+              <a:cs typeface="Calibri" pitchFamily="34" charset="0"/>
+            </a:endParaRPr>
+          </a:p>
+          <a:p>
+            <a:endParaRPr lang="es-PE" sz="1400" dirty="0">
+              <a:latin typeface="Calibri" pitchFamily="34" charset="0"/>
+              <a:cs typeface="Calibri" pitchFamily="34" charset="0"/>
+            </a:endParaRPr>
+          </a:p>
+        </p:txBody>
+      </p:sp>
+      <p:sp>
+        <p:nvSpPr>
+          <p:cNvPr id="9" name="8 Flecha derecha">
             <a:hlinkClick r:id="rId3" action="ppaction://hlinksldjump"/>
           </p:cNvPr>
           <p:cNvSpPr/>
@@ -30302,7 +30463,7 @@
         </p:nvSpPr>
         <p:spPr>
           <a:xfrm>
-            <a:off x="611560" y="6093296"/>
+            <a:off x="287524" y="6237312"/>
             <a:ext cx="2088232" cy="576064"/>
           </a:xfrm>
           <a:prstGeom prst="rightArrow">
@@ -30311,6 +30472,11 @@
           <a:solidFill>
             <a:srgbClr val="FFC000"/>
           </a:solidFill>
+          <a:ln w="38100">
+            <a:solidFill>
+              <a:schemeClr val="tx1"/>
+            </a:solidFill>
+          </a:ln>
         </p:spPr>
         <p:style>
           <a:lnRef idx="2">
@@ -30334,67 +30500,18 @@
           <a:p>
             <a:pPr algn="ctr"/>
             <a:r>
-              <a:rPr lang="es-PE" dirty="0" smtClean="0">
+              <a:rPr lang="es-PE" b="1" i="1" dirty="0" smtClean="0">
                 <a:solidFill>
-                  <a:srgbClr val="004F8A"/>
+                  <a:schemeClr val="tx1"/>
                 </a:solidFill>
               </a:rPr>
               <a:t>Proyecto Anterior</a:t>
             </a:r>
-            <a:endParaRPr lang="es-PE" dirty="0">
+            <a:endParaRPr lang="es-PE" b="1" i="1" dirty="0">
               <a:solidFill>
-                <a:srgbClr val="004F8A"/>
+                <a:schemeClr val="tx1"/>
               </a:solidFill>
             </a:endParaRPr>
-          </a:p>
-        </p:txBody>
-      </p:sp>
-      <p:sp>
-        <p:nvSpPr>
-          <p:cNvPr id="8" name="7 CuadroTexto"/>
-          <p:cNvSpPr txBox="1"/>
-          <p:nvPr/>
-        </p:nvSpPr>
-        <p:spPr>
-          <a:xfrm>
-            <a:off x="1043608" y="5643776"/>
-            <a:ext cx="7244994" cy="553998"/>
-          </a:xfrm>
-          <a:prstGeom prst="rect">
-            <a:avLst/>
-          </a:prstGeom>
-          <a:noFill/>
-        </p:spPr>
-        <p:txBody>
-          <a:bodyPr wrap="square" rtlCol="0">
-            <a:spAutoFit/>
-          </a:bodyPr>
-          <a:lstStyle/>
-          <a:p>
-            <a:pPr algn="ctr"/>
-            <a:r>
-              <a:rPr lang="es-PE" sz="1000" b="1" dirty="0"/>
-              <a:t>Diagrama de Procesos: </a:t>
-            </a:r>
-            <a:r>
-              <a:rPr lang="es-PE" sz="1000" b="1" dirty="0" err="1"/>
-              <a:t>Macroproceso</a:t>
-            </a:r>
-            <a:r>
-              <a:rPr lang="es-PE" sz="1000" b="1" dirty="0"/>
-              <a:t> "Gestión de Obras Civiles"</a:t>
-            </a:r>
-          </a:p>
-          <a:p>
-            <a:pPr algn="ctr"/>
-            <a:r>
-              <a:rPr lang="es-ES" sz="1000" b="1" dirty="0"/>
-              <a:t>Fuente: Elaboración Propia</a:t>
-            </a:r>
-            <a:endParaRPr lang="es-PE" sz="1000" b="1" dirty="0"/>
-          </a:p>
-          <a:p>
-            <a:endParaRPr lang="es-PE" sz="1000" dirty="0"/>
           </a:p>
         </p:txBody>
       </p:sp>
@@ -30521,8 +30638,8 @@
         </p:blipFill>
         <p:spPr bwMode="auto">
           <a:xfrm>
-            <a:off x="871536" y="1556792"/>
-            <a:ext cx="7400925" cy="4861560"/>
+            <a:off x="1015555" y="1628800"/>
+            <a:ext cx="7012829" cy="4464496"/>
           </a:xfrm>
           <a:prstGeom prst="rect">
             <a:avLst/>
@@ -30533,72 +30650,6 @@
           </a:ln>
         </p:spPr>
       </p:pic>
-      <p:pic>
-        <p:nvPicPr>
-          <p:cNvPr id="1026" name="Picture 2">
-            <a:hlinkClick r:id="rId3" action="ppaction://hlinksldjump"/>
-          </p:cNvPr>
-          <p:cNvPicPr>
-            <a:picLocks noChangeAspect="1" noChangeArrowheads="1"/>
-          </p:cNvPicPr>
-          <p:nvPr/>
-        </p:nvPicPr>
-        <p:blipFill>
-          <a:blip r:embed="rId4">
-            <a:extLst>
-              <a:ext uri="{28A0092B-C50C-407E-A947-70E740481C1C}">
-                <a14:useLocalDpi xmlns:a14="http://schemas.microsoft.com/office/drawing/2010/main" val="0"/>
-              </a:ext>
-            </a:extLst>
-          </a:blip>
-          <a:srcRect/>
-          <a:stretch>
-            <a:fillRect/>
-          </a:stretch>
-        </p:blipFill>
-        <p:spPr bwMode="auto">
-          <a:xfrm>
-            <a:off x="691158" y="5992813"/>
-            <a:ext cx="2152650" cy="695325"/>
-          </a:xfrm>
-          <a:prstGeom prst="rect">
-            <a:avLst/>
-          </a:prstGeom>
-          <a:noFill/>
-          <a:ln>
-            <a:noFill/>
-          </a:ln>
-          <a:effectLst/>
-          <a:extLst>
-            <a:ext uri="{909E8E84-426E-40DD-AFC4-6F175D3DCCD1}">
-              <a14:hiddenFill xmlns:a14="http://schemas.microsoft.com/office/drawing/2010/main">
-                <a:solidFill>
-                  <a:schemeClr val="accent1"/>
-                </a:solidFill>
-              </a14:hiddenFill>
-            </a:ext>
-            <a:ext uri="{91240B29-F687-4F45-9708-019B960494DF}">
-              <a14:hiddenLine xmlns:a14="http://schemas.microsoft.com/office/drawing/2010/main" w="9525">
-                <a:solidFill>
-                  <a:schemeClr val="tx1"/>
-                </a:solidFill>
-                <a:miter lim="800000"/>
-                <a:headEnd/>
-                <a:tailEnd/>
-              </a14:hiddenLine>
-            </a:ext>
-            <a:ext uri="{AF507438-7753-43E0-B8FC-AC1667EBCBE1}">
-              <a14:hiddenEffects xmlns:a14="http://schemas.microsoft.com/office/drawing/2010/main">
-                <a:effectLst>
-                  <a:outerShdw dist="35921" dir="2700000" algn="ctr" rotWithShape="0">
-                    <a:schemeClr val="bg2"/>
-                  </a:outerShdw>
-                </a:effectLst>
-              </a14:hiddenEffects>
-            </a:ext>
-          </a:extLst>
-        </p:spPr>
-      </p:pic>
       <p:sp>
         <p:nvSpPr>
           <p:cNvPr id="7" name="6 CuadroTexto"/>
@@ -30607,8 +30658,8 @@
         </p:nvSpPr>
         <p:spPr>
           <a:xfrm>
-            <a:off x="2915816" y="6418352"/>
-            <a:ext cx="5328592" cy="677108"/>
+            <a:off x="2555776" y="6166612"/>
+            <a:ext cx="5328592" cy="523220"/>
           </a:xfrm>
           <a:prstGeom prst="rect">
             <a:avLst/>
@@ -30623,29 +30674,123 @@
           <a:p>
             <a:pPr algn="r"/>
             <a:r>
-              <a:rPr lang="es-PE" sz="1000" b="1" dirty="0"/>
+              <a:rPr lang="es-PE" sz="1400" b="1" dirty="0">
+                <a:latin typeface="Calibri" pitchFamily="34" charset="0"/>
+                <a:cs typeface="Calibri" pitchFamily="34" charset="0"/>
+              </a:rPr>
               <a:t>Diagrama de Procesos: </a:t>
             </a:r>
             <a:r>
-              <a:rPr lang="es-PE" sz="1000" b="1" dirty="0" err="1"/>
-              <a:t>Macroproceso</a:t>
-            </a:r>
-            <a:r>
-              <a:rPr lang="es-PE" sz="1000" b="1" dirty="0"/>
-              <a:t> "Gestión de Abastecimiento"</a:t>
+              <a:rPr lang="es-PE" sz="1400" b="1" dirty="0" smtClean="0">
+                <a:latin typeface="Calibri" pitchFamily="34" charset="0"/>
+                <a:cs typeface="Calibri" pitchFamily="34" charset="0"/>
+              </a:rPr>
+              <a:t> </a:t>
+            </a:r>
+            <a:r>
+              <a:rPr lang="es-PE" sz="1400" dirty="0" smtClean="0">
+                <a:latin typeface="Calibri" pitchFamily="34" charset="0"/>
+                <a:cs typeface="Calibri" pitchFamily="34" charset="0"/>
+              </a:rPr>
+              <a:t>Macroproceso </a:t>
+            </a:r>
+            <a:r>
+              <a:rPr lang="es-PE" sz="1400" dirty="0">
+                <a:latin typeface="Calibri" pitchFamily="34" charset="0"/>
+                <a:cs typeface="Calibri" pitchFamily="34" charset="0"/>
+              </a:rPr>
+              <a:t>"Gestión de Abastecimiento"</a:t>
             </a:r>
           </a:p>
           <a:p>
             <a:pPr algn="r"/>
             <a:r>
-              <a:rPr lang="es-ES" sz="1000" b="1" dirty="0"/>
-              <a:t>Fuente: Elaboración Propia</a:t>
-            </a:r>
-            <a:endParaRPr lang="es-PE" sz="1000" b="1" dirty="0"/>
-          </a:p>
-          <a:p>
-            <a:pPr algn="r"/>
-            <a:endParaRPr lang="es-PE" dirty="0"/>
+              <a:rPr lang="es-ES" sz="1400" b="1" dirty="0">
+                <a:latin typeface="Calibri" pitchFamily="34" charset="0"/>
+                <a:cs typeface="Calibri" pitchFamily="34" charset="0"/>
+              </a:rPr>
+              <a:t>Fuente</a:t>
+            </a:r>
+            <a:r>
+              <a:rPr lang="es-ES" sz="1400" dirty="0">
+                <a:latin typeface="Calibri" pitchFamily="34" charset="0"/>
+                <a:cs typeface="Calibri" pitchFamily="34" charset="0"/>
+              </a:rPr>
+              <a:t>: Elaboración </a:t>
+            </a:r>
+            <a:r>
+              <a:rPr lang="es-ES" sz="1400" dirty="0" smtClean="0">
+                <a:latin typeface="Calibri" pitchFamily="34" charset="0"/>
+                <a:cs typeface="Calibri" pitchFamily="34" charset="0"/>
+              </a:rPr>
+              <a:t>Propia</a:t>
+            </a:r>
+            <a:endParaRPr lang="es-PE" sz="1400" dirty="0">
+              <a:latin typeface="Calibri" pitchFamily="34" charset="0"/>
+              <a:cs typeface="Calibri" pitchFamily="34" charset="0"/>
+            </a:endParaRPr>
+          </a:p>
+        </p:txBody>
+      </p:sp>
+      <p:sp>
+        <p:nvSpPr>
+          <p:cNvPr id="9" name="8 Flecha derecha">
+            <a:hlinkClick r:id="rId3" action="ppaction://hlinksldjump"/>
+          </p:cNvPr>
+          <p:cNvSpPr/>
+          <p:nvPr/>
+        </p:nvSpPr>
+        <p:spPr>
+          <a:xfrm>
+            <a:off x="287524" y="6237312"/>
+            <a:ext cx="2088232" cy="576064"/>
+          </a:xfrm>
+          <a:prstGeom prst="rightArrow">
+            <a:avLst/>
+          </a:prstGeom>
+          <a:solidFill>
+            <a:srgbClr val="FFC000"/>
+          </a:solidFill>
+          <a:ln w="38100">
+            <a:solidFill>
+              <a:schemeClr val="tx1"/>
+            </a:solidFill>
+          </a:ln>
+        </p:spPr>
+        <p:style>
+          <a:lnRef idx="2">
+            <a:schemeClr val="accent1">
+              <a:shade val="50000"/>
+            </a:schemeClr>
+          </a:lnRef>
+          <a:fillRef idx="1">
+            <a:schemeClr val="accent1"/>
+          </a:fillRef>
+          <a:effectRef idx="0">
+            <a:schemeClr val="accent1"/>
+          </a:effectRef>
+          <a:fontRef idx="minor">
+            <a:schemeClr val="lt1"/>
+          </a:fontRef>
+        </p:style>
+        <p:txBody>
+          <a:bodyPr rtlCol="0" anchor="ctr"/>
+          <a:lstStyle/>
+          <a:p>
+            <a:pPr algn="ctr"/>
+            <a:r>
+              <a:rPr lang="es-PE" b="1" i="1" dirty="0" smtClean="0">
+                <a:solidFill>
+                  <a:schemeClr val="tx1"/>
+                </a:solidFill>
+              </a:rPr>
+              <a:t>Proyecto Anterior</a:t>
+            </a:r>
+            <a:endParaRPr lang="es-PE" b="1" i="1" dirty="0">
+              <a:solidFill>
+                <a:schemeClr val="tx1"/>
+              </a:solidFill>
+            </a:endParaRPr>
           </a:p>
         </p:txBody>
       </p:sp>
@@ -30763,7 +30908,7 @@
         </p:blipFill>
         <p:spPr bwMode="auto">
           <a:xfrm>
-            <a:off x="1626235" y="1628800"/>
+            <a:off x="1626235" y="1556792"/>
             <a:ext cx="5891530" cy="4850765"/>
           </a:xfrm>
           <a:prstGeom prst="rect">
@@ -30784,7 +30929,7 @@
         <p:spPr>
           <a:xfrm>
             <a:off x="1259632" y="6418352"/>
-            <a:ext cx="6624736" cy="677108"/>
+            <a:ext cx="6624736" cy="800219"/>
           </a:xfrm>
           <a:prstGeom prst="rect">
             <a:avLst/>
@@ -30799,30 +30944,58 @@
           <a:p>
             <a:pPr algn="ctr"/>
             <a:r>
-              <a:rPr lang="es-PE" sz="1000" b="1" dirty="0"/>
-              <a:t>Diagrama de Procesos: </a:t>
-            </a:r>
-            <a:r>
-              <a:rPr lang="es-PE" sz="1000" b="1" dirty="0" err="1"/>
-              <a:t>Macroproceso</a:t>
-            </a:r>
-            <a:r>
-              <a:rPr lang="es-PE" sz="1000" b="1" dirty="0"/>
-              <a:t> "Gestión </a:t>
-            </a:r>
-            <a:r>
-              <a:rPr lang="es-PE" sz="1000" b="1" dirty="0" smtClean="0"/>
+              <a:rPr lang="es-PE" sz="1400" b="1" dirty="0">
+                <a:latin typeface="Calibri" pitchFamily="34" charset="0"/>
+                <a:cs typeface="Calibri" pitchFamily="34" charset="0"/>
+              </a:rPr>
+              <a:t>Diagrama de Procesos</a:t>
+            </a:r>
+            <a:r>
+              <a:rPr lang="es-PE" sz="1400" b="1" dirty="0" smtClean="0">
+                <a:latin typeface="Calibri" pitchFamily="34" charset="0"/>
+                <a:cs typeface="Calibri" pitchFamily="34" charset="0"/>
+              </a:rPr>
+              <a:t>:  </a:t>
+            </a:r>
+            <a:r>
+              <a:rPr lang="es-PE" sz="1400" dirty="0">
+                <a:latin typeface="Calibri" pitchFamily="34" charset="0"/>
+                <a:cs typeface="Calibri" pitchFamily="34" charset="0"/>
+              </a:rPr>
+              <a:t>Macroproceso "Gestión </a:t>
+            </a:r>
+            <a:r>
+              <a:rPr lang="es-PE" sz="1400" dirty="0" smtClean="0">
+                <a:latin typeface="Calibri" pitchFamily="34" charset="0"/>
+                <a:cs typeface="Calibri" pitchFamily="34" charset="0"/>
+              </a:rPr>
               <a:t>de Control de Pagos"</a:t>
             </a:r>
-            <a:endParaRPr lang="es-PE" sz="1000" b="1" dirty="0"/>
+            <a:endParaRPr lang="es-PE" sz="1400" dirty="0">
+              <a:latin typeface="Calibri" pitchFamily="34" charset="0"/>
+              <a:cs typeface="Calibri" pitchFamily="34" charset="0"/>
+            </a:endParaRPr>
           </a:p>
           <a:p>
             <a:pPr algn="ctr"/>
             <a:r>
-              <a:rPr lang="es-ES" sz="1000" b="1" dirty="0"/>
-              <a:t>Fuente: Elaboración Propia</a:t>
-            </a:r>
-            <a:endParaRPr lang="es-PE" sz="1000" b="1" dirty="0"/>
+              <a:rPr lang="es-ES" sz="1400" b="1" dirty="0">
+                <a:latin typeface="Calibri" pitchFamily="34" charset="0"/>
+                <a:cs typeface="Calibri" pitchFamily="34" charset="0"/>
+              </a:rPr>
+              <a:t>Fuente: </a:t>
+            </a:r>
+            <a:r>
+              <a:rPr lang="es-ES" sz="1400" dirty="0">
+                <a:latin typeface="Calibri" pitchFamily="34" charset="0"/>
+                <a:cs typeface="Calibri" pitchFamily="34" charset="0"/>
+              </a:rPr>
+              <a:t>Elaboración Propia</a:t>
+            </a:r>
+            <a:endParaRPr lang="es-PE" sz="1400" dirty="0">
+              <a:latin typeface="Calibri" pitchFamily="34" charset="0"/>
+              <a:cs typeface="Calibri" pitchFamily="34" charset="0"/>
+            </a:endParaRPr>
           </a:p>
           <a:p>
             <a:pPr algn="ctr"/>
@@ -30934,7 +31107,7 @@
           <p:nvPr/>
         </p:nvPicPr>
         <p:blipFill>
-          <a:blip r:embed="rId2">
+          <a:blip r:embed="rId3">
             <a:extLst>
               <a:ext uri="{28A0092B-C50C-407E-A947-70E740481C1C}">
                 <a14:useLocalDpi xmlns:a14="http://schemas.microsoft.com/office/drawing/2010/main" val="0"/>
@@ -30948,8 +31121,8 @@
         </p:blipFill>
         <p:spPr bwMode="auto">
           <a:xfrm>
-            <a:off x="1041716" y="1556792"/>
-            <a:ext cx="7060565" cy="4979035"/>
+            <a:off x="1331640" y="1556792"/>
+            <a:ext cx="6768752" cy="4680520"/>
           </a:xfrm>
           <a:prstGeom prst="rect">
             <a:avLst/>
@@ -30962,15 +31135,101 @@
       </p:pic>
       <p:sp>
         <p:nvSpPr>
-          <p:cNvPr id="7" name="6 Flecha derecha">
-            <a:hlinkClick r:id="rId3" action="ppaction://hlinksldjump"/>
+          <p:cNvPr id="8" name="7 CuadroTexto"/>
+          <p:cNvSpPr txBox="1"/>
+          <p:nvPr/>
+        </p:nvSpPr>
+        <p:spPr>
+          <a:xfrm>
+            <a:off x="2771800" y="6237312"/>
+            <a:ext cx="5328592" cy="523220"/>
+          </a:xfrm>
+          <a:prstGeom prst="rect">
+            <a:avLst/>
+          </a:prstGeom>
+          <a:noFill/>
+        </p:spPr>
+        <p:txBody>
+          <a:bodyPr wrap="square" rtlCol="0">
+            <a:spAutoFit/>
+          </a:bodyPr>
+          <a:lstStyle/>
+          <a:p>
+            <a:pPr algn="r"/>
+            <a:r>
+              <a:rPr lang="es-PE" sz="1400" b="1" dirty="0">
+                <a:latin typeface="Calibri" pitchFamily="34" charset="0"/>
+                <a:cs typeface="Calibri" pitchFamily="34" charset="0"/>
+              </a:rPr>
+              <a:t>Diagrama de Procesos: </a:t>
+            </a:r>
+            <a:r>
+              <a:rPr lang="es-PE" sz="1400" b="1" dirty="0" smtClean="0">
+                <a:latin typeface="Calibri" pitchFamily="34" charset="0"/>
+                <a:cs typeface="Calibri" pitchFamily="34" charset="0"/>
+              </a:rPr>
+              <a:t> </a:t>
+            </a:r>
+            <a:r>
+              <a:rPr lang="es-PE" sz="1400" dirty="0" smtClean="0">
+                <a:latin typeface="Calibri" pitchFamily="34" charset="0"/>
+                <a:cs typeface="Calibri" pitchFamily="34" charset="0"/>
+              </a:rPr>
+              <a:t>Macroproceso </a:t>
+            </a:r>
+            <a:r>
+              <a:rPr lang="es-PE" sz="1400" dirty="0" smtClean="0">
+                <a:latin typeface="Calibri" pitchFamily="34" charset="0"/>
+                <a:cs typeface="Calibri" pitchFamily="34" charset="0"/>
+              </a:rPr>
+              <a:t>“Contabilidad y Presupuesto"</a:t>
+            </a:r>
+            <a:endParaRPr lang="es-PE" sz="1400" dirty="0">
+              <a:latin typeface="Calibri" pitchFamily="34" charset="0"/>
+              <a:cs typeface="Calibri" pitchFamily="34" charset="0"/>
+            </a:endParaRPr>
+          </a:p>
+          <a:p>
+            <a:pPr algn="r"/>
+            <a:r>
+              <a:rPr lang="es-ES" sz="1400" b="1" dirty="0">
+                <a:latin typeface="Calibri" pitchFamily="34" charset="0"/>
+                <a:cs typeface="Calibri" pitchFamily="34" charset="0"/>
+              </a:rPr>
+              <a:t>Fuente: </a:t>
+            </a:r>
+            <a:r>
+              <a:rPr lang="es-ES" sz="1400" dirty="0">
+                <a:latin typeface="Calibri" pitchFamily="34" charset="0"/>
+                <a:cs typeface="Calibri" pitchFamily="34" charset="0"/>
+              </a:rPr>
+              <a:t>Elaboración </a:t>
+            </a:r>
+            <a:r>
+              <a:rPr lang="es-ES" sz="1400" dirty="0" smtClean="0">
+                <a:latin typeface="Calibri" pitchFamily="34" charset="0"/>
+                <a:cs typeface="Calibri" pitchFamily="34" charset="0"/>
+              </a:rPr>
+              <a:t>Propia</a:t>
+            </a:r>
+            <a:endParaRPr lang="es-PE" sz="1400" dirty="0">
+              <a:latin typeface="Calibri" pitchFamily="34" charset="0"/>
+              <a:cs typeface="Calibri" pitchFamily="34" charset="0"/>
+            </a:endParaRPr>
+          </a:p>
+        </p:txBody>
+      </p:sp>
+      <p:sp>
+        <p:nvSpPr>
+          <p:cNvPr id="9" name="8 Flecha derecha">
+            <a:hlinkClick r:id="rId4" action="ppaction://hlinksldjump"/>
           </p:cNvPr>
           <p:cNvSpPr/>
           <p:nvPr/>
         </p:nvSpPr>
         <p:spPr>
           <a:xfrm>
-            <a:off x="755576" y="6093296"/>
+            <a:off x="287524" y="6237312"/>
             <a:ext cx="2088232" cy="576064"/>
           </a:xfrm>
           <a:prstGeom prst="rightArrow">
@@ -30979,6 +31238,11 @@
           <a:solidFill>
             <a:srgbClr val="FFC000"/>
           </a:solidFill>
+          <a:ln w="38100">
+            <a:solidFill>
+              <a:schemeClr val="tx1"/>
+            </a:solidFill>
+          </a:ln>
         </p:spPr>
         <p:style>
           <a:lnRef idx="2">
@@ -31002,73 +31266,18 @@
           <a:p>
             <a:pPr algn="ctr"/>
             <a:r>
-              <a:rPr lang="es-PE" dirty="0" smtClean="0">
+              <a:rPr lang="es-PE" b="1" i="1" dirty="0" smtClean="0">
                 <a:solidFill>
-                  <a:srgbClr val="004F8A"/>
+                  <a:schemeClr val="tx1"/>
                 </a:solidFill>
               </a:rPr>
               <a:t>Proyecto Anterior</a:t>
             </a:r>
-            <a:endParaRPr lang="es-PE" dirty="0">
+            <a:endParaRPr lang="es-PE" b="1" i="1" dirty="0">
               <a:solidFill>
-                <a:srgbClr val="004F8A"/>
+                <a:schemeClr val="tx1"/>
               </a:solidFill>
             </a:endParaRPr>
-          </a:p>
-        </p:txBody>
-      </p:sp>
-      <p:sp>
-        <p:nvSpPr>
-          <p:cNvPr id="8" name="7 CuadroTexto"/>
-          <p:cNvSpPr txBox="1"/>
-          <p:nvPr/>
-        </p:nvSpPr>
-        <p:spPr>
-          <a:xfrm>
-            <a:off x="2771800" y="6418352"/>
-            <a:ext cx="5328592" cy="677108"/>
-          </a:xfrm>
-          <a:prstGeom prst="rect">
-            <a:avLst/>
-          </a:prstGeom>
-          <a:noFill/>
-        </p:spPr>
-        <p:txBody>
-          <a:bodyPr wrap="square" rtlCol="0">
-            <a:spAutoFit/>
-          </a:bodyPr>
-          <a:lstStyle/>
-          <a:p>
-            <a:pPr algn="r"/>
-            <a:r>
-              <a:rPr lang="es-PE" sz="1000" b="1" dirty="0"/>
-              <a:t>Diagrama de Procesos: </a:t>
-            </a:r>
-            <a:r>
-              <a:rPr lang="es-PE" sz="1000" b="1" dirty="0" err="1"/>
-              <a:t>Macroproceso</a:t>
-            </a:r>
-            <a:r>
-              <a:rPr lang="es-PE" sz="1000" b="1" dirty="0"/>
-              <a:t> </a:t>
-            </a:r>
-            <a:r>
-              <a:rPr lang="es-PE" sz="1000" b="1" dirty="0" smtClean="0"/>
-              <a:t>“Contabilidad y Presupuesto"</a:t>
-            </a:r>
-            <a:endParaRPr lang="es-PE" sz="1000" b="1" dirty="0"/>
-          </a:p>
-          <a:p>
-            <a:pPr algn="r"/>
-            <a:r>
-              <a:rPr lang="es-ES" sz="1000" b="1" dirty="0"/>
-              <a:t>Fuente: Elaboración Propia</a:t>
-            </a:r>
-            <a:endParaRPr lang="es-PE" sz="1000" b="1" dirty="0"/>
-          </a:p>
-          <a:p>
-            <a:pPr algn="r"/>
-            <a:endParaRPr lang="es-PE" dirty="0"/>
           </a:p>
         </p:txBody>
       </p:sp>
@@ -31307,8 +31516,8 @@
         </p:nvSpPr>
         <p:spPr>
           <a:xfrm>
-            <a:off x="-396552" y="-459432"/>
-            <a:ext cx="9793088" cy="7416824"/>
+            <a:off x="-5984" y="23638"/>
+            <a:ext cx="9149983" cy="6834362"/>
           </a:xfrm>
           <a:prstGeom prst="rect">
             <a:avLst/>
@@ -31316,6 +31525,11 @@
           <a:solidFill>
             <a:schemeClr val="tx1"/>
           </a:solidFill>
+          <a:ln>
+            <a:solidFill>
+              <a:schemeClr val="tx1"/>
+            </a:solidFill>
+          </a:ln>
         </p:spPr>
         <p:style>
           <a:lnRef idx="2">
@@ -31793,7 +32007,7 @@
         <p:spPr>
           <a:xfrm>
             <a:off x="395536" y="5063807"/>
-            <a:ext cx="8280920" cy="553998"/>
+            <a:ext cx="8280920" cy="738664"/>
           </a:xfrm>
           <a:prstGeom prst="rect">
             <a:avLst/>
@@ -31808,19 +32022,49 @@
           <a:p>
             <a:pPr algn="ctr"/>
             <a:r>
-              <a:rPr lang="es-PE" sz="1000" b="1" dirty="0"/>
-              <a:t>Diagrama del macro proceso “Contabilidad y Presupuestos”</a:t>
+              <a:rPr lang="es-PE" sz="1400" b="1" dirty="0">
+                <a:latin typeface="Calibri" pitchFamily="34" charset="0"/>
+                <a:cs typeface="Calibri" pitchFamily="34" charset="0"/>
+              </a:rPr>
+              <a:t>Diagrama del </a:t>
+            </a:r>
+            <a:r>
+              <a:rPr lang="es-PE" sz="1400" b="1" dirty="0" smtClean="0">
+                <a:latin typeface="Calibri" pitchFamily="34" charset="0"/>
+                <a:cs typeface="Calibri" pitchFamily="34" charset="0"/>
+              </a:rPr>
+              <a:t>Macroproceso </a:t>
+            </a:r>
+            <a:r>
+              <a:rPr lang="es-PE" sz="1400" b="1" dirty="0">
+                <a:latin typeface="Calibri" pitchFamily="34" charset="0"/>
+                <a:cs typeface="Calibri" pitchFamily="34" charset="0"/>
+              </a:rPr>
+              <a:t>“Contabilidad y Presupuestos”</a:t>
             </a:r>
           </a:p>
           <a:p>
             <a:pPr algn="ctr"/>
             <a:r>
-              <a:rPr lang="es-PE" sz="1000" b="1" dirty="0"/>
-              <a:t>Fuente: Memoria de Proyecto “Modelo de Negocios Empresarial de la Oficina Central de Fe y Alegría”</a:t>
-            </a:r>
-          </a:p>
-          <a:p>
-            <a:endParaRPr lang="es-PE" sz="1000" dirty="0"/>
+              <a:rPr lang="es-PE" sz="1400" b="1" dirty="0">
+                <a:latin typeface="Calibri" pitchFamily="34" charset="0"/>
+                <a:cs typeface="Calibri" pitchFamily="34" charset="0"/>
+              </a:rPr>
+              <a:t>Fuente:</a:t>
+            </a:r>
+            <a:r>
+              <a:rPr lang="es-PE" sz="1400" dirty="0">
+                <a:latin typeface="Calibri" pitchFamily="34" charset="0"/>
+                <a:cs typeface="Calibri" pitchFamily="34" charset="0"/>
+              </a:rPr>
+              <a:t> Memoria de Proyecto “Modelo de Negocios Empresarial de la Oficina Central de Fe y Alegría”</a:t>
+            </a:r>
+          </a:p>
+          <a:p>
+            <a:endParaRPr lang="es-PE" sz="1400" dirty="0">
+              <a:latin typeface="Calibri" pitchFamily="34" charset="0"/>
+              <a:cs typeface="Calibri" pitchFamily="34" charset="0"/>
+            </a:endParaRPr>
           </a:p>
         </p:txBody>
       </p:sp>
@@ -31841,8 +32085,13 @@
             <a:avLst/>
           </a:prstGeom>
           <a:solidFill>
-            <a:srgbClr val="FF0000"/>
+            <a:srgbClr val="FFC000"/>
           </a:solidFill>
+          <a:ln>
+            <a:solidFill>
+              <a:schemeClr val="tx1"/>
+            </a:solidFill>
+          </a:ln>
         </p:spPr>
         <p:style>
           <a:lnRef idx="2">
@@ -31983,8 +32232,8 @@
         </p:nvSpPr>
         <p:spPr>
           <a:xfrm>
-            <a:off x="467544" y="6158547"/>
-            <a:ext cx="7704856" cy="400110"/>
+            <a:off x="467544" y="6290156"/>
+            <a:ext cx="7704856" cy="523220"/>
           </a:xfrm>
           <a:prstGeom prst="rect">
             <a:avLst/>
@@ -31999,29 +32248,47 @@
           <a:p>
             <a:pPr algn="ctr"/>
             <a:r>
-              <a:rPr lang="es-PE" sz="1000" b="1" dirty="0"/>
+              <a:rPr lang="es-PE" sz="1400" b="1" dirty="0">
+                <a:latin typeface="Calibri" pitchFamily="34" charset="0"/>
+                <a:cs typeface="Calibri" pitchFamily="34" charset="0"/>
+              </a:rPr>
               <a:t>Diagrama del macro proceso “Gestión de Abastecimiento”</a:t>
             </a:r>
           </a:p>
           <a:p>
             <a:pPr algn="ctr"/>
             <a:r>
-              <a:rPr lang="es-PE" sz="1000" b="1" dirty="0"/>
+              <a:rPr lang="es-PE" sz="1400" b="1" dirty="0">
+                <a:latin typeface="Calibri" pitchFamily="34" charset="0"/>
+                <a:cs typeface="Calibri" pitchFamily="34" charset="0"/>
+              </a:rPr>
               <a:t>Fuente</a:t>
             </a:r>
             <a:r>
-              <a:rPr lang="es-PE" sz="1000" b="1" dirty="0" smtClean="0"/>
+              <a:rPr lang="es-PE" sz="1400" b="1" dirty="0" smtClean="0">
+                <a:latin typeface="Calibri" pitchFamily="34" charset="0"/>
+                <a:cs typeface="Calibri" pitchFamily="34" charset="0"/>
+              </a:rPr>
               <a:t>: </a:t>
             </a:r>
             <a:r>
-              <a:rPr lang="es-PE" sz="1000" b="1" dirty="0"/>
+              <a:rPr lang="es-PE" sz="1400" dirty="0">
+                <a:latin typeface="Calibri" pitchFamily="34" charset="0"/>
+                <a:cs typeface="Calibri" pitchFamily="34" charset="0"/>
+              </a:rPr>
               <a:t>Memoria de Proyecto “Modelo de Negocios Empresarial de la Oficina Central de Fe y Alegría</a:t>
             </a:r>
             <a:r>
-              <a:rPr lang="es-PE" sz="1000" b="1" dirty="0" smtClean="0"/>
+              <a:rPr lang="es-PE" sz="1400" dirty="0" smtClean="0">
+                <a:latin typeface="Calibri" pitchFamily="34" charset="0"/>
+                <a:cs typeface="Calibri" pitchFamily="34" charset="0"/>
+              </a:rPr>
               <a:t>”</a:t>
             </a:r>
-            <a:endParaRPr lang="es-PE" sz="1000" b="1" dirty="0"/>
+            <a:endParaRPr lang="es-PE" sz="1400" dirty="0">
+              <a:latin typeface="Calibri" pitchFamily="34" charset="0"/>
+              <a:cs typeface="Calibri" pitchFamily="34" charset="0"/>
+            </a:endParaRPr>
           </a:p>
         </p:txBody>
       </p:sp>
@@ -32042,8 +32309,13 @@
             <a:avLst/>
           </a:prstGeom>
           <a:solidFill>
-            <a:srgbClr val="FF0000"/>
+            <a:srgbClr val="FFC000"/>
           </a:solidFill>
+          <a:ln>
+            <a:solidFill>
+              <a:schemeClr val="tx1"/>
+            </a:solidFill>
+          </a:ln>
         </p:spPr>
         <p:style>
           <a:lnRef idx="2">
@@ -32178,7 +32450,7 @@
         <p:spPr>
           <a:xfrm>
             <a:off x="971600" y="5013176"/>
-            <a:ext cx="7776864" cy="677108"/>
+            <a:ext cx="7776864" cy="738664"/>
           </a:xfrm>
           <a:prstGeom prst="rect">
             <a:avLst/>
@@ -32193,32 +32465,53 @@
           <a:p>
             <a:pPr algn="ctr"/>
             <a:r>
-              <a:rPr lang="es-PE" sz="1000" b="1" dirty="0"/>
+              <a:rPr lang="es-PE" sz="1400" b="1" dirty="0">
+                <a:latin typeface="Calibri" pitchFamily="34" charset="0"/>
+                <a:cs typeface="Calibri" pitchFamily="34" charset="0"/>
+              </a:rPr>
               <a:t>Diagrama del macro proceso “Gestión de Obras Civiles”</a:t>
             </a:r>
           </a:p>
           <a:p>
             <a:pPr algn="ctr"/>
             <a:r>
-              <a:rPr lang="es-PE" sz="1000" b="1" dirty="0"/>
+              <a:rPr lang="es-PE" sz="1400" b="1" dirty="0">
+                <a:latin typeface="Calibri" pitchFamily="34" charset="0"/>
+                <a:cs typeface="Calibri" pitchFamily="34" charset="0"/>
+              </a:rPr>
               <a:t>Fuente: </a:t>
             </a:r>
             <a:r>
-              <a:rPr lang="es-PE" sz="1000" b="1" dirty="0" smtClean="0"/>
+              <a:rPr lang="es-PE" sz="1400" dirty="0" smtClean="0">
+                <a:latin typeface="Calibri" pitchFamily="34" charset="0"/>
+                <a:cs typeface="Calibri" pitchFamily="34" charset="0"/>
+              </a:rPr>
               <a:t>Memoria de Proyecto “</a:t>
             </a:r>
             <a:r>
-              <a:rPr lang="es-PE" sz="1000" b="1" dirty="0"/>
+              <a:rPr lang="es-PE" sz="1400" dirty="0">
+                <a:latin typeface="Calibri" pitchFamily="34" charset="0"/>
+                <a:cs typeface="Calibri" pitchFamily="34" charset="0"/>
+              </a:rPr>
               <a:t>Modelo de Negocios Empresarial de la Oficina Central de Fe y Alegría</a:t>
             </a:r>
             <a:r>
-              <a:rPr lang="es-PE" sz="1000" b="1" dirty="0" smtClean="0"/>
+              <a:rPr lang="es-PE" sz="1400" dirty="0" smtClean="0">
+                <a:latin typeface="Calibri" pitchFamily="34" charset="0"/>
+                <a:cs typeface="Calibri" pitchFamily="34" charset="0"/>
+              </a:rPr>
               <a:t>”</a:t>
             </a:r>
-            <a:endParaRPr lang="es-PE" sz="1000" b="1" dirty="0"/>
-          </a:p>
-          <a:p>
-            <a:endParaRPr lang="es-PE" dirty="0"/>
+            <a:endParaRPr lang="es-PE" sz="1400" dirty="0">
+              <a:latin typeface="Calibri" pitchFamily="34" charset="0"/>
+              <a:cs typeface="Calibri" pitchFamily="34" charset="0"/>
+            </a:endParaRPr>
+          </a:p>
+          <a:p>
+            <a:endParaRPr lang="es-PE" sz="1400" dirty="0">
+              <a:latin typeface="Calibri" pitchFamily="34" charset="0"/>
+              <a:cs typeface="Calibri" pitchFamily="34" charset="0"/>
+            </a:endParaRPr>
           </a:p>
         </p:txBody>
       </p:sp>
@@ -32239,8 +32532,13 @@
             <a:avLst/>
           </a:prstGeom>
           <a:solidFill>
-            <a:srgbClr val="FF0000"/>
+            <a:srgbClr val="FFC000"/>
           </a:solidFill>
+          <a:ln>
+            <a:solidFill>
+              <a:schemeClr val="tx1"/>
+            </a:solidFill>
+          </a:ln>
         </p:spPr>
         <p:style>
           <a:lnRef idx="2">
@@ -32890,7 +33188,7 @@
         <p:spPr>
           <a:xfrm>
             <a:off x="457200" y="1774825"/>
-            <a:ext cx="8229600" cy="3598391"/>
+            <a:ext cx="8229600" cy="4822527"/>
           </a:xfrm>
         </p:spPr>
         <p:txBody>
@@ -32901,7 +33199,7 @@
               <a:buNone/>
             </a:pPr>
             <a:r>
-              <a:rPr lang="es-ES" sz="2000" b="1" dirty="0" smtClean="0">
+              <a:rPr lang="es-ES" sz="1900" b="1" dirty="0" smtClean="0">
                 <a:solidFill>
                   <a:srgbClr val="FFC000"/>
                 </a:solidFill>
@@ -32909,24 +33207,24 @@
               <a:t>Autores: </a:t>
             </a:r>
             <a:r>
-              <a:rPr lang="es-ES" sz="2000" dirty="0" smtClean="0"/>
+              <a:rPr lang="es-ES" sz="1900" dirty="0" smtClean="0"/>
               <a:t>Nelly </a:t>
             </a:r>
             <a:r>
-              <a:rPr lang="es-ES" sz="2000" dirty="0"/>
+              <a:rPr lang="es-ES" sz="1900" dirty="0"/>
               <a:t>Chang Chong  y Miguel Concha Álvarez, egresados ambos en el año 2010-I. </a:t>
             </a:r>
-            <a:endParaRPr lang="es-PE" sz="2000" dirty="0"/>
-          </a:p>
-          <a:p>
-            <a:endParaRPr lang="es-PE" sz="1100" dirty="0"/>
+            <a:endParaRPr lang="es-PE" sz="1900" dirty="0"/>
+          </a:p>
+          <a:p>
+            <a:endParaRPr lang="es-PE" sz="1900" dirty="0"/>
           </a:p>
           <a:p>
             <a:pPr marL="119062" indent="0" algn="just">
               <a:buNone/>
             </a:pPr>
             <a:r>
-              <a:rPr lang="es-ES" sz="2000" b="1" dirty="0" smtClean="0">
+              <a:rPr lang="es-ES" sz="1900" b="1" dirty="0" smtClean="0">
                 <a:solidFill>
                   <a:srgbClr val="FFC000"/>
                 </a:solidFill>
@@ -32934,23 +33232,23 @@
               <a:t>Objetivo inicial del proyecto:</a:t>
             </a:r>
             <a:r>
-              <a:rPr lang="es-ES" sz="2000" dirty="0" smtClean="0"/>
+              <a:rPr lang="es-ES" sz="1900" dirty="0" smtClean="0"/>
               <a:t> desarrollar la Arquitectura </a:t>
             </a:r>
             <a:r>
-              <a:rPr lang="es-ES" sz="2000" dirty="0"/>
+              <a:rPr lang="es-ES" sz="1900" dirty="0"/>
               <a:t>E</a:t>
             </a:r>
             <a:r>
-              <a:rPr lang="es-ES" sz="2000" dirty="0" smtClean="0"/>
+              <a:rPr lang="es-ES" sz="1900" dirty="0" smtClean="0"/>
               <a:t>mpresarial de la Oficina de Fe </a:t>
             </a:r>
             <a:r>
-              <a:rPr lang="es-ES" sz="2000" dirty="0"/>
+              <a:rPr lang="es-ES" sz="1900" dirty="0"/>
               <a:t>y Alegría desde la Oficina Central Fe y Alegría Perú</a:t>
             </a:r>
             <a:r>
-              <a:rPr lang="es-ES" sz="2000" dirty="0" smtClean="0"/>
+              <a:rPr lang="es-ES" sz="1900" dirty="0" smtClean="0"/>
               <a:t>. Esto incluiría la Arquitectura de Negocios, Arquitectura de Aplicaciones, Arquitectura de Datos y la Arquitectura de Redes.</a:t>
             </a:r>
           </a:p>
@@ -32958,25 +33256,102 @@
             <a:pPr marL="119062" indent="0" algn="just">
               <a:buNone/>
             </a:pPr>
-            <a:endParaRPr lang="es-ES" sz="1100" dirty="0"/>
+            <a:endParaRPr lang="es-ES" sz="1900" dirty="0"/>
           </a:p>
           <a:p>
             <a:pPr marL="119062" indent="0" algn="just">
               <a:buNone/>
             </a:pPr>
             <a:r>
-              <a:rPr lang="es-ES" sz="2000" b="1" dirty="0">
+              <a:rPr lang="es-ES" sz="1900" b="1" dirty="0">
                 <a:solidFill>
                   <a:srgbClr val="FFC000"/>
                 </a:solidFill>
               </a:rPr>
-              <a:t>Objetivo del proyecto:</a:t>
-            </a:r>
-            <a:r>
-              <a:rPr lang="es-ES" sz="2000" dirty="0"/>
-              <a:t> desarrollar un modelo de negocios empresarial para apoyar la mejora de la gestión de los centros educativos Fe y Alegría desde la Oficina Central Fe y Alegría Perú.</a:t>
-            </a:r>
-            <a:endParaRPr lang="es-PE" sz="2000" dirty="0"/>
+              <a:t>Complicaciones:</a:t>
+            </a:r>
+          </a:p>
+          <a:p>
+            <a:pPr marL="119062" indent="0" algn="just">
+              <a:buNone/>
+            </a:pPr>
+            <a:r>
+              <a:rPr lang="es-ES" sz="1900" dirty="0"/>
+              <a:t>El alcance se redujo a sólo realizar el Modelo de Negocios de la mayoría de Procesos de la Oficina Central de Fe y Alegría Perú, dejando los procesos de Administración y Contabilidad fuera del alcance.</a:t>
+            </a:r>
+            <a:endParaRPr lang="es-PE" sz="1900" dirty="0"/>
+          </a:p>
+          <a:p>
+            <a:pPr marL="119062" indent="0" algn="just">
+              <a:buNone/>
+            </a:pPr>
+            <a:endParaRPr lang="es-ES" sz="1900" b="1" dirty="0" smtClean="0">
+              <a:solidFill>
+                <a:srgbClr val="FFC000"/>
+              </a:solidFill>
+            </a:endParaRPr>
+          </a:p>
+          <a:p>
+            <a:pPr marL="119062" indent="0" algn="just">
+              <a:buNone/>
+            </a:pPr>
+            <a:r>
+              <a:rPr lang="es-ES" sz="1900" b="1" dirty="0" smtClean="0">
+                <a:solidFill>
+                  <a:srgbClr val="FFC000"/>
+                </a:solidFill>
+              </a:rPr>
+              <a:t>Objetivo </a:t>
+            </a:r>
+            <a:r>
+              <a:rPr lang="es-ES" sz="1900" b="1" dirty="0">
+                <a:solidFill>
+                  <a:srgbClr val="FFC000"/>
+                </a:solidFill>
+              </a:rPr>
+              <a:t>del proyecto:</a:t>
+            </a:r>
+            <a:r>
+              <a:rPr lang="es-ES" sz="1900" dirty="0"/>
+              <a:t> desarrollar un modelo de negocios </a:t>
+            </a:r>
+            <a:endParaRPr lang="es-ES" sz="1900" dirty="0" smtClean="0"/>
+          </a:p>
+          <a:p>
+            <a:pPr marL="119062" indent="0" algn="just">
+              <a:buNone/>
+            </a:pPr>
+            <a:r>
+              <a:rPr lang="es-ES" sz="1900" dirty="0" smtClean="0"/>
+              <a:t>empresarial para </a:t>
+            </a:r>
+            <a:r>
+              <a:rPr lang="es-ES" sz="1900" dirty="0"/>
+              <a:t>apoyar la mejora de la gestión de los centros </a:t>
+            </a:r>
+            <a:endParaRPr lang="es-ES" sz="1900" dirty="0" smtClean="0"/>
+          </a:p>
+          <a:p>
+            <a:pPr marL="119062" indent="0" algn="just">
+              <a:buNone/>
+            </a:pPr>
+            <a:r>
+              <a:rPr lang="es-ES" sz="1900" dirty="0" smtClean="0"/>
+              <a:t>educativos </a:t>
+            </a:r>
+            <a:r>
+              <a:rPr lang="es-ES" sz="1900" dirty="0"/>
+              <a:t>Fe </a:t>
+            </a:r>
+            <a:r>
+              <a:rPr lang="es-ES" sz="1900" dirty="0" smtClean="0"/>
+              <a:t>y </a:t>
+            </a:r>
+            <a:r>
+              <a:rPr lang="es-ES" sz="1900" dirty="0"/>
+              <a:t>Alegría desde la Oficina Central Fe y Alegría Perú.</a:t>
+            </a:r>
+            <a:endParaRPr lang="es-PE" sz="1900" dirty="0"/>
           </a:p>
           <a:p>
             <a:pPr marL="119062" indent="0">
@@ -33015,61 +33390,6 @@
               </a:pPr>
               <a:t>7</a:t>
             </a:fld>
-            <a:endParaRPr lang="es-PE" dirty="0"/>
-          </a:p>
-        </p:txBody>
-      </p:sp>
-      <p:sp>
-        <p:nvSpPr>
-          <p:cNvPr id="4" name="3 CuadroTexto"/>
-          <p:cNvSpPr txBox="1"/>
-          <p:nvPr/>
-        </p:nvSpPr>
-        <p:spPr>
-          <a:xfrm>
-            <a:off x="443481" y="5083294"/>
-            <a:ext cx="7056784" cy="1877437"/>
-          </a:xfrm>
-          <a:prstGeom prst="rect">
-            <a:avLst/>
-          </a:prstGeom>
-          <a:noFill/>
-        </p:spPr>
-        <p:txBody>
-          <a:bodyPr wrap="square" rtlCol="0">
-            <a:spAutoFit/>
-          </a:bodyPr>
-          <a:lstStyle/>
-          <a:p>
-            <a:pPr marL="119062" indent="0" algn="just">
-              <a:buNone/>
-            </a:pPr>
-            <a:r>
-              <a:rPr lang="es-ES" b="1" dirty="0">
-                <a:solidFill>
-                  <a:srgbClr val="FFC000"/>
-                </a:solidFill>
-              </a:rPr>
-              <a:t>Complicaciones:</a:t>
-            </a:r>
-          </a:p>
-          <a:p>
-            <a:pPr marL="119062" indent="0" algn="just">
-              <a:buNone/>
-            </a:pPr>
-            <a:r>
-              <a:rPr lang="es-ES" sz="2000" dirty="0">
-                <a:latin typeface="+mn-lt"/>
-                <a:cs typeface="+mn-cs"/>
-              </a:rPr>
-              <a:t>El alcance se redujo a sólo realizar el Modelo de Negocios de la mayoría de Procesos de la Oficina Central de Fe y Alegría Perú, dejando los procesos de Administración y Contabilidad fuera del alcance.</a:t>
-            </a:r>
-            <a:endParaRPr lang="es-PE" sz="2000" dirty="0">
-              <a:latin typeface="+mn-lt"/>
-              <a:cs typeface="+mn-cs"/>
-            </a:endParaRPr>
-          </a:p>
-          <a:p>
             <a:endParaRPr lang="es-PE" dirty="0"/>
           </a:p>
         </p:txBody>

--- a/trunk/Presentacion Final Ciclo 2011-1/Presentación Semana 17.pptx
+++ b/trunk/Presentacion Final Ciclo 2011-1/Presentación Semana 17.pptx
@@ -185,6 +185,753 @@
 </file>
 
 <file path=ppt/diagrams/colors1.xml><?xml version="1.0" encoding="utf-8"?>
+<dgm:colorsDef xmlns:dgm="http://schemas.openxmlformats.org/drawingml/2006/diagram" xmlns:a="http://schemas.openxmlformats.org/drawingml/2006/main" uniqueId="urn:microsoft.com/office/officeart/2005/8/colors/accent1_2">
+  <dgm:title val=""/>
+  <dgm:desc val=""/>
+  <dgm:catLst>
+    <dgm:cat type="accent1" pri="11200"/>
+  </dgm:catLst>
+  <dgm:styleLbl name="node0">
+    <dgm:fillClrLst meth="repeat">
+      <a:schemeClr val="accent1"/>
+    </dgm:fillClrLst>
+    <dgm:linClrLst meth="repeat">
+      <a:schemeClr val="lt1"/>
+    </dgm:linClrLst>
+    <dgm:effectClrLst/>
+    <dgm:txLinClrLst/>
+    <dgm:txFillClrLst/>
+    <dgm:txEffectClrLst/>
+  </dgm:styleLbl>
+  <dgm:styleLbl name="alignNode1">
+    <dgm:fillClrLst meth="repeat">
+      <a:schemeClr val="accent1"/>
+    </dgm:fillClrLst>
+    <dgm:linClrLst meth="repeat">
+      <a:schemeClr val="accent1"/>
+    </dgm:linClrLst>
+    <dgm:effectClrLst/>
+    <dgm:txLinClrLst/>
+    <dgm:txFillClrLst/>
+    <dgm:txEffectClrLst/>
+  </dgm:styleLbl>
+  <dgm:styleLbl name="node1">
+    <dgm:fillClrLst meth="repeat">
+      <a:schemeClr val="accent1"/>
+    </dgm:fillClrLst>
+    <dgm:linClrLst meth="repeat">
+      <a:schemeClr val="lt1"/>
+    </dgm:linClrLst>
+    <dgm:effectClrLst/>
+    <dgm:txLinClrLst/>
+    <dgm:txFillClrLst/>
+    <dgm:txEffectClrLst/>
+  </dgm:styleLbl>
+  <dgm:styleLbl name="lnNode1">
+    <dgm:fillClrLst meth="repeat">
+      <a:schemeClr val="accent1"/>
+    </dgm:fillClrLst>
+    <dgm:linClrLst meth="repeat">
+      <a:schemeClr val="lt1"/>
+    </dgm:linClrLst>
+    <dgm:effectClrLst/>
+    <dgm:txLinClrLst/>
+    <dgm:txFillClrLst/>
+    <dgm:txEffectClrLst/>
+  </dgm:styleLbl>
+  <dgm:styleLbl name="vennNode1">
+    <dgm:fillClrLst meth="repeat">
+      <a:schemeClr val="accent1">
+        <a:alpha val="50000"/>
+      </a:schemeClr>
+    </dgm:fillClrLst>
+    <dgm:linClrLst meth="repeat">
+      <a:schemeClr val="lt1"/>
+    </dgm:linClrLst>
+    <dgm:effectClrLst/>
+    <dgm:txLinClrLst/>
+    <dgm:txFillClrLst/>
+    <dgm:txEffectClrLst/>
+  </dgm:styleLbl>
+  <dgm:styleLbl name="node2">
+    <dgm:fillClrLst meth="repeat">
+      <a:schemeClr val="accent1"/>
+    </dgm:fillClrLst>
+    <dgm:linClrLst meth="repeat">
+      <a:schemeClr val="lt1"/>
+    </dgm:linClrLst>
+    <dgm:effectClrLst/>
+    <dgm:txLinClrLst/>
+    <dgm:txFillClrLst/>
+    <dgm:txEffectClrLst/>
+  </dgm:styleLbl>
+  <dgm:styleLbl name="node3">
+    <dgm:fillClrLst meth="repeat">
+      <a:schemeClr val="accent1"/>
+    </dgm:fillClrLst>
+    <dgm:linClrLst meth="repeat">
+      <a:schemeClr val="lt1"/>
+    </dgm:linClrLst>
+    <dgm:effectClrLst/>
+    <dgm:txLinClrLst/>
+    <dgm:txFillClrLst/>
+    <dgm:txEffectClrLst/>
+  </dgm:styleLbl>
+  <dgm:styleLbl name="node4">
+    <dgm:fillClrLst meth="repeat">
+      <a:schemeClr val="accent1"/>
+    </dgm:fillClrLst>
+    <dgm:linClrLst meth="repeat">
+      <a:schemeClr val="lt1"/>
+    </dgm:linClrLst>
+    <dgm:effectClrLst/>
+    <dgm:txLinClrLst/>
+    <dgm:txFillClrLst/>
+    <dgm:txEffectClrLst/>
+  </dgm:styleLbl>
+  <dgm:styleLbl name="fgImgPlace1">
+    <dgm:fillClrLst meth="repeat">
+      <a:schemeClr val="accent1">
+        <a:tint val="50000"/>
+      </a:schemeClr>
+    </dgm:fillClrLst>
+    <dgm:linClrLst meth="repeat">
+      <a:schemeClr val="lt1"/>
+    </dgm:linClrLst>
+    <dgm:effectClrLst/>
+    <dgm:txLinClrLst/>
+    <dgm:txFillClrLst meth="repeat">
+      <a:schemeClr val="lt1"/>
+    </dgm:txFillClrLst>
+    <dgm:txEffectClrLst/>
+  </dgm:styleLbl>
+  <dgm:styleLbl name="alignImgPlace1">
+    <dgm:fillClrLst meth="repeat">
+      <a:schemeClr val="accent1">
+        <a:tint val="50000"/>
+      </a:schemeClr>
+    </dgm:fillClrLst>
+    <dgm:linClrLst meth="repeat">
+      <a:schemeClr val="lt1"/>
+    </dgm:linClrLst>
+    <dgm:effectClrLst/>
+    <dgm:txLinClrLst/>
+    <dgm:txFillClrLst meth="repeat">
+      <a:schemeClr val="lt1"/>
+    </dgm:txFillClrLst>
+    <dgm:txEffectClrLst/>
+  </dgm:styleLbl>
+  <dgm:styleLbl name="bgImgPlace1">
+    <dgm:fillClrLst meth="repeat">
+      <a:schemeClr val="accent1">
+        <a:tint val="50000"/>
+      </a:schemeClr>
+    </dgm:fillClrLst>
+    <dgm:linClrLst meth="repeat">
+      <a:schemeClr val="lt1"/>
+    </dgm:linClrLst>
+    <dgm:effectClrLst/>
+    <dgm:txLinClrLst/>
+    <dgm:txFillClrLst meth="repeat">
+      <a:schemeClr val="lt1"/>
+    </dgm:txFillClrLst>
+    <dgm:txEffectClrLst/>
+  </dgm:styleLbl>
+  <dgm:styleLbl name="sibTrans2D1">
+    <dgm:fillClrLst meth="repeat">
+      <a:schemeClr val="accent1">
+        <a:tint val="60000"/>
+      </a:schemeClr>
+    </dgm:fillClrLst>
+    <dgm:linClrLst meth="repeat">
+      <a:schemeClr val="accent1">
+        <a:tint val="60000"/>
+      </a:schemeClr>
+    </dgm:linClrLst>
+    <dgm:effectClrLst/>
+    <dgm:txLinClrLst/>
+    <dgm:txFillClrLst/>
+    <dgm:txEffectClrLst/>
+  </dgm:styleLbl>
+  <dgm:styleLbl name="fgSibTrans2D1">
+    <dgm:fillClrLst meth="repeat">
+      <a:schemeClr val="accent1">
+        <a:tint val="60000"/>
+      </a:schemeClr>
+    </dgm:fillClrLst>
+    <dgm:linClrLst meth="repeat">
+      <a:schemeClr val="accent1">
+        <a:tint val="60000"/>
+      </a:schemeClr>
+    </dgm:linClrLst>
+    <dgm:effectClrLst/>
+    <dgm:txLinClrLst/>
+    <dgm:txFillClrLst/>
+    <dgm:txEffectClrLst/>
+  </dgm:styleLbl>
+  <dgm:styleLbl name="bgSibTrans2D1">
+    <dgm:fillClrLst meth="repeat">
+      <a:schemeClr val="accent1">
+        <a:tint val="60000"/>
+      </a:schemeClr>
+    </dgm:fillClrLst>
+    <dgm:linClrLst meth="repeat">
+      <a:schemeClr val="accent1">
+        <a:tint val="60000"/>
+      </a:schemeClr>
+    </dgm:linClrLst>
+    <dgm:effectClrLst/>
+    <dgm:txLinClrLst/>
+    <dgm:txFillClrLst/>
+    <dgm:txEffectClrLst/>
+  </dgm:styleLbl>
+  <dgm:styleLbl name="sibTrans1D1">
+    <dgm:fillClrLst meth="repeat">
+      <a:schemeClr val="accent1"/>
+    </dgm:fillClrLst>
+    <dgm:linClrLst meth="repeat">
+      <a:schemeClr val="accent1"/>
+    </dgm:linClrLst>
+    <dgm:effectClrLst/>
+    <dgm:txLinClrLst/>
+    <dgm:txFillClrLst meth="repeat">
+      <a:schemeClr val="tx1"/>
+    </dgm:txFillClrLst>
+    <dgm:txEffectClrLst/>
+  </dgm:styleLbl>
+  <dgm:styleLbl name="callout">
+    <dgm:fillClrLst meth="repeat">
+      <a:schemeClr val="accent1"/>
+    </dgm:fillClrLst>
+    <dgm:linClrLst meth="repeat">
+      <a:schemeClr val="accent1">
+        <a:tint val="50000"/>
+      </a:schemeClr>
+    </dgm:linClrLst>
+    <dgm:effectClrLst/>
+    <dgm:txLinClrLst/>
+    <dgm:txFillClrLst meth="repeat">
+      <a:schemeClr val="tx1"/>
+    </dgm:txFillClrLst>
+    <dgm:txEffectClrLst/>
+  </dgm:styleLbl>
+  <dgm:styleLbl name="asst0">
+    <dgm:fillClrLst meth="repeat">
+      <a:schemeClr val="accent1"/>
+    </dgm:fillClrLst>
+    <dgm:linClrLst meth="repeat">
+      <a:schemeClr val="lt1"/>
+    </dgm:linClrLst>
+    <dgm:effectClrLst/>
+    <dgm:txLinClrLst/>
+    <dgm:txFillClrLst/>
+    <dgm:txEffectClrLst/>
+  </dgm:styleLbl>
+  <dgm:styleLbl name="asst1">
+    <dgm:fillClrLst meth="repeat">
+      <a:schemeClr val="accent1"/>
+    </dgm:fillClrLst>
+    <dgm:linClrLst meth="repeat">
+      <a:schemeClr val="lt1"/>
+    </dgm:linClrLst>
+    <dgm:effectClrLst/>
+    <dgm:txLinClrLst/>
+    <dgm:txFillClrLst/>
+    <dgm:txEffectClrLst/>
+  </dgm:styleLbl>
+  <dgm:styleLbl name="asst2">
+    <dgm:fillClrLst meth="repeat">
+      <a:schemeClr val="accent1"/>
+    </dgm:fillClrLst>
+    <dgm:linClrLst meth="repeat">
+      <a:schemeClr val="lt1"/>
+    </dgm:linClrLst>
+    <dgm:effectClrLst/>
+    <dgm:txLinClrLst/>
+    <dgm:txFillClrLst/>
+    <dgm:txEffectClrLst/>
+  </dgm:styleLbl>
+  <dgm:styleLbl name="asst3">
+    <dgm:fillClrLst meth="repeat">
+      <a:schemeClr val="accent1"/>
+    </dgm:fillClrLst>
+    <dgm:linClrLst meth="repeat">
+      <a:schemeClr val="lt1"/>
+    </dgm:linClrLst>
+    <dgm:effectClrLst/>
+    <dgm:txLinClrLst/>
+    <dgm:txFillClrLst/>
+    <dgm:txEffectClrLst/>
+  </dgm:styleLbl>
+  <dgm:styleLbl name="asst4">
+    <dgm:fillClrLst meth="repeat">
+      <a:schemeClr val="accent1"/>
+    </dgm:fillClrLst>
+    <dgm:linClrLst meth="repeat">
+      <a:schemeClr val="lt1"/>
+    </dgm:linClrLst>
+    <dgm:effectClrLst/>
+    <dgm:txLinClrLst/>
+    <dgm:txFillClrLst/>
+    <dgm:txEffectClrLst/>
+  </dgm:styleLbl>
+  <dgm:styleLbl name="parChTrans2D1">
+    <dgm:fillClrLst meth="repeat">
+      <a:schemeClr val="accent1">
+        <a:tint val="60000"/>
+      </a:schemeClr>
+    </dgm:fillClrLst>
+    <dgm:linClrLst meth="repeat">
+      <a:schemeClr val="accent1">
+        <a:tint val="60000"/>
+      </a:schemeClr>
+    </dgm:linClrLst>
+    <dgm:effectClrLst/>
+    <dgm:txLinClrLst/>
+    <dgm:txFillClrLst meth="repeat">
+      <a:schemeClr val="lt1"/>
+    </dgm:txFillClrLst>
+    <dgm:txEffectClrLst/>
+  </dgm:styleLbl>
+  <dgm:styleLbl name="parChTrans2D2">
+    <dgm:fillClrLst meth="repeat">
+      <a:schemeClr val="accent1"/>
+    </dgm:fillClrLst>
+    <dgm:linClrLst meth="repeat">
+      <a:schemeClr val="accent1"/>
+    </dgm:linClrLst>
+    <dgm:effectClrLst/>
+    <dgm:txLinClrLst/>
+    <dgm:txFillClrLst meth="repeat">
+      <a:schemeClr val="lt1"/>
+    </dgm:txFillClrLst>
+    <dgm:txEffectClrLst/>
+  </dgm:styleLbl>
+  <dgm:styleLbl name="parChTrans2D3">
+    <dgm:fillClrLst meth="repeat">
+      <a:schemeClr val="accent1"/>
+    </dgm:fillClrLst>
+    <dgm:linClrLst meth="repeat">
+      <a:schemeClr val="accent1"/>
+    </dgm:linClrLst>
+    <dgm:effectClrLst/>
+    <dgm:txLinClrLst/>
+    <dgm:txFillClrLst meth="repeat">
+      <a:schemeClr val="lt1"/>
+    </dgm:txFillClrLst>
+    <dgm:txEffectClrLst/>
+  </dgm:styleLbl>
+  <dgm:styleLbl name="parChTrans2D4">
+    <dgm:fillClrLst meth="repeat">
+      <a:schemeClr val="accent1"/>
+    </dgm:fillClrLst>
+    <dgm:linClrLst meth="repeat">
+      <a:schemeClr val="accent1"/>
+    </dgm:linClrLst>
+    <dgm:effectClrLst/>
+    <dgm:txLinClrLst/>
+    <dgm:txFillClrLst meth="repeat">
+      <a:schemeClr val="lt1"/>
+    </dgm:txFillClrLst>
+    <dgm:txEffectClrLst/>
+  </dgm:styleLbl>
+  <dgm:styleLbl name="parChTrans1D1">
+    <dgm:fillClrLst meth="repeat">
+      <a:schemeClr val="accent1"/>
+    </dgm:fillClrLst>
+    <dgm:linClrLst meth="repeat">
+      <a:schemeClr val="accent1">
+        <a:shade val="60000"/>
+      </a:schemeClr>
+    </dgm:linClrLst>
+    <dgm:effectClrLst/>
+    <dgm:txLinClrLst/>
+    <dgm:txFillClrLst meth="repeat">
+      <a:schemeClr val="tx1"/>
+    </dgm:txFillClrLst>
+    <dgm:txEffectClrLst/>
+  </dgm:styleLbl>
+  <dgm:styleLbl name="parChTrans1D2">
+    <dgm:fillClrLst meth="repeat">
+      <a:schemeClr val="accent1"/>
+    </dgm:fillClrLst>
+    <dgm:linClrLst meth="repeat">
+      <a:schemeClr val="accent1">
+        <a:shade val="60000"/>
+      </a:schemeClr>
+    </dgm:linClrLst>
+    <dgm:effectClrLst/>
+    <dgm:txLinClrLst/>
+    <dgm:txFillClrLst meth="repeat">
+      <a:schemeClr val="tx1"/>
+    </dgm:txFillClrLst>
+    <dgm:txEffectClrLst/>
+  </dgm:styleLbl>
+  <dgm:styleLbl name="parChTrans1D3">
+    <dgm:fillClrLst meth="repeat">
+      <a:schemeClr val="accent1"/>
+    </dgm:fillClrLst>
+    <dgm:linClrLst meth="repeat">
+      <a:schemeClr val="accent1">
+        <a:shade val="80000"/>
+      </a:schemeClr>
+    </dgm:linClrLst>
+    <dgm:effectClrLst/>
+    <dgm:txLinClrLst/>
+    <dgm:txFillClrLst meth="repeat">
+      <a:schemeClr val="tx1"/>
+    </dgm:txFillClrLst>
+    <dgm:txEffectClrLst/>
+  </dgm:styleLbl>
+  <dgm:styleLbl name="parChTrans1D4">
+    <dgm:fillClrLst meth="repeat">
+      <a:schemeClr val="accent1"/>
+    </dgm:fillClrLst>
+    <dgm:linClrLst meth="repeat">
+      <a:schemeClr val="accent1">
+        <a:shade val="80000"/>
+      </a:schemeClr>
+    </dgm:linClrLst>
+    <dgm:effectClrLst/>
+    <dgm:txLinClrLst/>
+    <dgm:txFillClrLst meth="repeat">
+      <a:schemeClr val="tx1"/>
+    </dgm:txFillClrLst>
+    <dgm:txEffectClrLst/>
+  </dgm:styleLbl>
+  <dgm:styleLbl name="fgAcc1">
+    <dgm:fillClrLst meth="repeat">
+      <a:schemeClr val="lt1">
+        <a:alpha val="90000"/>
+      </a:schemeClr>
+    </dgm:fillClrLst>
+    <dgm:linClrLst meth="repeat">
+      <a:schemeClr val="accent1"/>
+    </dgm:linClrLst>
+    <dgm:effectClrLst/>
+    <dgm:txLinClrLst/>
+    <dgm:txFillClrLst meth="repeat">
+      <a:schemeClr val="dk1"/>
+    </dgm:txFillClrLst>
+    <dgm:txEffectClrLst/>
+  </dgm:styleLbl>
+  <dgm:styleLbl name="conFgAcc1">
+    <dgm:fillClrLst meth="repeat">
+      <a:schemeClr val="lt1">
+        <a:alpha val="90000"/>
+      </a:schemeClr>
+    </dgm:fillClrLst>
+    <dgm:linClrLst meth="repeat">
+      <a:schemeClr val="accent1"/>
+    </dgm:linClrLst>
+    <dgm:effectClrLst/>
+    <dgm:txLinClrLst/>
+    <dgm:txFillClrLst meth="repeat">
+      <a:schemeClr val="dk1"/>
+    </dgm:txFillClrLst>
+    <dgm:txEffectClrLst/>
+  </dgm:styleLbl>
+  <dgm:styleLbl name="alignAcc1">
+    <dgm:fillClrLst meth="repeat">
+      <a:schemeClr val="lt1">
+        <a:alpha val="90000"/>
+      </a:schemeClr>
+    </dgm:fillClrLst>
+    <dgm:linClrLst meth="repeat">
+      <a:schemeClr val="accent1"/>
+    </dgm:linClrLst>
+    <dgm:effectClrLst/>
+    <dgm:txLinClrLst/>
+    <dgm:txFillClrLst meth="repeat">
+      <a:schemeClr val="dk1"/>
+    </dgm:txFillClrLst>
+    <dgm:txEffectClrLst/>
+  </dgm:styleLbl>
+  <dgm:styleLbl name="trAlignAcc1">
+    <dgm:fillClrLst meth="repeat">
+      <a:schemeClr val="lt1">
+        <a:alpha val="40000"/>
+      </a:schemeClr>
+    </dgm:fillClrLst>
+    <dgm:linClrLst meth="repeat">
+      <a:schemeClr val="accent1"/>
+    </dgm:linClrLst>
+    <dgm:effectClrLst/>
+    <dgm:txLinClrLst/>
+    <dgm:txFillClrLst meth="repeat">
+      <a:schemeClr val="dk1"/>
+    </dgm:txFillClrLst>
+    <dgm:txEffectClrLst/>
+  </dgm:styleLbl>
+  <dgm:styleLbl name="bgAcc1">
+    <dgm:fillClrLst meth="repeat">
+      <a:schemeClr val="lt1">
+        <a:alpha val="90000"/>
+      </a:schemeClr>
+    </dgm:fillClrLst>
+    <dgm:linClrLst meth="repeat">
+      <a:schemeClr val="accent1"/>
+    </dgm:linClrLst>
+    <dgm:effectClrLst/>
+    <dgm:txLinClrLst/>
+    <dgm:txFillClrLst meth="repeat">
+      <a:schemeClr val="dk1"/>
+    </dgm:txFillClrLst>
+    <dgm:txEffectClrLst/>
+  </dgm:styleLbl>
+  <dgm:styleLbl name="solidFgAcc1">
+    <dgm:fillClrLst meth="repeat">
+      <a:schemeClr val="lt1"/>
+    </dgm:fillClrLst>
+    <dgm:linClrLst meth="repeat">
+      <a:schemeClr val="accent1"/>
+    </dgm:linClrLst>
+    <dgm:effectClrLst/>
+    <dgm:txLinClrLst/>
+    <dgm:txFillClrLst meth="repeat">
+      <a:schemeClr val="dk1"/>
+    </dgm:txFillClrLst>
+    <dgm:txEffectClrLst/>
+  </dgm:styleLbl>
+  <dgm:styleLbl name="solidAlignAcc1">
+    <dgm:fillClrLst meth="repeat">
+      <a:schemeClr val="lt1"/>
+    </dgm:fillClrLst>
+    <dgm:linClrLst meth="repeat">
+      <a:schemeClr val="accent1"/>
+    </dgm:linClrLst>
+    <dgm:effectClrLst/>
+    <dgm:txLinClrLst/>
+    <dgm:txFillClrLst meth="repeat">
+      <a:schemeClr val="dk1"/>
+    </dgm:txFillClrLst>
+    <dgm:txEffectClrLst/>
+  </dgm:styleLbl>
+  <dgm:styleLbl name="solidBgAcc1">
+    <dgm:fillClrLst meth="repeat">
+      <a:schemeClr val="lt1"/>
+    </dgm:fillClrLst>
+    <dgm:linClrLst meth="repeat">
+      <a:schemeClr val="accent1"/>
+    </dgm:linClrLst>
+    <dgm:effectClrLst/>
+    <dgm:txLinClrLst/>
+    <dgm:txFillClrLst meth="repeat">
+      <a:schemeClr val="dk1"/>
+    </dgm:txFillClrLst>
+    <dgm:txEffectClrLst/>
+  </dgm:styleLbl>
+  <dgm:styleLbl name="fgAccFollowNode1">
+    <dgm:fillClrLst meth="repeat">
+      <a:schemeClr val="accent1">
+        <a:alpha val="90000"/>
+        <a:tint val="40000"/>
+      </a:schemeClr>
+    </dgm:fillClrLst>
+    <dgm:linClrLst meth="repeat">
+      <a:schemeClr val="accent1">
+        <a:alpha val="90000"/>
+        <a:tint val="40000"/>
+      </a:schemeClr>
+    </dgm:linClrLst>
+    <dgm:effectClrLst/>
+    <dgm:txLinClrLst/>
+    <dgm:txFillClrLst meth="repeat">
+      <a:schemeClr val="dk1"/>
+    </dgm:txFillClrLst>
+    <dgm:txEffectClrLst/>
+  </dgm:styleLbl>
+  <dgm:styleLbl name="alignAccFollowNode1">
+    <dgm:fillClrLst meth="repeat">
+      <a:schemeClr val="accent1">
+        <a:alpha val="90000"/>
+        <a:tint val="40000"/>
+      </a:schemeClr>
+    </dgm:fillClrLst>
+    <dgm:linClrLst meth="repeat">
+      <a:schemeClr val="accent1">
+        <a:alpha val="90000"/>
+        <a:tint val="40000"/>
+      </a:schemeClr>
+    </dgm:linClrLst>
+    <dgm:effectClrLst/>
+    <dgm:txLinClrLst/>
+    <dgm:txFillClrLst meth="repeat">
+      <a:schemeClr val="dk1"/>
+    </dgm:txFillClrLst>
+    <dgm:txEffectClrLst/>
+  </dgm:styleLbl>
+  <dgm:styleLbl name="bgAccFollowNode1">
+    <dgm:fillClrLst meth="repeat">
+      <a:schemeClr val="accent1">
+        <a:alpha val="90000"/>
+        <a:tint val="40000"/>
+      </a:schemeClr>
+    </dgm:fillClrLst>
+    <dgm:linClrLst meth="repeat">
+      <a:schemeClr val="accent1">
+        <a:alpha val="90000"/>
+        <a:tint val="40000"/>
+      </a:schemeClr>
+    </dgm:linClrLst>
+    <dgm:effectClrLst/>
+    <dgm:txLinClrLst/>
+    <dgm:txFillClrLst meth="repeat">
+      <a:schemeClr val="dk1"/>
+    </dgm:txFillClrLst>
+    <dgm:txEffectClrLst/>
+  </dgm:styleLbl>
+  <dgm:styleLbl name="fgAcc0">
+    <dgm:fillClrLst meth="repeat">
+      <a:schemeClr val="lt1">
+        <a:alpha val="90000"/>
+      </a:schemeClr>
+    </dgm:fillClrLst>
+    <dgm:linClrLst meth="repeat">
+      <a:schemeClr val="accent1"/>
+    </dgm:linClrLst>
+    <dgm:effectClrLst/>
+    <dgm:txLinClrLst/>
+    <dgm:txFillClrLst meth="repeat">
+      <a:schemeClr val="dk1"/>
+    </dgm:txFillClrLst>
+    <dgm:txEffectClrLst/>
+  </dgm:styleLbl>
+  <dgm:styleLbl name="fgAcc2">
+    <dgm:fillClrLst meth="repeat">
+      <a:schemeClr val="lt1">
+        <a:alpha val="90000"/>
+      </a:schemeClr>
+    </dgm:fillClrLst>
+    <dgm:linClrLst meth="repeat">
+      <a:schemeClr val="accent1"/>
+    </dgm:linClrLst>
+    <dgm:effectClrLst/>
+    <dgm:txLinClrLst/>
+    <dgm:txFillClrLst meth="repeat">
+      <a:schemeClr val="dk1"/>
+    </dgm:txFillClrLst>
+    <dgm:txEffectClrLst/>
+  </dgm:styleLbl>
+  <dgm:styleLbl name="fgAcc3">
+    <dgm:fillClrLst meth="repeat">
+      <a:schemeClr val="lt1">
+        <a:alpha val="90000"/>
+      </a:schemeClr>
+    </dgm:fillClrLst>
+    <dgm:linClrLst meth="repeat">
+      <a:schemeClr val="accent1"/>
+    </dgm:linClrLst>
+    <dgm:effectClrLst/>
+    <dgm:txLinClrLst/>
+    <dgm:txFillClrLst meth="repeat">
+      <a:schemeClr val="dk1"/>
+    </dgm:txFillClrLst>
+    <dgm:txEffectClrLst/>
+  </dgm:styleLbl>
+  <dgm:styleLbl name="fgAcc4">
+    <dgm:fillClrLst meth="repeat">
+      <a:schemeClr val="lt1">
+        <a:alpha val="90000"/>
+      </a:schemeClr>
+    </dgm:fillClrLst>
+    <dgm:linClrLst meth="repeat">
+      <a:schemeClr val="accent1"/>
+    </dgm:linClrLst>
+    <dgm:effectClrLst/>
+    <dgm:txLinClrLst/>
+    <dgm:txFillClrLst meth="repeat">
+      <a:schemeClr val="dk1"/>
+    </dgm:txFillClrLst>
+    <dgm:txEffectClrLst/>
+  </dgm:styleLbl>
+  <dgm:styleLbl name="bgShp">
+    <dgm:fillClrLst meth="repeat">
+      <a:schemeClr val="accent1">
+        <a:tint val="40000"/>
+      </a:schemeClr>
+    </dgm:fillClrLst>
+    <dgm:linClrLst meth="repeat">
+      <a:schemeClr val="accent1"/>
+    </dgm:linClrLst>
+    <dgm:effectClrLst/>
+    <dgm:txLinClrLst/>
+    <dgm:txFillClrLst meth="repeat">
+      <a:schemeClr val="dk1"/>
+    </dgm:txFillClrLst>
+    <dgm:txEffectClrLst/>
+  </dgm:styleLbl>
+  <dgm:styleLbl name="dkBgShp">
+    <dgm:fillClrLst meth="repeat">
+      <a:schemeClr val="accent1">
+        <a:shade val="80000"/>
+      </a:schemeClr>
+    </dgm:fillClrLst>
+    <dgm:linClrLst meth="repeat">
+      <a:schemeClr val="accent1"/>
+    </dgm:linClrLst>
+    <dgm:effectClrLst/>
+    <dgm:txLinClrLst/>
+    <dgm:txFillClrLst meth="repeat">
+      <a:schemeClr val="lt1"/>
+    </dgm:txFillClrLst>
+    <dgm:txEffectClrLst/>
+  </dgm:styleLbl>
+  <dgm:styleLbl name="trBgShp">
+    <dgm:fillClrLst meth="repeat">
+      <a:schemeClr val="accent1">
+        <a:tint val="50000"/>
+        <a:alpha val="40000"/>
+      </a:schemeClr>
+    </dgm:fillClrLst>
+    <dgm:linClrLst meth="repeat">
+      <a:schemeClr val="accent1"/>
+    </dgm:linClrLst>
+    <dgm:effectClrLst/>
+    <dgm:txLinClrLst/>
+    <dgm:txFillClrLst meth="repeat">
+      <a:schemeClr val="lt1"/>
+    </dgm:txFillClrLst>
+    <dgm:txEffectClrLst/>
+  </dgm:styleLbl>
+  <dgm:styleLbl name="fgShp">
+    <dgm:fillClrLst meth="repeat">
+      <a:schemeClr val="accent1">
+        <a:tint val="60000"/>
+      </a:schemeClr>
+    </dgm:fillClrLst>
+    <dgm:linClrLst meth="repeat">
+      <a:schemeClr val="lt1"/>
+    </dgm:linClrLst>
+    <dgm:effectClrLst/>
+    <dgm:txLinClrLst/>
+    <dgm:txFillClrLst meth="repeat">
+      <a:schemeClr val="dk1"/>
+    </dgm:txFillClrLst>
+    <dgm:txEffectClrLst/>
+  </dgm:styleLbl>
+  <dgm:styleLbl name="revTx">
+    <dgm:fillClrLst meth="repeat">
+      <a:schemeClr val="lt1">
+        <a:alpha val="0"/>
+      </a:schemeClr>
+    </dgm:fillClrLst>
+    <dgm:linClrLst meth="repeat">
+      <a:schemeClr val="dk1">
+        <a:alpha val="0"/>
+      </a:schemeClr>
+    </dgm:linClrLst>
+    <dgm:effectClrLst/>
+    <dgm:txLinClrLst/>
+    <dgm:txFillClrLst meth="repeat">
+      <a:schemeClr val="tx1"/>
+    </dgm:txFillClrLst>
+    <dgm:txEffectClrLst/>
+  </dgm:styleLbl>
+</dgm:colorsDef>
+</file>
+
+<file path=ppt/diagrams/colors2.xml><?xml version="1.0" encoding="utf-8"?>
 <dgm:colorsDef xmlns:dgm="http://schemas.openxmlformats.org/drawingml/2006/diagram" xmlns:a="http://schemas.openxmlformats.org/drawingml/2006/main" uniqueId="urn:microsoft.com/office/officeart/2005/8/colors/colorful2">
   <dgm:title val=""/>
   <dgm:desc val=""/>
@@ -967,6 +1714,305 @@
 </file>
 
 <file path=ppt/diagrams/data1.xml><?xml version="1.0" encoding="utf-8"?>
+<dgm:dataModel xmlns:dgm="http://schemas.openxmlformats.org/drawingml/2006/diagram" xmlns:a="http://schemas.openxmlformats.org/drawingml/2006/main">
+  <dgm:ptLst>
+    <dgm:pt modelId="{E41C2F05-A4F5-4386-8519-996689621980}" type="doc">
+      <dgm:prSet loTypeId="urn:microsoft.com/office/officeart/2005/8/layout/hProcess9" loCatId="process" qsTypeId="urn:microsoft.com/office/officeart/2005/8/quickstyle/simple1" qsCatId="simple" csTypeId="urn:microsoft.com/office/officeart/2005/8/colors/accent1_2" csCatId="accent1" phldr="1"/>
+      <dgm:spPr/>
+    </dgm:pt>
+    <dgm:pt modelId="{9D24AF71-5C30-4CE3-82A8-8CE85C71A6D8}">
+      <dgm:prSet phldrT="[Texto]"/>
+      <dgm:spPr>
+        <a:solidFill>
+          <a:schemeClr val="tx1"/>
+        </a:solidFill>
+        <a:ln w="38100" cmpd="sng">
+          <a:solidFill>
+            <a:schemeClr val="tx1"/>
+          </a:solidFill>
+          <a:prstDash val="solid"/>
+        </a:ln>
+      </dgm:spPr>
+      <dgm:t>
+        <a:bodyPr/>
+        <a:lstStyle/>
+        <a:p>
+          <a:r>
+            <a:rPr lang="es-ES" b="1" dirty="0" smtClean="0"/>
+            <a:t>OBJETIVO INICIAL DEL PROYECTO</a:t>
+          </a:r>
+          <a:r>
+            <a:rPr lang="es-ES" dirty="0" smtClean="0"/>
+            <a:t> </a:t>
+          </a:r>
+        </a:p>
+        <a:p>
+          <a:r>
+            <a:rPr lang="es-ES" i="1" dirty="0" smtClean="0"/>
+            <a:t>Desarrollar la Arquitectura Empresarial de la Oficina de Fe y Alegría desde la Oficina Central Fe y Alegría Perú</a:t>
+          </a:r>
+          <a:endParaRPr lang="es-PE" i="1" dirty="0"/>
+        </a:p>
+      </dgm:t>
+    </dgm:pt>
+    <dgm:pt modelId="{0BBDC63A-9F4C-4B89-8B44-AFB6EC17E1D8}" type="parTrans" cxnId="{586EF142-5CBC-4DEA-AE5E-47D4F13BB072}">
+      <dgm:prSet/>
+      <dgm:spPr/>
+      <dgm:t>
+        <a:bodyPr/>
+        <a:lstStyle/>
+        <a:p>
+          <a:endParaRPr lang="es-PE"/>
+        </a:p>
+      </dgm:t>
+    </dgm:pt>
+    <dgm:pt modelId="{4BD4EE57-DDA6-4573-9F33-B8A46C568779}" type="sibTrans" cxnId="{586EF142-5CBC-4DEA-AE5E-47D4F13BB072}">
+      <dgm:prSet/>
+      <dgm:spPr/>
+      <dgm:t>
+        <a:bodyPr/>
+        <a:lstStyle/>
+        <a:p>
+          <a:endParaRPr lang="es-PE"/>
+        </a:p>
+      </dgm:t>
+    </dgm:pt>
+    <dgm:pt modelId="{D2FC32CB-F095-42BE-AC4A-BB0F359DB4F7}">
+      <dgm:prSet phldrT="[Texto]"/>
+      <dgm:spPr>
+        <a:solidFill>
+          <a:schemeClr val="tx1">
+            <a:lumMod val="65000"/>
+            <a:lumOff val="35000"/>
+          </a:schemeClr>
+        </a:solidFill>
+        <a:ln w="38100" cmpd="sng">
+          <a:solidFill>
+            <a:schemeClr val="tx1"/>
+          </a:solidFill>
+          <a:prstDash val="solid"/>
+        </a:ln>
+      </dgm:spPr>
+      <dgm:t>
+        <a:bodyPr/>
+        <a:lstStyle/>
+        <a:p>
+          <a:r>
+            <a:rPr lang="es-ES" b="1" dirty="0" smtClean="0"/>
+            <a:t>COMPLICACIONES</a:t>
+          </a:r>
+        </a:p>
+        <a:p>
+          <a:r>
+            <a:rPr lang="es-PE" i="1" dirty="0" smtClean="0"/>
+            <a:t>Falta de apoyo del Departamento de Administración debido a realización de Auditoría Tributaria</a:t>
+          </a:r>
+          <a:endParaRPr lang="es-PE" i="1" dirty="0"/>
+        </a:p>
+      </dgm:t>
+    </dgm:pt>
+    <dgm:pt modelId="{12713445-8FBD-4D81-A062-E89C9FE7EDCC}" type="parTrans" cxnId="{3DA24950-DA58-467E-93F2-A764CF69E3EE}">
+      <dgm:prSet/>
+      <dgm:spPr/>
+      <dgm:t>
+        <a:bodyPr/>
+        <a:lstStyle/>
+        <a:p>
+          <a:endParaRPr lang="es-PE"/>
+        </a:p>
+      </dgm:t>
+    </dgm:pt>
+    <dgm:pt modelId="{0B63B89A-0AC2-4131-88FA-773991C93122}" type="sibTrans" cxnId="{3DA24950-DA58-467E-93F2-A764CF69E3EE}">
+      <dgm:prSet/>
+      <dgm:spPr/>
+      <dgm:t>
+        <a:bodyPr/>
+        <a:lstStyle/>
+        <a:p>
+          <a:endParaRPr lang="es-PE"/>
+        </a:p>
+      </dgm:t>
+    </dgm:pt>
+    <dgm:pt modelId="{C7CF8F14-1BA5-435E-9E5E-BB8D63F410B4}">
+      <dgm:prSet/>
+      <dgm:spPr>
+        <a:solidFill>
+          <a:schemeClr val="bg1">
+            <a:lumMod val="75000"/>
+          </a:schemeClr>
+        </a:solidFill>
+        <a:ln w="38100" cmpd="sng">
+          <a:solidFill>
+            <a:schemeClr val="tx1"/>
+          </a:solidFill>
+          <a:prstDash val="solid"/>
+        </a:ln>
+      </dgm:spPr>
+      <dgm:t>
+        <a:bodyPr/>
+        <a:lstStyle/>
+        <a:p>
+          <a:r>
+            <a:rPr lang="es-ES" b="1" dirty="0" smtClean="0">
+              <a:solidFill>
+                <a:schemeClr val="tx1"/>
+              </a:solidFill>
+            </a:rPr>
+            <a:t>OBJETIVO FINAL DEL PROYECTO</a:t>
+          </a:r>
+          <a:endParaRPr lang="es-ES" dirty="0" smtClean="0">
+            <a:solidFill>
+              <a:schemeClr val="tx1"/>
+            </a:solidFill>
+          </a:endParaRPr>
+        </a:p>
+        <a:p>
+          <a:r>
+            <a:rPr lang="es-ES" i="1" dirty="0" smtClean="0">
+              <a:solidFill>
+                <a:schemeClr val="tx1"/>
+              </a:solidFill>
+            </a:rPr>
+            <a:t>Desarrollar un modelo de negocios empresarial para apoyar a mejora de la gestión de los centros educativos Fe y Alegría desde la Oficina Central Fe y Alegría Perú</a:t>
+          </a:r>
+          <a:endParaRPr lang="es-PE" i="1" dirty="0">
+            <a:solidFill>
+              <a:schemeClr val="tx1"/>
+            </a:solidFill>
+          </a:endParaRPr>
+        </a:p>
+      </dgm:t>
+    </dgm:pt>
+    <dgm:pt modelId="{E9542C35-F6A0-410A-9B4F-FD9D7981BB03}" type="sibTrans" cxnId="{C638205F-FE79-4F75-9F68-76306C521E08}">
+      <dgm:prSet/>
+      <dgm:spPr/>
+      <dgm:t>
+        <a:bodyPr/>
+        <a:lstStyle/>
+        <a:p>
+          <a:endParaRPr lang="es-PE"/>
+        </a:p>
+      </dgm:t>
+    </dgm:pt>
+    <dgm:pt modelId="{3C2AD85D-275E-465A-A1E9-F7F11DE835B6}" type="parTrans" cxnId="{C638205F-FE79-4F75-9F68-76306C521E08}">
+      <dgm:prSet/>
+      <dgm:spPr/>
+      <dgm:t>
+        <a:bodyPr/>
+        <a:lstStyle/>
+        <a:p>
+          <a:endParaRPr lang="es-PE"/>
+        </a:p>
+      </dgm:t>
+    </dgm:pt>
+    <dgm:pt modelId="{A3162E4F-6263-45DF-94D4-25C689A865CF}" type="pres">
+      <dgm:prSet presAssocID="{E41C2F05-A4F5-4386-8519-996689621980}" presName="CompostProcess" presStyleCnt="0">
+        <dgm:presLayoutVars>
+          <dgm:dir/>
+          <dgm:resizeHandles val="exact"/>
+        </dgm:presLayoutVars>
+      </dgm:prSet>
+      <dgm:spPr/>
+    </dgm:pt>
+    <dgm:pt modelId="{B154954F-BD1D-44B3-BE45-1CACF5973855}" type="pres">
+      <dgm:prSet presAssocID="{E41C2F05-A4F5-4386-8519-996689621980}" presName="arrow" presStyleLbl="bgShp" presStyleIdx="0" presStyleCnt="1"/>
+      <dgm:spPr>
+        <a:solidFill>
+          <a:srgbClr val="E8C84C"/>
+        </a:solidFill>
+        <a:ln w="38100" cmpd="sng">
+          <a:solidFill>
+            <a:schemeClr val="tx1"/>
+          </a:solidFill>
+          <a:prstDash val="solid"/>
+        </a:ln>
+      </dgm:spPr>
+    </dgm:pt>
+    <dgm:pt modelId="{D7A8DAF0-8CEF-4833-B5BB-946F8CE7B695}" type="pres">
+      <dgm:prSet presAssocID="{E41C2F05-A4F5-4386-8519-996689621980}" presName="linearProcess" presStyleCnt="0"/>
+      <dgm:spPr/>
+    </dgm:pt>
+    <dgm:pt modelId="{A8A1F048-8F30-4686-A4B0-3F980C36F541}" type="pres">
+      <dgm:prSet presAssocID="{9D24AF71-5C30-4CE3-82A8-8CE85C71A6D8}" presName="textNode" presStyleLbl="node1" presStyleIdx="0" presStyleCnt="3">
+        <dgm:presLayoutVars>
+          <dgm:bulletEnabled val="1"/>
+        </dgm:presLayoutVars>
+      </dgm:prSet>
+      <dgm:spPr/>
+      <dgm:t>
+        <a:bodyPr/>
+        <a:lstStyle/>
+        <a:p>
+          <a:endParaRPr lang="es-PE"/>
+        </a:p>
+      </dgm:t>
+    </dgm:pt>
+    <dgm:pt modelId="{A20BE108-B404-41E4-BA1D-33AF69FE0AEC}" type="pres">
+      <dgm:prSet presAssocID="{4BD4EE57-DDA6-4573-9F33-B8A46C568779}" presName="sibTrans" presStyleCnt="0"/>
+      <dgm:spPr/>
+    </dgm:pt>
+    <dgm:pt modelId="{35D9E6C0-E0B5-4D2C-87B2-AF47198864D9}" type="pres">
+      <dgm:prSet presAssocID="{D2FC32CB-F095-42BE-AC4A-BB0F359DB4F7}" presName="textNode" presStyleLbl="node1" presStyleIdx="1" presStyleCnt="3" custScaleX="75712">
+        <dgm:presLayoutVars>
+          <dgm:bulletEnabled val="1"/>
+        </dgm:presLayoutVars>
+      </dgm:prSet>
+      <dgm:spPr/>
+      <dgm:t>
+        <a:bodyPr/>
+        <a:lstStyle/>
+        <a:p>
+          <a:endParaRPr lang="es-PE"/>
+        </a:p>
+      </dgm:t>
+    </dgm:pt>
+    <dgm:pt modelId="{9A89AD5B-79F4-436F-8116-444348799A2B}" type="pres">
+      <dgm:prSet presAssocID="{0B63B89A-0AC2-4131-88FA-773991C93122}" presName="sibTrans" presStyleCnt="0"/>
+      <dgm:spPr/>
+    </dgm:pt>
+    <dgm:pt modelId="{09B6BDF7-4FC8-49F5-BC24-556B94FDA05A}" type="pres">
+      <dgm:prSet presAssocID="{C7CF8F14-1BA5-435E-9E5E-BB8D63F410B4}" presName="textNode" presStyleLbl="node1" presStyleIdx="2" presStyleCnt="3">
+        <dgm:presLayoutVars>
+          <dgm:bulletEnabled val="1"/>
+        </dgm:presLayoutVars>
+      </dgm:prSet>
+      <dgm:spPr/>
+      <dgm:t>
+        <a:bodyPr/>
+        <a:lstStyle/>
+        <a:p>
+          <a:endParaRPr lang="es-PE"/>
+        </a:p>
+      </dgm:t>
+    </dgm:pt>
+  </dgm:ptLst>
+  <dgm:cxnLst>
+    <dgm:cxn modelId="{95F236CC-CAE7-4A68-A618-3C2C6841E1F1}" type="presOf" srcId="{E41C2F05-A4F5-4386-8519-996689621980}" destId="{A3162E4F-6263-45DF-94D4-25C689A865CF}" srcOrd="0" destOrd="0" presId="urn:microsoft.com/office/officeart/2005/8/layout/hProcess9"/>
+    <dgm:cxn modelId="{C638205F-FE79-4F75-9F68-76306C521E08}" srcId="{E41C2F05-A4F5-4386-8519-996689621980}" destId="{C7CF8F14-1BA5-435E-9E5E-BB8D63F410B4}" srcOrd="2" destOrd="0" parTransId="{3C2AD85D-275E-465A-A1E9-F7F11DE835B6}" sibTransId="{E9542C35-F6A0-410A-9B4F-FD9D7981BB03}"/>
+    <dgm:cxn modelId="{4A0042C2-7D1E-480B-96B8-6412A9EF6652}" type="presOf" srcId="{9D24AF71-5C30-4CE3-82A8-8CE85C71A6D8}" destId="{A8A1F048-8F30-4686-A4B0-3F980C36F541}" srcOrd="0" destOrd="0" presId="urn:microsoft.com/office/officeart/2005/8/layout/hProcess9"/>
+    <dgm:cxn modelId="{3DA24950-DA58-467E-93F2-A764CF69E3EE}" srcId="{E41C2F05-A4F5-4386-8519-996689621980}" destId="{D2FC32CB-F095-42BE-AC4A-BB0F359DB4F7}" srcOrd="1" destOrd="0" parTransId="{12713445-8FBD-4D81-A062-E89C9FE7EDCC}" sibTransId="{0B63B89A-0AC2-4131-88FA-773991C93122}"/>
+    <dgm:cxn modelId="{83F68E58-FF91-4EA9-B87F-BC7C527D4CD7}" type="presOf" srcId="{D2FC32CB-F095-42BE-AC4A-BB0F359DB4F7}" destId="{35D9E6C0-E0B5-4D2C-87B2-AF47198864D9}" srcOrd="0" destOrd="0" presId="urn:microsoft.com/office/officeart/2005/8/layout/hProcess9"/>
+    <dgm:cxn modelId="{586EF142-5CBC-4DEA-AE5E-47D4F13BB072}" srcId="{E41C2F05-A4F5-4386-8519-996689621980}" destId="{9D24AF71-5C30-4CE3-82A8-8CE85C71A6D8}" srcOrd="0" destOrd="0" parTransId="{0BBDC63A-9F4C-4B89-8B44-AFB6EC17E1D8}" sibTransId="{4BD4EE57-DDA6-4573-9F33-B8A46C568779}"/>
+    <dgm:cxn modelId="{E4712463-1BD4-46CA-8C1B-C02157AFB8E7}" type="presOf" srcId="{C7CF8F14-1BA5-435E-9E5E-BB8D63F410B4}" destId="{09B6BDF7-4FC8-49F5-BC24-556B94FDA05A}" srcOrd="0" destOrd="0" presId="urn:microsoft.com/office/officeart/2005/8/layout/hProcess9"/>
+    <dgm:cxn modelId="{1972745C-A51C-4D14-B926-16CC8D3456F8}" type="presParOf" srcId="{A3162E4F-6263-45DF-94D4-25C689A865CF}" destId="{B154954F-BD1D-44B3-BE45-1CACF5973855}" srcOrd="0" destOrd="0" presId="urn:microsoft.com/office/officeart/2005/8/layout/hProcess9"/>
+    <dgm:cxn modelId="{E70591D7-A098-498B-AE0F-02A0815DD1E8}" type="presParOf" srcId="{A3162E4F-6263-45DF-94D4-25C689A865CF}" destId="{D7A8DAF0-8CEF-4833-B5BB-946F8CE7B695}" srcOrd="1" destOrd="0" presId="urn:microsoft.com/office/officeart/2005/8/layout/hProcess9"/>
+    <dgm:cxn modelId="{21231C2A-E9F0-41A4-A4F4-388104C681EA}" type="presParOf" srcId="{D7A8DAF0-8CEF-4833-B5BB-946F8CE7B695}" destId="{A8A1F048-8F30-4686-A4B0-3F980C36F541}" srcOrd="0" destOrd="0" presId="urn:microsoft.com/office/officeart/2005/8/layout/hProcess9"/>
+    <dgm:cxn modelId="{75E16FD9-3137-4364-830C-0F97FCC1EDE0}" type="presParOf" srcId="{D7A8DAF0-8CEF-4833-B5BB-946F8CE7B695}" destId="{A20BE108-B404-41E4-BA1D-33AF69FE0AEC}" srcOrd="1" destOrd="0" presId="urn:microsoft.com/office/officeart/2005/8/layout/hProcess9"/>
+    <dgm:cxn modelId="{7EAD0043-C703-485D-813B-A8F914039C14}" type="presParOf" srcId="{D7A8DAF0-8CEF-4833-B5BB-946F8CE7B695}" destId="{35D9E6C0-E0B5-4D2C-87B2-AF47198864D9}" srcOrd="2" destOrd="0" presId="urn:microsoft.com/office/officeart/2005/8/layout/hProcess9"/>
+    <dgm:cxn modelId="{31B90D53-91FE-4E0B-B759-E4A4CF47711C}" type="presParOf" srcId="{D7A8DAF0-8CEF-4833-B5BB-946F8CE7B695}" destId="{9A89AD5B-79F4-436F-8116-444348799A2B}" srcOrd="3" destOrd="0" presId="urn:microsoft.com/office/officeart/2005/8/layout/hProcess9"/>
+    <dgm:cxn modelId="{29FE5032-164C-4FEF-A7C6-0EC989715AE5}" type="presParOf" srcId="{D7A8DAF0-8CEF-4833-B5BB-946F8CE7B695}" destId="{09B6BDF7-4FC8-49F5-BC24-556B94FDA05A}" srcOrd="4" destOrd="0" presId="urn:microsoft.com/office/officeart/2005/8/layout/hProcess9"/>
+  </dgm:cxnLst>
+  <dgm:bg/>
+  <dgm:whole/>
+  <dgm:extLst>
+    <a:ext uri="http://schemas.microsoft.com/office/drawing/2008/diagram">
+      <dsp:dataModelExt xmlns:dsp="http://schemas.microsoft.com/office/drawing/2008/diagram" relId="rId6" minVer="http://schemas.openxmlformats.org/drawingml/2006/diagram"/>
+    </a:ext>
+  </dgm:extLst>
+</dgm:dataModel>
+</file>
+
+<file path=ppt/diagrams/data2.xml><?xml version="1.0" encoding="utf-8"?>
 <dgm:dataModel xmlns:dgm="http://schemas.openxmlformats.org/drawingml/2006/diagram" xmlns:a="http://schemas.openxmlformats.org/drawingml/2006/main">
   <dgm:ptLst>
     <dgm:pt modelId="{761B09D6-5962-44D9-B5F8-A43FDE727E74}" type="doc">
@@ -1886,6 +2932,333 @@
 </file>
 
 <file path=ppt/diagrams/drawing1.xml><?xml version="1.0" encoding="utf-8"?>
+<dsp:drawing xmlns:dgm="http://schemas.openxmlformats.org/drawingml/2006/diagram" xmlns:dsp="http://schemas.microsoft.com/office/drawing/2008/diagram" xmlns:a="http://schemas.openxmlformats.org/drawingml/2006/main">
+  <dsp:spTree>
+    <dsp:nvGrpSpPr>
+      <dsp:cNvPr id="0" name=""/>
+      <dsp:cNvGrpSpPr/>
+    </dsp:nvGrpSpPr>
+    <dsp:grpSpPr/>
+    <dsp:sp modelId="{B154954F-BD1D-44B3-BE45-1CACF5973855}">
+      <dsp:nvSpPr>
+        <dsp:cNvPr id="0" name=""/>
+        <dsp:cNvSpPr/>
+      </dsp:nvSpPr>
+      <dsp:spPr>
+        <a:xfrm>
+          <a:off x="642671" y="0"/>
+          <a:ext cx="7283609" cy="4064000"/>
+        </a:xfrm>
+        <a:prstGeom prst="rightArrow">
+          <a:avLst/>
+        </a:prstGeom>
+        <a:solidFill>
+          <a:srgbClr val="E8C84C"/>
+        </a:solidFill>
+        <a:ln w="38100" cmpd="sng">
+          <a:solidFill>
+            <a:schemeClr val="tx1"/>
+          </a:solidFill>
+          <a:prstDash val="solid"/>
+        </a:ln>
+        <a:effectLst/>
+      </dsp:spPr>
+      <dsp:style>
+        <a:lnRef idx="0">
+          <a:scrgbClr r="0" g="0" b="0"/>
+        </a:lnRef>
+        <a:fillRef idx="1">
+          <a:scrgbClr r="0" g="0" b="0"/>
+        </a:fillRef>
+        <a:effectRef idx="0">
+          <a:scrgbClr r="0" g="0" b="0"/>
+        </a:effectRef>
+        <a:fontRef idx="minor"/>
+      </dsp:style>
+    </dsp:sp>
+    <dsp:sp modelId="{A8A1F048-8F30-4686-A4B0-3F980C36F541}">
+      <dsp:nvSpPr>
+        <dsp:cNvPr id="0" name=""/>
+        <dsp:cNvSpPr/>
+      </dsp:nvSpPr>
+      <dsp:spPr>
+        <a:xfrm>
+          <a:off x="74031" y="1219199"/>
+          <a:ext cx="2945577" cy="1625600"/>
+        </a:xfrm>
+        <a:prstGeom prst="roundRect">
+          <a:avLst/>
+        </a:prstGeom>
+        <a:solidFill>
+          <a:schemeClr val="tx1"/>
+        </a:solidFill>
+        <a:ln w="38100" cap="flat" cmpd="sng" algn="ctr">
+          <a:solidFill>
+            <a:schemeClr val="tx1"/>
+          </a:solidFill>
+          <a:prstDash val="solid"/>
+        </a:ln>
+        <a:effectLst/>
+      </dsp:spPr>
+      <dsp:style>
+        <a:lnRef idx="2">
+          <a:scrgbClr r="0" g="0" b="0"/>
+        </a:lnRef>
+        <a:fillRef idx="1">
+          <a:scrgbClr r="0" g="0" b="0"/>
+        </a:fillRef>
+        <a:effectRef idx="0">
+          <a:scrgbClr r="0" g="0" b="0"/>
+        </a:effectRef>
+        <a:fontRef idx="minor">
+          <a:schemeClr val="lt1"/>
+        </a:fontRef>
+      </dsp:style>
+      <dsp:txBody>
+        <a:bodyPr spcFirstLastPara="0" vert="horz" wrap="square" lIns="53340" tIns="53340" rIns="53340" bIns="53340" numCol="1" spcCol="1270" anchor="ctr" anchorCtr="0">
+          <a:noAutofit/>
+        </a:bodyPr>
+        <a:lstStyle/>
+        <a:p>
+          <a:pPr lvl="0" algn="ctr" defTabSz="622300">
+            <a:lnSpc>
+              <a:spcPct val="90000"/>
+            </a:lnSpc>
+            <a:spcBef>
+              <a:spcPct val="0"/>
+            </a:spcBef>
+            <a:spcAft>
+              <a:spcPct val="35000"/>
+            </a:spcAft>
+          </a:pPr>
+          <a:r>
+            <a:rPr lang="es-ES" sz="1400" b="1" kern="1200" dirty="0" smtClean="0"/>
+            <a:t>OBJETIVO INICIAL DEL PROYECTO</a:t>
+          </a:r>
+          <a:r>
+            <a:rPr lang="es-ES" sz="1400" kern="1200" dirty="0" smtClean="0"/>
+            <a:t> </a:t>
+          </a:r>
+        </a:p>
+        <a:p>
+          <a:pPr lvl="0" algn="ctr" defTabSz="622300">
+            <a:lnSpc>
+              <a:spcPct val="90000"/>
+            </a:lnSpc>
+            <a:spcBef>
+              <a:spcPct val="0"/>
+            </a:spcBef>
+            <a:spcAft>
+              <a:spcPct val="35000"/>
+            </a:spcAft>
+          </a:pPr>
+          <a:r>
+            <a:rPr lang="es-ES" sz="1400" i="1" kern="1200" dirty="0" smtClean="0"/>
+            <a:t>Desarrollar la Arquitectura Empresarial de la Oficina de Fe y Alegría desde la Oficina Central Fe y Alegría Perú</a:t>
+          </a:r>
+          <a:endParaRPr lang="es-PE" sz="1400" i="1" kern="1200" dirty="0"/>
+        </a:p>
+      </dsp:txBody>
+      <dsp:txXfrm>
+        <a:off x="153386" y="1298554"/>
+        <a:ext cx="2786867" cy="1466890"/>
+      </dsp:txXfrm>
+    </dsp:sp>
+    <dsp:sp modelId="{35D9E6C0-E0B5-4D2C-87B2-AF47198864D9}">
+      <dsp:nvSpPr>
+        <dsp:cNvPr id="0" name=""/>
+        <dsp:cNvSpPr/>
+      </dsp:nvSpPr>
+      <dsp:spPr>
+        <a:xfrm>
+          <a:off x="3169398" y="1219199"/>
+          <a:ext cx="2230155" cy="1625600"/>
+        </a:xfrm>
+        <a:prstGeom prst="roundRect">
+          <a:avLst/>
+        </a:prstGeom>
+        <a:solidFill>
+          <a:schemeClr val="tx1">
+            <a:lumMod val="65000"/>
+            <a:lumOff val="35000"/>
+          </a:schemeClr>
+        </a:solidFill>
+        <a:ln w="38100" cap="flat" cmpd="sng" algn="ctr">
+          <a:solidFill>
+            <a:schemeClr val="tx1"/>
+          </a:solidFill>
+          <a:prstDash val="solid"/>
+        </a:ln>
+        <a:effectLst/>
+      </dsp:spPr>
+      <dsp:style>
+        <a:lnRef idx="2">
+          <a:scrgbClr r="0" g="0" b="0"/>
+        </a:lnRef>
+        <a:fillRef idx="1">
+          <a:scrgbClr r="0" g="0" b="0"/>
+        </a:fillRef>
+        <a:effectRef idx="0">
+          <a:scrgbClr r="0" g="0" b="0"/>
+        </a:effectRef>
+        <a:fontRef idx="minor">
+          <a:schemeClr val="lt1"/>
+        </a:fontRef>
+      </dsp:style>
+      <dsp:txBody>
+        <a:bodyPr spcFirstLastPara="0" vert="horz" wrap="square" lIns="53340" tIns="53340" rIns="53340" bIns="53340" numCol="1" spcCol="1270" anchor="ctr" anchorCtr="0">
+          <a:noAutofit/>
+        </a:bodyPr>
+        <a:lstStyle/>
+        <a:p>
+          <a:pPr lvl="0" algn="ctr" defTabSz="622300">
+            <a:lnSpc>
+              <a:spcPct val="90000"/>
+            </a:lnSpc>
+            <a:spcBef>
+              <a:spcPct val="0"/>
+            </a:spcBef>
+            <a:spcAft>
+              <a:spcPct val="35000"/>
+            </a:spcAft>
+          </a:pPr>
+          <a:r>
+            <a:rPr lang="es-ES" sz="1400" b="1" kern="1200" dirty="0" smtClean="0"/>
+            <a:t>COMPLICACIONES</a:t>
+          </a:r>
+        </a:p>
+        <a:p>
+          <a:pPr lvl="0" algn="ctr" defTabSz="622300">
+            <a:lnSpc>
+              <a:spcPct val="90000"/>
+            </a:lnSpc>
+            <a:spcBef>
+              <a:spcPct val="0"/>
+            </a:spcBef>
+            <a:spcAft>
+              <a:spcPct val="35000"/>
+            </a:spcAft>
+          </a:pPr>
+          <a:r>
+            <a:rPr lang="es-PE" sz="1400" i="1" kern="1200" dirty="0" smtClean="0"/>
+            <a:t>Falta de apoyo del Departamento de Administración debido a realización de Auditoría Tributaria</a:t>
+          </a:r>
+          <a:endParaRPr lang="es-PE" sz="1400" i="1" kern="1200" dirty="0"/>
+        </a:p>
+      </dsp:txBody>
+      <dsp:txXfrm>
+        <a:off x="3248753" y="1298554"/>
+        <a:ext cx="2071445" cy="1466890"/>
+      </dsp:txXfrm>
+    </dsp:sp>
+    <dsp:sp modelId="{09B6BDF7-4FC8-49F5-BC24-556B94FDA05A}">
+      <dsp:nvSpPr>
+        <dsp:cNvPr id="0" name=""/>
+        <dsp:cNvSpPr/>
+      </dsp:nvSpPr>
+      <dsp:spPr>
+        <a:xfrm>
+          <a:off x="5549343" y="1219199"/>
+          <a:ext cx="2945577" cy="1625600"/>
+        </a:xfrm>
+        <a:prstGeom prst="roundRect">
+          <a:avLst/>
+        </a:prstGeom>
+        <a:solidFill>
+          <a:schemeClr val="bg1">
+            <a:lumMod val="75000"/>
+          </a:schemeClr>
+        </a:solidFill>
+        <a:ln w="38100" cap="flat" cmpd="sng" algn="ctr">
+          <a:solidFill>
+            <a:schemeClr val="tx1"/>
+          </a:solidFill>
+          <a:prstDash val="solid"/>
+        </a:ln>
+        <a:effectLst/>
+      </dsp:spPr>
+      <dsp:style>
+        <a:lnRef idx="2">
+          <a:scrgbClr r="0" g="0" b="0"/>
+        </a:lnRef>
+        <a:fillRef idx="1">
+          <a:scrgbClr r="0" g="0" b="0"/>
+        </a:fillRef>
+        <a:effectRef idx="0">
+          <a:scrgbClr r="0" g="0" b="0"/>
+        </a:effectRef>
+        <a:fontRef idx="minor">
+          <a:schemeClr val="lt1"/>
+        </a:fontRef>
+      </dsp:style>
+      <dsp:txBody>
+        <a:bodyPr spcFirstLastPara="0" vert="horz" wrap="square" lIns="53340" tIns="53340" rIns="53340" bIns="53340" numCol="1" spcCol="1270" anchor="ctr" anchorCtr="0">
+          <a:noAutofit/>
+        </a:bodyPr>
+        <a:lstStyle/>
+        <a:p>
+          <a:pPr lvl="0" algn="ctr" defTabSz="622300">
+            <a:lnSpc>
+              <a:spcPct val="90000"/>
+            </a:lnSpc>
+            <a:spcBef>
+              <a:spcPct val="0"/>
+            </a:spcBef>
+            <a:spcAft>
+              <a:spcPct val="35000"/>
+            </a:spcAft>
+          </a:pPr>
+          <a:r>
+            <a:rPr lang="es-ES" sz="1400" b="1" kern="1200" dirty="0" smtClean="0">
+              <a:solidFill>
+                <a:schemeClr val="tx1"/>
+              </a:solidFill>
+            </a:rPr>
+            <a:t>OBJETIVO FINAL DEL PROYECTO</a:t>
+          </a:r>
+          <a:endParaRPr lang="es-ES" sz="1400" kern="1200" dirty="0" smtClean="0">
+            <a:solidFill>
+              <a:schemeClr val="tx1"/>
+            </a:solidFill>
+          </a:endParaRPr>
+        </a:p>
+        <a:p>
+          <a:pPr lvl="0" algn="ctr" defTabSz="622300">
+            <a:lnSpc>
+              <a:spcPct val="90000"/>
+            </a:lnSpc>
+            <a:spcBef>
+              <a:spcPct val="0"/>
+            </a:spcBef>
+            <a:spcAft>
+              <a:spcPct val="35000"/>
+            </a:spcAft>
+          </a:pPr>
+          <a:r>
+            <a:rPr lang="es-ES" sz="1400" i="1" kern="1200" dirty="0" smtClean="0">
+              <a:solidFill>
+                <a:schemeClr val="tx1"/>
+              </a:solidFill>
+            </a:rPr>
+            <a:t>Desarrollar un modelo de negocios empresarial para apoyar a mejora de la gestión de los centros educativos Fe y Alegría desde la Oficina Central Fe y Alegría Perú</a:t>
+          </a:r>
+          <a:endParaRPr lang="es-PE" sz="1400" i="1" kern="1200" dirty="0">
+            <a:solidFill>
+              <a:schemeClr val="tx1"/>
+            </a:solidFill>
+          </a:endParaRPr>
+        </a:p>
+      </dsp:txBody>
+      <dsp:txXfrm>
+        <a:off x="5628698" y="1298554"/>
+        <a:ext cx="2786867" cy="1466890"/>
+      </dsp:txXfrm>
+    </dsp:sp>
+  </dsp:spTree>
+</dsp:drawing>
+</file>
+
+<file path=ppt/diagrams/drawing2.xml><?xml version="1.0" encoding="utf-8"?>
 <dsp:drawing xmlns:dgm="http://schemas.openxmlformats.org/drawingml/2006/diagram" xmlns:dsp="http://schemas.microsoft.com/office/drawing/2008/diagram" xmlns:a="http://schemas.openxmlformats.org/drawingml/2006/main">
   <dsp:spTree>
     <dsp:nvGrpSpPr>
@@ -3032,6 +4405,160 @@
 </file>
 
 <file path=ppt/diagrams/layout1.xml><?xml version="1.0" encoding="utf-8"?>
+<dgm:layoutDef xmlns:dgm="http://schemas.openxmlformats.org/drawingml/2006/diagram" xmlns:a="http://schemas.openxmlformats.org/drawingml/2006/main" uniqueId="urn:microsoft.com/office/officeart/2005/8/layout/hProcess9">
+  <dgm:title val=""/>
+  <dgm:desc val=""/>
+  <dgm:catLst>
+    <dgm:cat type="process" pri="5000"/>
+    <dgm:cat type="convert" pri="13000"/>
+  </dgm:catLst>
+  <dgm:sampData useDef="1">
+    <dgm:dataModel>
+      <dgm:ptLst/>
+      <dgm:bg/>
+      <dgm:whole/>
+    </dgm:dataModel>
+  </dgm:sampData>
+  <dgm:styleData>
+    <dgm:dataModel>
+      <dgm:ptLst>
+        <dgm:pt modelId="0" type="doc"/>
+        <dgm:pt modelId="1"/>
+        <dgm:pt modelId="2"/>
+      </dgm:ptLst>
+      <dgm:cxnLst>
+        <dgm:cxn modelId="3" srcId="0" destId="1" srcOrd="0" destOrd="0"/>
+        <dgm:cxn modelId="4" srcId="0" destId="2" srcOrd="1" destOrd="0"/>
+      </dgm:cxnLst>
+      <dgm:bg/>
+      <dgm:whole/>
+    </dgm:dataModel>
+  </dgm:styleData>
+  <dgm:clrData>
+    <dgm:dataModel>
+      <dgm:ptLst>
+        <dgm:pt modelId="0" type="doc"/>
+        <dgm:pt modelId="1"/>
+        <dgm:pt modelId="2"/>
+        <dgm:pt modelId="3"/>
+        <dgm:pt modelId="4"/>
+      </dgm:ptLst>
+      <dgm:cxnLst>
+        <dgm:cxn modelId="5" srcId="0" destId="1" srcOrd="0" destOrd="0"/>
+        <dgm:cxn modelId="6" srcId="0" destId="2" srcOrd="1" destOrd="0"/>
+        <dgm:cxn modelId="7" srcId="0" destId="3" srcOrd="2" destOrd="0"/>
+        <dgm:cxn modelId="8" srcId="0" destId="4" srcOrd="3" destOrd="0"/>
+      </dgm:cxnLst>
+      <dgm:bg/>
+      <dgm:whole/>
+    </dgm:dataModel>
+  </dgm:clrData>
+  <dgm:layoutNode name="CompostProcess">
+    <dgm:varLst>
+      <dgm:dir/>
+      <dgm:resizeHandles val="exact"/>
+    </dgm:varLst>
+    <dgm:alg type="composite">
+      <dgm:param type="horzAlign" val="ctr"/>
+      <dgm:param type="vertAlign" val="mid"/>
+    </dgm:alg>
+    <dgm:shape xmlns:r="http://schemas.openxmlformats.org/officeDocument/2006/relationships" r:blip="">
+      <dgm:adjLst/>
+    </dgm:shape>
+    <dgm:presOf/>
+    <dgm:constrLst>
+      <dgm:constr type="w" for="ch" forName="arrow" refType="w" fact="0.85"/>
+      <dgm:constr type="h" for="ch" forName="arrow" refType="h"/>
+      <dgm:constr type="ctrX" for="ch" forName="arrow" refType="w" fact="0.5"/>
+      <dgm:constr type="ctrY" for="ch" forName="arrow" refType="h" fact="0.5"/>
+      <dgm:constr type="w" for="ch" forName="linearProcess" refType="w"/>
+      <dgm:constr type="h" for="ch" forName="linearProcess" refType="h" fact="0.4"/>
+      <dgm:constr type="ctrX" for="ch" forName="linearProcess" refType="w" fact="0.5"/>
+      <dgm:constr type="ctrY" for="ch" forName="linearProcess" refType="h" fact="0.5"/>
+    </dgm:constrLst>
+    <dgm:ruleLst/>
+    <dgm:layoutNode name="arrow" styleLbl="bgShp">
+      <dgm:alg type="sp"/>
+      <dgm:choose name="Name0">
+        <dgm:if name="Name1" func="var" arg="dir" op="equ" val="norm">
+          <dgm:shape xmlns:r="http://schemas.openxmlformats.org/officeDocument/2006/relationships" type="rightArrow" r:blip="">
+            <dgm:adjLst/>
+          </dgm:shape>
+        </dgm:if>
+        <dgm:else name="Name2">
+          <dgm:shape xmlns:r="http://schemas.openxmlformats.org/officeDocument/2006/relationships" type="leftArrow" r:blip="">
+            <dgm:adjLst/>
+          </dgm:shape>
+        </dgm:else>
+      </dgm:choose>
+      <dgm:presOf/>
+      <dgm:constrLst/>
+      <dgm:ruleLst/>
+    </dgm:layoutNode>
+    <dgm:layoutNode name="linearProcess">
+      <dgm:choose name="Name3">
+        <dgm:if name="Name4" func="var" arg="dir" op="equ" val="norm">
+          <dgm:alg type="lin"/>
+        </dgm:if>
+        <dgm:else name="Name5">
+          <dgm:alg type="lin">
+            <dgm:param type="linDir" val="fromR"/>
+          </dgm:alg>
+        </dgm:else>
+      </dgm:choose>
+      <dgm:shape xmlns:r="http://schemas.openxmlformats.org/officeDocument/2006/relationships" r:blip="">
+        <dgm:adjLst/>
+      </dgm:shape>
+      <dgm:presOf/>
+      <dgm:constrLst>
+        <dgm:constr type="userA" for="ch" ptType="node" refType="w"/>
+        <dgm:constr type="h" for="ch" ptType="node" refType="h"/>
+        <dgm:constr type="w" for="ch" ptType="node" op="equ"/>
+        <dgm:constr type="w" for="ch" forName="sibTrans" refType="w" fact="0.05"/>
+        <dgm:constr type="primFontSz" for="ch" ptType="node" op="equ" val="65"/>
+      </dgm:constrLst>
+      <dgm:ruleLst/>
+      <dgm:forEach name="Name6" axis="ch" ptType="node">
+        <dgm:layoutNode name="textNode" styleLbl="node1">
+          <dgm:varLst>
+            <dgm:bulletEnabled val="1"/>
+          </dgm:varLst>
+          <dgm:alg type="tx"/>
+          <dgm:shape xmlns:r="http://schemas.openxmlformats.org/officeDocument/2006/relationships" type="roundRect" r:blip="">
+            <dgm:adjLst/>
+          </dgm:shape>
+          <dgm:presOf axis="desOrSelf" ptType="node"/>
+          <dgm:constrLst>
+            <dgm:constr type="userA"/>
+            <dgm:constr type="w" refType="userA" fact="0.3"/>
+            <dgm:constr type="tMarg" refType="primFontSz" fact="0.3"/>
+            <dgm:constr type="bMarg" refType="primFontSz" fact="0.3"/>
+            <dgm:constr type="lMarg" refType="primFontSz" fact="0.3"/>
+            <dgm:constr type="rMarg" refType="primFontSz" fact="0.3"/>
+          </dgm:constrLst>
+          <dgm:ruleLst>
+            <dgm:rule type="w" val="NaN" fact="1" max="NaN"/>
+            <dgm:rule type="primFontSz" val="5" fact="NaN" max="NaN"/>
+          </dgm:ruleLst>
+        </dgm:layoutNode>
+        <dgm:forEach name="Name7" axis="followSib" ptType="sibTrans" cnt="1">
+          <dgm:layoutNode name="sibTrans">
+            <dgm:alg type="sp"/>
+            <dgm:shape xmlns:r="http://schemas.openxmlformats.org/officeDocument/2006/relationships" r:blip="">
+              <dgm:adjLst/>
+            </dgm:shape>
+            <dgm:presOf/>
+            <dgm:constrLst/>
+            <dgm:ruleLst/>
+          </dgm:layoutNode>
+        </dgm:forEach>
+      </dgm:forEach>
+    </dgm:layoutNode>
+  </dgm:layoutNode>
+</dgm:layoutDef>
+</file>
+
+<file path=ppt/diagrams/layout2.xml><?xml version="1.0" encoding="utf-8"?>
 <dgm:layoutDef xmlns:dgm="http://schemas.openxmlformats.org/drawingml/2006/diagram" xmlns:a="http://schemas.openxmlformats.org/drawingml/2006/main" uniqueId="urn:microsoft.com/office/officeart/2005/8/layout/process4">
   <dgm:title val=""/>
   <dgm:desc val=""/>
@@ -3385,6 +4912,1040 @@
 </file>
 
 <file path=ppt/diagrams/quickStyle1.xml><?xml version="1.0" encoding="utf-8"?>
+<dgm:styleDef xmlns:dgm="http://schemas.openxmlformats.org/drawingml/2006/diagram" xmlns:a="http://schemas.openxmlformats.org/drawingml/2006/main" uniqueId="urn:microsoft.com/office/officeart/2005/8/quickstyle/simple1">
+  <dgm:title val=""/>
+  <dgm:desc val=""/>
+  <dgm:catLst>
+    <dgm:cat type="simple" pri="10100"/>
+  </dgm:catLst>
+  <dgm:scene3d>
+    <a:camera prst="orthographicFront"/>
+    <a:lightRig rig="threePt" dir="t"/>
+  </dgm:scene3d>
+  <dgm:styleLbl name="node0">
+    <dgm:scene3d>
+      <a:camera prst="orthographicFront"/>
+      <a:lightRig rig="threePt" dir="t"/>
+    </dgm:scene3d>
+    <dgm:sp3d/>
+    <dgm:txPr/>
+    <dgm:style>
+      <a:lnRef idx="2">
+        <a:scrgbClr r="0" g="0" b="0"/>
+      </a:lnRef>
+      <a:fillRef idx="1">
+        <a:scrgbClr r="0" g="0" b="0"/>
+      </a:fillRef>
+      <a:effectRef idx="0">
+        <a:scrgbClr r="0" g="0" b="0"/>
+      </a:effectRef>
+      <a:fontRef idx="minor">
+        <a:schemeClr val="lt1"/>
+      </a:fontRef>
+    </dgm:style>
+  </dgm:styleLbl>
+  <dgm:styleLbl name="lnNode1">
+    <dgm:scene3d>
+      <a:camera prst="orthographicFront"/>
+      <a:lightRig rig="threePt" dir="t"/>
+    </dgm:scene3d>
+    <dgm:sp3d/>
+    <dgm:txPr/>
+    <dgm:style>
+      <a:lnRef idx="2">
+        <a:scrgbClr r="0" g="0" b="0"/>
+      </a:lnRef>
+      <a:fillRef idx="1">
+        <a:scrgbClr r="0" g="0" b="0"/>
+      </a:fillRef>
+      <a:effectRef idx="0">
+        <a:scrgbClr r="0" g="0" b="0"/>
+      </a:effectRef>
+      <a:fontRef idx="minor">
+        <a:schemeClr val="lt1"/>
+      </a:fontRef>
+    </dgm:style>
+  </dgm:styleLbl>
+  <dgm:styleLbl name="vennNode1">
+    <dgm:scene3d>
+      <a:camera prst="orthographicFront"/>
+      <a:lightRig rig="threePt" dir="t"/>
+    </dgm:scene3d>
+    <dgm:sp3d/>
+    <dgm:txPr/>
+    <dgm:style>
+      <a:lnRef idx="2">
+        <a:scrgbClr r="0" g="0" b="0"/>
+      </a:lnRef>
+      <a:fillRef idx="1">
+        <a:scrgbClr r="0" g="0" b="0"/>
+      </a:fillRef>
+      <a:effectRef idx="0">
+        <a:scrgbClr r="0" g="0" b="0"/>
+      </a:effectRef>
+      <a:fontRef idx="minor">
+        <a:schemeClr val="tx1"/>
+      </a:fontRef>
+    </dgm:style>
+  </dgm:styleLbl>
+  <dgm:styleLbl name="alignNode1">
+    <dgm:scene3d>
+      <a:camera prst="orthographicFront"/>
+      <a:lightRig rig="threePt" dir="t"/>
+    </dgm:scene3d>
+    <dgm:sp3d/>
+    <dgm:txPr/>
+    <dgm:style>
+      <a:lnRef idx="2">
+        <a:scrgbClr r="0" g="0" b="0"/>
+      </a:lnRef>
+      <a:fillRef idx="1">
+        <a:scrgbClr r="0" g="0" b="0"/>
+      </a:fillRef>
+      <a:effectRef idx="0">
+        <a:scrgbClr r="0" g="0" b="0"/>
+      </a:effectRef>
+      <a:fontRef idx="minor">
+        <a:schemeClr val="lt1"/>
+      </a:fontRef>
+    </dgm:style>
+  </dgm:styleLbl>
+  <dgm:styleLbl name="node1">
+    <dgm:scene3d>
+      <a:camera prst="orthographicFront"/>
+      <a:lightRig rig="threePt" dir="t"/>
+    </dgm:scene3d>
+    <dgm:sp3d/>
+    <dgm:txPr/>
+    <dgm:style>
+      <a:lnRef idx="2">
+        <a:scrgbClr r="0" g="0" b="0"/>
+      </a:lnRef>
+      <a:fillRef idx="1">
+        <a:scrgbClr r="0" g="0" b="0"/>
+      </a:fillRef>
+      <a:effectRef idx="0">
+        <a:scrgbClr r="0" g="0" b="0"/>
+      </a:effectRef>
+      <a:fontRef idx="minor">
+        <a:schemeClr val="lt1"/>
+      </a:fontRef>
+    </dgm:style>
+  </dgm:styleLbl>
+  <dgm:styleLbl name="node2">
+    <dgm:scene3d>
+      <a:camera prst="orthographicFront"/>
+      <a:lightRig rig="threePt" dir="t"/>
+    </dgm:scene3d>
+    <dgm:sp3d/>
+    <dgm:txPr/>
+    <dgm:style>
+      <a:lnRef idx="2">
+        <a:scrgbClr r="0" g="0" b="0"/>
+      </a:lnRef>
+      <a:fillRef idx="1">
+        <a:scrgbClr r="0" g="0" b="0"/>
+      </a:fillRef>
+      <a:effectRef idx="0">
+        <a:scrgbClr r="0" g="0" b="0"/>
+      </a:effectRef>
+      <a:fontRef idx="minor">
+        <a:schemeClr val="lt1"/>
+      </a:fontRef>
+    </dgm:style>
+  </dgm:styleLbl>
+  <dgm:styleLbl name="node3">
+    <dgm:scene3d>
+      <a:camera prst="orthographicFront"/>
+      <a:lightRig rig="threePt" dir="t"/>
+    </dgm:scene3d>
+    <dgm:sp3d/>
+    <dgm:txPr/>
+    <dgm:style>
+      <a:lnRef idx="2">
+        <a:scrgbClr r="0" g="0" b="0"/>
+      </a:lnRef>
+      <a:fillRef idx="1">
+        <a:scrgbClr r="0" g="0" b="0"/>
+      </a:fillRef>
+      <a:effectRef idx="0">
+        <a:scrgbClr r="0" g="0" b="0"/>
+      </a:effectRef>
+      <a:fontRef idx="minor">
+        <a:schemeClr val="lt1"/>
+      </a:fontRef>
+    </dgm:style>
+  </dgm:styleLbl>
+  <dgm:styleLbl name="node4">
+    <dgm:scene3d>
+      <a:camera prst="orthographicFront"/>
+      <a:lightRig rig="threePt" dir="t"/>
+    </dgm:scene3d>
+    <dgm:sp3d/>
+    <dgm:txPr/>
+    <dgm:style>
+      <a:lnRef idx="2">
+        <a:scrgbClr r="0" g="0" b="0"/>
+      </a:lnRef>
+      <a:fillRef idx="1">
+        <a:scrgbClr r="0" g="0" b="0"/>
+      </a:fillRef>
+      <a:effectRef idx="0">
+        <a:scrgbClr r="0" g="0" b="0"/>
+      </a:effectRef>
+      <a:fontRef idx="minor">
+        <a:schemeClr val="lt1"/>
+      </a:fontRef>
+    </dgm:style>
+  </dgm:styleLbl>
+  <dgm:styleLbl name="fgImgPlace1">
+    <dgm:scene3d>
+      <a:camera prst="orthographicFront"/>
+      <a:lightRig rig="threePt" dir="t"/>
+    </dgm:scene3d>
+    <dgm:sp3d/>
+    <dgm:txPr/>
+    <dgm:style>
+      <a:lnRef idx="2">
+        <a:scrgbClr r="0" g="0" b="0"/>
+      </a:lnRef>
+      <a:fillRef idx="1">
+        <a:scrgbClr r="0" g="0" b="0"/>
+      </a:fillRef>
+      <a:effectRef idx="0">
+        <a:scrgbClr r="0" g="0" b="0"/>
+      </a:effectRef>
+      <a:fontRef idx="minor"/>
+    </dgm:style>
+  </dgm:styleLbl>
+  <dgm:styleLbl name="alignImgPlace1">
+    <dgm:scene3d>
+      <a:camera prst="orthographicFront"/>
+      <a:lightRig rig="threePt" dir="t"/>
+    </dgm:scene3d>
+    <dgm:sp3d/>
+    <dgm:txPr/>
+    <dgm:style>
+      <a:lnRef idx="2">
+        <a:scrgbClr r="0" g="0" b="0"/>
+      </a:lnRef>
+      <a:fillRef idx="1">
+        <a:scrgbClr r="0" g="0" b="0"/>
+      </a:fillRef>
+      <a:effectRef idx="0">
+        <a:scrgbClr r="0" g="0" b="0"/>
+      </a:effectRef>
+      <a:fontRef idx="minor"/>
+    </dgm:style>
+  </dgm:styleLbl>
+  <dgm:styleLbl name="bgImgPlace1">
+    <dgm:scene3d>
+      <a:camera prst="orthographicFront"/>
+      <a:lightRig rig="threePt" dir="t"/>
+    </dgm:scene3d>
+    <dgm:sp3d/>
+    <dgm:txPr/>
+    <dgm:style>
+      <a:lnRef idx="2">
+        <a:scrgbClr r="0" g="0" b="0"/>
+      </a:lnRef>
+      <a:fillRef idx="1">
+        <a:scrgbClr r="0" g="0" b="0"/>
+      </a:fillRef>
+      <a:effectRef idx="0">
+        <a:scrgbClr r="0" g="0" b="0"/>
+      </a:effectRef>
+      <a:fontRef idx="minor"/>
+    </dgm:style>
+  </dgm:styleLbl>
+  <dgm:styleLbl name="sibTrans2D1">
+    <dgm:scene3d>
+      <a:camera prst="orthographicFront"/>
+      <a:lightRig rig="threePt" dir="t"/>
+    </dgm:scene3d>
+    <dgm:sp3d/>
+    <dgm:txPr/>
+    <dgm:style>
+      <a:lnRef idx="0">
+        <a:scrgbClr r="0" g="0" b="0"/>
+      </a:lnRef>
+      <a:fillRef idx="1">
+        <a:scrgbClr r="0" g="0" b="0"/>
+      </a:fillRef>
+      <a:effectRef idx="0">
+        <a:scrgbClr r="0" g="0" b="0"/>
+      </a:effectRef>
+      <a:fontRef idx="minor">
+        <a:schemeClr val="lt1"/>
+      </a:fontRef>
+    </dgm:style>
+  </dgm:styleLbl>
+  <dgm:styleLbl name="fgSibTrans2D1">
+    <dgm:scene3d>
+      <a:camera prst="orthographicFront"/>
+      <a:lightRig rig="threePt" dir="t"/>
+    </dgm:scene3d>
+    <dgm:sp3d/>
+    <dgm:txPr/>
+    <dgm:style>
+      <a:lnRef idx="0">
+        <a:scrgbClr r="0" g="0" b="0"/>
+      </a:lnRef>
+      <a:fillRef idx="1">
+        <a:scrgbClr r="0" g="0" b="0"/>
+      </a:fillRef>
+      <a:effectRef idx="0">
+        <a:scrgbClr r="0" g="0" b="0"/>
+      </a:effectRef>
+      <a:fontRef idx="minor">
+        <a:schemeClr val="lt1"/>
+      </a:fontRef>
+    </dgm:style>
+  </dgm:styleLbl>
+  <dgm:styleLbl name="bgSibTrans2D1">
+    <dgm:scene3d>
+      <a:camera prst="orthographicFront"/>
+      <a:lightRig rig="threePt" dir="t"/>
+    </dgm:scene3d>
+    <dgm:sp3d/>
+    <dgm:txPr/>
+    <dgm:style>
+      <a:lnRef idx="0">
+        <a:scrgbClr r="0" g="0" b="0"/>
+      </a:lnRef>
+      <a:fillRef idx="1">
+        <a:scrgbClr r="0" g="0" b="0"/>
+      </a:fillRef>
+      <a:effectRef idx="0">
+        <a:scrgbClr r="0" g="0" b="0"/>
+      </a:effectRef>
+      <a:fontRef idx="minor">
+        <a:schemeClr val="lt1"/>
+      </a:fontRef>
+    </dgm:style>
+  </dgm:styleLbl>
+  <dgm:styleLbl name="sibTrans1D1">
+    <dgm:scene3d>
+      <a:camera prst="orthographicFront"/>
+      <a:lightRig rig="threePt" dir="t"/>
+    </dgm:scene3d>
+    <dgm:sp3d/>
+    <dgm:txPr/>
+    <dgm:style>
+      <a:lnRef idx="1">
+        <a:scrgbClr r="0" g="0" b="0"/>
+      </a:lnRef>
+      <a:fillRef idx="0">
+        <a:scrgbClr r="0" g="0" b="0"/>
+      </a:fillRef>
+      <a:effectRef idx="0">
+        <a:scrgbClr r="0" g="0" b="0"/>
+      </a:effectRef>
+      <a:fontRef idx="minor"/>
+    </dgm:style>
+  </dgm:styleLbl>
+  <dgm:styleLbl name="callout">
+    <dgm:scene3d>
+      <a:camera prst="orthographicFront"/>
+      <a:lightRig rig="threePt" dir="t"/>
+    </dgm:scene3d>
+    <dgm:sp3d/>
+    <dgm:txPr/>
+    <dgm:style>
+      <a:lnRef idx="2">
+        <a:scrgbClr r="0" g="0" b="0"/>
+      </a:lnRef>
+      <a:fillRef idx="1">
+        <a:scrgbClr r="0" g="0" b="0"/>
+      </a:fillRef>
+      <a:effectRef idx="0">
+        <a:scrgbClr r="0" g="0" b="0"/>
+      </a:effectRef>
+      <a:fontRef idx="minor"/>
+    </dgm:style>
+  </dgm:styleLbl>
+  <dgm:styleLbl name="asst0">
+    <dgm:scene3d>
+      <a:camera prst="orthographicFront"/>
+      <a:lightRig rig="threePt" dir="t"/>
+    </dgm:scene3d>
+    <dgm:sp3d/>
+    <dgm:txPr/>
+    <dgm:style>
+      <a:lnRef idx="2">
+        <a:scrgbClr r="0" g="0" b="0"/>
+      </a:lnRef>
+      <a:fillRef idx="1">
+        <a:scrgbClr r="0" g="0" b="0"/>
+      </a:fillRef>
+      <a:effectRef idx="0">
+        <a:scrgbClr r="0" g="0" b="0"/>
+      </a:effectRef>
+      <a:fontRef idx="minor">
+        <a:schemeClr val="lt1"/>
+      </a:fontRef>
+    </dgm:style>
+  </dgm:styleLbl>
+  <dgm:styleLbl name="asst1">
+    <dgm:scene3d>
+      <a:camera prst="orthographicFront"/>
+      <a:lightRig rig="threePt" dir="t"/>
+    </dgm:scene3d>
+    <dgm:sp3d/>
+    <dgm:txPr/>
+    <dgm:style>
+      <a:lnRef idx="2">
+        <a:scrgbClr r="0" g="0" b="0"/>
+      </a:lnRef>
+      <a:fillRef idx="1">
+        <a:scrgbClr r="0" g="0" b="0"/>
+      </a:fillRef>
+      <a:effectRef idx="0">
+        <a:scrgbClr r="0" g="0" b="0"/>
+      </a:effectRef>
+      <a:fontRef idx="minor">
+        <a:schemeClr val="lt1"/>
+      </a:fontRef>
+    </dgm:style>
+  </dgm:styleLbl>
+  <dgm:styleLbl name="asst2">
+    <dgm:scene3d>
+      <a:camera prst="orthographicFront"/>
+      <a:lightRig rig="threePt" dir="t"/>
+    </dgm:scene3d>
+    <dgm:sp3d/>
+    <dgm:txPr/>
+    <dgm:style>
+      <a:lnRef idx="2">
+        <a:scrgbClr r="0" g="0" b="0"/>
+      </a:lnRef>
+      <a:fillRef idx="1">
+        <a:scrgbClr r="0" g="0" b="0"/>
+      </a:fillRef>
+      <a:effectRef idx="0">
+        <a:scrgbClr r="0" g="0" b="0"/>
+      </a:effectRef>
+      <a:fontRef idx="minor">
+        <a:schemeClr val="lt1"/>
+      </a:fontRef>
+    </dgm:style>
+  </dgm:styleLbl>
+  <dgm:styleLbl name="asst3">
+    <dgm:scene3d>
+      <a:camera prst="orthographicFront"/>
+      <a:lightRig rig="threePt" dir="t"/>
+    </dgm:scene3d>
+    <dgm:sp3d/>
+    <dgm:txPr/>
+    <dgm:style>
+      <a:lnRef idx="2">
+        <a:scrgbClr r="0" g="0" b="0"/>
+      </a:lnRef>
+      <a:fillRef idx="1">
+        <a:scrgbClr r="0" g="0" b="0"/>
+      </a:fillRef>
+      <a:effectRef idx="0">
+        <a:scrgbClr r="0" g="0" b="0"/>
+      </a:effectRef>
+      <a:fontRef idx="minor">
+        <a:schemeClr val="lt1"/>
+      </a:fontRef>
+    </dgm:style>
+  </dgm:styleLbl>
+  <dgm:styleLbl name="asst4">
+    <dgm:scene3d>
+      <a:camera prst="orthographicFront"/>
+      <a:lightRig rig="threePt" dir="t"/>
+    </dgm:scene3d>
+    <dgm:sp3d/>
+    <dgm:txPr/>
+    <dgm:style>
+      <a:lnRef idx="2">
+        <a:scrgbClr r="0" g="0" b="0"/>
+      </a:lnRef>
+      <a:fillRef idx="1">
+        <a:scrgbClr r="0" g="0" b="0"/>
+      </a:fillRef>
+      <a:effectRef idx="0">
+        <a:scrgbClr r="0" g="0" b="0"/>
+      </a:effectRef>
+      <a:fontRef idx="minor">
+        <a:schemeClr val="lt1"/>
+      </a:fontRef>
+    </dgm:style>
+  </dgm:styleLbl>
+  <dgm:styleLbl name="parChTrans2D1">
+    <dgm:scene3d>
+      <a:camera prst="orthographicFront"/>
+      <a:lightRig rig="threePt" dir="t"/>
+    </dgm:scene3d>
+    <dgm:sp3d/>
+    <dgm:txPr/>
+    <dgm:style>
+      <a:lnRef idx="2">
+        <a:scrgbClr r="0" g="0" b="0"/>
+      </a:lnRef>
+      <a:fillRef idx="1">
+        <a:scrgbClr r="0" g="0" b="0"/>
+      </a:fillRef>
+      <a:effectRef idx="0">
+        <a:scrgbClr r="0" g="0" b="0"/>
+      </a:effectRef>
+      <a:fontRef idx="minor">
+        <a:schemeClr val="lt1"/>
+      </a:fontRef>
+    </dgm:style>
+  </dgm:styleLbl>
+  <dgm:styleLbl name="parChTrans2D2">
+    <dgm:scene3d>
+      <a:camera prst="orthographicFront"/>
+      <a:lightRig rig="threePt" dir="t"/>
+    </dgm:scene3d>
+    <dgm:sp3d/>
+    <dgm:txPr/>
+    <dgm:style>
+      <a:lnRef idx="2">
+        <a:scrgbClr r="0" g="0" b="0"/>
+      </a:lnRef>
+      <a:fillRef idx="1">
+        <a:scrgbClr r="0" g="0" b="0"/>
+      </a:fillRef>
+      <a:effectRef idx="0">
+        <a:scrgbClr r="0" g="0" b="0"/>
+      </a:effectRef>
+      <a:fontRef idx="minor">
+        <a:schemeClr val="lt1"/>
+      </a:fontRef>
+    </dgm:style>
+  </dgm:styleLbl>
+  <dgm:styleLbl name="parChTrans2D3">
+    <dgm:scene3d>
+      <a:camera prst="orthographicFront"/>
+      <a:lightRig rig="threePt" dir="t"/>
+    </dgm:scene3d>
+    <dgm:sp3d/>
+    <dgm:txPr/>
+    <dgm:style>
+      <a:lnRef idx="2">
+        <a:scrgbClr r="0" g="0" b="0"/>
+      </a:lnRef>
+      <a:fillRef idx="1">
+        <a:scrgbClr r="0" g="0" b="0"/>
+      </a:fillRef>
+      <a:effectRef idx="0">
+        <a:scrgbClr r="0" g="0" b="0"/>
+      </a:effectRef>
+      <a:fontRef idx="minor">
+        <a:schemeClr val="lt1"/>
+      </a:fontRef>
+    </dgm:style>
+  </dgm:styleLbl>
+  <dgm:styleLbl name="parChTrans2D4">
+    <dgm:scene3d>
+      <a:camera prst="orthographicFront"/>
+      <a:lightRig rig="threePt" dir="t"/>
+    </dgm:scene3d>
+    <dgm:sp3d/>
+    <dgm:txPr/>
+    <dgm:style>
+      <a:lnRef idx="2">
+        <a:scrgbClr r="0" g="0" b="0"/>
+      </a:lnRef>
+      <a:fillRef idx="1">
+        <a:scrgbClr r="0" g="0" b="0"/>
+      </a:fillRef>
+      <a:effectRef idx="0">
+        <a:scrgbClr r="0" g="0" b="0"/>
+      </a:effectRef>
+      <a:fontRef idx="minor">
+        <a:schemeClr val="lt1"/>
+      </a:fontRef>
+    </dgm:style>
+  </dgm:styleLbl>
+  <dgm:styleLbl name="parChTrans1D1">
+    <dgm:scene3d>
+      <a:camera prst="orthographicFront"/>
+      <a:lightRig rig="threePt" dir="t"/>
+    </dgm:scene3d>
+    <dgm:sp3d/>
+    <dgm:txPr/>
+    <dgm:style>
+      <a:lnRef idx="2">
+        <a:scrgbClr r="0" g="0" b="0"/>
+      </a:lnRef>
+      <a:fillRef idx="0">
+        <a:scrgbClr r="0" g="0" b="0"/>
+      </a:fillRef>
+      <a:effectRef idx="0">
+        <a:scrgbClr r="0" g="0" b="0"/>
+      </a:effectRef>
+      <a:fontRef idx="minor"/>
+    </dgm:style>
+  </dgm:styleLbl>
+  <dgm:styleLbl name="parChTrans1D2">
+    <dgm:scene3d>
+      <a:camera prst="orthographicFront"/>
+      <a:lightRig rig="threePt" dir="t"/>
+    </dgm:scene3d>
+    <dgm:sp3d/>
+    <dgm:txPr/>
+    <dgm:style>
+      <a:lnRef idx="2">
+        <a:scrgbClr r="0" g="0" b="0"/>
+      </a:lnRef>
+      <a:fillRef idx="0">
+        <a:scrgbClr r="0" g="0" b="0"/>
+      </a:fillRef>
+      <a:effectRef idx="0">
+        <a:scrgbClr r="0" g="0" b="0"/>
+      </a:effectRef>
+      <a:fontRef idx="minor"/>
+    </dgm:style>
+  </dgm:styleLbl>
+  <dgm:styleLbl name="parChTrans1D3">
+    <dgm:scene3d>
+      <a:camera prst="orthographicFront"/>
+      <a:lightRig rig="threePt" dir="t"/>
+    </dgm:scene3d>
+    <dgm:sp3d/>
+    <dgm:txPr/>
+    <dgm:style>
+      <a:lnRef idx="2">
+        <a:scrgbClr r="0" g="0" b="0"/>
+      </a:lnRef>
+      <a:fillRef idx="0">
+        <a:scrgbClr r="0" g="0" b="0"/>
+      </a:fillRef>
+      <a:effectRef idx="0">
+        <a:scrgbClr r="0" g="0" b="0"/>
+      </a:effectRef>
+      <a:fontRef idx="minor"/>
+    </dgm:style>
+  </dgm:styleLbl>
+  <dgm:styleLbl name="parChTrans1D4">
+    <dgm:scene3d>
+      <a:camera prst="orthographicFront"/>
+      <a:lightRig rig="threePt" dir="t"/>
+    </dgm:scene3d>
+    <dgm:sp3d/>
+    <dgm:txPr/>
+    <dgm:style>
+      <a:lnRef idx="2">
+        <a:scrgbClr r="0" g="0" b="0"/>
+      </a:lnRef>
+      <a:fillRef idx="0">
+        <a:scrgbClr r="0" g="0" b="0"/>
+      </a:fillRef>
+      <a:effectRef idx="0">
+        <a:scrgbClr r="0" g="0" b="0"/>
+      </a:effectRef>
+      <a:fontRef idx="minor"/>
+    </dgm:style>
+  </dgm:styleLbl>
+  <dgm:styleLbl name="fgAcc1">
+    <dgm:scene3d>
+      <a:camera prst="orthographicFront"/>
+      <a:lightRig rig="threePt" dir="t"/>
+    </dgm:scene3d>
+    <dgm:sp3d/>
+    <dgm:txPr/>
+    <dgm:style>
+      <a:lnRef idx="2">
+        <a:scrgbClr r="0" g="0" b="0"/>
+      </a:lnRef>
+      <a:fillRef idx="1">
+        <a:scrgbClr r="0" g="0" b="0"/>
+      </a:fillRef>
+      <a:effectRef idx="0">
+        <a:scrgbClr r="0" g="0" b="0"/>
+      </a:effectRef>
+      <a:fontRef idx="minor"/>
+    </dgm:style>
+  </dgm:styleLbl>
+  <dgm:styleLbl name="conFgAcc1">
+    <dgm:scene3d>
+      <a:camera prst="orthographicFront"/>
+      <a:lightRig rig="threePt" dir="t"/>
+    </dgm:scene3d>
+    <dgm:sp3d/>
+    <dgm:txPr/>
+    <dgm:style>
+      <a:lnRef idx="2">
+        <a:scrgbClr r="0" g="0" b="0"/>
+      </a:lnRef>
+      <a:fillRef idx="1">
+        <a:scrgbClr r="0" g="0" b="0"/>
+      </a:fillRef>
+      <a:effectRef idx="0">
+        <a:scrgbClr r="0" g="0" b="0"/>
+      </a:effectRef>
+      <a:fontRef idx="minor"/>
+    </dgm:style>
+  </dgm:styleLbl>
+  <dgm:styleLbl name="alignAcc1">
+    <dgm:scene3d>
+      <a:camera prst="orthographicFront"/>
+      <a:lightRig rig="threePt" dir="t"/>
+    </dgm:scene3d>
+    <dgm:sp3d/>
+    <dgm:txPr/>
+    <dgm:style>
+      <a:lnRef idx="2">
+        <a:scrgbClr r="0" g="0" b="0"/>
+      </a:lnRef>
+      <a:fillRef idx="1">
+        <a:scrgbClr r="0" g="0" b="0"/>
+      </a:fillRef>
+      <a:effectRef idx="0">
+        <a:scrgbClr r="0" g="0" b="0"/>
+      </a:effectRef>
+      <a:fontRef idx="minor"/>
+    </dgm:style>
+  </dgm:styleLbl>
+  <dgm:styleLbl name="trAlignAcc1">
+    <dgm:scene3d>
+      <a:camera prst="orthographicFront"/>
+      <a:lightRig rig="threePt" dir="t"/>
+    </dgm:scene3d>
+    <dgm:sp3d/>
+    <dgm:txPr/>
+    <dgm:style>
+      <a:lnRef idx="1">
+        <a:scrgbClr r="0" g="0" b="0"/>
+      </a:lnRef>
+      <a:fillRef idx="1">
+        <a:scrgbClr r="0" g="0" b="0"/>
+      </a:fillRef>
+      <a:effectRef idx="0">
+        <a:scrgbClr r="0" g="0" b="0"/>
+      </a:effectRef>
+      <a:fontRef idx="minor"/>
+    </dgm:style>
+  </dgm:styleLbl>
+  <dgm:styleLbl name="bgAcc1">
+    <dgm:scene3d>
+      <a:camera prst="orthographicFront"/>
+      <a:lightRig rig="threePt" dir="t"/>
+    </dgm:scene3d>
+    <dgm:sp3d/>
+    <dgm:txPr/>
+    <dgm:style>
+      <a:lnRef idx="2">
+        <a:scrgbClr r="0" g="0" b="0"/>
+      </a:lnRef>
+      <a:fillRef idx="1">
+        <a:scrgbClr r="0" g="0" b="0"/>
+      </a:fillRef>
+      <a:effectRef idx="0">
+        <a:scrgbClr r="0" g="0" b="0"/>
+      </a:effectRef>
+      <a:fontRef idx="minor"/>
+    </dgm:style>
+  </dgm:styleLbl>
+  <dgm:styleLbl name="solidFgAcc1">
+    <dgm:scene3d>
+      <a:camera prst="orthographicFront"/>
+      <a:lightRig rig="threePt" dir="t"/>
+    </dgm:scene3d>
+    <dgm:sp3d/>
+    <dgm:txPr/>
+    <dgm:style>
+      <a:lnRef idx="2">
+        <a:scrgbClr r="0" g="0" b="0"/>
+      </a:lnRef>
+      <a:fillRef idx="1">
+        <a:scrgbClr r="0" g="0" b="0"/>
+      </a:fillRef>
+      <a:effectRef idx="0">
+        <a:scrgbClr r="0" g="0" b="0"/>
+      </a:effectRef>
+      <a:fontRef idx="minor"/>
+    </dgm:style>
+  </dgm:styleLbl>
+  <dgm:styleLbl name="solidAlignAcc1">
+    <dgm:scene3d>
+      <a:camera prst="orthographicFront"/>
+      <a:lightRig rig="threePt" dir="t"/>
+    </dgm:scene3d>
+    <dgm:sp3d/>
+    <dgm:txPr/>
+    <dgm:style>
+      <a:lnRef idx="2">
+        <a:scrgbClr r="0" g="0" b="0"/>
+      </a:lnRef>
+      <a:fillRef idx="1">
+        <a:scrgbClr r="0" g="0" b="0"/>
+      </a:fillRef>
+      <a:effectRef idx="0">
+        <a:scrgbClr r="0" g="0" b="0"/>
+      </a:effectRef>
+      <a:fontRef idx="minor"/>
+    </dgm:style>
+  </dgm:styleLbl>
+  <dgm:styleLbl name="solidBgAcc1">
+    <dgm:scene3d>
+      <a:camera prst="orthographicFront"/>
+      <a:lightRig rig="threePt" dir="t"/>
+    </dgm:scene3d>
+    <dgm:sp3d/>
+    <dgm:txPr/>
+    <dgm:style>
+      <a:lnRef idx="2">
+        <a:scrgbClr r="0" g="0" b="0"/>
+      </a:lnRef>
+      <a:fillRef idx="1">
+        <a:scrgbClr r="0" g="0" b="0"/>
+      </a:fillRef>
+      <a:effectRef idx="0">
+        <a:scrgbClr r="0" g="0" b="0"/>
+      </a:effectRef>
+      <a:fontRef idx="minor"/>
+    </dgm:style>
+  </dgm:styleLbl>
+  <dgm:styleLbl name="fgAccFollowNode1">
+    <dgm:scene3d>
+      <a:camera prst="orthographicFront"/>
+      <a:lightRig rig="threePt" dir="t"/>
+    </dgm:scene3d>
+    <dgm:sp3d/>
+    <dgm:txPr/>
+    <dgm:style>
+      <a:lnRef idx="2">
+        <a:scrgbClr r="0" g="0" b="0"/>
+      </a:lnRef>
+      <a:fillRef idx="1">
+        <a:scrgbClr r="0" g="0" b="0"/>
+      </a:fillRef>
+      <a:effectRef idx="0">
+        <a:scrgbClr r="0" g="0" b="0"/>
+      </a:effectRef>
+      <a:fontRef idx="minor"/>
+    </dgm:style>
+  </dgm:styleLbl>
+  <dgm:styleLbl name="alignAccFollowNode1">
+    <dgm:scene3d>
+      <a:camera prst="orthographicFront"/>
+      <a:lightRig rig="threePt" dir="t"/>
+    </dgm:scene3d>
+    <dgm:sp3d/>
+    <dgm:txPr/>
+    <dgm:style>
+      <a:lnRef idx="2">
+        <a:scrgbClr r="0" g="0" b="0"/>
+      </a:lnRef>
+      <a:fillRef idx="1">
+        <a:scrgbClr r="0" g="0" b="0"/>
+      </a:fillRef>
+      <a:effectRef idx="0">
+        <a:scrgbClr r="0" g="0" b="0"/>
+      </a:effectRef>
+      <a:fontRef idx="minor"/>
+    </dgm:style>
+  </dgm:styleLbl>
+  <dgm:styleLbl name="bgAccFollowNode1">
+    <dgm:scene3d>
+      <a:camera prst="orthographicFront"/>
+      <a:lightRig rig="threePt" dir="t"/>
+    </dgm:scene3d>
+    <dgm:sp3d/>
+    <dgm:txPr/>
+    <dgm:style>
+      <a:lnRef idx="2">
+        <a:scrgbClr r="0" g="0" b="0"/>
+      </a:lnRef>
+      <a:fillRef idx="1">
+        <a:scrgbClr r="0" g="0" b="0"/>
+      </a:fillRef>
+      <a:effectRef idx="0">
+        <a:scrgbClr r="0" g="0" b="0"/>
+      </a:effectRef>
+      <a:fontRef idx="minor"/>
+    </dgm:style>
+  </dgm:styleLbl>
+  <dgm:styleLbl name="fgAcc0">
+    <dgm:scene3d>
+      <a:camera prst="orthographicFront"/>
+      <a:lightRig rig="threePt" dir="t"/>
+    </dgm:scene3d>
+    <dgm:sp3d/>
+    <dgm:txPr/>
+    <dgm:style>
+      <a:lnRef idx="2">
+        <a:scrgbClr r="0" g="0" b="0"/>
+      </a:lnRef>
+      <a:fillRef idx="1">
+        <a:scrgbClr r="0" g="0" b="0"/>
+      </a:fillRef>
+      <a:effectRef idx="0">
+        <a:scrgbClr r="0" g="0" b="0"/>
+      </a:effectRef>
+      <a:fontRef idx="minor"/>
+    </dgm:style>
+  </dgm:styleLbl>
+  <dgm:styleLbl name="fgAcc2">
+    <dgm:scene3d>
+      <a:camera prst="orthographicFront"/>
+      <a:lightRig rig="threePt" dir="t"/>
+    </dgm:scene3d>
+    <dgm:sp3d/>
+    <dgm:txPr/>
+    <dgm:style>
+      <a:lnRef idx="2">
+        <a:scrgbClr r="0" g="0" b="0"/>
+      </a:lnRef>
+      <a:fillRef idx="1">
+        <a:scrgbClr r="0" g="0" b="0"/>
+      </a:fillRef>
+      <a:effectRef idx="0">
+        <a:scrgbClr r="0" g="0" b="0"/>
+      </a:effectRef>
+      <a:fontRef idx="minor"/>
+    </dgm:style>
+  </dgm:styleLbl>
+  <dgm:styleLbl name="fgAcc3">
+    <dgm:scene3d>
+      <a:camera prst="orthographicFront"/>
+      <a:lightRig rig="threePt" dir="t"/>
+    </dgm:scene3d>
+    <dgm:sp3d/>
+    <dgm:txPr/>
+    <dgm:style>
+      <a:lnRef idx="2">
+        <a:scrgbClr r="0" g="0" b="0"/>
+      </a:lnRef>
+      <a:fillRef idx="1">
+        <a:scrgbClr r="0" g="0" b="0"/>
+      </a:fillRef>
+      <a:effectRef idx="0">
+        <a:scrgbClr r="0" g="0" b="0"/>
+      </a:effectRef>
+      <a:fontRef idx="minor"/>
+    </dgm:style>
+  </dgm:styleLbl>
+  <dgm:styleLbl name="fgAcc4">
+    <dgm:scene3d>
+      <a:camera prst="orthographicFront"/>
+      <a:lightRig rig="threePt" dir="t"/>
+    </dgm:scene3d>
+    <dgm:sp3d/>
+    <dgm:txPr/>
+    <dgm:style>
+      <a:lnRef idx="2">
+        <a:scrgbClr r="0" g="0" b="0"/>
+      </a:lnRef>
+      <a:fillRef idx="1">
+        <a:scrgbClr r="0" g="0" b="0"/>
+      </a:fillRef>
+      <a:effectRef idx="0">
+        <a:scrgbClr r="0" g="0" b="0"/>
+      </a:effectRef>
+      <a:fontRef idx="minor"/>
+    </dgm:style>
+  </dgm:styleLbl>
+  <dgm:styleLbl name="bgShp">
+    <dgm:scene3d>
+      <a:camera prst="orthographicFront"/>
+      <a:lightRig rig="threePt" dir="t"/>
+    </dgm:scene3d>
+    <dgm:sp3d/>
+    <dgm:txPr/>
+    <dgm:style>
+      <a:lnRef idx="0">
+        <a:scrgbClr r="0" g="0" b="0"/>
+      </a:lnRef>
+      <a:fillRef idx="1">
+        <a:scrgbClr r="0" g="0" b="0"/>
+      </a:fillRef>
+      <a:effectRef idx="0">
+        <a:scrgbClr r="0" g="0" b="0"/>
+      </a:effectRef>
+      <a:fontRef idx="minor"/>
+    </dgm:style>
+  </dgm:styleLbl>
+  <dgm:styleLbl name="dkBgShp">
+    <dgm:scene3d>
+      <a:camera prst="orthographicFront"/>
+      <a:lightRig rig="threePt" dir="t"/>
+    </dgm:scene3d>
+    <dgm:sp3d/>
+    <dgm:txPr/>
+    <dgm:style>
+      <a:lnRef idx="0">
+        <a:scrgbClr r="0" g="0" b="0"/>
+      </a:lnRef>
+      <a:fillRef idx="1">
+        <a:scrgbClr r="0" g="0" b="0"/>
+      </a:fillRef>
+      <a:effectRef idx="0">
+        <a:scrgbClr r="0" g="0" b="0"/>
+      </a:effectRef>
+      <a:fontRef idx="minor"/>
+    </dgm:style>
+  </dgm:styleLbl>
+  <dgm:styleLbl name="trBgShp">
+    <dgm:scene3d>
+      <a:camera prst="orthographicFront"/>
+      <a:lightRig rig="threePt" dir="t"/>
+    </dgm:scene3d>
+    <dgm:sp3d/>
+    <dgm:txPr/>
+    <dgm:style>
+      <a:lnRef idx="0">
+        <a:scrgbClr r="0" g="0" b="0"/>
+      </a:lnRef>
+      <a:fillRef idx="1">
+        <a:scrgbClr r="0" g="0" b="0"/>
+      </a:fillRef>
+      <a:effectRef idx="0">
+        <a:scrgbClr r="0" g="0" b="0"/>
+      </a:effectRef>
+      <a:fontRef idx="minor"/>
+    </dgm:style>
+  </dgm:styleLbl>
+  <dgm:styleLbl name="fgShp">
+    <dgm:scene3d>
+      <a:camera prst="orthographicFront"/>
+      <a:lightRig rig="threePt" dir="t"/>
+    </dgm:scene3d>
+    <dgm:sp3d/>
+    <dgm:txPr/>
+    <dgm:style>
+      <a:lnRef idx="2">
+        <a:scrgbClr r="0" g="0" b="0"/>
+      </a:lnRef>
+      <a:fillRef idx="1">
+        <a:scrgbClr r="0" g="0" b="0"/>
+      </a:fillRef>
+      <a:effectRef idx="0">
+        <a:scrgbClr r="0" g="0" b="0"/>
+      </a:effectRef>
+      <a:fontRef idx="minor"/>
+    </dgm:style>
+  </dgm:styleLbl>
+  <dgm:styleLbl name="revTx">
+    <dgm:scene3d>
+      <a:camera prst="orthographicFront"/>
+      <a:lightRig rig="threePt" dir="t"/>
+    </dgm:scene3d>
+    <dgm:sp3d/>
+    <dgm:txPr/>
+    <dgm:style>
+      <a:lnRef idx="0">
+        <a:scrgbClr r="0" g="0" b="0"/>
+      </a:lnRef>
+      <a:fillRef idx="0">
+        <a:scrgbClr r="0" g="0" b="0"/>
+      </a:fillRef>
+      <a:effectRef idx="0">
+        <a:scrgbClr r="0" g="0" b="0"/>
+      </a:effectRef>
+      <a:fontRef idx="minor"/>
+    </dgm:style>
+  </dgm:styleLbl>
+</dgm:styleDef>
+</file>
+
+<file path=ppt/diagrams/quickStyle2.xml><?xml version="1.0" encoding="utf-8"?>
 <dgm:styleDef xmlns:dgm="http://schemas.openxmlformats.org/drawingml/2006/diagram" xmlns:a="http://schemas.openxmlformats.org/drawingml/2006/main" uniqueId="urn:microsoft.com/office/officeart/2005/8/quickstyle/simple5">
   <dgm:title val=""/>
   <dgm:desc val=""/>
@@ -4509,7 +7070,7 @@
               <a:pPr>
                 <a:defRPr/>
               </a:pPr>
-              <a:t>10/07/2011</a:t>
+              <a:t>11/07/2011</a:t>
             </a:fld>
             <a:endParaRPr lang="es-ES" dirty="0"/>
           </a:p>
@@ -4710,7 +7271,7 @@
               <a:pPr>
                 <a:defRPr/>
               </a:pPr>
-              <a:t>10/07/2011</a:t>
+              <a:t>11/07/2011</a:t>
             </a:fld>
             <a:endParaRPr lang="es-PE" dirty="0"/>
           </a:p>
@@ -5649,7 +8210,7 @@
               <a:pPr>
                 <a:defRPr/>
               </a:pPr>
-              <a:t>10/07/2011</a:t>
+              <a:t>11/07/2011</a:t>
             </a:fld>
             <a:endParaRPr lang="es-PE" dirty="0"/>
           </a:p>
@@ -5866,7 +8427,7 @@
               <a:pPr>
                 <a:defRPr/>
               </a:pPr>
-              <a:t>10/07/2011</a:t>
+              <a:t>11/07/2011</a:t>
             </a:fld>
             <a:endParaRPr lang="es-PE" dirty="0"/>
           </a:p>
@@ -6201,7 +8762,7 @@
               <a:pPr>
                 <a:defRPr/>
               </a:pPr>
-              <a:t>10/07/2011</a:t>
+              <a:t>11/07/2011</a:t>
             </a:fld>
             <a:endParaRPr lang="es-PE" dirty="0"/>
           </a:p>
@@ -6393,7 +8954,7 @@
               <a:pPr>
                 <a:defRPr/>
               </a:pPr>
-              <a:t>10/07/2011</a:t>
+              <a:t>11/07/2011</a:t>
             </a:fld>
             <a:endParaRPr lang="es-PE" dirty="0"/>
           </a:p>
@@ -6518,7 +9079,7 @@
               <a:pPr>
                 <a:defRPr/>
               </a:pPr>
-              <a:t>10/07/2011</a:t>
+              <a:t>11/07/2011</a:t>
             </a:fld>
             <a:endParaRPr lang="es-PE" dirty="0"/>
           </a:p>
@@ -6732,7 +9293,7 @@
               <a:pPr>
                 <a:defRPr/>
               </a:pPr>
-              <a:t>10/07/2011</a:t>
+              <a:t>11/07/2011</a:t>
             </a:fld>
             <a:endParaRPr lang="es-PE" dirty="0"/>
           </a:p>
@@ -7134,7 +9695,7 @@
               <a:pPr>
                 <a:defRPr/>
               </a:pPr>
-              <a:t>10/07/2011</a:t>
+              <a:t>11/07/2011</a:t>
             </a:fld>
             <a:endParaRPr lang="es-PE" dirty="0"/>
           </a:p>
@@ -7469,7 +10030,7 @@
               <a:pPr>
                 <a:defRPr/>
               </a:pPr>
-              <a:t>10/07/2011</a:t>
+              <a:t>11/07/2011</a:t>
             </a:fld>
             <a:endParaRPr lang="es-PE" dirty="0"/>
           </a:p>
@@ -7921,7 +10482,7 @@
               <a:pPr>
                 <a:defRPr/>
               </a:pPr>
-              <a:t>10/07/2011</a:t>
+              <a:t>11/07/2011</a:t>
             </a:fld>
             <a:endParaRPr lang="es-PE" dirty="0"/>
           </a:p>
@@ -8066,7 +10627,7 @@
               <a:pPr>
                 <a:defRPr/>
               </a:pPr>
-              <a:t>10/07/2011</a:t>
+              <a:t>11/07/2011</a:t>
             </a:fld>
             <a:endParaRPr lang="es-PE" dirty="0"/>
           </a:p>
@@ -8218,7 +10779,7 @@
               <a:pPr>
                 <a:defRPr/>
               </a:pPr>
-              <a:t>10/07/2011</a:t>
+              <a:t>11/07/2011</a:t>
             </a:fld>
             <a:endParaRPr lang="es-PE" dirty="0"/>
           </a:p>
@@ -8775,7 +11336,7 @@
               <a:pPr>
                 <a:defRPr/>
               </a:pPr>
-              <a:t>10/07/2011</a:t>
+              <a:t>11/07/2011</a:t>
             </a:fld>
             <a:endParaRPr lang="es-PE" dirty="0"/>
           </a:p>
@@ -9362,7 +11923,7 @@
               <a:pPr>
                 <a:defRPr/>
               </a:pPr>
-              <a:t>10/07/2011</a:t>
+              <a:t>11/07/2011</a:t>
             </a:fld>
             <a:endParaRPr lang="es-PE" dirty="0"/>
           </a:p>
@@ -9746,7 +12307,7 @@
               <a:pPr>
                 <a:defRPr/>
               </a:pPr>
-              <a:t>10/07/2011</a:t>
+              <a:t>11/07/2011</a:t>
             </a:fld>
             <a:endParaRPr lang="es-PE" dirty="0"/>
           </a:p>
@@ -10600,12 +13161,20 @@
             <p:ph idx="1"/>
           </p:nvPr>
         </p:nvSpPr>
-        <p:spPr/>
+        <p:spPr>
+          <a:xfrm>
+            <a:off x="467544" y="1988840"/>
+            <a:ext cx="8229600" cy="2376263"/>
+          </a:xfrm>
+        </p:spPr>
         <p:txBody>
           <a:bodyPr/>
           <a:lstStyle/>
           <a:p>
-            <a:pPr marL="119062" indent="0" algn="just">
+            <a:pPr marL="119062" indent="0" algn="ctr">
+              <a:lnSpc>
+                <a:spcPct val="150000"/>
+              </a:lnSpc>
               <a:buNone/>
             </a:pPr>
             <a:r>
@@ -10614,62 +13183,68 @@
             </a:r>
             <a:r>
               <a:rPr lang="es-ES" sz="2000" dirty="0"/>
-              <a:t>procesos de las áreas de Administración, Contabilidad y Logística de la Oficina Central de Fe y Alegría Perú e integrarlo al modelado previamente realizado en la Tesis </a:t>
-            </a:r>
-            <a:r>
-              <a:rPr lang="es-ES" sz="2000" b="1" dirty="0">
-                <a:solidFill>
-                  <a:srgbClr val="FFC000"/>
-                </a:solidFill>
-              </a:rPr>
-              <a:t>“Modelo de Negocios Empresarial de la Oficina Central Fe y Alegría”</a:t>
-            </a:r>
-            <a:r>
-              <a:rPr lang="es-ES" sz="2000" i="1" dirty="0">
-                <a:solidFill>
-                  <a:srgbClr val="FFC000"/>
-                </a:solidFill>
-              </a:rPr>
-              <a:t> </a:t>
+              <a:t>procesos </a:t>
+            </a:r>
+            <a:r>
+              <a:rPr lang="es-ES" sz="2000" dirty="0" smtClean="0"/>
+              <a:t>a cargo </a:t>
+            </a:r>
+            <a:r>
+              <a:rPr lang="es-ES" sz="2000" dirty="0" smtClean="0"/>
+              <a:t>del </a:t>
+            </a:r>
+            <a:r>
+              <a:rPr lang="es-ES" sz="2000" dirty="0" smtClean="0"/>
+              <a:t>Departamento de </a:t>
+            </a:r>
+            <a:r>
+              <a:rPr lang="es-ES" sz="2000" dirty="0" smtClean="0"/>
+              <a:t>Administración de </a:t>
             </a:r>
             <a:r>
               <a:rPr lang="es-ES" sz="2000" dirty="0"/>
-              <a:t>de los Ingenieros Nelly Chang Chong y Miguel Concha Álvarez, y de esta manera, obtener </a:t>
-            </a:r>
-            <a:r>
-              <a:rPr lang="es-ES" sz="2000" b="1" dirty="0">
-                <a:solidFill>
-                  <a:srgbClr val="FFC000"/>
-                </a:solidFill>
-              </a:rPr>
-              <a:t>la Arquitectura de Negocios de la Oficina Central de Fe y Alegría Perú. </a:t>
-            </a:r>
-            <a:endParaRPr lang="es-PE" sz="2000" b="1" dirty="0">
-              <a:solidFill>
-                <a:srgbClr val="FFC000"/>
-              </a:solidFill>
-            </a:endParaRPr>
-          </a:p>
-          <a:p>
-            <a:pPr algn="just"/>
+              <a:t>la Oficina Central de Fe y Alegría Perú e integrarlo al modelado previamente realizado en la Tesis </a:t>
+            </a:r>
+            <a:r>
+              <a:rPr lang="es-ES" sz="2000" b="1" dirty="0"/>
+              <a:t>“Modelo de Negocios Empresarial de la Oficina Central Fe y Alegría</a:t>
+            </a:r>
+            <a:r>
+              <a:rPr lang="es-ES" sz="2000" b="1" dirty="0" smtClean="0"/>
+              <a:t>”</a:t>
+            </a:r>
+            <a:r>
+              <a:rPr lang="es-ES" sz="2000" dirty="0" smtClean="0"/>
+              <a:t>, </a:t>
+            </a:r>
+            <a:r>
+              <a:rPr lang="es-ES" sz="2000" dirty="0"/>
+              <a:t>y de esta manera, obtener </a:t>
+            </a:r>
+            <a:r>
+              <a:rPr lang="es-ES" sz="2000" b="1" dirty="0"/>
+              <a:t>la Arquitectura de Negocios de la Oficina Central de Fe y Alegría </a:t>
+            </a:r>
+            <a:r>
+              <a:rPr lang="es-ES" sz="2000" b="1" dirty="0" smtClean="0"/>
+              <a:t>Perú</a:t>
+            </a:r>
+            <a:endParaRPr lang="es-PE" sz="2000" b="1" dirty="0"/>
+          </a:p>
+          <a:p>
+            <a:pPr algn="just">
+              <a:lnSpc>
+                <a:spcPct val="150000"/>
+              </a:lnSpc>
+            </a:pPr>
             <a:endParaRPr lang="es-ES" sz="2000" dirty="0" smtClean="0"/>
           </a:p>
           <a:p>
-            <a:pPr marL="119062" indent="0" algn="just">
-              <a:buNone/>
+            <a:pPr algn="just">
+              <a:lnSpc>
+                <a:spcPct val="150000"/>
+              </a:lnSpc>
             </a:pPr>
-            <a:r>
-              <a:rPr lang="es-ES" sz="2000" dirty="0" smtClean="0"/>
-              <a:t>En </a:t>
-            </a:r>
-            <a:r>
-              <a:rPr lang="es-ES" sz="2000" dirty="0"/>
-              <a:t>base a esta arquitectura, se podrá construir el Sistema de Información, que en un futuro se implementará y desplegará dentro de la Oficina Central de Fe y Alegría Perú.</a:t>
-            </a:r>
-            <a:endParaRPr lang="es-PE" sz="2000" dirty="0"/>
-          </a:p>
-          <a:p>
-            <a:pPr algn="just"/>
             <a:endParaRPr lang="es-PE" sz="2000" dirty="0"/>
           </a:p>
         </p:txBody>
@@ -10822,7 +13397,13 @@
           <a:bodyPr/>
           <a:lstStyle/>
           <a:p>
-            <a:pPr lvl="0"/>
+            <a:pPr lvl="0">
+              <a:buClr>
+                <a:srgbClr val="FF6600"/>
+              </a:buClr>
+              <a:buFont typeface="Wingdings" pitchFamily="2" charset="2"/>
+              <a:buChar char="q"/>
+            </a:pPr>
             <a:r>
               <a:rPr lang="es-PE" sz="2000" b="1" dirty="0"/>
               <a:t>Objetivo General </a:t>
@@ -10830,7 +13411,13 @@
             <a:endParaRPr lang="es-PE" sz="2000" dirty="0"/>
           </a:p>
           <a:p>
-            <a:pPr lvl="1"/>
+            <a:pPr lvl="1">
+              <a:buClr>
+                <a:srgbClr val="FF6600"/>
+              </a:buClr>
+              <a:buFont typeface="Wingdings" pitchFamily="2" charset="2"/>
+              <a:buChar char="§"/>
+            </a:pPr>
             <a:r>
               <a:rPr lang="es-ES" sz="1600" dirty="0" smtClean="0"/>
               <a:t>Elaborar </a:t>
@@ -10842,59 +13429,117 @@
             <a:endParaRPr lang="es-PE" sz="1600" dirty="0"/>
           </a:p>
           <a:p>
-            <a:pPr marL="119062" indent="0">
-              <a:buNone/>
+            <a:pPr>
+              <a:buClr>
+                <a:srgbClr val="FF6600"/>
+              </a:buClr>
+              <a:buFont typeface="Wingdings" pitchFamily="2" charset="2"/>
+              <a:buChar char="q"/>
             </a:pPr>
-            <a:r>
-              <a:rPr lang="es-ES" sz="2000" b="1" dirty="0"/>
-              <a:t> </a:t>
-            </a:r>
             <a:endParaRPr lang="es-PE" sz="2000" dirty="0"/>
           </a:p>
           <a:p>
-            <a:pPr lvl="0"/>
+            <a:pPr lvl="0">
+              <a:buClr>
+                <a:srgbClr val="FF6600"/>
+              </a:buClr>
+              <a:buFont typeface="Wingdings" pitchFamily="2" charset="2"/>
+              <a:buChar char="q"/>
+            </a:pPr>
             <a:r>
               <a:rPr lang="es-PE" sz="2000" b="1" dirty="0"/>
-              <a:t>Objetivos Específicos</a:t>
+              <a:t>Objetivos </a:t>
+            </a:r>
+            <a:r>
+              <a:rPr lang="es-PE" sz="2000" b="1" dirty="0" smtClean="0"/>
+              <a:t>Específicos</a:t>
             </a:r>
             <a:endParaRPr lang="es-PE" sz="2000" dirty="0"/>
           </a:p>
           <a:p>
-            <a:pPr lvl="1" algn="just"/>
-            <a:r>
-              <a:rPr lang="es-ES" sz="1600" dirty="0" smtClean="0"/>
+            <a:pPr lvl="1">
+              <a:buClr>
+                <a:srgbClr val="FF6600"/>
+              </a:buClr>
+              <a:buFont typeface="Wingdings" pitchFamily="2" charset="2"/>
+              <a:buChar char="§"/>
+            </a:pPr>
+            <a:r>
+              <a:rPr lang="es-ES" sz="1600" dirty="0"/>
               <a:t>Completar </a:t>
             </a:r>
             <a:r>
               <a:rPr lang="es-ES" sz="1600" dirty="0"/>
-              <a:t>el modelado de los Macroprocesos de Gestión de Abastecimiento, Contabilidad y Presupuestos; y Gestión de Obras Civiles.</a:t>
+              <a:t>el modelado de los Macroprocesos de Gestión de Abastecimiento, Contabilidad y Presupuestos; y Gestión de Obras </a:t>
+            </a:r>
+            <a:r>
+              <a:rPr lang="es-ES" sz="1600" dirty="0"/>
+              <a:t>Civiles.</a:t>
             </a:r>
             <a:endParaRPr lang="es-PE" sz="1600" dirty="0"/>
           </a:p>
           <a:p>
-            <a:pPr lvl="1" algn="just"/>
+            <a:pPr lvl="1">
+              <a:buClr>
+                <a:srgbClr val="FF6600"/>
+              </a:buClr>
+              <a:buFont typeface="Wingdings" pitchFamily="2" charset="2"/>
+              <a:buChar char="§"/>
+            </a:pPr>
             <a:r>
               <a:rPr lang="es-ES" sz="1600" dirty="0"/>
-              <a:t>Realizar el modelado de los Macroprocesos de Gestión de Recursos Humanos, Gestión de Control de Pagos y Gestión de  Educación Rural.</a:t>
+              <a:t>Realizar </a:t>
+            </a:r>
+            <a:r>
+              <a:rPr lang="es-ES" sz="1600" dirty="0"/>
+              <a:t>el modelado de los Macroprocesos de Gestión de Recursos Humanos, Gestión de Control de Pagos y Gestión de  Educación </a:t>
+            </a:r>
+            <a:r>
+              <a:rPr lang="es-ES" sz="1600" dirty="0"/>
+              <a:t>Rural.</a:t>
             </a:r>
             <a:endParaRPr lang="es-PE" sz="1600" dirty="0"/>
           </a:p>
           <a:p>
-            <a:pPr lvl="1" algn="just"/>
+            <a:pPr lvl="1">
+              <a:buClr>
+                <a:srgbClr val="FF6600"/>
+              </a:buClr>
+              <a:buFont typeface="Wingdings" pitchFamily="2" charset="2"/>
+              <a:buChar char="§"/>
+            </a:pPr>
             <a:r>
               <a:rPr lang="es-ES" sz="1600" dirty="0"/>
-              <a:t>Integrar los nuevos procesos definidos con los que fueron desarrollados en el Proyecto de Tesis “Modelo de Negocios Empresarial de la Oficina Central Fe y Alegría”.</a:t>
+              <a:t>Integrar </a:t>
+            </a:r>
+            <a:r>
+              <a:rPr lang="es-ES" sz="1600" dirty="0"/>
+              <a:t>los nuevos procesos definidos con los que fueron desarrollados en el Proyecto de Tesis “Modelo de Negocios Empresarial de la Oficina Central Fe y Alegría</a:t>
+            </a:r>
+            <a:r>
+              <a:rPr lang="es-ES" sz="1600" dirty="0"/>
+              <a:t>”.</a:t>
             </a:r>
             <a:endParaRPr lang="es-PE" sz="1600" dirty="0"/>
           </a:p>
           <a:p>
-            <a:pPr lvl="1" algn="just"/>
+            <a:pPr lvl="1">
+              <a:buClr>
+                <a:srgbClr val="FF6600"/>
+              </a:buClr>
+              <a:buFont typeface="Wingdings" pitchFamily="2" charset="2"/>
+              <a:buChar char="§"/>
+            </a:pPr>
             <a:r>
               <a:rPr lang="es-ES" sz="1600" dirty="0"/>
-              <a:t>Actualizar todos los documentos elaborados en el Proyecto de Tesis “Modelo de Negocios Empresarial de la Oficina Central Fe y Alegría</a:t>
-            </a:r>
-            <a:r>
-              <a:rPr lang="es-ES" sz="1600" dirty="0" smtClean="0"/>
+              <a:t>Actualizar </a:t>
+            </a:r>
+            <a:r>
+              <a:rPr lang="es-ES" sz="1600" dirty="0"/>
+              <a:t>todos los documentos elaborados en el Proyecto de Tesis “Modelo de Negocios Empresarial de la Oficina Central Fe y Alegría</a:t>
+            </a:r>
+            <a:r>
+              <a:rPr lang="es-ES" sz="1600" dirty="0"/>
               <a:t>”.</a:t>
             </a:r>
             <a:endParaRPr lang="es-PE" sz="1600" dirty="0"/>
@@ -11046,7 +13691,7 @@
         </p:nvSpPr>
         <p:spPr>
           <a:xfrm>
-            <a:off x="5508104" y="2924944"/>
+            <a:off x="5508104" y="2260104"/>
             <a:ext cx="3096344" cy="3168352"/>
           </a:xfrm>
         </p:spPr>
@@ -11054,68 +13699,116 @@
           <a:bodyPr/>
           <a:lstStyle/>
           <a:p>
-            <a:pPr marL="355600" lvl="4" indent="-177800"/>
-            <a:r>
-              <a:rPr lang="es-ES" sz="1700" dirty="0" smtClean="0"/>
+            <a:pPr marL="374650" lvl="4" indent="-285750">
+              <a:buClr>
+                <a:srgbClr val="FF6600"/>
+              </a:buClr>
+              <a:buFont typeface="Wingdings" pitchFamily="2" charset="2"/>
+              <a:buChar char="§"/>
+            </a:pPr>
+            <a:r>
+              <a:rPr lang="es-ES" sz="1700" dirty="0"/>
               <a:t>Matriz de Asignación de Responsabilidades (RAM)</a:t>
             </a:r>
-            <a:endParaRPr lang="es-PE" sz="1700" dirty="0" smtClean="0"/>
-          </a:p>
-          <a:p>
-            <a:pPr marL="355600" lvl="4" indent="-177800"/>
-            <a:r>
-              <a:rPr lang="es-ES" sz="1700" dirty="0" smtClean="0"/>
+            <a:endParaRPr lang="es-PE" sz="1700" dirty="0"/>
+          </a:p>
+          <a:p>
+            <a:pPr marL="374650" lvl="4" indent="-285750">
+              <a:buClr>
+                <a:srgbClr val="FF6600"/>
+              </a:buClr>
+              <a:buFont typeface="Wingdings" pitchFamily="2" charset="2"/>
+              <a:buChar char="§"/>
+            </a:pPr>
+            <a:r>
+              <a:rPr lang="es-ES" sz="1700" dirty="0"/>
               <a:t>Stakeholders Empresariales</a:t>
             </a:r>
-            <a:endParaRPr lang="es-PE" sz="1700" dirty="0" smtClean="0"/>
-          </a:p>
-          <a:p>
-            <a:pPr marL="355600" lvl="4" indent="-177800"/>
-            <a:r>
-              <a:rPr lang="es-ES" sz="1700" dirty="0" smtClean="0"/>
+            <a:endParaRPr lang="es-PE" sz="1700" dirty="0"/>
+          </a:p>
+          <a:p>
+            <a:pPr marL="374650" lvl="4" indent="-285750">
+              <a:buClr>
+                <a:srgbClr val="FF6600"/>
+              </a:buClr>
+              <a:buFont typeface="Wingdings" pitchFamily="2" charset="2"/>
+              <a:buChar char="§"/>
+            </a:pPr>
+            <a:r>
+              <a:rPr lang="es-ES" sz="1700" dirty="0"/>
               <a:t>Modelo de Dominio</a:t>
             </a:r>
-            <a:endParaRPr lang="es-PE" sz="1700" dirty="0" smtClean="0"/>
-          </a:p>
-          <a:p>
-            <a:pPr marL="355600" lvl="4" indent="-177800"/>
-            <a:r>
-              <a:rPr lang="es-ES" sz="1700" dirty="0" smtClean="0"/>
+            <a:endParaRPr lang="es-PE" sz="1700" dirty="0"/>
+          </a:p>
+          <a:p>
+            <a:pPr marL="374650" lvl="4" indent="-285750">
+              <a:buClr>
+                <a:srgbClr val="FF6600"/>
+              </a:buClr>
+              <a:buFont typeface="Wingdings" pitchFamily="2" charset="2"/>
+              <a:buChar char="§"/>
+            </a:pPr>
+            <a:r>
+              <a:rPr lang="es-ES" sz="1700" dirty="0"/>
               <a:t>Reglas de Negocio</a:t>
             </a:r>
-            <a:endParaRPr lang="es-PE" sz="1700" dirty="0" smtClean="0"/>
-          </a:p>
-          <a:p>
-            <a:pPr marL="355600" lvl="4" indent="-177800"/>
-            <a:r>
-              <a:rPr lang="es-ES" sz="1700" dirty="0" smtClean="0"/>
+            <a:endParaRPr lang="es-PE" sz="1700" dirty="0"/>
+          </a:p>
+          <a:p>
+            <a:pPr marL="374650" lvl="4" indent="-285750">
+              <a:buClr>
+                <a:srgbClr val="FF6600"/>
+              </a:buClr>
+              <a:buFont typeface="Wingdings" pitchFamily="2" charset="2"/>
+              <a:buChar char="§"/>
+            </a:pPr>
+            <a:r>
+              <a:rPr lang="es-ES" sz="1700" dirty="0"/>
               <a:t>Mapeo Entidad – Proceso</a:t>
             </a:r>
-            <a:endParaRPr lang="es-PE" sz="1700" dirty="0" smtClean="0"/>
-          </a:p>
-          <a:p>
-            <a:pPr marL="355600" lvl="4" indent="-177800"/>
-            <a:r>
-              <a:rPr lang="es-ES" sz="1700" dirty="0" smtClean="0"/>
+            <a:endParaRPr lang="es-PE" sz="1700" dirty="0"/>
+          </a:p>
+          <a:p>
+            <a:pPr marL="374650" lvl="4" indent="-285750">
+              <a:buClr>
+                <a:srgbClr val="FF6600"/>
+              </a:buClr>
+              <a:buFont typeface="Wingdings" pitchFamily="2" charset="2"/>
+              <a:buChar char="§"/>
+            </a:pPr>
+            <a:r>
+              <a:rPr lang="es-ES" sz="1700" dirty="0"/>
               <a:t>Priorización de Procesos</a:t>
             </a:r>
-            <a:endParaRPr lang="es-PE" sz="1700" dirty="0" smtClean="0"/>
-          </a:p>
-          <a:p>
-            <a:pPr marL="355600" lvl="4" indent="-177800"/>
-            <a:r>
-              <a:rPr lang="es-ES" sz="1700" dirty="0" smtClean="0"/>
+            <a:endParaRPr lang="es-PE" sz="1700" dirty="0"/>
+          </a:p>
+          <a:p>
+            <a:pPr marL="374650" lvl="4" indent="-285750">
+              <a:buClr>
+                <a:srgbClr val="FF6600"/>
+              </a:buClr>
+              <a:buFont typeface="Wingdings" pitchFamily="2" charset="2"/>
+              <a:buChar char="§"/>
+            </a:pPr>
+            <a:r>
+              <a:rPr lang="es-ES" sz="1700" dirty="0"/>
               <a:t>Priorización de Entidades</a:t>
             </a:r>
-            <a:endParaRPr lang="es-PE" sz="1700" dirty="0" smtClean="0"/>
-          </a:p>
-          <a:p>
-            <a:pPr marL="355600" lvl="4" indent="-177800"/>
-            <a:r>
-              <a:rPr lang="es-ES" sz="1700" dirty="0" smtClean="0"/>
+            <a:endParaRPr lang="es-PE" sz="1700" dirty="0"/>
+          </a:p>
+          <a:p>
+            <a:pPr marL="374650" lvl="4" indent="-285750">
+              <a:buClr>
+                <a:srgbClr val="FF6600"/>
+              </a:buClr>
+              <a:buFont typeface="Wingdings" pitchFamily="2" charset="2"/>
+              <a:buChar char="§"/>
+            </a:pPr>
+            <a:r>
+              <a:rPr lang="es-ES" sz="1700" dirty="0"/>
               <a:t>Descomposición Funcional</a:t>
             </a:r>
-            <a:endParaRPr lang="es-PE" sz="1700" dirty="0" smtClean="0"/>
+            <a:endParaRPr lang="es-PE" sz="1700" dirty="0"/>
           </a:p>
           <a:p>
             <a:endParaRPr lang="es-PE" sz="1700" dirty="0"/>
@@ -11132,7 +13825,12 @@
             <p:ph type="sldNum" sz="quarter" idx="12"/>
           </p:nvPr>
         </p:nvSpPr>
-        <p:spPr/>
+        <p:spPr>
+          <a:xfrm>
+            <a:off x="8204200" y="5812160"/>
+            <a:ext cx="733425" cy="274638"/>
+          </a:xfrm>
+        </p:spPr>
         <p:txBody>
           <a:bodyPr/>
           <a:lstStyle/>
@@ -11162,7 +13860,7 @@
         <p:spPr bwMode="auto">
           <a:xfrm>
             <a:off x="179512" y="1700808"/>
-            <a:ext cx="8659688" cy="1069727"/>
+            <a:ext cx="8659688" cy="534863"/>
           </a:xfrm>
           <a:prstGeom prst="rect">
             <a:avLst/>
@@ -11366,20 +14064,22 @@
             <a:extLst/>
           </a:lstStyle>
           <a:p>
+            <a:pPr>
+              <a:buClr>
+                <a:srgbClr val="FF6600"/>
+              </a:buClr>
+              <a:buFont typeface="Wingdings" pitchFamily="2" charset="2"/>
+              <a:buChar char="q"/>
+            </a:pPr>
             <a:r>
               <a:rPr lang="es-ES" sz="2000" b="1" dirty="0" smtClean="0"/>
-              <a:t>El Proyecto incluirá:</a:t>
+              <a:t>El Proyecto incluirá</a:t>
+            </a:r>
+            <a:r>
+              <a:rPr lang="es-ES" sz="2000" b="1" dirty="0" smtClean="0"/>
+              <a:t>:</a:t>
             </a:r>
             <a:endParaRPr lang="es-PE" sz="2000" dirty="0" smtClean="0"/>
-          </a:p>
-          <a:p>
-            <a:pPr marL="119062" indent="0" algn="just">
-              <a:buNone/>
-            </a:pPr>
-            <a:r>
-              <a:rPr lang="es-ES" sz="2000" dirty="0" smtClean="0"/>
-              <a:t>La actualización y/o desarrollo de los siguientes documentos del Modelo de Negocios Empresarial (EBM):</a:t>
-            </a:r>
           </a:p>
         </p:txBody>
       </p:sp>
@@ -11393,7 +14093,7 @@
         </p:nvSpPr>
         <p:spPr bwMode="auto">
           <a:xfrm>
-            <a:off x="179512" y="2924944"/>
+            <a:off x="179512" y="2260104"/>
             <a:ext cx="4968552" cy="3456384"/>
           </a:xfrm>
           <a:prstGeom prst="rect">
@@ -11598,7 +14298,13 @@
             <a:extLst/>
           </a:lstStyle>
           <a:p>
-            <a:pPr marL="355600" lvl="4" indent="-266700"/>
+            <a:pPr marL="374650" lvl="4" indent="-285750">
+              <a:buClr>
+                <a:srgbClr val="FF6600"/>
+              </a:buClr>
+              <a:buFont typeface="Wingdings" pitchFamily="2" charset="2"/>
+              <a:buChar char="§"/>
+            </a:pPr>
             <a:r>
               <a:rPr lang="es-ES" sz="1700" dirty="0" smtClean="0"/>
               <a:t>Mapa de Procesos</a:t>
@@ -11606,7 +14312,13 @@
             <a:endParaRPr lang="es-PE" sz="1700" dirty="0" smtClean="0"/>
           </a:p>
           <a:p>
-            <a:pPr marL="355600" lvl="4" indent="-266700"/>
+            <a:pPr marL="374650" lvl="4" indent="-285750">
+              <a:buClr>
+                <a:srgbClr val="FF6600"/>
+              </a:buClr>
+              <a:buFont typeface="Wingdings" pitchFamily="2" charset="2"/>
+              <a:buChar char="§"/>
+            </a:pPr>
             <a:r>
               <a:rPr lang="es-ES" sz="1700" dirty="0" smtClean="0"/>
               <a:t>Mapa de Procesos - Objetivos</a:t>
@@ -11614,7 +14326,13 @@
             <a:endParaRPr lang="es-PE" sz="1700" dirty="0" smtClean="0"/>
           </a:p>
           <a:p>
-            <a:pPr marL="355600" lvl="4" indent="-266700"/>
+            <a:pPr marL="374650" lvl="4" indent="-285750">
+              <a:buClr>
+                <a:srgbClr val="FF6600"/>
+              </a:buClr>
+              <a:buFont typeface="Wingdings" pitchFamily="2" charset="2"/>
+              <a:buChar char="§"/>
+            </a:pPr>
             <a:r>
               <a:rPr lang="es-ES" sz="1700" dirty="0" smtClean="0"/>
               <a:t>Definición  de Procesos</a:t>
@@ -11622,7 +14340,10 @@
             <a:endParaRPr lang="es-PE" sz="1700" dirty="0" smtClean="0"/>
           </a:p>
           <a:p>
-            <a:pPr marL="622300" lvl="5" indent="-266700"/>
+            <a:pPr marL="641350" lvl="5" indent="-285750">
+              <a:buFont typeface="Arial" pitchFamily="34" charset="0"/>
+              <a:buChar char="•"/>
+            </a:pPr>
             <a:r>
               <a:rPr lang="es-ES" sz="1700" dirty="0" smtClean="0"/>
               <a:t>Macroproceso de Contabilidad y Presupuestos</a:t>
@@ -11630,7 +14351,10 @@
             <a:endParaRPr lang="es-PE" sz="1700" dirty="0" smtClean="0"/>
           </a:p>
           <a:p>
-            <a:pPr marL="622300" lvl="5" indent="-266700"/>
+            <a:pPr marL="641350" lvl="5" indent="-285750">
+              <a:buFont typeface="Arial" pitchFamily="34" charset="0"/>
+              <a:buChar char="•"/>
+            </a:pPr>
             <a:r>
               <a:rPr lang="es-ES" sz="1700" dirty="0" smtClean="0"/>
               <a:t>Macroproceso de Gestión de Abastecimiento</a:t>
@@ -11638,7 +14362,10 @@
             <a:endParaRPr lang="es-PE" sz="1700" dirty="0" smtClean="0"/>
           </a:p>
           <a:p>
-            <a:pPr marL="622300" lvl="5" indent="-266700"/>
+            <a:pPr marL="641350" lvl="5" indent="-285750">
+              <a:buFont typeface="Arial" pitchFamily="34" charset="0"/>
+              <a:buChar char="•"/>
+            </a:pPr>
             <a:r>
               <a:rPr lang="es-ES" sz="1700" dirty="0" smtClean="0"/>
               <a:t>Macroproceso de Gestión de  Obras Civiles</a:t>
@@ -11646,7 +14373,10 @@
             <a:endParaRPr lang="es-PE" sz="1700" dirty="0" smtClean="0"/>
           </a:p>
           <a:p>
-            <a:pPr marL="622300" lvl="5" indent="-266700"/>
+            <a:pPr marL="641350" lvl="5" indent="-285750">
+              <a:buFont typeface="Arial" pitchFamily="34" charset="0"/>
+              <a:buChar char="•"/>
+            </a:pPr>
             <a:r>
               <a:rPr lang="es-ES" sz="1700" dirty="0" smtClean="0"/>
               <a:t>Macroproceso de Gestión de Recursos Humanos</a:t>
@@ -11654,7 +14384,10 @@
             <a:endParaRPr lang="es-PE" sz="1700" dirty="0" smtClean="0"/>
           </a:p>
           <a:p>
-            <a:pPr marL="622300" lvl="5" indent="-266700"/>
+            <a:pPr marL="641350" lvl="5" indent="-285750">
+              <a:buFont typeface="Arial" pitchFamily="34" charset="0"/>
+              <a:buChar char="•"/>
+            </a:pPr>
             <a:r>
               <a:rPr lang="es-ES" sz="1700" dirty="0" smtClean="0"/>
               <a:t>Macroproceso de Gestión de Control de Pagos</a:t>
@@ -11662,7 +14395,10 @@
             <a:endParaRPr lang="es-PE" sz="1700" dirty="0" smtClean="0"/>
           </a:p>
           <a:p>
-            <a:pPr marL="622300" lvl="5" indent="-266700"/>
+            <a:pPr marL="641350" lvl="5" indent="-285750">
+              <a:buFont typeface="Arial" pitchFamily="34" charset="0"/>
+              <a:buChar char="•"/>
+            </a:pPr>
             <a:r>
               <a:rPr lang="es-ES" sz="1700" dirty="0" smtClean="0"/>
               <a:t>Macroproceso de Educación Rural</a:t>
@@ -11670,7 +14406,13 @@
             <a:endParaRPr lang="es-PE" sz="1700" dirty="0"/>
           </a:p>
           <a:p>
-            <a:pPr marL="355600" lvl="4" indent="-266700"/>
+            <a:pPr marL="374650" lvl="4" indent="-285750">
+              <a:buClr>
+                <a:srgbClr val="FF6600"/>
+              </a:buClr>
+              <a:buFont typeface="Wingdings" pitchFamily="2" charset="2"/>
+              <a:buChar char="§"/>
+            </a:pPr>
             <a:r>
               <a:rPr lang="es-ES" sz="1700" dirty="0"/>
               <a:t>Arquitectura de Procesos</a:t>
@@ -11708,7 +14450,7 @@
         </p:blipFill>
         <p:spPr bwMode="auto">
           <a:xfrm>
-            <a:off x="3789276" y="2437656"/>
+            <a:off x="3789276" y="1772816"/>
             <a:ext cx="1440160" cy="1440160"/>
           </a:xfrm>
           <a:prstGeom prst="rect">
@@ -12033,6 +14775,13 @@
             <a:extLst/>
           </a:lstStyle>
           <a:p>
+            <a:pPr>
+              <a:buClr>
+                <a:srgbClr val="FF6600"/>
+              </a:buClr>
+              <a:buFont typeface="Wingdings" pitchFamily="2" charset="2"/>
+              <a:buChar char="q"/>
+            </a:pPr>
             <a:r>
               <a:rPr lang="es-ES" sz="2000" b="1" dirty="0"/>
               <a:t>El </a:t>
@@ -12048,7 +14797,11 @@
             <a:endParaRPr lang="es-PE" sz="2000" dirty="0"/>
           </a:p>
           <a:p>
-            <a:pPr lvl="1"/>
+            <a:pPr lvl="1">
+              <a:buClr>
+                <a:srgbClr val="FF6600"/>
+              </a:buClr>
+            </a:pPr>
             <a:r>
               <a:rPr lang="es-ES" sz="1600" dirty="0"/>
               <a:t>El modelamiento de los procesos que realiza los colegios de Fe y Alegría.</a:t>
@@ -12056,7 +14809,11 @@
             <a:endParaRPr lang="es-PE" sz="1600" dirty="0"/>
           </a:p>
           <a:p>
-            <a:pPr lvl="1"/>
+            <a:pPr lvl="1">
+              <a:buClr>
+                <a:srgbClr val="FF6600"/>
+              </a:buClr>
+            </a:pPr>
             <a:r>
               <a:rPr lang="es-ES" sz="1600" dirty="0"/>
               <a:t>La elaboración del Portafolio de Proyectos.</a:t>
@@ -12064,7 +14821,11 @@
             <a:endParaRPr lang="es-PE" sz="1600" dirty="0"/>
           </a:p>
           <a:p>
-            <a:pPr lvl="1"/>
+            <a:pPr lvl="1">
+              <a:buClr>
+                <a:srgbClr val="FF6600"/>
+              </a:buClr>
+            </a:pPr>
             <a:r>
               <a:rPr lang="es-ES" sz="1600" dirty="0"/>
               <a:t>La elaboración de la Arquitectura de Aplicaciones de la Oficina Central de Fe y Alegría Perú.</a:t>
@@ -12072,7 +14833,11 @@
             <a:endParaRPr lang="es-PE" sz="1600" dirty="0"/>
           </a:p>
           <a:p>
-            <a:pPr lvl="1"/>
+            <a:pPr lvl="1">
+              <a:buClr>
+                <a:srgbClr val="FF6600"/>
+              </a:buClr>
+            </a:pPr>
             <a:r>
               <a:rPr lang="es-ES" sz="1600" dirty="0"/>
               <a:t>La elaboración de la Arquitectura de Redes de la Oficina Central de Fe y Alegría Perú. </a:t>
@@ -12080,7 +14845,11 @@
             <a:endParaRPr lang="es-PE" sz="1600" dirty="0"/>
           </a:p>
           <a:p>
-            <a:pPr lvl="1"/>
+            <a:pPr lvl="1">
+              <a:buClr>
+                <a:srgbClr val="FF6600"/>
+              </a:buClr>
+            </a:pPr>
             <a:r>
               <a:rPr lang="es-ES" sz="1600" dirty="0"/>
               <a:t>La elaboración de la Arquitectura de Datos de la Oficina Central de Fe y Alegría Perú. </a:t>
@@ -12088,7 +14857,11 @@
             <a:endParaRPr lang="es-PE" sz="1600" dirty="0"/>
           </a:p>
           <a:p>
-            <a:pPr lvl="1"/>
+            <a:pPr lvl="1">
+              <a:buClr>
+                <a:srgbClr val="FF6600"/>
+              </a:buClr>
+            </a:pPr>
             <a:r>
               <a:rPr lang="es-ES" sz="1600" dirty="0"/>
               <a:t>La implementación de la Arquitectura Empresarial.</a:t>
@@ -13327,13 +16100,13 @@
           <p:nvPr>
             <p:extLst>
               <p:ext uri="{D42A27DB-BD31-4B8C-83A1-F6EECF244321}">
-                <p14:modId xmlns:p14="http://schemas.microsoft.com/office/powerpoint/2010/main" val="1860582248"/>
+                <p14:modId xmlns:p14="http://schemas.microsoft.com/office/powerpoint/2010/main" val="988084050"/>
               </p:ext>
             </p:extLst>
           </p:nvPr>
         </p:nvGraphicFramePr>
         <p:xfrm>
-          <a:off x="1331640" y="1628800"/>
+          <a:off x="1403648" y="1628800"/>
           <a:ext cx="6192688" cy="4680520"/>
         </p:xfrm>
         <a:graphic>
@@ -13367,9 +16140,6 @@
                     <p:cTn id="3" fill="hold">
                       <p:stCondLst>
                         <p:cond delay="indefinite"/>
-                        <p:cond evt="onBegin" delay="0">
-                          <p:tn val="2"/>
-                        </p:cond>
                       </p:stCondLst>
                       <p:childTnLst>
                         <p:par>
@@ -13379,14 +16149,30 @@
                             </p:stCondLst>
                             <p:childTnLst>
                               <p:par>
-                                <p:cTn id="5" presetID="19" presetClass="emph" presetSubtype="0" fill="hold" grpId="0" nodeType="afterEffect">
+                                <p:cTn id="5" presetID="10" presetClass="exit" presetSubtype="0" fill="hold" grpId="0" nodeType="clickEffect">
                                   <p:stCondLst>
                                     <p:cond delay="0"/>
                                   </p:stCondLst>
                                   <p:childTnLst>
-                                    <p:animClr clrSpc="rgb" dir="cw">
-                                      <p:cBhvr override="childStyle">
-                                        <p:cTn id="6" dur="500" fill="hold"/>
+                                    <p:animEffect transition="out" filter="fade">
+                                      <p:cBhvr>
+                                        <p:cTn id="6" dur="500"/>
+                                        <p:tgtEl>
+                                          <p:spTgt spid="8">
+                                            <p:graphicEl>
+                                              <a:dgm id="{FFB4A47F-A657-4040-B9D3-1308F7B37399}"/>
+                                            </p:graphicEl>
+                                          </p:spTgt>
+                                        </p:tgtEl>
+                                      </p:cBhvr>
+                                    </p:animEffect>
+                                    <p:set>
+                                      <p:cBhvr>
+                                        <p:cTn id="7" dur="1" fill="hold">
+                                          <p:stCondLst>
+                                            <p:cond delay="499"/>
+                                          </p:stCondLst>
+                                        </p:cTn>
                                         <p:tgtEl>
                                           <p:spTgt spid="8">
                                             <p:graphicEl>
@@ -13395,65 +16181,11 @@
                                           </p:spTgt>
                                         </p:tgtEl>
                                         <p:attrNameLst>
-                                          <p:attrName>style.color</p:attrName>
+                                          <p:attrName>style.visibility</p:attrName>
                                         </p:attrNameLst>
                                       </p:cBhvr>
                                       <p:to>
-                                        <a:srgbClr val="FFFFFF"/>
-                                      </p:to>
-                                    </p:animClr>
-                                    <p:animClr clrSpc="rgb" dir="cw">
-                                      <p:cBhvr>
-                                        <p:cTn id="7" dur="500" fill="hold"/>
-                                        <p:tgtEl>
-                                          <p:spTgt spid="8">
-                                            <p:graphicEl>
-                                              <a:dgm id="{FFB4A47F-A657-4040-B9D3-1308F7B37399}"/>
-                                            </p:graphicEl>
-                                          </p:spTgt>
-                                        </p:tgtEl>
-                                        <p:attrNameLst>
-                                          <p:attrName>fillcolor</p:attrName>
-                                        </p:attrNameLst>
-                                      </p:cBhvr>
-                                      <p:to>
-                                        <a:srgbClr val="FFFFFF"/>
-                                      </p:to>
-                                    </p:animClr>
-                                    <p:set>
-                                      <p:cBhvr>
-                                        <p:cTn id="8" dur="500" fill="hold"/>
-                                        <p:tgtEl>
-                                          <p:spTgt spid="8">
-                                            <p:graphicEl>
-                                              <a:dgm id="{FFB4A47F-A657-4040-B9D3-1308F7B37399}"/>
-                                            </p:graphicEl>
-                                          </p:spTgt>
-                                        </p:tgtEl>
-                                        <p:attrNameLst>
-                                          <p:attrName>fill.type</p:attrName>
-                                        </p:attrNameLst>
-                                      </p:cBhvr>
-                                      <p:to>
-                                        <p:strVal val="solid"/>
-                                      </p:to>
-                                    </p:set>
-                                    <p:set>
-                                      <p:cBhvr>
-                                        <p:cTn id="9" dur="500" fill="hold"/>
-                                        <p:tgtEl>
-                                          <p:spTgt spid="8">
-                                            <p:graphicEl>
-                                              <a:dgm id="{FFB4A47F-A657-4040-B9D3-1308F7B37399}"/>
-                                            </p:graphicEl>
-                                          </p:spTgt>
-                                        </p:tgtEl>
-                                        <p:attrNameLst>
-                                          <p:attrName>fill.on</p:attrName>
-                                        </p:attrNameLst>
-                                      </p:cBhvr>
-                                      <p:to>
-                                        <p:strVal val="true"/>
+                                        <p:strVal val="hidden"/>
                                       </p:to>
                                     </p:set>
                                   </p:childTnLst>
@@ -13463,20 +16195,36 @@
                           </p:cTn>
                         </p:par>
                         <p:par>
-                          <p:cTn id="10" fill="hold">
+                          <p:cTn id="8" fill="hold">
                             <p:stCondLst>
                               <p:cond delay="500"/>
                             </p:stCondLst>
                             <p:childTnLst>
                               <p:par>
-                                <p:cTn id="11" presetID="19" presetClass="emph" presetSubtype="0" fill="hold" grpId="0" nodeType="afterEffect">
+                                <p:cTn id="9" presetID="10" presetClass="exit" presetSubtype="0" fill="hold" grpId="0" nodeType="afterEffect">
                                   <p:stCondLst>
                                     <p:cond delay="0"/>
                                   </p:stCondLst>
                                   <p:childTnLst>
-                                    <p:animClr clrSpc="rgb" dir="cw">
-                                      <p:cBhvr override="childStyle">
-                                        <p:cTn id="12" dur="500" fill="hold"/>
+                                    <p:animEffect transition="out" filter="fade">
+                                      <p:cBhvr>
+                                        <p:cTn id="10" dur="500"/>
+                                        <p:tgtEl>
+                                          <p:spTgt spid="8">
+                                            <p:graphicEl>
+                                              <a:dgm id="{2D32854F-6F3A-4635-B9E3-EE36855DB5F8}"/>
+                                            </p:graphicEl>
+                                          </p:spTgt>
+                                        </p:tgtEl>
+                                      </p:cBhvr>
+                                    </p:animEffect>
+                                    <p:set>
+                                      <p:cBhvr>
+                                        <p:cTn id="11" dur="1" fill="hold">
+                                          <p:stCondLst>
+                                            <p:cond delay="499"/>
+                                          </p:stCondLst>
+                                        </p:cTn>
                                         <p:tgtEl>
                                           <p:spTgt spid="8">
                                             <p:graphicEl>
@@ -13485,65 +16233,63 @@
                                           </p:spTgt>
                                         </p:tgtEl>
                                         <p:attrNameLst>
-                                          <p:attrName>style.color</p:attrName>
+                                          <p:attrName>style.visibility</p:attrName>
                                         </p:attrNameLst>
                                       </p:cBhvr>
                                       <p:to>
-                                        <a:srgbClr val="FFFFFF"/>
+                                        <p:strVal val="hidden"/>
                                       </p:to>
-                                    </p:animClr>
-                                    <p:animClr clrSpc="rgb" dir="cw">
+                                    </p:set>
+                                  </p:childTnLst>
+                                </p:cTn>
+                              </p:par>
+                            </p:childTnLst>
+                          </p:cTn>
+                        </p:par>
+                        <p:par>
+                          <p:cTn id="12" fill="hold">
+                            <p:stCondLst>
+                              <p:cond delay="1000"/>
+                            </p:stCondLst>
+                            <p:childTnLst>
+                              <p:par>
+                                <p:cTn id="13" presetID="10" presetClass="exit" presetSubtype="0" fill="hold" grpId="0" nodeType="afterEffect">
+                                  <p:stCondLst>
+                                    <p:cond delay="0"/>
+                                  </p:stCondLst>
+                                  <p:childTnLst>
+                                    <p:animEffect transition="out" filter="fade">
                                       <p:cBhvr>
-                                        <p:cTn id="13" dur="500" fill="hold"/>
+                                        <p:cTn id="14" dur="500"/>
                                         <p:tgtEl>
                                           <p:spTgt spid="8">
                                             <p:graphicEl>
-                                              <a:dgm id="{2D32854F-6F3A-4635-B9E3-EE36855DB5F8}"/>
+                                              <a:dgm id="{DA706083-A83F-4AE2-9AEF-DDC4FEE62578}"/>
+                                            </p:graphicEl>
+                                          </p:spTgt>
+                                        </p:tgtEl>
+                                      </p:cBhvr>
+                                    </p:animEffect>
+                                    <p:set>
+                                      <p:cBhvr>
+                                        <p:cTn id="15" dur="1" fill="hold">
+                                          <p:stCondLst>
+                                            <p:cond delay="499"/>
+                                          </p:stCondLst>
+                                        </p:cTn>
+                                        <p:tgtEl>
+                                          <p:spTgt spid="8">
+                                            <p:graphicEl>
+                                              <a:dgm id="{DA706083-A83F-4AE2-9AEF-DDC4FEE62578}"/>
                                             </p:graphicEl>
                                           </p:spTgt>
                                         </p:tgtEl>
                                         <p:attrNameLst>
-                                          <p:attrName>fillcolor</p:attrName>
+                                          <p:attrName>style.visibility</p:attrName>
                                         </p:attrNameLst>
                                       </p:cBhvr>
                                       <p:to>
-                                        <a:srgbClr val="FFFFFF"/>
-                                      </p:to>
-                                    </p:animClr>
-                                    <p:set>
-                                      <p:cBhvr>
-                                        <p:cTn id="14" dur="500" fill="hold"/>
-                                        <p:tgtEl>
-                                          <p:spTgt spid="8">
-                                            <p:graphicEl>
-                                              <a:dgm id="{2D32854F-6F3A-4635-B9E3-EE36855DB5F8}"/>
-                                            </p:graphicEl>
-                                          </p:spTgt>
-                                        </p:tgtEl>
-                                        <p:attrNameLst>
-                                          <p:attrName>fill.type</p:attrName>
-                                        </p:attrNameLst>
-                                      </p:cBhvr>
-                                      <p:to>
-                                        <p:strVal val="solid"/>
-                                      </p:to>
-                                    </p:set>
-                                    <p:set>
-                                      <p:cBhvr>
-                                        <p:cTn id="15" dur="500" fill="hold"/>
-                                        <p:tgtEl>
-                                          <p:spTgt spid="8">
-                                            <p:graphicEl>
-                                              <a:dgm id="{2D32854F-6F3A-4635-B9E3-EE36855DB5F8}"/>
-                                            </p:graphicEl>
-                                          </p:spTgt>
-                                        </p:tgtEl>
-                                        <p:attrNameLst>
-                                          <p:attrName>fill.on</p:attrName>
-                                        </p:attrNameLst>
-                                      </p:cBhvr>
-                                      <p:to>
-                                        <p:strVal val="true"/>
+                                        <p:strVal val="hidden"/>
                                       </p:to>
                                     </p:set>
                                   </p:childTnLst>
@@ -13555,85 +16301,47 @@
                         <p:par>
                           <p:cTn id="16" fill="hold">
                             <p:stCondLst>
-                              <p:cond delay="1000"/>
+                              <p:cond delay="1500"/>
                             </p:stCondLst>
                             <p:childTnLst>
                               <p:par>
-                                <p:cTn id="17" presetID="19" presetClass="emph" presetSubtype="0" fill="hold" grpId="0" nodeType="afterEffect">
+                                <p:cTn id="17" presetID="10" presetClass="exit" presetSubtype="0" fill="hold" grpId="0" nodeType="afterEffect">
                                   <p:stCondLst>
                                     <p:cond delay="0"/>
                                   </p:stCondLst>
                                   <p:childTnLst>
-                                    <p:animClr clrSpc="rgb" dir="cw">
-                                      <p:cBhvr override="childStyle">
-                                        <p:cTn id="18" dur="500" fill="hold"/>
+                                    <p:animEffect transition="out" filter="fade">
+                                      <p:cBhvr>
+                                        <p:cTn id="18" dur="500"/>
                                         <p:tgtEl>
                                           <p:spTgt spid="8">
                                             <p:graphicEl>
-                                              <a:dgm id="{DA706083-A83F-4AE2-9AEF-DDC4FEE62578}"/>
+                                              <a:dgm id="{FA36ABE6-F1E1-4C74-9871-665B3044B504}"/>
+                                            </p:graphicEl>
+                                          </p:spTgt>
+                                        </p:tgtEl>
+                                      </p:cBhvr>
+                                    </p:animEffect>
+                                    <p:set>
+                                      <p:cBhvr>
+                                        <p:cTn id="19" dur="1" fill="hold">
+                                          <p:stCondLst>
+                                            <p:cond delay="499"/>
+                                          </p:stCondLst>
+                                        </p:cTn>
+                                        <p:tgtEl>
+                                          <p:spTgt spid="8">
+                                            <p:graphicEl>
+                                              <a:dgm id="{FA36ABE6-F1E1-4C74-9871-665B3044B504}"/>
                                             </p:graphicEl>
                                           </p:spTgt>
                                         </p:tgtEl>
                                         <p:attrNameLst>
-                                          <p:attrName>style.color</p:attrName>
+                                          <p:attrName>style.visibility</p:attrName>
                                         </p:attrNameLst>
                                       </p:cBhvr>
                                       <p:to>
-                                        <a:srgbClr val="FFFFFF"/>
-                                      </p:to>
-                                    </p:animClr>
-                                    <p:animClr clrSpc="rgb" dir="cw">
-                                      <p:cBhvr>
-                                        <p:cTn id="19" dur="500" fill="hold"/>
-                                        <p:tgtEl>
-                                          <p:spTgt spid="8">
-                                            <p:graphicEl>
-                                              <a:dgm id="{DA706083-A83F-4AE2-9AEF-DDC4FEE62578}"/>
-                                            </p:graphicEl>
-                                          </p:spTgt>
-                                        </p:tgtEl>
-                                        <p:attrNameLst>
-                                          <p:attrName>fillcolor</p:attrName>
-                                        </p:attrNameLst>
-                                      </p:cBhvr>
-                                      <p:to>
-                                        <a:srgbClr val="FFFFFF"/>
-                                      </p:to>
-                                    </p:animClr>
-                                    <p:set>
-                                      <p:cBhvr>
-                                        <p:cTn id="20" dur="500" fill="hold"/>
-                                        <p:tgtEl>
-                                          <p:spTgt spid="8">
-                                            <p:graphicEl>
-                                              <a:dgm id="{DA706083-A83F-4AE2-9AEF-DDC4FEE62578}"/>
-                                            </p:graphicEl>
-                                          </p:spTgt>
-                                        </p:tgtEl>
-                                        <p:attrNameLst>
-                                          <p:attrName>fill.type</p:attrName>
-                                        </p:attrNameLst>
-                                      </p:cBhvr>
-                                      <p:to>
-                                        <p:strVal val="solid"/>
-                                      </p:to>
-                                    </p:set>
-                                    <p:set>
-                                      <p:cBhvr>
-                                        <p:cTn id="21" dur="500" fill="hold"/>
-                                        <p:tgtEl>
-                                          <p:spTgt spid="8">
-                                            <p:graphicEl>
-                                              <a:dgm id="{DA706083-A83F-4AE2-9AEF-DDC4FEE62578}"/>
-                                            </p:graphicEl>
-                                          </p:spTgt>
-                                        </p:tgtEl>
-                                        <p:attrNameLst>
-                                          <p:attrName>fill.on</p:attrName>
-                                        </p:attrNameLst>
-                                      </p:cBhvr>
-                                      <p:to>
-                                        <p:strVal val="true"/>
+                                        <p:strVal val="hidden"/>
                                       </p:to>
                                     </p:set>
                                   </p:childTnLst>
@@ -13643,110 +16351,36 @@
                           </p:cTn>
                         </p:par>
                         <p:par>
-                          <p:cTn id="22" fill="hold">
-                            <p:stCondLst>
-                              <p:cond delay="1500"/>
-                            </p:stCondLst>
-                            <p:childTnLst>
-                              <p:par>
-                                <p:cTn id="23" presetID="19" presetClass="emph" presetSubtype="0" fill="hold" grpId="0" nodeType="afterEffect">
-                                  <p:stCondLst>
-                                    <p:cond delay="0"/>
-                                  </p:stCondLst>
-                                  <p:childTnLst>
-                                    <p:animClr clrSpc="rgb" dir="cw">
-                                      <p:cBhvr override="childStyle">
-                                        <p:cTn id="24" dur="500" fill="hold"/>
-                                        <p:tgtEl>
-                                          <p:spTgt spid="8">
-                                            <p:graphicEl>
-                                              <a:dgm id="{FA36ABE6-F1E1-4C74-9871-665B3044B504}"/>
-                                            </p:graphicEl>
-                                          </p:spTgt>
-                                        </p:tgtEl>
-                                        <p:attrNameLst>
-                                          <p:attrName>style.color</p:attrName>
-                                        </p:attrNameLst>
-                                      </p:cBhvr>
-                                      <p:to>
-                                        <a:srgbClr val="FFFFFF"/>
-                                      </p:to>
-                                    </p:animClr>
-                                    <p:animClr clrSpc="rgb" dir="cw">
-                                      <p:cBhvr>
-                                        <p:cTn id="25" dur="500" fill="hold"/>
-                                        <p:tgtEl>
-                                          <p:spTgt spid="8">
-                                            <p:graphicEl>
-                                              <a:dgm id="{FA36ABE6-F1E1-4C74-9871-665B3044B504}"/>
-                                            </p:graphicEl>
-                                          </p:spTgt>
-                                        </p:tgtEl>
-                                        <p:attrNameLst>
-                                          <p:attrName>fillcolor</p:attrName>
-                                        </p:attrNameLst>
-                                      </p:cBhvr>
-                                      <p:to>
-                                        <a:srgbClr val="FFFFFF"/>
-                                      </p:to>
-                                    </p:animClr>
-                                    <p:set>
-                                      <p:cBhvr>
-                                        <p:cTn id="26" dur="500" fill="hold"/>
-                                        <p:tgtEl>
-                                          <p:spTgt spid="8">
-                                            <p:graphicEl>
-                                              <a:dgm id="{FA36ABE6-F1E1-4C74-9871-665B3044B504}"/>
-                                            </p:graphicEl>
-                                          </p:spTgt>
-                                        </p:tgtEl>
-                                        <p:attrNameLst>
-                                          <p:attrName>fill.type</p:attrName>
-                                        </p:attrNameLst>
-                                      </p:cBhvr>
-                                      <p:to>
-                                        <p:strVal val="solid"/>
-                                      </p:to>
-                                    </p:set>
-                                    <p:set>
-                                      <p:cBhvr>
-                                        <p:cTn id="27" dur="500" fill="hold"/>
-                                        <p:tgtEl>
-                                          <p:spTgt spid="8">
-                                            <p:graphicEl>
-                                              <a:dgm id="{FA36ABE6-F1E1-4C74-9871-665B3044B504}"/>
-                                            </p:graphicEl>
-                                          </p:spTgt>
-                                        </p:tgtEl>
-                                        <p:attrNameLst>
-                                          <p:attrName>fill.on</p:attrName>
-                                        </p:attrNameLst>
-                                      </p:cBhvr>
-                                      <p:to>
-                                        <p:strVal val="true"/>
-                                      </p:to>
-                                    </p:set>
-                                  </p:childTnLst>
-                                </p:cTn>
-                              </p:par>
-                            </p:childTnLst>
-                          </p:cTn>
-                        </p:par>
-                        <p:par>
-                          <p:cTn id="28" fill="hold">
+                          <p:cTn id="20" fill="hold">
                             <p:stCondLst>
                               <p:cond delay="2000"/>
                             </p:stCondLst>
                             <p:childTnLst>
                               <p:par>
-                                <p:cTn id="29" presetID="19" presetClass="emph" presetSubtype="0" fill="hold" grpId="0" nodeType="afterEffect">
+                                <p:cTn id="21" presetID="10" presetClass="exit" presetSubtype="0" fill="hold" grpId="0" nodeType="afterEffect">
                                   <p:stCondLst>
                                     <p:cond delay="0"/>
                                   </p:stCondLst>
                                   <p:childTnLst>
-                                    <p:animClr clrSpc="rgb" dir="cw">
-                                      <p:cBhvr override="childStyle">
-                                        <p:cTn id="30" dur="500" fill="hold"/>
+                                    <p:animEffect transition="out" filter="fade">
+                                      <p:cBhvr>
+                                        <p:cTn id="22" dur="500"/>
+                                        <p:tgtEl>
+                                          <p:spTgt spid="8">
+                                            <p:graphicEl>
+                                              <a:dgm id="{6C725BD7-6D47-4804-89FE-13813260BABB}"/>
+                                            </p:graphicEl>
+                                          </p:spTgt>
+                                        </p:tgtEl>
+                                      </p:cBhvr>
+                                    </p:animEffect>
+                                    <p:set>
+                                      <p:cBhvr>
+                                        <p:cTn id="23" dur="1" fill="hold">
+                                          <p:stCondLst>
+                                            <p:cond delay="499"/>
+                                          </p:stCondLst>
+                                        </p:cTn>
                                         <p:tgtEl>
                                           <p:spTgt spid="8">
                                             <p:graphicEl>
@@ -13755,65 +16389,11 @@
                                           </p:spTgt>
                                         </p:tgtEl>
                                         <p:attrNameLst>
-                                          <p:attrName>style.color</p:attrName>
+                                          <p:attrName>style.visibility</p:attrName>
                                         </p:attrNameLst>
                                       </p:cBhvr>
                                       <p:to>
-                                        <a:srgbClr val="FFFFFF"/>
-                                      </p:to>
-                                    </p:animClr>
-                                    <p:animClr clrSpc="rgb" dir="cw">
-                                      <p:cBhvr>
-                                        <p:cTn id="31" dur="500" fill="hold"/>
-                                        <p:tgtEl>
-                                          <p:spTgt spid="8">
-                                            <p:graphicEl>
-                                              <a:dgm id="{6C725BD7-6D47-4804-89FE-13813260BABB}"/>
-                                            </p:graphicEl>
-                                          </p:spTgt>
-                                        </p:tgtEl>
-                                        <p:attrNameLst>
-                                          <p:attrName>fillcolor</p:attrName>
-                                        </p:attrNameLst>
-                                      </p:cBhvr>
-                                      <p:to>
-                                        <a:srgbClr val="FFFFFF"/>
-                                      </p:to>
-                                    </p:animClr>
-                                    <p:set>
-                                      <p:cBhvr>
-                                        <p:cTn id="32" dur="500" fill="hold"/>
-                                        <p:tgtEl>
-                                          <p:spTgt spid="8">
-                                            <p:graphicEl>
-                                              <a:dgm id="{6C725BD7-6D47-4804-89FE-13813260BABB}"/>
-                                            </p:graphicEl>
-                                          </p:spTgt>
-                                        </p:tgtEl>
-                                        <p:attrNameLst>
-                                          <p:attrName>fill.type</p:attrName>
-                                        </p:attrNameLst>
-                                      </p:cBhvr>
-                                      <p:to>
-                                        <p:strVal val="solid"/>
-                                      </p:to>
-                                    </p:set>
-                                    <p:set>
-                                      <p:cBhvr>
-                                        <p:cTn id="33" dur="500" fill="hold"/>
-                                        <p:tgtEl>
-                                          <p:spTgt spid="8">
-                                            <p:graphicEl>
-                                              <a:dgm id="{6C725BD7-6D47-4804-89FE-13813260BABB}"/>
-                                            </p:graphicEl>
-                                          </p:spTgt>
-                                        </p:tgtEl>
-                                        <p:attrNameLst>
-                                          <p:attrName>fill.on</p:attrName>
-                                        </p:attrNameLst>
-                                      </p:cBhvr>
-                                      <p:to>
-                                        <p:strVal val="true"/>
+                                        <p:strVal val="hidden"/>
                                       </p:to>
                                     </p:set>
                                   </p:childTnLst>
@@ -13944,7 +16524,7 @@
           <p:nvPr>
             <p:extLst>
               <p:ext uri="{D42A27DB-BD31-4B8C-83A1-F6EECF244321}">
-                <p14:modId xmlns:p14="http://schemas.microsoft.com/office/powerpoint/2010/main" val="416313120"/>
+                <p14:modId xmlns:p14="http://schemas.microsoft.com/office/powerpoint/2010/main" val="2419015520"/>
               </p:ext>
             </p:extLst>
           </p:nvPr>
@@ -14110,16 +16690,6 @@
                         </a:rPr>
                         <a:t>Procesos</a:t>
                       </a:r>
-                      <a:r>
-                        <a:rPr lang="es-PE" sz="1600" b="0" i="0" u="none" strike="noStrike" baseline="0" dirty="0" smtClean="0">
-                          <a:solidFill>
-                            <a:srgbClr val="000000"/>
-                          </a:solidFill>
-                          <a:effectLst/>
-                          <a:latin typeface="Calibri"/>
-                        </a:rPr>
-                        <a:t> diagramados</a:t>
-                      </a:r>
                       <a:endParaRPr lang="es-PE" sz="1600" b="0" i="0" u="none" strike="noStrike" dirty="0">
                         <a:solidFill>
                           <a:srgbClr val="000000"/>
@@ -14178,7 +16748,7 @@
                     <a:p>
                       <a:pPr algn="ctr" fontAlgn="ctr"/>
                       <a:r>
-                        <a:rPr lang="es-PE" sz="1600" b="0" i="0" u="none" strike="noStrike">
+                        <a:rPr lang="es-PE" sz="1600" b="1" i="0" u="none" strike="noStrike">
                           <a:solidFill>
                             <a:srgbClr val="000000"/>
                           </a:solidFill>
@@ -14324,7 +16894,7 @@
                     <a:p>
                       <a:pPr algn="ctr" fontAlgn="ctr"/>
                       <a:r>
-                        <a:rPr lang="es-PE" sz="1600" b="0" i="0" u="none" strike="noStrike" dirty="0">
+                        <a:rPr lang="es-PE" sz="1600" b="1" i="0" u="none" strike="noStrike" dirty="0">
                           <a:solidFill>
                             <a:srgbClr val="000000"/>
                           </a:solidFill>
@@ -14390,8 +16960,25 @@
                           <a:effectLst/>
                           <a:latin typeface="Calibri"/>
                         </a:rPr>
-                        <a:t>Total Diagramas Modelados</a:t>
+                        <a:t>Total Diagramas </a:t>
                       </a:r>
+                      <a:r>
+                        <a:rPr lang="es-PE" sz="1600" b="0" i="0" u="none" strike="noStrike" dirty="0" smtClean="0">
+                          <a:solidFill>
+                            <a:srgbClr val="000000"/>
+                          </a:solidFill>
+                          <a:effectLst/>
+                          <a:latin typeface="Calibri"/>
+                        </a:rPr>
+                        <a:t>Modelados en 100%</a:t>
+                      </a:r>
+                      <a:endParaRPr lang="es-PE" sz="1600" b="0" i="0" u="none" strike="noStrike" dirty="0">
+                        <a:solidFill>
+                          <a:srgbClr val="000000"/>
+                        </a:solidFill>
+                        <a:effectLst/>
+                        <a:latin typeface="Calibri"/>
+                      </a:endParaRPr>
                     </a:p>
                   </a:txBody>
                   <a:tcPr marL="9525" marR="9525" marT="9525" marB="0" anchor="b">
@@ -14443,7 +17030,7 @@
                     <a:p>
                       <a:pPr algn="ctr" fontAlgn="ctr"/>
                       <a:r>
-                        <a:rPr lang="es-PE" sz="1600" b="0" i="0" u="none" strike="noStrike">
+                        <a:rPr lang="es-PE" sz="1600" b="1" i="0" u="none" strike="noStrike">
                           <a:solidFill>
                             <a:srgbClr val="000000"/>
                           </a:solidFill>
@@ -14562,7 +17149,7 @@
                     <a:p>
                       <a:pPr algn="ctr" fontAlgn="ctr"/>
                       <a:r>
-                        <a:rPr lang="es-PE" sz="1600" b="0" i="0" u="none" strike="noStrike">
+                        <a:rPr lang="es-PE" sz="1600" b="1" i="0" u="none" strike="noStrike">
                           <a:solidFill>
                             <a:srgbClr val="000000"/>
                           </a:solidFill>
@@ -14681,7 +17268,7 @@
                     <a:p>
                       <a:pPr algn="ctr" fontAlgn="ctr"/>
                       <a:r>
-                        <a:rPr lang="es-PE" sz="1600" b="0" i="0" u="none" strike="noStrike">
+                        <a:rPr lang="es-PE" sz="1600" b="1" i="0" u="none" strike="noStrike">
                           <a:solidFill>
                             <a:srgbClr val="000000"/>
                           </a:solidFill>
@@ -14800,7 +17387,7 @@
                     <a:p>
                       <a:pPr algn="ctr" fontAlgn="ctr"/>
                       <a:r>
-                        <a:rPr lang="es-PE" sz="1600" b="0" i="0" u="none" strike="noStrike">
+                        <a:rPr lang="es-PE" sz="1600" b="1" i="0" u="none" strike="noStrike">
                           <a:solidFill>
                             <a:srgbClr val="000000"/>
                           </a:solidFill>
@@ -14919,7 +17506,7 @@
                     <a:p>
                       <a:pPr algn="ctr" fontAlgn="ctr"/>
                       <a:r>
-                        <a:rPr lang="es-PE" sz="1600" b="0" i="0" u="none" strike="noStrike">
+                        <a:rPr lang="es-PE" sz="1600" b="1" i="0" u="none" strike="noStrike" dirty="0">
                           <a:solidFill>
                             <a:srgbClr val="000000"/>
                           </a:solidFill>
@@ -15289,7 +17876,7 @@
                     <a:p>
                       <a:pPr algn="ctr" fontAlgn="ctr"/>
                       <a:r>
-                        <a:rPr lang="es-PE" sz="1600" b="0" i="0" u="none" strike="noStrike">
+                        <a:rPr lang="es-PE" sz="1600" b="1" i="0" u="none" strike="noStrike" dirty="0">
                           <a:solidFill>
                             <a:srgbClr val="000000"/>
                           </a:solidFill>
@@ -15435,7 +18022,7 @@
                     <a:p>
                       <a:pPr algn="ctr" fontAlgn="ctr"/>
                       <a:r>
-                        <a:rPr lang="es-PE" sz="1600" b="0" i="0" u="none" strike="noStrike">
+                        <a:rPr lang="es-PE" sz="1600" b="1" i="0" u="none" strike="noStrike" dirty="0">
                           <a:solidFill>
                             <a:srgbClr val="000000"/>
                           </a:solidFill>
@@ -15554,7 +18141,7 @@
                     <a:p>
                       <a:pPr algn="ctr" fontAlgn="ctr"/>
                       <a:r>
-                        <a:rPr lang="es-PE" sz="1600" b="0" i="0" u="none" strike="noStrike">
+                        <a:rPr lang="es-PE" sz="1600" b="1" i="0" u="none" strike="noStrike" dirty="0">
                           <a:solidFill>
                             <a:srgbClr val="000000"/>
                           </a:solidFill>
@@ -15613,7 +18200,7 @@
                     <a:p>
                       <a:pPr algn="l" fontAlgn="b"/>
                       <a:r>
-                        <a:rPr lang="es-PE" sz="1600" b="0" i="0" u="none" strike="noStrike">
+                        <a:rPr lang="es-PE" sz="1600" b="0" i="0" u="none" strike="noStrike" dirty="0">
                           <a:solidFill>
                             <a:srgbClr val="000000"/>
                           </a:solidFill>
@@ -15673,7 +18260,7 @@
                     <a:p>
                       <a:pPr algn="ctr" fontAlgn="ctr"/>
                       <a:r>
-                        <a:rPr lang="es-PE" sz="1600" b="0" i="0" u="none" strike="noStrike">
+                        <a:rPr lang="es-PE" sz="1600" b="1" i="0" u="none" strike="noStrike" dirty="0">
                           <a:solidFill>
                             <a:srgbClr val="000000"/>
                           </a:solidFill>
@@ -15818,7 +18405,7 @@
                     <a:p>
                       <a:pPr algn="ctr" fontAlgn="b"/>
                       <a:r>
-                        <a:rPr lang="es-PE" sz="1600" b="1" i="0" u="none" strike="noStrike">
+                        <a:rPr lang="es-PE" sz="1600" b="1" i="0" u="none" strike="noStrike" dirty="0">
                           <a:solidFill>
                             <a:srgbClr val="FFFFFF"/>
                           </a:solidFill>
@@ -15959,16 +18546,6 @@
                         </a:rPr>
                         <a:t>Procesos</a:t>
                       </a:r>
-                      <a:r>
-                        <a:rPr lang="es-PE" sz="1600" b="0" i="0" u="none" strike="noStrike" baseline="0" dirty="0" smtClean="0">
-                          <a:solidFill>
-                            <a:srgbClr val="000000"/>
-                          </a:solidFill>
-                          <a:effectLst/>
-                          <a:latin typeface="Calibri"/>
-                        </a:rPr>
-                        <a:t> diagramados</a:t>
-                      </a:r>
                       <a:endParaRPr lang="es-PE" sz="1600" b="0" i="0" u="none" strike="noStrike" dirty="0">
                         <a:solidFill>
                           <a:srgbClr val="000000"/>
@@ -16027,7 +18604,7 @@
                     <a:p>
                       <a:pPr algn="ctr" fontAlgn="ctr"/>
                       <a:r>
-                        <a:rPr lang="es-PE" sz="1600" b="0" i="0" u="none" strike="noStrike">
+                        <a:rPr lang="es-PE" sz="1600" b="1" i="0" u="none" strike="noStrike">
                           <a:solidFill>
                             <a:srgbClr val="000000"/>
                           </a:solidFill>
@@ -16173,7 +18750,7 @@
                     <a:p>
                       <a:pPr algn="ctr" fontAlgn="ctr"/>
                       <a:r>
-                        <a:rPr lang="es-PE" sz="1600" b="0" i="0" u="none" strike="noStrike">
+                        <a:rPr lang="es-PE" sz="1600" b="1" i="0" u="none" strike="noStrike">
                           <a:solidFill>
                             <a:srgbClr val="000000"/>
                           </a:solidFill>
@@ -16232,15 +18809,32 @@
                     <a:p>
                       <a:pPr algn="l" fontAlgn="b"/>
                       <a:r>
-                        <a:rPr lang="es-PE" sz="1600" b="0" i="0" u="none" strike="noStrike">
+                        <a:rPr lang="es-PE" sz="1600" b="0" i="0" u="none" strike="noStrike" dirty="0">
                           <a:solidFill>
                             <a:srgbClr val="000000"/>
                           </a:solidFill>
                           <a:effectLst/>
                           <a:latin typeface="Calibri"/>
                         </a:rPr>
-                        <a:t>Total Macroprocesos</a:t>
+                        <a:t>Total </a:t>
                       </a:r>
+                      <a:r>
+                        <a:rPr lang="es-PE" sz="1600" b="0" i="0" u="none" strike="noStrike" dirty="0" err="1">
+                          <a:solidFill>
+                            <a:srgbClr val="000000"/>
+                          </a:solidFill>
+                          <a:effectLst/>
+                          <a:latin typeface="Calibri"/>
+                        </a:rPr>
+                        <a:t>Macroprocesos</a:t>
+                      </a:r>
+                      <a:endParaRPr lang="es-PE" sz="1600" b="0" i="0" u="none" strike="noStrike" dirty="0">
+                        <a:solidFill>
+                          <a:srgbClr val="000000"/>
+                        </a:solidFill>
+                        <a:effectLst/>
+                        <a:latin typeface="Calibri"/>
+                      </a:endParaRPr>
                     </a:p>
                   </a:txBody>
                   <a:tcPr marL="9525" marR="9525" marT="9525" marB="0" anchor="b">
@@ -16292,7 +18886,7 @@
                     <a:p>
                       <a:pPr algn="ctr" fontAlgn="ctr"/>
                       <a:r>
-                        <a:rPr lang="es-PE" sz="1600" b="0" i="0" u="none" strike="noStrike" dirty="0">
+                        <a:rPr lang="es-PE" sz="1600" b="1" i="0" u="none" strike="noStrike" dirty="0">
                           <a:solidFill>
                             <a:srgbClr val="000000"/>
                           </a:solidFill>
@@ -21831,10 +24425,15 @@
           <a:bodyPr/>
           <a:lstStyle/>
           <a:p>
-            <a:pPr>
+            <a:pPr algn="just">
               <a:lnSpc>
                 <a:spcPct val="150000"/>
               </a:lnSpc>
+              <a:buClr>
+                <a:srgbClr val="FF6600"/>
+              </a:buClr>
+              <a:buFont typeface="Wingdings" pitchFamily="2" charset="2"/>
+              <a:buChar char="q"/>
             </a:pPr>
             <a:r>
               <a:rPr lang="es-ES" sz="1800" dirty="0" smtClean="0"/>
@@ -21842,10 +24441,15 @@
             </a:r>
           </a:p>
           <a:p>
-            <a:pPr>
+            <a:pPr algn="just">
               <a:lnSpc>
                 <a:spcPct val="150000"/>
               </a:lnSpc>
+              <a:buClr>
+                <a:srgbClr val="FF6600"/>
+              </a:buClr>
+              <a:buFont typeface="Wingdings" pitchFamily="2" charset="2"/>
+              <a:buChar char="q"/>
             </a:pPr>
             <a:r>
               <a:rPr lang="es-ES" sz="1800" dirty="0" smtClean="0"/>
@@ -21853,10 +24457,15 @@
             </a:r>
           </a:p>
           <a:p>
-            <a:pPr>
+            <a:pPr algn="just">
               <a:lnSpc>
                 <a:spcPct val="150000"/>
               </a:lnSpc>
+              <a:buClr>
+                <a:srgbClr val="FF6600"/>
+              </a:buClr>
+              <a:buFont typeface="Wingdings" pitchFamily="2" charset="2"/>
+              <a:buChar char="q"/>
             </a:pPr>
             <a:r>
               <a:rPr lang="es-ES" sz="1800" dirty="0" smtClean="0"/>
@@ -21864,25 +24473,35 @@
             </a:r>
           </a:p>
           <a:p>
-            <a:pPr>
+            <a:pPr algn="just">
               <a:lnSpc>
                 <a:spcPct val="150000"/>
               </a:lnSpc>
+              <a:buClr>
+                <a:srgbClr val="FF6600"/>
+              </a:buClr>
+              <a:buFont typeface="Wingdings" pitchFamily="2" charset="2"/>
+              <a:buChar char="q"/>
             </a:pPr>
             <a:r>
               <a:rPr lang="es-ES" sz="1800" dirty="0" smtClean="0"/>
               <a:t>Proyecto Profesional </a:t>
             </a:r>
             <a:r>
-              <a:rPr lang="es-ES" sz="1800" b="1" dirty="0" smtClean="0"/>
+              <a:rPr lang="es-ES" sz="1800" b="1" i="1" dirty="0" smtClean="0"/>
               <a:t>“Modelo de Negocios Empresarial de la Oficina Central de Fe y Alegría”</a:t>
             </a:r>
           </a:p>
           <a:p>
-            <a:pPr>
+            <a:pPr algn="just">
               <a:lnSpc>
                 <a:spcPct val="150000"/>
               </a:lnSpc>
+              <a:buClr>
+                <a:srgbClr val="FF6600"/>
+              </a:buClr>
+              <a:buFont typeface="Wingdings" pitchFamily="2" charset="2"/>
+              <a:buChar char="q"/>
             </a:pPr>
             <a:r>
               <a:rPr lang="es-ES" sz="1800" dirty="0" smtClean="0"/>
@@ -21890,10 +24509,15 @@
             </a:r>
           </a:p>
           <a:p>
-            <a:pPr>
+            <a:pPr algn="just">
               <a:lnSpc>
                 <a:spcPct val="150000"/>
               </a:lnSpc>
+              <a:buClr>
+                <a:srgbClr val="FF6600"/>
+              </a:buClr>
+              <a:buFont typeface="Wingdings" pitchFamily="2" charset="2"/>
+              <a:buChar char="q"/>
             </a:pPr>
             <a:r>
               <a:rPr lang="es-ES" sz="1800" dirty="0" smtClean="0"/>
@@ -21901,10 +24525,15 @@
             </a:r>
           </a:p>
           <a:p>
-            <a:pPr>
+            <a:pPr algn="just">
               <a:lnSpc>
                 <a:spcPct val="150000"/>
               </a:lnSpc>
+              <a:buClr>
+                <a:srgbClr val="FF6600"/>
+              </a:buClr>
+              <a:buFont typeface="Wingdings" pitchFamily="2" charset="2"/>
+              <a:buChar char="q"/>
             </a:pPr>
             <a:r>
               <a:rPr lang="es-ES" sz="1800" dirty="0" smtClean="0"/>
@@ -21912,10 +24541,15 @@
             </a:r>
           </a:p>
           <a:p>
-            <a:pPr>
+            <a:pPr algn="just">
               <a:lnSpc>
                 <a:spcPct val="150000"/>
               </a:lnSpc>
+              <a:buClr>
+                <a:srgbClr val="FF6600"/>
+              </a:buClr>
+              <a:buFont typeface="Wingdings" pitchFamily="2" charset="2"/>
+              <a:buChar char="q"/>
             </a:pPr>
             <a:r>
               <a:rPr lang="es-PE" sz="1800" dirty="0" smtClean="0"/>
@@ -21923,10 +24557,15 @@
             </a:r>
           </a:p>
           <a:p>
-            <a:pPr>
+            <a:pPr algn="just">
               <a:lnSpc>
                 <a:spcPct val="150000"/>
               </a:lnSpc>
+              <a:buClr>
+                <a:srgbClr val="FF6600"/>
+              </a:buClr>
+              <a:buFont typeface="Wingdings" pitchFamily="2" charset="2"/>
+              <a:buChar char="q"/>
             </a:pPr>
             <a:r>
               <a:rPr lang="en-US" sz="1800" dirty="0" err="1" smtClean="0"/>
@@ -30472,7 +33111,7 @@
           <a:solidFill>
             <a:srgbClr val="FFC000"/>
           </a:solidFill>
-          <a:ln w="38100">
+          <a:ln w="38100" cmpd="sng">
             <a:solidFill>
               <a:schemeClr val="tx1"/>
             </a:solidFill>
@@ -30751,7 +33390,7 @@
           <a:solidFill>
             <a:srgbClr val="FFC000"/>
           </a:solidFill>
-          <a:ln w="38100">
+          <a:ln w="38100" cmpd="sng">
             <a:solidFill>
               <a:schemeClr val="tx1"/>
             </a:solidFill>
@@ -30928,8 +33567,8 @@
         </p:nvSpPr>
         <p:spPr>
           <a:xfrm>
-            <a:off x="1259632" y="6418352"/>
-            <a:ext cx="6624736" cy="800219"/>
+            <a:off x="1259632" y="6309320"/>
+            <a:ext cx="6624736" cy="523220"/>
           </a:xfrm>
           <a:prstGeom prst="rect">
             <a:avLst/>
@@ -30990,15 +33629,15 @@
                 <a:latin typeface="Calibri" pitchFamily="34" charset="0"/>
                 <a:cs typeface="Calibri" pitchFamily="34" charset="0"/>
               </a:rPr>
-              <a:t>Elaboración Propia</a:t>
-            </a:r>
-            <a:endParaRPr lang="es-PE" sz="1400" dirty="0">
-              <a:latin typeface="Calibri" pitchFamily="34" charset="0"/>
-              <a:cs typeface="Calibri" pitchFamily="34" charset="0"/>
-            </a:endParaRPr>
-          </a:p>
-          <a:p>
-            <a:pPr algn="ctr"/>
+              <a:t>Elaboración </a:t>
+            </a:r>
+            <a:r>
+              <a:rPr lang="es-ES" sz="1400" dirty="0" smtClean="0">
+                <a:latin typeface="Calibri" pitchFamily="34" charset="0"/>
+                <a:cs typeface="Calibri" pitchFamily="34" charset="0"/>
+              </a:rPr>
+              <a:t>Propia</a:t>
+            </a:r>
             <a:endParaRPr lang="es-PE" dirty="0"/>
           </a:p>
         </p:txBody>
@@ -31175,14 +33814,7 @@
                 <a:latin typeface="Calibri" pitchFamily="34" charset="0"/>
                 <a:cs typeface="Calibri" pitchFamily="34" charset="0"/>
               </a:rPr>
-              <a:t>Macroproceso </a:t>
-            </a:r>
-            <a:r>
-              <a:rPr lang="es-PE" sz="1400" dirty="0" smtClean="0">
-                <a:latin typeface="Calibri" pitchFamily="34" charset="0"/>
-                <a:cs typeface="Calibri" pitchFamily="34" charset="0"/>
-              </a:rPr>
-              <a:t>“Contabilidad y Presupuesto"</a:t>
+              <a:t>Macroproceso “Contabilidad y Presupuesto"</a:t>
             </a:r>
             <a:endParaRPr lang="es-PE" sz="1400" dirty="0">
               <a:latin typeface="Calibri" pitchFamily="34" charset="0"/>
@@ -31238,7 +33870,7 @@
           <a:solidFill>
             <a:srgbClr val="FFC000"/>
           </a:solidFill>
-          <a:ln w="38100">
+          <a:ln w="38100" cmpd="sng">
             <a:solidFill>
               <a:schemeClr val="tx1"/>
             </a:solidFill>
@@ -31525,7 +34157,7 @@
           <a:solidFill>
             <a:schemeClr val="tx1"/>
           </a:solidFill>
-          <a:ln>
+          <a:ln cmpd="sng">
             <a:solidFill>
               <a:schemeClr val="tx1"/>
             </a:solidFill>
@@ -31619,7 +34251,7 @@
         </p:blipFill>
         <p:spPr bwMode="auto">
           <a:xfrm>
-            <a:off x="6578352" y="2708920"/>
+            <a:off x="6578352" y="3124174"/>
             <a:ext cx="2438400" cy="2105026"/>
           </a:xfrm>
           <a:prstGeom prst="rect">
@@ -31675,37 +34307,169 @@
           <a:bodyPr/>
           <a:lstStyle/>
           <a:p>
+            <a:pPr algn="just">
+              <a:buClr>
+                <a:srgbClr val="FF6600"/>
+              </a:buClr>
+              <a:buFont typeface="Wingdings" pitchFamily="2" charset="2"/>
+              <a:buChar char="q"/>
+            </a:pPr>
+            <a:r>
+              <a:rPr lang="es-PE" sz="2000" dirty="0" smtClean="0"/>
+              <a:t>Fundando en 1965.</a:t>
+            </a:r>
+          </a:p>
+          <a:p>
+            <a:pPr algn="just">
+              <a:buClr>
+                <a:srgbClr val="FF6600"/>
+              </a:buClr>
+              <a:buFont typeface="Wingdings" pitchFamily="2" charset="2"/>
+              <a:buChar char="q"/>
+            </a:pPr>
+            <a:endParaRPr lang="es-PE" sz="2000" dirty="0" smtClean="0"/>
+          </a:p>
+          <a:p>
+            <a:pPr algn="just">
+              <a:buClr>
+                <a:srgbClr val="FF6600"/>
+              </a:buClr>
+              <a:buFont typeface="Wingdings" pitchFamily="2" charset="2"/>
+              <a:buChar char="q"/>
+            </a:pPr>
+            <a:r>
+              <a:rPr lang="es-PE" sz="2000" dirty="0" smtClean="0"/>
+              <a:t>Principal </a:t>
+            </a:r>
+            <a:r>
+              <a:rPr lang="es-PE" sz="2000" dirty="0"/>
+              <a:t>objetivo: </a:t>
+            </a:r>
+            <a:r>
+              <a:rPr lang="es-PE" sz="2000" b="1" dirty="0" smtClean="0"/>
+              <a:t>“Educación </a:t>
+            </a:r>
+            <a:r>
+              <a:rPr lang="es-PE" sz="2000" b="1" dirty="0"/>
+              <a:t>integral de calidad para los sectores </a:t>
+            </a:r>
+            <a:r>
+              <a:rPr lang="es-PE" sz="2000" b="1" dirty="0" smtClean="0"/>
+              <a:t>		               marginales</a:t>
+            </a:r>
+            <a:r>
+              <a:rPr lang="es-PE" sz="2000" b="1" dirty="0"/>
+              <a:t>”.</a:t>
+            </a:r>
+          </a:p>
+          <a:p>
+            <a:pPr algn="just"/>
+            <a:endParaRPr lang="es-PE" sz="2000" dirty="0" smtClean="0"/>
+          </a:p>
+          <a:p>
+            <a:pPr algn="just"/>
+            <a:endParaRPr lang="es-PE" sz="2000" dirty="0"/>
+          </a:p>
+          <a:p>
+            <a:pPr algn="just">
+              <a:buClr>
+                <a:srgbClr val="FF6600"/>
+              </a:buClr>
+              <a:buFont typeface="Wingdings" pitchFamily="2" charset="2"/>
+              <a:buChar char="q"/>
+            </a:pPr>
+            <a:r>
+              <a:rPr lang="es-PE" sz="2000" dirty="0"/>
+              <a:t>Dentro</a:t>
+            </a:r>
+            <a:r>
+              <a:rPr lang="es-PE" sz="2000" dirty="0"/>
+              <a:t> de este movimiento, la Oficina Central </a:t>
+            </a:r>
+            <a:r>
+              <a:rPr lang="es-PE" sz="2000" dirty="0" smtClean="0"/>
+              <a:t>de </a:t>
+            </a:r>
+            <a:r>
+              <a:rPr lang="es-PE" sz="2000" dirty="0"/>
+              <a:t>Fe y </a:t>
+            </a:r>
+            <a:endParaRPr lang="es-PE" sz="2000" dirty="0" smtClean="0"/>
+          </a:p>
+          <a:p>
+            <a:pPr marL="119062" indent="0" algn="just">
+              <a:buClr>
+                <a:srgbClr val="FF6600"/>
+              </a:buClr>
+              <a:buNone/>
+            </a:pPr>
+            <a:r>
+              <a:rPr lang="es-PE" sz="2000" dirty="0"/>
+              <a:t> </a:t>
+            </a:r>
+            <a:r>
+              <a:rPr lang="es-PE" sz="2000" dirty="0" smtClean="0"/>
+              <a:t>      Alegría </a:t>
+            </a:r>
+            <a:r>
+              <a:rPr lang="es-PE" sz="2000" dirty="0"/>
+              <a:t>Perú tiene </a:t>
+            </a:r>
+            <a:r>
+              <a:rPr lang="es-PE" sz="2000" dirty="0"/>
+              <a:t>como </a:t>
+            </a:r>
+            <a:r>
+              <a:rPr lang="es-PE" sz="2000" dirty="0"/>
+              <a:t>objetivo:</a:t>
+            </a:r>
+          </a:p>
+          <a:p>
+            <a:pPr marL="119062" indent="0" algn="just">
+              <a:buClr>
+                <a:srgbClr val="FF6600"/>
+              </a:buClr>
+              <a:buNone/>
+            </a:pPr>
+            <a:r>
+              <a:rPr lang="es-PE" sz="2000" b="1" dirty="0" smtClean="0"/>
+              <a:t>“Impulsar la ejecución de los procesos en cuanto al Plan </a:t>
+            </a:r>
+          </a:p>
+          <a:p>
+            <a:pPr marL="119062" indent="0" algn="just">
+              <a:buClr>
+                <a:srgbClr val="FF6600"/>
+              </a:buClr>
+              <a:buNone/>
+            </a:pPr>
+            <a:r>
+              <a:rPr lang="es-PE" sz="2000" b="1" dirty="0" smtClean="0"/>
+              <a:t>  Estratégico </a:t>
+            </a:r>
+            <a:r>
+              <a:rPr lang="es-PE" sz="2000" b="1" dirty="0"/>
+              <a:t>y </a:t>
+            </a:r>
+            <a:r>
+              <a:rPr lang="es-PE" sz="2000" b="1" dirty="0"/>
+              <a:t>Fortalecimiento </a:t>
+            </a:r>
+            <a:r>
+              <a:rPr lang="es-PE" sz="2000" b="1" dirty="0"/>
+              <a:t>de la </a:t>
+            </a:r>
+            <a:r>
+              <a:rPr lang="es-PE" sz="2000" b="1" dirty="0"/>
+              <a:t>Organización”</a:t>
+            </a:r>
+            <a:endParaRPr lang="es-PE" sz="2000" b="1" dirty="0"/>
+          </a:p>
+          <a:p>
             <a:pPr marL="119062" indent="0" algn="just">
               <a:buNone/>
             </a:pPr>
-            <a:r>
-              <a:rPr lang="es-PE" sz="2000" dirty="0"/>
-              <a:t>El Movimiento de Fe y Alegría en Perú fue fundado en </a:t>
-            </a:r>
-            <a:r>
-              <a:rPr lang="es-PE" sz="2000" dirty="0" smtClean="0"/>
-              <a:t>1965, </a:t>
-            </a:r>
-            <a:r>
-              <a:rPr lang="es-PE" sz="2000" dirty="0"/>
-              <a:t>teniendo como principal objetivo: </a:t>
-            </a:r>
-            <a:r>
-              <a:rPr lang="es-PE" sz="2000" b="1" dirty="0">
-                <a:solidFill>
-                  <a:srgbClr val="FFC000"/>
-                </a:solidFill>
-              </a:rPr>
-              <a:t>“educación integral de calidad para los sectores marginales”.</a:t>
-            </a:r>
-          </a:p>
-          <a:p>
-            <a:pPr algn="just"/>
             <a:endParaRPr lang="es-PE" sz="2000" dirty="0" smtClean="0"/>
-          </a:p>
-          <a:p>
-            <a:pPr algn="just"/>
-            <a:endParaRPr lang="es-PE" sz="2000" dirty="0"/>
           </a:p>
           <a:p>
             <a:pPr marL="119062" indent="0" algn="just">
@@ -31713,148 +34477,35 @@
             </a:pPr>
             <a:r>
               <a:rPr lang="es-PE" sz="2000" dirty="0" smtClean="0"/>
-              <a:t>Así es como, dentro de este movimiento, la Oficina Central </a:t>
-            </a:r>
+              <a:t>Y así:</a:t>
+            </a:r>
+            <a:endParaRPr lang="es-PE" sz="2000" dirty="0" smtClean="0"/>
           </a:p>
           <a:p>
             <a:pPr marL="119062" indent="0" algn="just">
               <a:buNone/>
             </a:pPr>
             <a:r>
-              <a:rPr lang="es-PE" sz="2000" dirty="0" smtClean="0"/>
-              <a:t>de Fe y Alegría Perú tiene </a:t>
-            </a:r>
-            <a:r>
-              <a:rPr lang="es-PE" sz="2000" dirty="0"/>
-              <a:t>como </a:t>
-            </a:r>
-            <a:r>
-              <a:rPr lang="es-PE" sz="2000" dirty="0" smtClean="0"/>
-              <a:t>objetivo:</a:t>
-            </a:r>
+              <a:rPr lang="es-PE" sz="2000" b="1" dirty="0" smtClean="0"/>
+              <a:t>Preservar en todos los centros educativos </a:t>
+            </a:r>
+            <a:r>
+              <a:rPr lang="es-PE" sz="2000" b="1" dirty="0"/>
+              <a:t>la fidelidad a la </a:t>
+            </a:r>
+            <a:endParaRPr lang="es-PE" sz="2000" b="1" dirty="0" smtClean="0"/>
           </a:p>
           <a:p>
             <a:pPr marL="119062" indent="0" algn="just">
               <a:buNone/>
             </a:pPr>
             <a:r>
-              <a:rPr lang="es-PE" sz="2000" b="1" dirty="0" smtClean="0">
-                <a:solidFill>
-                  <a:srgbClr val="FFC000"/>
-                </a:solidFill>
-              </a:rPr>
-              <a:t>“Impulsar la </a:t>
-            </a:r>
-            <a:r>
-              <a:rPr lang="es-PE" sz="2000" b="1" dirty="0">
-                <a:solidFill>
-                  <a:srgbClr val="FFC000"/>
-                </a:solidFill>
-              </a:rPr>
-              <a:t>ejecución </a:t>
-            </a:r>
-            <a:r>
-              <a:rPr lang="es-PE" sz="2000" b="1" dirty="0" smtClean="0">
-                <a:solidFill>
-                  <a:srgbClr val="FFC000"/>
-                </a:solidFill>
-              </a:rPr>
-              <a:t>de los </a:t>
-            </a:r>
-            <a:r>
-              <a:rPr lang="es-PE" sz="2000" b="1" dirty="0">
-                <a:solidFill>
-                  <a:srgbClr val="FFC000"/>
-                </a:solidFill>
-              </a:rPr>
-              <a:t>procesos en cuanto al Plan </a:t>
-            </a:r>
-            <a:endParaRPr lang="es-PE" sz="2000" b="1" dirty="0" smtClean="0">
-              <a:solidFill>
-                <a:srgbClr val="FFC000"/>
-              </a:solidFill>
-            </a:endParaRPr>
-          </a:p>
-          <a:p>
-            <a:pPr marL="119062" indent="0" algn="just">
-              <a:buNone/>
-            </a:pPr>
-            <a:r>
-              <a:rPr lang="es-PE" sz="2000" b="1" dirty="0" smtClean="0">
-                <a:solidFill>
-                  <a:srgbClr val="FFC000"/>
-                </a:solidFill>
-              </a:rPr>
-              <a:t>Estratégico </a:t>
-            </a:r>
-            <a:r>
-              <a:rPr lang="es-PE" sz="2000" b="1" dirty="0">
-                <a:solidFill>
-                  <a:srgbClr val="FFC000"/>
-                </a:solidFill>
-              </a:rPr>
-              <a:t>y </a:t>
-            </a:r>
-            <a:r>
-              <a:rPr lang="es-PE" sz="2000" b="1" dirty="0" smtClean="0">
-                <a:solidFill>
-                  <a:srgbClr val="FFC000"/>
-                </a:solidFill>
-              </a:rPr>
-              <a:t>Fortalecimiento </a:t>
-            </a:r>
-            <a:r>
-              <a:rPr lang="es-PE" sz="2000" b="1" dirty="0">
-                <a:solidFill>
-                  <a:srgbClr val="FFC000"/>
-                </a:solidFill>
-              </a:rPr>
-              <a:t>de la </a:t>
-            </a:r>
-            <a:r>
-              <a:rPr lang="es-PE" sz="2000" b="1" dirty="0" smtClean="0">
-                <a:solidFill>
-                  <a:srgbClr val="FFC000"/>
-                </a:solidFill>
-              </a:rPr>
-              <a:t>Organización”</a:t>
-            </a:r>
-            <a:r>
-              <a:rPr lang="es-PE" sz="2000" dirty="0" smtClean="0"/>
-              <a:t>, </a:t>
-            </a:r>
-          </a:p>
-          <a:p>
-            <a:pPr marL="119062" indent="0" algn="just">
-              <a:buNone/>
-            </a:pPr>
-            <a:r>
-              <a:rPr lang="es-PE" sz="2000" dirty="0" smtClean="0"/>
-              <a:t>para </a:t>
-            </a:r>
-            <a:r>
-              <a:rPr lang="es-PE" sz="2000" dirty="0"/>
-              <a:t>que, de esta manera, todos los centros </a:t>
-            </a:r>
-            <a:r>
-              <a:rPr lang="es-PE" sz="2000" dirty="0" smtClean="0"/>
-              <a:t>educativos </a:t>
-            </a:r>
-            <a:r>
-              <a:rPr lang="es-PE" sz="2000" b="1" dirty="0" smtClean="0">
-                <a:solidFill>
-                  <a:srgbClr val="FFC000"/>
-                </a:solidFill>
-              </a:rPr>
-              <a:t>preserven </a:t>
-            </a:r>
-            <a:r>
-              <a:rPr lang="es-PE" sz="2000" b="1" dirty="0">
-                <a:solidFill>
-                  <a:srgbClr val="FFC000"/>
-                </a:solidFill>
-              </a:rPr>
-              <a:t>la fidelidad a la identidad, misión y principios del Movimiento</a:t>
+              <a:rPr lang="es-PE" sz="2000" b="1" dirty="0" smtClean="0"/>
+              <a:t>identidad</a:t>
+            </a:r>
+            <a:r>
+              <a:rPr lang="es-PE" sz="2000" b="1" dirty="0"/>
+              <a:t>, misión y principios del Movimiento</a:t>
             </a:r>
             <a:r>
               <a:rPr lang="es-PE" sz="2000" dirty="0"/>
@@ -32640,127 +35291,161 @@
         </p:nvSpPr>
         <p:spPr>
           <a:xfrm>
-            <a:off x="107504" y="1774825"/>
-            <a:ext cx="6779096" cy="4625975"/>
+            <a:off x="107504" y="2422897"/>
+            <a:ext cx="6408712" cy="2950319"/>
           </a:xfrm>
         </p:spPr>
         <p:txBody>
           <a:bodyPr/>
           <a:lstStyle/>
           <a:p>
-            <a:pPr algn="just"/>
-            <a:r>
-              <a:rPr lang="es-PE" sz="2000" b="1" dirty="0" smtClean="0">
-                <a:solidFill>
-                  <a:srgbClr val="FFC000"/>
-                </a:solidFill>
-              </a:rPr>
-              <a:t>Inadecuada definición de  funciones </a:t>
+            <a:pPr algn="just">
+              <a:buClr>
+                <a:srgbClr val="FF6600"/>
+              </a:buClr>
+              <a:buFont typeface="Wingdings" pitchFamily="2" charset="2"/>
+              <a:buChar char="q"/>
+            </a:pPr>
+            <a:r>
+              <a:rPr lang="es-PE" sz="2000" b="1" dirty="0" smtClean="0"/>
+              <a:t>Inadecuada</a:t>
             </a:r>
             <a:r>
               <a:rPr lang="es-PE" sz="2000" dirty="0" smtClean="0"/>
-              <a:t>que </a:t>
+              <a:t> definición de  </a:t>
+            </a:r>
+            <a:r>
+              <a:rPr lang="es-PE" sz="2000" dirty="0" smtClean="0"/>
+              <a:t>funciones.</a:t>
+            </a:r>
+          </a:p>
+          <a:p>
+            <a:pPr algn="just">
+              <a:buClr>
+                <a:srgbClr val="FF6600"/>
+              </a:buClr>
+              <a:buFont typeface="Wingdings" pitchFamily="2" charset="2"/>
+              <a:buChar char="q"/>
+            </a:pPr>
+            <a:endParaRPr lang="es-PE" sz="2000" dirty="0"/>
+          </a:p>
+          <a:p>
+            <a:pPr algn="just">
+              <a:buClr>
+                <a:srgbClr val="FF6600"/>
+              </a:buClr>
+              <a:buFont typeface="Wingdings" pitchFamily="2" charset="2"/>
+              <a:buChar char="q"/>
+            </a:pPr>
+            <a:r>
+              <a:rPr lang="es-PE" sz="2000" dirty="0" smtClean="0"/>
+              <a:t>Trabajo </a:t>
+            </a:r>
+            <a:r>
+              <a:rPr lang="es-PE" sz="2000" b="1" dirty="0" smtClean="0"/>
+              <a:t>excesivo</a:t>
+            </a:r>
+            <a:r>
+              <a:rPr lang="es-PE" sz="2000" dirty="0" smtClean="0"/>
+              <a:t> </a:t>
             </a:r>
             <a:r>
               <a:rPr lang="es-PE" sz="2000" dirty="0"/>
-              <a:t>le corresponde a cada área. </a:t>
+              <a:t>e </a:t>
+            </a:r>
+            <a:r>
+              <a:rPr lang="es-PE" sz="2000" b="1" dirty="0" smtClean="0"/>
+              <a:t>innecesario.</a:t>
+            </a:r>
+            <a:endParaRPr lang="es-PE" sz="2000" b="1" dirty="0" smtClean="0"/>
+          </a:p>
+          <a:p>
+            <a:pPr algn="just">
+              <a:buClr>
+                <a:srgbClr val="FF6600"/>
+              </a:buClr>
+              <a:buFont typeface="Wingdings" pitchFamily="2" charset="2"/>
+              <a:buChar char="q"/>
+            </a:pPr>
+            <a:endParaRPr lang="es-PE" sz="2000" dirty="0"/>
+          </a:p>
+          <a:p>
+            <a:pPr algn="just">
+              <a:buClr>
+                <a:srgbClr val="FF6600"/>
+              </a:buClr>
+              <a:buFont typeface="Wingdings" pitchFamily="2" charset="2"/>
+              <a:buChar char="q"/>
+            </a:pPr>
+            <a:r>
+              <a:rPr lang="es-PE" sz="2000" dirty="0" smtClean="0"/>
+              <a:t>Gran parte de los </a:t>
+            </a:r>
+            <a:r>
+              <a:rPr lang="es-PE" sz="2000" dirty="0"/>
+              <a:t>procesos se realizan de manera </a:t>
+            </a:r>
+            <a:r>
+              <a:rPr lang="es-PE" sz="2000" b="1" dirty="0"/>
+              <a:t>manual</a:t>
+            </a:r>
+            <a:r>
+              <a:rPr lang="es-PE" sz="2000" dirty="0"/>
+              <a:t> y </a:t>
+            </a:r>
+            <a:r>
+              <a:rPr lang="es-PE" sz="2000" b="1" dirty="0" smtClean="0"/>
+              <a:t>mecánica</a:t>
+            </a:r>
+            <a:r>
+              <a:rPr lang="es-PE" sz="2000" dirty="0" smtClean="0"/>
+              <a:t>.</a:t>
             </a:r>
             <a:endParaRPr lang="es-PE" sz="2000" dirty="0" smtClean="0"/>
           </a:p>
           <a:p>
-            <a:pPr algn="just"/>
-            <a:endParaRPr lang="es-PE" sz="2000" dirty="0"/>
-          </a:p>
-          <a:p>
-            <a:pPr algn="just"/>
-            <a:r>
-              <a:rPr lang="es-PE" sz="2000" b="1" dirty="0" smtClean="0">
-                <a:solidFill>
-                  <a:srgbClr val="FFC000"/>
-                </a:solidFill>
-              </a:rPr>
-              <a:t>Trabajo excesivo </a:t>
-            </a:r>
-            <a:r>
-              <a:rPr lang="es-PE" sz="2000" b="1" dirty="0">
-                <a:solidFill>
-                  <a:srgbClr val="FFC000"/>
-                </a:solidFill>
-              </a:rPr>
-              <a:t>e innecesario </a:t>
+            <a:pPr algn="just">
+              <a:buClr>
+                <a:srgbClr val="FF6600"/>
+              </a:buClr>
+              <a:buFont typeface="Wingdings" pitchFamily="2" charset="2"/>
+              <a:buChar char="q"/>
+            </a:pPr>
+            <a:endParaRPr lang="es-PE" sz="2000" dirty="0" smtClean="0"/>
+          </a:p>
+          <a:p>
+            <a:pPr algn="just">
+              <a:buClr>
+                <a:srgbClr val="FF6600"/>
+              </a:buClr>
+              <a:buFont typeface="Wingdings" pitchFamily="2" charset="2"/>
+              <a:buChar char="q"/>
+            </a:pPr>
+            <a:r>
+              <a:rPr lang="es-PE" sz="2000" b="1" dirty="0" smtClean="0"/>
+              <a:t>Exceso</a:t>
+            </a:r>
+            <a:r>
+              <a:rPr lang="es-PE" sz="2000" dirty="0" smtClean="0"/>
+              <a:t> </a:t>
             </a:r>
             <a:r>
               <a:rPr lang="es-PE" sz="2000" dirty="0"/>
-              <a:t>sobre algunas áreas a las que no les compete.  </a:t>
-            </a:r>
-            <a:endParaRPr lang="es-PE" sz="2000" dirty="0" smtClean="0"/>
-          </a:p>
-          <a:p>
-            <a:pPr algn="just"/>
-            <a:endParaRPr lang="es-PE" sz="2000" dirty="0"/>
-          </a:p>
-          <a:p>
-            <a:pPr algn="just"/>
-            <a:r>
-              <a:rPr lang="es-PE" sz="2000" b="1" dirty="0" smtClean="0">
-                <a:solidFill>
-                  <a:srgbClr val="FFC000"/>
-                </a:solidFill>
-              </a:rPr>
-              <a:t>Todos los </a:t>
-            </a:r>
-            <a:r>
-              <a:rPr lang="es-PE" sz="2000" b="1" dirty="0">
-                <a:solidFill>
-                  <a:srgbClr val="FFC000"/>
-                </a:solidFill>
-              </a:rPr>
-              <a:t>procesos se realizan de manera manual y mecánica</a:t>
+              <a:t>de tiempo para cumplir </a:t>
+            </a:r>
+            <a:r>
+              <a:rPr lang="es-PE" sz="2000" dirty="0" smtClean="0"/>
+              <a:t>con </a:t>
             </a:r>
             <a:r>
               <a:rPr lang="es-PE" sz="2000" dirty="0"/>
-              <a:t>, a excepción del Departamento de Administración, que hace uso de un  software que permite realizar operaciones contables. </a:t>
-            </a:r>
-            <a:endParaRPr lang="es-PE" sz="2000" dirty="0" smtClean="0"/>
-          </a:p>
-          <a:p>
-            <a:pPr algn="just"/>
-            <a:endParaRPr lang="es-PE" sz="2000" dirty="0" smtClean="0"/>
-          </a:p>
-          <a:p>
-            <a:pPr algn="just"/>
-            <a:r>
-              <a:rPr lang="es-PE" sz="2000" b="1" dirty="0" smtClean="0">
-                <a:solidFill>
-                  <a:srgbClr val="FFC000"/>
-                </a:solidFill>
-              </a:rPr>
-              <a:t>Exceso </a:t>
-            </a:r>
-            <a:r>
-              <a:rPr lang="es-PE" sz="2000" b="1" dirty="0">
-                <a:solidFill>
-                  <a:srgbClr val="FFC000"/>
-                </a:solidFill>
-              </a:rPr>
-              <a:t>de tiempo</a:t>
-            </a:r>
-            <a:r>
-              <a:rPr lang="es-PE" sz="2000" dirty="0"/>
-              <a:t> para cumplir con las actividades cotidianas y que </a:t>
-            </a:r>
-            <a:r>
-              <a:rPr lang="es-PE" sz="2000" dirty="0" smtClean="0"/>
-              <a:t>éstas se </a:t>
-            </a:r>
-            <a:r>
-              <a:rPr lang="es-PE" sz="2000" dirty="0"/>
-              <a:t>vuelvan ineficientes.</a:t>
-            </a:r>
-          </a:p>
-          <a:p>
-            <a:pPr algn="just"/>
-            <a:endParaRPr lang="es-PE" dirty="0"/>
+              <a:t>actividades </a:t>
+            </a:r>
+            <a:r>
+              <a:rPr lang="es-PE" sz="2000" b="1" dirty="0" smtClean="0"/>
+              <a:t>cotidianas.</a:t>
+            </a:r>
+            <a:endParaRPr lang="es-PE" sz="2000" b="1" dirty="0"/>
           </a:p>
         </p:txBody>
       </p:sp>
@@ -32897,188 +35582,6 @@
       </p:sp>
       <p:sp>
         <p:nvSpPr>
-          <p:cNvPr id="3" name="2 Marcador de contenido"/>
-          <p:cNvSpPr>
-            <a:spLocks noGrp="1"/>
-          </p:cNvSpPr>
-          <p:nvPr>
-            <p:ph idx="1"/>
-          </p:nvPr>
-        </p:nvSpPr>
-        <p:spPr/>
-        <p:txBody>
-          <a:bodyPr/>
-          <a:lstStyle/>
-          <a:p>
-            <a:pPr marL="119062" indent="0" algn="just">
-              <a:buNone/>
-            </a:pPr>
-            <a:r>
-              <a:rPr lang="es-ES" sz="1800" dirty="0" smtClean="0"/>
-              <a:t>Surge </a:t>
-            </a:r>
-            <a:r>
-              <a:rPr lang="es-ES" sz="1800" dirty="0"/>
-              <a:t>la necesidad de elaborar una </a:t>
-            </a:r>
-            <a:r>
-              <a:rPr lang="es-ES" sz="1800" b="1" dirty="0">
-                <a:solidFill>
-                  <a:srgbClr val="FFC000"/>
-                </a:solidFill>
-              </a:rPr>
-              <a:t>Arquitectura de </a:t>
-            </a:r>
-            <a:r>
-              <a:rPr lang="es-ES" sz="1800" b="1" dirty="0" smtClean="0">
-                <a:solidFill>
-                  <a:srgbClr val="FFC000"/>
-                </a:solidFill>
-              </a:rPr>
-              <a:t>Negocios </a:t>
-            </a:r>
-            <a:r>
-              <a:rPr lang="es-ES" sz="1800" dirty="0" smtClean="0"/>
-              <a:t>porque aquí se definirán todos </a:t>
-            </a:r>
-            <a:r>
-              <a:rPr lang="es-ES" sz="1800" dirty="0"/>
-              <a:t>los procesos del negocio, </a:t>
-            </a:r>
-            <a:r>
-              <a:rPr lang="es-ES" sz="1800" dirty="0" smtClean="0"/>
-              <a:t>y se </a:t>
-            </a:r>
-            <a:r>
-              <a:rPr lang="es-ES" sz="1800" dirty="0"/>
-              <a:t>muestra cómo estos se alinean a sus objetivos del negocio y, de acuerdo a ello, se analizará cuáles serán las partes automatizables.</a:t>
-            </a:r>
-            <a:endParaRPr lang="es-PE" sz="1800" dirty="0"/>
-          </a:p>
-          <a:p>
-            <a:pPr algn="just"/>
-            <a:endParaRPr lang="es-PE" sz="1800" dirty="0"/>
-          </a:p>
-          <a:p>
-            <a:pPr marL="119062" indent="0" algn="just">
-              <a:buNone/>
-            </a:pPr>
-            <a:r>
-              <a:rPr lang="es-ES" sz="1800" dirty="0"/>
-              <a:t>El elaborar una Arquitectura de Negocios nos permite tener una mejor visión sobre:</a:t>
-            </a:r>
-            <a:endParaRPr lang="es-PE" sz="1800" dirty="0"/>
-          </a:p>
-          <a:p>
-            <a:pPr lvl="1" algn="just"/>
-            <a:r>
-              <a:rPr lang="es-PE" sz="1800" dirty="0"/>
-              <a:t>los procesos que se realizan dentro de la organización;</a:t>
-            </a:r>
-          </a:p>
-          <a:p>
-            <a:pPr lvl="1" algn="just"/>
-            <a:r>
-              <a:rPr lang="es-PE" sz="1800" dirty="0"/>
-              <a:t>las personas que los realizan;</a:t>
-            </a:r>
-          </a:p>
-          <a:p>
-            <a:pPr lvl="1" algn="just"/>
-            <a:r>
-              <a:rPr lang="es-PE" sz="1800" dirty="0"/>
-              <a:t>la información – documentos, manuales, reglas de negocio, etc. – utilizada para las diversas actividades; así como,</a:t>
-            </a:r>
-          </a:p>
-          <a:p>
-            <a:pPr lvl="1" algn="just"/>
-            <a:r>
-              <a:rPr lang="es-PE" sz="1800" dirty="0"/>
-              <a:t>la relación entre todos ellos.</a:t>
-            </a:r>
-          </a:p>
-          <a:p>
-            <a:pPr marL="119062" indent="0" algn="just">
-              <a:buNone/>
-            </a:pPr>
-            <a:r>
-              <a:rPr lang="es-ES" sz="1800" dirty="0"/>
-              <a:t> </a:t>
-            </a:r>
-            <a:endParaRPr lang="es-PE" sz="1800" dirty="0"/>
-          </a:p>
-          <a:p>
-            <a:pPr marL="119062" indent="0" algn="just">
-              <a:buNone/>
-            </a:pPr>
-            <a:r>
-              <a:rPr lang="es-ES" sz="1800" b="1" dirty="0" smtClean="0">
-                <a:solidFill>
-                  <a:srgbClr val="FFC000"/>
-                </a:solidFill>
-              </a:rPr>
-              <a:t>RESULTADO:</a:t>
-            </a:r>
-            <a:r>
-              <a:rPr lang="es-ES" sz="1800" dirty="0" smtClean="0"/>
-              <a:t> una </a:t>
-            </a:r>
-            <a:r>
-              <a:rPr lang="es-ES" sz="1800" dirty="0"/>
-              <a:t>visión </a:t>
-            </a:r>
-            <a:r>
-              <a:rPr lang="es-ES" sz="1800" dirty="0" smtClean="0"/>
-              <a:t>global del </a:t>
-            </a:r>
-            <a:r>
-              <a:rPr lang="es-ES" sz="1800" dirty="0"/>
-              <a:t>estado en el que se encuentra una organización, </a:t>
-            </a:r>
-            <a:r>
-              <a:rPr lang="es-ES" sz="1800" dirty="0" smtClean="0"/>
-              <a:t>	             y cómo todas las </a:t>
-            </a:r>
-            <a:r>
-              <a:rPr lang="es-ES" sz="1800" dirty="0"/>
-              <a:t>partes: personas, procesos, información y </a:t>
-            </a:r>
-            <a:endParaRPr lang="es-ES" sz="1800" dirty="0" smtClean="0"/>
-          </a:p>
-          <a:p>
-            <a:pPr marL="119062" indent="0" algn="just">
-              <a:buNone/>
-            </a:pPr>
-            <a:r>
-              <a:rPr lang="es-ES" sz="1800" dirty="0"/>
-              <a:t>	</a:t>
-            </a:r>
-            <a:r>
-              <a:rPr lang="es-ES" sz="1800" dirty="0" smtClean="0"/>
-              <a:t>             tecnologías</a:t>
-            </a:r>
-            <a:r>
-              <a:rPr lang="es-ES" sz="1800" dirty="0"/>
-              <a:t>, </a:t>
-            </a:r>
-            <a:r>
-              <a:rPr lang="es-ES" sz="1800" dirty="0" smtClean="0"/>
-              <a:t>se </a:t>
-            </a:r>
-            <a:r>
-              <a:rPr lang="es-ES" sz="1800" dirty="0"/>
-              <a:t>vinculan e integran.</a:t>
-            </a:r>
-            <a:endParaRPr lang="es-PE" sz="1800" dirty="0"/>
-          </a:p>
-          <a:p>
-            <a:pPr algn="just"/>
-            <a:endParaRPr lang="es-PE" sz="1800" dirty="0"/>
-          </a:p>
-        </p:txBody>
-      </p:sp>
-      <p:sp>
-        <p:nvSpPr>
           <p:cNvPr id="5" name="4 Marcador de número de diapositiva"/>
           <p:cNvSpPr>
             <a:spLocks noGrp="1"/>
@@ -33103,6 +35606,412 @@
               <a:t>6</a:t>
             </a:fld>
             <a:endParaRPr lang="es-PE" dirty="0"/>
+          </a:p>
+        </p:txBody>
+      </p:sp>
+      <p:sp>
+        <p:nvSpPr>
+          <p:cNvPr id="6" name="2 Marcador de contenido"/>
+          <p:cNvSpPr txBox="1">
+            <a:spLocks/>
+          </p:cNvSpPr>
+          <p:nvPr/>
+        </p:nvSpPr>
+        <p:spPr bwMode="auto">
+          <a:xfrm>
+            <a:off x="457200" y="4437112"/>
+            <a:ext cx="8229600" cy="1080120"/>
+          </a:xfrm>
+          <a:prstGeom prst="rect">
+            <a:avLst/>
+          </a:prstGeom>
+          <a:solidFill>
+            <a:schemeClr val="accent6">
+              <a:lumMod val="60000"/>
+              <a:lumOff val="40000"/>
+            </a:schemeClr>
+          </a:solidFill>
+          <a:ln w="38100">
+            <a:solidFill>
+              <a:srgbClr val="FF6600"/>
+            </a:solidFill>
+            <a:miter lim="800000"/>
+            <a:headEnd/>
+            <a:tailEnd/>
+          </a:ln>
+        </p:spPr>
+        <p:txBody>
+          <a:bodyPr vert="horz" wrap="square" lIns="54864" tIns="91440" rIns="91440" bIns="45720" numCol="1" anchor="t" anchorCtr="0" compatLnSpc="1">
+            <a:prstTxWarp prst="textNoShape">
+              <a:avLst/>
+            </a:prstTxWarp>
+          </a:bodyPr>
+          <a:lstStyle>
+            <a:lvl1pPr marL="438150" indent="-319088" algn="l" rtl="0" eaLnBrk="0" fontAlgn="base" hangingPunct="0">
+              <a:spcBef>
+                <a:spcPct val="0"/>
+              </a:spcBef>
+              <a:spcAft>
+                <a:spcPct val="0"/>
+              </a:spcAft>
+              <a:buClr>
+                <a:schemeClr val="accent1"/>
+              </a:buClr>
+              <a:buSzPct val="80000"/>
+              <a:buFont typeface="Wingdings 2" pitchFamily="18" charset="2"/>
+              <a:buChar char=""/>
+              <a:defRPr sz="3200" kern="1200">
+                <a:solidFill>
+                  <a:schemeClr val="tx1"/>
+                </a:solidFill>
+                <a:latin typeface="+mn-lt"/>
+                <a:ea typeface="+mn-ea"/>
+                <a:cs typeface="+mn-cs"/>
+              </a:defRPr>
+            </a:lvl1pPr>
+            <a:lvl2pPr marL="730250" indent="-273050" algn="l" rtl="0" eaLnBrk="0" fontAlgn="base" hangingPunct="0">
+              <a:spcBef>
+                <a:spcPct val="20000"/>
+              </a:spcBef>
+              <a:spcAft>
+                <a:spcPct val="0"/>
+              </a:spcAft>
+              <a:buClr>
+                <a:schemeClr val="accent2"/>
+              </a:buClr>
+              <a:buSzPct val="90000"/>
+              <a:buFont typeface="Wingdings" pitchFamily="2" charset="2"/>
+              <a:buChar char=""/>
+              <a:defRPr sz="2800" kern="1200">
+                <a:solidFill>
+                  <a:schemeClr val="tx1"/>
+                </a:solidFill>
+                <a:latin typeface="+mn-lt"/>
+                <a:ea typeface="+mn-ea"/>
+                <a:cs typeface="+mn-cs"/>
+              </a:defRPr>
+            </a:lvl2pPr>
+            <a:lvl3pPr marL="995363" indent="-228600" algn="l" rtl="0" eaLnBrk="0" fontAlgn="base" hangingPunct="0">
+              <a:spcBef>
+                <a:spcPct val="20000"/>
+              </a:spcBef>
+              <a:spcAft>
+                <a:spcPct val="0"/>
+              </a:spcAft>
+              <a:buClr>
+                <a:srgbClr val="6BB1C9"/>
+              </a:buClr>
+              <a:buFont typeface="Arial" charset="0"/>
+              <a:buChar char="▪"/>
+              <a:defRPr sz="2400" kern="1200">
+                <a:solidFill>
+                  <a:schemeClr val="tx1"/>
+                </a:solidFill>
+                <a:latin typeface="+mn-lt"/>
+                <a:ea typeface="+mn-ea"/>
+                <a:cs typeface="+mn-cs"/>
+              </a:defRPr>
+            </a:lvl3pPr>
+            <a:lvl4pPr marL="1216025" indent="-182563" algn="l" rtl="0" eaLnBrk="0" fontAlgn="base" hangingPunct="0">
+              <a:spcBef>
+                <a:spcPct val="20000"/>
+              </a:spcBef>
+              <a:spcAft>
+                <a:spcPct val="0"/>
+              </a:spcAft>
+              <a:buClr>
+                <a:srgbClr val="6585CF"/>
+              </a:buClr>
+              <a:buFont typeface="Arial" charset="0"/>
+              <a:buChar char="▪"/>
+              <a:defRPr sz="2000" kern="1200">
+                <a:solidFill>
+                  <a:schemeClr val="tx1"/>
+                </a:solidFill>
+                <a:latin typeface="+mn-lt"/>
+                <a:ea typeface="+mn-ea"/>
+                <a:cs typeface="+mn-cs"/>
+              </a:defRPr>
+            </a:lvl4pPr>
+            <a:lvl5pPr marL="1425575" indent="-182563" algn="l" rtl="0" eaLnBrk="0" fontAlgn="base" hangingPunct="0">
+              <a:spcBef>
+                <a:spcPct val="20000"/>
+              </a:spcBef>
+              <a:spcAft>
+                <a:spcPct val="0"/>
+              </a:spcAft>
+              <a:buClr>
+                <a:srgbClr val="7E6BC9"/>
+              </a:buClr>
+              <a:buFont typeface="Wingdings 3" pitchFamily="18" charset="2"/>
+              <a:buChar char=""/>
+              <a:defRPr lang="en-US" sz="2000" kern="1200">
+                <a:solidFill>
+                  <a:schemeClr val="tx1"/>
+                </a:solidFill>
+                <a:latin typeface="+mn-lt"/>
+                <a:ea typeface="+mn-ea"/>
+                <a:cs typeface="+mn-cs"/>
+              </a:defRPr>
+            </a:lvl5pPr>
+            <a:lvl6pPr marL="1627632" indent="-182880" algn="l" rtl="0" eaLnBrk="1" latinLnBrk="0" hangingPunct="1">
+              <a:spcBef>
+                <a:spcPct val="20000"/>
+              </a:spcBef>
+              <a:buClr>
+                <a:schemeClr val="accent6"/>
+              </a:buClr>
+              <a:buSzPct val="100000"/>
+              <a:buFont typeface="Wingdings 2"/>
+              <a:buChar char=""/>
+              <a:defRPr kumimoji="0" sz="2000" kern="1200">
+                <a:solidFill>
+                  <a:schemeClr val="tx1"/>
+                </a:solidFill>
+                <a:latin typeface="+mn-lt"/>
+                <a:ea typeface="+mn-ea"/>
+                <a:cs typeface="+mn-cs"/>
+              </a:defRPr>
+            </a:lvl6pPr>
+            <a:lvl7pPr marL="1828800" indent="-182880" algn="l" rtl="0" eaLnBrk="1" latinLnBrk="0" hangingPunct="1">
+              <a:spcBef>
+                <a:spcPct val="20000"/>
+              </a:spcBef>
+              <a:buClr>
+                <a:schemeClr val="accent1"/>
+              </a:buClr>
+              <a:buSzPct val="100000"/>
+              <a:buFont typeface="Wingdings 2"/>
+              <a:buChar char=""/>
+              <a:defRPr kumimoji="0" sz="1800" kern="1200">
+                <a:solidFill>
+                  <a:schemeClr val="tx1"/>
+                </a:solidFill>
+                <a:latin typeface="+mn-lt"/>
+                <a:ea typeface="+mn-ea"/>
+                <a:cs typeface="+mn-cs"/>
+              </a:defRPr>
+            </a:lvl7pPr>
+            <a:lvl8pPr marL="2029968" indent="-182880" algn="l" rtl="0" eaLnBrk="1" latinLnBrk="0" hangingPunct="1">
+              <a:spcBef>
+                <a:spcPct val="20000"/>
+              </a:spcBef>
+              <a:buClr>
+                <a:schemeClr val="accent2"/>
+              </a:buClr>
+              <a:buFont typeface="Wingdings 2" pitchFamily="18" charset="2"/>
+              <a:buChar char=""/>
+              <a:defRPr kumimoji="0" sz="1800" kern="1200">
+                <a:solidFill>
+                  <a:schemeClr val="tx1"/>
+                </a:solidFill>
+                <a:latin typeface="+mn-lt"/>
+                <a:ea typeface="+mn-ea"/>
+                <a:cs typeface="+mn-cs"/>
+              </a:defRPr>
+            </a:lvl8pPr>
+            <a:lvl9pPr marL="2231136" indent="-182880" algn="l" rtl="0" eaLnBrk="1" latinLnBrk="0" hangingPunct="1">
+              <a:spcBef>
+                <a:spcPct val="20000"/>
+              </a:spcBef>
+              <a:buClr>
+                <a:schemeClr val="accent3"/>
+              </a:buClr>
+              <a:buFont typeface="Wingdings 2" pitchFamily="18" charset="2"/>
+              <a:buChar char=""/>
+              <a:defRPr kumimoji="0" sz="1800" kern="1200" baseline="0">
+                <a:solidFill>
+                  <a:schemeClr val="tx1"/>
+                </a:solidFill>
+                <a:latin typeface="+mn-lt"/>
+                <a:ea typeface="+mn-ea"/>
+                <a:cs typeface="+mn-cs"/>
+              </a:defRPr>
+            </a:lvl9pPr>
+            <a:extLst/>
+          </a:lstStyle>
+          <a:p>
+            <a:pPr marL="119062" indent="0" algn="ctr">
+              <a:buFont typeface="Wingdings 2" pitchFamily="18" charset="2"/>
+              <a:buNone/>
+            </a:pPr>
+            <a:r>
+              <a:rPr lang="es-ES" sz="1800" b="1" dirty="0" smtClean="0"/>
+              <a:t>RESULTADO</a:t>
+            </a:r>
+            <a:endParaRPr lang="es-ES" sz="1800" dirty="0" smtClean="0"/>
+          </a:p>
+          <a:p>
+            <a:pPr marL="119062" indent="0" algn="ctr">
+              <a:buFont typeface="Wingdings 2" pitchFamily="18" charset="2"/>
+              <a:buNone/>
+            </a:pPr>
+            <a:r>
+              <a:rPr lang="es-ES" sz="1800" dirty="0" smtClean="0"/>
+              <a:t>Una visión global del estado en el que se encuentra una organización, y cómo todas las partes: personas, procesos, información y tecnologías, se vinculan e integran.</a:t>
+            </a:r>
+            <a:endParaRPr lang="es-PE" sz="1800" dirty="0" smtClean="0"/>
+          </a:p>
+          <a:p>
+            <a:pPr marL="119062" indent="0" algn="just">
+              <a:buFont typeface="Wingdings 2" pitchFamily="18" charset="2"/>
+              <a:buNone/>
+            </a:pPr>
+            <a:endParaRPr lang="es-PE" sz="1800" dirty="0"/>
+          </a:p>
+        </p:txBody>
+      </p:sp>
+      <p:sp>
+        <p:nvSpPr>
+          <p:cNvPr id="8" name="7 Recortar rectángulo de esquina diagonal"/>
+          <p:cNvSpPr/>
+          <p:nvPr/>
+        </p:nvSpPr>
+        <p:spPr>
+          <a:xfrm>
+            <a:off x="457200" y="1916832"/>
+            <a:ext cx="8229600" cy="1368152"/>
+          </a:xfrm>
+          <a:prstGeom prst="snip2DiagRect">
+            <a:avLst/>
+          </a:prstGeom>
+          <a:solidFill>
+            <a:schemeClr val="bg1">
+              <a:lumMod val="85000"/>
+            </a:schemeClr>
+          </a:solidFill>
+          <a:ln>
+            <a:solidFill>
+              <a:schemeClr val="tx1"/>
+            </a:solidFill>
+          </a:ln>
+        </p:spPr>
+        <p:style>
+          <a:lnRef idx="2">
+            <a:schemeClr val="accent1">
+              <a:shade val="50000"/>
+            </a:schemeClr>
+          </a:lnRef>
+          <a:fillRef idx="1">
+            <a:schemeClr val="accent1"/>
+          </a:fillRef>
+          <a:effectRef idx="0">
+            <a:schemeClr val="accent1"/>
+          </a:effectRef>
+          <a:fontRef idx="minor">
+            <a:schemeClr val="lt1"/>
+          </a:fontRef>
+        </p:style>
+        <p:txBody>
+          <a:bodyPr rtlCol="0" anchor="ctr"/>
+          <a:lstStyle/>
+          <a:p>
+            <a:pPr algn="ctr"/>
+            <a:r>
+              <a:rPr lang="es-ES" b="1" dirty="0" smtClean="0">
+                <a:solidFill>
+                  <a:schemeClr val="tx1"/>
+                </a:solidFill>
+              </a:rPr>
+              <a:t>ELABORAR UNA ARQUITECTURA DE NEGOCIOS</a:t>
+            </a:r>
+          </a:p>
+          <a:p>
+            <a:pPr algn="ctr"/>
+            <a:r>
+              <a:rPr lang="es-ES" dirty="0" smtClean="0">
+                <a:solidFill>
+                  <a:schemeClr val="tx1"/>
+                </a:solidFill>
+              </a:rPr>
+              <a:t>Se </a:t>
+            </a:r>
+            <a:r>
+              <a:rPr lang="es-ES" dirty="0">
+                <a:solidFill>
+                  <a:schemeClr val="tx1"/>
+                </a:solidFill>
+              </a:rPr>
+              <a:t>definirán todos los procesos del negocio, y </a:t>
+            </a:r>
+            <a:r>
+              <a:rPr lang="es-ES" dirty="0" smtClean="0">
+                <a:solidFill>
+                  <a:schemeClr val="tx1"/>
+                </a:solidFill>
+              </a:rPr>
+              <a:t>mostrándose cómo </a:t>
+            </a:r>
+            <a:r>
+              <a:rPr lang="es-ES" dirty="0">
+                <a:solidFill>
+                  <a:schemeClr val="tx1"/>
+                </a:solidFill>
+              </a:rPr>
+              <a:t>estos se alinean a sus objetivos del negocio y, de acuerdo a ello, se </a:t>
+            </a:r>
+            <a:r>
+              <a:rPr lang="es-ES" dirty="0" smtClean="0">
+                <a:solidFill>
+                  <a:schemeClr val="tx1"/>
+                </a:solidFill>
+              </a:rPr>
+              <a:t>analizará qué partes podrán automatizarse</a:t>
+            </a:r>
+            <a:r>
+              <a:rPr lang="es-ES" dirty="0" smtClean="0"/>
+              <a:t>.</a:t>
+            </a:r>
+            <a:endParaRPr lang="es-PE" dirty="0"/>
+          </a:p>
+        </p:txBody>
+      </p:sp>
+      <p:sp>
+        <p:nvSpPr>
+          <p:cNvPr id="9" name="8 Flecha abajo"/>
+          <p:cNvSpPr/>
+          <p:nvPr/>
+        </p:nvSpPr>
+        <p:spPr>
+          <a:xfrm>
+            <a:off x="3779912" y="3429000"/>
+            <a:ext cx="1656184" cy="936104"/>
+          </a:xfrm>
+          <a:prstGeom prst="downArrow">
+            <a:avLst/>
+          </a:prstGeom>
+          <a:solidFill>
+            <a:schemeClr val="tx1">
+              <a:lumMod val="50000"/>
+              <a:lumOff val="50000"/>
+            </a:schemeClr>
+          </a:solidFill>
+          <a:ln w="3175">
+            <a:noFill/>
+          </a:ln>
+        </p:spPr>
+        <p:style>
+          <a:lnRef idx="2">
+            <a:schemeClr val="accent1">
+              <a:shade val="50000"/>
+            </a:schemeClr>
+          </a:lnRef>
+          <a:fillRef idx="1">
+            <a:schemeClr val="accent1"/>
+          </a:fillRef>
+          <a:effectRef idx="0">
+            <a:schemeClr val="accent1"/>
+          </a:effectRef>
+          <a:fontRef idx="minor">
+            <a:schemeClr val="lt1"/>
+          </a:fontRef>
+        </p:style>
+        <p:txBody>
+          <a:bodyPr rtlCol="0" anchor="ctr"/>
+          <a:lstStyle/>
+          <a:p>
+            <a:pPr algn="ctr"/>
+            <a:endParaRPr lang="es-PE"/>
           </a:p>
         </p:txBody>
       </p:sp>
@@ -33122,9 +36031,133 @@
   <p:timing>
     <p:tnLst>
       <p:par>
-        <p:cTn id="1" dur="indefinite" restart="never" nodeType="tmRoot"/>
+        <p:cTn id="1" dur="indefinite" restart="never" nodeType="tmRoot">
+          <p:childTnLst>
+            <p:seq concurrent="1" nextAc="seek">
+              <p:cTn id="2" dur="indefinite" nodeType="mainSeq">
+                <p:childTnLst>
+                  <p:par>
+                    <p:cTn id="3" fill="hold">
+                      <p:stCondLst>
+                        <p:cond delay="indefinite"/>
+                      </p:stCondLst>
+                      <p:childTnLst>
+                        <p:par>
+                          <p:cTn id="4" fill="hold">
+                            <p:stCondLst>
+                              <p:cond delay="0"/>
+                            </p:stCondLst>
+                            <p:childTnLst>
+                              <p:par>
+                                <p:cTn id="5" presetID="10" presetClass="entr" presetSubtype="0" fill="hold" grpId="0" nodeType="clickEffect">
+                                  <p:stCondLst>
+                                    <p:cond delay="0"/>
+                                  </p:stCondLst>
+                                  <p:childTnLst>
+                                    <p:set>
+                                      <p:cBhvr>
+                                        <p:cTn id="6" dur="1" fill="hold">
+                                          <p:stCondLst>
+                                            <p:cond delay="0"/>
+                                          </p:stCondLst>
+                                        </p:cTn>
+                                        <p:tgtEl>
+                                          <p:spTgt spid="9"/>
+                                        </p:tgtEl>
+                                        <p:attrNameLst>
+                                          <p:attrName>style.visibility</p:attrName>
+                                        </p:attrNameLst>
+                                      </p:cBhvr>
+                                      <p:to>
+                                        <p:strVal val="visible"/>
+                                      </p:to>
+                                    </p:set>
+                                    <p:animEffect transition="in" filter="fade">
+                                      <p:cBhvr>
+                                        <p:cTn id="7" dur="500"/>
+                                        <p:tgtEl>
+                                          <p:spTgt spid="9"/>
+                                        </p:tgtEl>
+                                      </p:cBhvr>
+                                    </p:animEffect>
+                                  </p:childTnLst>
+                                </p:cTn>
+                              </p:par>
+                            </p:childTnLst>
+                          </p:cTn>
+                        </p:par>
+                        <p:par>
+                          <p:cTn id="8" fill="hold">
+                            <p:stCondLst>
+                              <p:cond delay="500"/>
+                            </p:stCondLst>
+                            <p:childTnLst>
+                              <p:par>
+                                <p:cTn id="9" presetID="10" presetClass="entr" presetSubtype="0" fill="hold" grpId="0" nodeType="afterEffect">
+                                  <p:stCondLst>
+                                    <p:cond delay="0"/>
+                                  </p:stCondLst>
+                                  <p:childTnLst>
+                                    <p:set>
+                                      <p:cBhvr>
+                                        <p:cTn id="10" dur="1" fill="hold">
+                                          <p:stCondLst>
+                                            <p:cond delay="0"/>
+                                          </p:stCondLst>
+                                        </p:cTn>
+                                        <p:tgtEl>
+                                          <p:spTgt spid="6"/>
+                                        </p:tgtEl>
+                                        <p:attrNameLst>
+                                          <p:attrName>style.visibility</p:attrName>
+                                        </p:attrNameLst>
+                                      </p:cBhvr>
+                                      <p:to>
+                                        <p:strVal val="visible"/>
+                                      </p:to>
+                                    </p:set>
+                                    <p:animEffect transition="in" filter="fade">
+                                      <p:cBhvr>
+                                        <p:cTn id="11" dur="2000"/>
+                                        <p:tgtEl>
+                                          <p:spTgt spid="6"/>
+                                        </p:tgtEl>
+                                      </p:cBhvr>
+                                    </p:animEffect>
+                                  </p:childTnLst>
+                                </p:cTn>
+                              </p:par>
+                            </p:childTnLst>
+                          </p:cTn>
+                        </p:par>
+                      </p:childTnLst>
+                    </p:cTn>
+                  </p:par>
+                </p:childTnLst>
+              </p:cTn>
+              <p:prevCondLst>
+                <p:cond evt="onPrev" delay="0">
+                  <p:tgtEl>
+                    <p:sldTgt/>
+                  </p:tgtEl>
+                </p:cond>
+              </p:prevCondLst>
+              <p:nextCondLst>
+                <p:cond evt="onNext" delay="0">
+                  <p:tgtEl>
+                    <p:sldTgt/>
+                  </p:tgtEl>
+                </p:cond>
+              </p:nextCondLst>
+            </p:seq>
+          </p:childTnLst>
+        </p:cTn>
       </p:par>
     </p:tnLst>
+    <p:bldLst>
+      <p:bldP spid="6" grpId="0" animBg="1"/>
+      <p:bldP spid="9" grpId="0" animBg="1"/>
+    </p:bldLst>
   </p:timing>
 </p:sld>
 </file>
@@ -33188,7 +36221,7 @@
         <p:spPr>
           <a:xfrm>
             <a:off x="457200" y="1774825"/>
-            <a:ext cx="8229600" cy="4822527"/>
+            <a:ext cx="8229600" cy="790079"/>
           </a:xfrm>
         </p:spPr>
         <p:txBody>
@@ -33199,11 +36232,7 @@
               <a:buNone/>
             </a:pPr>
             <a:r>
-              <a:rPr lang="es-ES" sz="1900" b="1" dirty="0" smtClean="0">
-                <a:solidFill>
-                  <a:srgbClr val="FFC000"/>
-                </a:solidFill>
-              </a:rPr>
+              <a:rPr lang="es-ES" sz="1900" b="1" dirty="0" smtClean="0"/>
               <a:t>Autores: </a:t>
             </a:r>
             <a:r>
@@ -33212,74 +36241,26 @@
             </a:r>
             <a:r>
               <a:rPr lang="es-ES" sz="1900" dirty="0"/>
-              <a:t>Chang Chong  y Miguel Concha Álvarez, egresados ambos en el año 2010-I. </a:t>
+              <a:t>Chang Chong  y Miguel Concha Álvarez, egresados ambos en el </a:t>
+            </a:r>
+            <a:r>
+              <a:rPr lang="es-ES" sz="1900" dirty="0" smtClean="0"/>
+              <a:t>	    año </a:t>
+            </a:r>
+            <a:r>
+              <a:rPr lang="es-ES" sz="1900" dirty="0"/>
+              <a:t>2010-I. </a:t>
             </a:r>
             <a:endParaRPr lang="es-PE" sz="1900" dirty="0"/>
           </a:p>
           <a:p>
             <a:endParaRPr lang="es-PE" sz="1900" dirty="0"/>
-          </a:p>
-          <a:p>
-            <a:pPr marL="119062" indent="0" algn="just">
-              <a:buNone/>
-            </a:pPr>
-            <a:r>
-              <a:rPr lang="es-ES" sz="1900" b="1" dirty="0" smtClean="0">
-                <a:solidFill>
-                  <a:srgbClr val="FFC000"/>
-                </a:solidFill>
-              </a:rPr>
-              <a:t>Objetivo inicial del proyecto:</a:t>
-            </a:r>
-            <a:r>
-              <a:rPr lang="es-ES" sz="1900" dirty="0" smtClean="0"/>
-              <a:t> desarrollar la Arquitectura </a:t>
-            </a:r>
-            <a:r>
-              <a:rPr lang="es-ES" sz="1900" dirty="0"/>
-              <a:t>E</a:t>
-            </a:r>
-            <a:r>
-              <a:rPr lang="es-ES" sz="1900" dirty="0" smtClean="0"/>
-              <a:t>mpresarial de la Oficina de Fe </a:t>
-            </a:r>
-            <a:r>
-              <a:rPr lang="es-ES" sz="1900" dirty="0"/>
-              <a:t>y Alegría desde la Oficina Central Fe y Alegría Perú</a:t>
-            </a:r>
-            <a:r>
-              <a:rPr lang="es-ES" sz="1900" dirty="0" smtClean="0"/>
-              <a:t>. Esto incluiría la Arquitectura de Negocios, Arquitectura de Aplicaciones, Arquitectura de Datos y la Arquitectura de Redes.</a:t>
-            </a:r>
           </a:p>
           <a:p>
             <a:pPr marL="119062" indent="0" algn="just">
               <a:buNone/>
             </a:pPr>
             <a:endParaRPr lang="es-ES" sz="1900" dirty="0"/>
-          </a:p>
-          <a:p>
-            <a:pPr marL="119062" indent="0" algn="just">
-              <a:buNone/>
-            </a:pPr>
-            <a:r>
-              <a:rPr lang="es-ES" sz="1900" b="1" dirty="0">
-                <a:solidFill>
-                  <a:srgbClr val="FFC000"/>
-                </a:solidFill>
-              </a:rPr>
-              <a:t>Complicaciones:</a:t>
-            </a:r>
-          </a:p>
-          <a:p>
-            <a:pPr marL="119062" indent="0" algn="just">
-              <a:buNone/>
-            </a:pPr>
-            <a:r>
-              <a:rPr lang="es-ES" sz="1900" dirty="0"/>
-              <a:t>El alcance se redujo a sólo realizar el Modelo de Negocios de la mayoría de Procesos de la Oficina Central de Fe y Alegría Perú, dejando los procesos de Administración y Contabilidad fuera del alcance.</a:t>
-            </a:r>
-            <a:endParaRPr lang="es-PE" sz="1900" dirty="0"/>
           </a:p>
           <a:p>
             <a:pPr marL="119062" indent="0" algn="just">
@@ -33290,68 +36271,6 @@
                 <a:srgbClr val="FFC000"/>
               </a:solidFill>
             </a:endParaRPr>
-          </a:p>
-          <a:p>
-            <a:pPr marL="119062" indent="0" algn="just">
-              <a:buNone/>
-            </a:pPr>
-            <a:r>
-              <a:rPr lang="es-ES" sz="1900" b="1" dirty="0" smtClean="0">
-                <a:solidFill>
-                  <a:srgbClr val="FFC000"/>
-                </a:solidFill>
-              </a:rPr>
-              <a:t>Objetivo </a:t>
-            </a:r>
-            <a:r>
-              <a:rPr lang="es-ES" sz="1900" b="1" dirty="0">
-                <a:solidFill>
-                  <a:srgbClr val="FFC000"/>
-                </a:solidFill>
-              </a:rPr>
-              <a:t>del proyecto:</a:t>
-            </a:r>
-            <a:r>
-              <a:rPr lang="es-ES" sz="1900" dirty="0"/>
-              <a:t> desarrollar un modelo de negocios </a:t>
-            </a:r>
-            <a:endParaRPr lang="es-ES" sz="1900" dirty="0" smtClean="0"/>
-          </a:p>
-          <a:p>
-            <a:pPr marL="119062" indent="0" algn="just">
-              <a:buNone/>
-            </a:pPr>
-            <a:r>
-              <a:rPr lang="es-ES" sz="1900" dirty="0" smtClean="0"/>
-              <a:t>empresarial para </a:t>
-            </a:r>
-            <a:r>
-              <a:rPr lang="es-ES" sz="1900" dirty="0"/>
-              <a:t>apoyar la mejora de la gestión de los centros </a:t>
-            </a:r>
-            <a:endParaRPr lang="es-ES" sz="1900" dirty="0" smtClean="0"/>
-          </a:p>
-          <a:p>
-            <a:pPr marL="119062" indent="0" algn="just">
-              <a:buNone/>
-            </a:pPr>
-            <a:r>
-              <a:rPr lang="es-ES" sz="1900" dirty="0" smtClean="0"/>
-              <a:t>educativos </a:t>
-            </a:r>
-            <a:r>
-              <a:rPr lang="es-ES" sz="1900" dirty="0"/>
-              <a:t>Fe </a:t>
-            </a:r>
-            <a:r>
-              <a:rPr lang="es-ES" sz="1900" dirty="0" smtClean="0"/>
-              <a:t>y </a:t>
-            </a:r>
-            <a:r>
-              <a:rPr lang="es-ES" sz="1900" dirty="0"/>
-              <a:t>Alegría desde la Oficina Central Fe y Alegría Perú.</a:t>
-            </a:r>
-            <a:endParaRPr lang="es-PE" sz="1900" dirty="0"/>
           </a:p>
           <a:p>
             <a:pPr marL="119062" indent="0">
@@ -33394,6 +36313,28 @@
           </a:p>
         </p:txBody>
       </p:sp>
+      <p:graphicFrame>
+        <p:nvGraphicFramePr>
+          <p:cNvPr id="4" name="3 Diagrama"/>
+          <p:cNvGraphicFramePr/>
+          <p:nvPr>
+            <p:extLst>
+              <p:ext uri="{D42A27DB-BD31-4B8C-83A1-F6EECF244321}">
+                <p14:modId xmlns:p14="http://schemas.microsoft.com/office/powerpoint/2010/main" val="1257057283"/>
+              </p:ext>
+            </p:extLst>
+          </p:nvPr>
+        </p:nvGraphicFramePr>
+        <p:xfrm>
+          <a:off x="251520" y="2533352"/>
+          <a:ext cx="8568952" cy="4064000"/>
+        </p:xfrm>
+        <a:graphic>
+          <a:graphicData uri="http://schemas.openxmlformats.org/drawingml/2006/diagram">
+            <dgm:relIds xmlns:dgm="http://schemas.openxmlformats.org/drawingml/2006/diagram" xmlns:r="http://schemas.openxmlformats.org/officeDocument/2006/relationships" r:dm="rId2" r:lo="rId3" r:qs="rId4" r:cs="rId5"/>
+          </a:graphicData>
+        </a:graphic>
+      </p:graphicFrame>
     </p:spTree>
     <p:extLst>
       <p:ext uri="{BB962C8B-B14F-4D97-AF65-F5344CB8AC3E}">
@@ -33410,9 +36351,256 @@
   <p:timing>
     <p:tnLst>
       <p:par>
-        <p:cTn id="1" dur="indefinite" restart="never" nodeType="tmRoot"/>
+        <p:cTn id="1" dur="indefinite" restart="never" nodeType="tmRoot">
+          <p:childTnLst>
+            <p:seq concurrent="1" nextAc="seek">
+              <p:cTn id="2" dur="indefinite" nodeType="mainSeq">
+                <p:childTnLst>
+                  <p:par>
+                    <p:cTn id="3" fill="hold">
+                      <p:stCondLst>
+                        <p:cond delay="indefinite"/>
+                      </p:stCondLst>
+                      <p:childTnLst>
+                        <p:par>
+                          <p:cTn id="4" fill="hold">
+                            <p:stCondLst>
+                              <p:cond delay="0"/>
+                            </p:stCondLst>
+                            <p:childTnLst>
+                              <p:par>
+                                <p:cTn id="5" presetID="10" presetClass="entr" presetSubtype="0" fill="hold" grpId="0" nodeType="clickEffect">
+                                  <p:stCondLst>
+                                    <p:cond delay="0"/>
+                                  </p:stCondLst>
+                                  <p:childTnLst>
+                                    <p:set>
+                                      <p:cBhvr>
+                                        <p:cTn id="6" dur="1" fill="hold">
+                                          <p:stCondLst>
+                                            <p:cond delay="0"/>
+                                          </p:stCondLst>
+                                        </p:cTn>
+                                        <p:tgtEl>
+                                          <p:spTgt spid="4">
+                                            <p:graphicEl>
+                                              <a:dgm id="{B154954F-BD1D-44B3-BE45-1CACF5973855}"/>
+                                            </p:graphicEl>
+                                          </p:spTgt>
+                                        </p:tgtEl>
+                                        <p:attrNameLst>
+                                          <p:attrName>style.visibility</p:attrName>
+                                        </p:attrNameLst>
+                                      </p:cBhvr>
+                                      <p:to>
+                                        <p:strVal val="visible"/>
+                                      </p:to>
+                                    </p:set>
+                                    <p:animEffect transition="in" filter="fade">
+                                      <p:cBhvr>
+                                        <p:cTn id="7" dur="500"/>
+                                        <p:tgtEl>
+                                          <p:spTgt spid="4">
+                                            <p:graphicEl>
+                                              <a:dgm id="{B154954F-BD1D-44B3-BE45-1CACF5973855}"/>
+                                            </p:graphicEl>
+                                          </p:spTgt>
+                                        </p:tgtEl>
+                                      </p:cBhvr>
+                                    </p:animEffect>
+                                  </p:childTnLst>
+                                </p:cTn>
+                              </p:par>
+                            </p:childTnLst>
+                          </p:cTn>
+                        </p:par>
+                        <p:par>
+                          <p:cTn id="8" fill="hold">
+                            <p:stCondLst>
+                              <p:cond delay="500"/>
+                            </p:stCondLst>
+                            <p:childTnLst>
+                              <p:par>
+                                <p:cTn id="9" presetID="10" presetClass="entr" presetSubtype="0" fill="hold" grpId="0" nodeType="afterEffect">
+                                  <p:stCondLst>
+                                    <p:cond delay="0"/>
+                                  </p:stCondLst>
+                                  <p:childTnLst>
+                                    <p:set>
+                                      <p:cBhvr>
+                                        <p:cTn id="10" dur="1" fill="hold">
+                                          <p:stCondLst>
+                                            <p:cond delay="0"/>
+                                          </p:stCondLst>
+                                        </p:cTn>
+                                        <p:tgtEl>
+                                          <p:spTgt spid="4">
+                                            <p:graphicEl>
+                                              <a:dgm id="{A8A1F048-8F30-4686-A4B0-3F980C36F541}"/>
+                                            </p:graphicEl>
+                                          </p:spTgt>
+                                        </p:tgtEl>
+                                        <p:attrNameLst>
+                                          <p:attrName>style.visibility</p:attrName>
+                                        </p:attrNameLst>
+                                      </p:cBhvr>
+                                      <p:to>
+                                        <p:strVal val="visible"/>
+                                      </p:to>
+                                    </p:set>
+                                    <p:animEffect transition="in" filter="fade">
+                                      <p:cBhvr>
+                                        <p:cTn id="11" dur="2000"/>
+                                        <p:tgtEl>
+                                          <p:spTgt spid="4">
+                                            <p:graphicEl>
+                                              <a:dgm id="{A8A1F048-8F30-4686-A4B0-3F980C36F541}"/>
+                                            </p:graphicEl>
+                                          </p:spTgt>
+                                        </p:tgtEl>
+                                      </p:cBhvr>
+                                    </p:animEffect>
+                                  </p:childTnLst>
+                                </p:cTn>
+                              </p:par>
+                            </p:childTnLst>
+                          </p:cTn>
+                        </p:par>
+                        <p:par>
+                          <p:cTn id="12" fill="hold">
+                            <p:stCondLst>
+                              <p:cond delay="2500"/>
+                            </p:stCondLst>
+                            <p:childTnLst>
+                              <p:par>
+                                <p:cTn id="13" presetID="10" presetClass="entr" presetSubtype="0" fill="hold" grpId="0" nodeType="afterEffect">
+                                  <p:stCondLst>
+                                    <p:cond delay="0"/>
+                                  </p:stCondLst>
+                                  <p:childTnLst>
+                                    <p:set>
+                                      <p:cBhvr>
+                                        <p:cTn id="14" dur="1" fill="hold">
+                                          <p:stCondLst>
+                                            <p:cond delay="0"/>
+                                          </p:stCondLst>
+                                        </p:cTn>
+                                        <p:tgtEl>
+                                          <p:spTgt spid="4">
+                                            <p:graphicEl>
+                                              <a:dgm id="{35D9E6C0-E0B5-4D2C-87B2-AF47198864D9}"/>
+                                            </p:graphicEl>
+                                          </p:spTgt>
+                                        </p:tgtEl>
+                                        <p:attrNameLst>
+                                          <p:attrName>style.visibility</p:attrName>
+                                        </p:attrNameLst>
+                                      </p:cBhvr>
+                                      <p:to>
+                                        <p:strVal val="visible"/>
+                                      </p:to>
+                                    </p:set>
+                                    <p:animEffect transition="in" filter="fade">
+                                      <p:cBhvr>
+                                        <p:cTn id="15" dur="2000"/>
+                                        <p:tgtEl>
+                                          <p:spTgt spid="4">
+                                            <p:graphicEl>
+                                              <a:dgm id="{35D9E6C0-E0B5-4D2C-87B2-AF47198864D9}"/>
+                                            </p:graphicEl>
+                                          </p:spTgt>
+                                        </p:tgtEl>
+                                      </p:cBhvr>
+                                    </p:animEffect>
+                                  </p:childTnLst>
+                                </p:cTn>
+                              </p:par>
+                            </p:childTnLst>
+                          </p:cTn>
+                        </p:par>
+                        <p:par>
+                          <p:cTn id="16" fill="hold">
+                            <p:stCondLst>
+                              <p:cond delay="4500"/>
+                            </p:stCondLst>
+                            <p:childTnLst>
+                              <p:par>
+                                <p:cTn id="17" presetID="10" presetClass="entr" presetSubtype="0" fill="hold" grpId="0" nodeType="afterEffect">
+                                  <p:stCondLst>
+                                    <p:cond delay="0"/>
+                                  </p:stCondLst>
+                                  <p:childTnLst>
+                                    <p:set>
+                                      <p:cBhvr>
+                                        <p:cTn id="18" dur="1" fill="hold">
+                                          <p:stCondLst>
+                                            <p:cond delay="0"/>
+                                          </p:stCondLst>
+                                        </p:cTn>
+                                        <p:tgtEl>
+                                          <p:spTgt spid="4">
+                                            <p:graphicEl>
+                                              <a:dgm id="{09B6BDF7-4FC8-49F5-BC24-556B94FDA05A}"/>
+                                            </p:graphicEl>
+                                          </p:spTgt>
+                                        </p:tgtEl>
+                                        <p:attrNameLst>
+                                          <p:attrName>style.visibility</p:attrName>
+                                        </p:attrNameLst>
+                                      </p:cBhvr>
+                                      <p:to>
+                                        <p:strVal val="visible"/>
+                                      </p:to>
+                                    </p:set>
+                                    <p:animEffect transition="in" filter="fade">
+                                      <p:cBhvr>
+                                        <p:cTn id="19" dur="2000"/>
+                                        <p:tgtEl>
+                                          <p:spTgt spid="4">
+                                            <p:graphicEl>
+                                              <a:dgm id="{09B6BDF7-4FC8-49F5-BC24-556B94FDA05A}"/>
+                                            </p:graphicEl>
+                                          </p:spTgt>
+                                        </p:tgtEl>
+                                      </p:cBhvr>
+                                    </p:animEffect>
+                                  </p:childTnLst>
+                                </p:cTn>
+                              </p:par>
+                            </p:childTnLst>
+                          </p:cTn>
+                        </p:par>
+                      </p:childTnLst>
+                    </p:cTn>
+                  </p:par>
+                </p:childTnLst>
+              </p:cTn>
+              <p:prevCondLst>
+                <p:cond evt="onPrev" delay="0">
+                  <p:tgtEl>
+                    <p:sldTgt/>
+                  </p:tgtEl>
+                </p:cond>
+              </p:prevCondLst>
+              <p:nextCondLst>
+                <p:cond evt="onNext" delay="0">
+                  <p:tgtEl>
+                    <p:sldTgt/>
+                  </p:tgtEl>
+                </p:cond>
+              </p:nextCondLst>
+            </p:seq>
+          </p:childTnLst>
+        </p:cTn>
       </p:par>
     </p:tnLst>
+    <p:bldLst>
+      <p:bldGraphic spid="4" grpId="0" uiExpand="1">
+        <p:bldSub>
+          <a:bldDgm bld="one"/>
+        </p:bldSub>
+      </p:bldGraphic>
+    </p:bldLst>
   </p:timing>
 </p:sld>
 </file>
@@ -34093,9 +37281,6 @@
           <a:prstGeom prst="roundRect">
             <a:avLst/>
           </a:prstGeom>
-          <a:solidFill>
-            <a:schemeClr val="bg1"/>
-          </a:solidFill>
         </p:spPr>
         <p:style>
           <a:lnRef idx="1">
@@ -34117,13 +37302,13 @@
           <a:p>
             <a:pPr algn="ctr"/>
             <a:r>
-              <a:rPr lang="es-PE" sz="1600" b="1" dirty="0" smtClean="0">
+              <a:rPr lang="es-PE" sz="1600" b="1" dirty="0">
                 <a:latin typeface="Calibri" pitchFamily="34" charset="0"/>
                 <a:cs typeface="Calibri" pitchFamily="34" charset="0"/>
               </a:rPr>
               <a:t>Gestión de Educación Rural</a:t>
             </a:r>
-            <a:endParaRPr lang="es-ES" sz="1600" b="1" dirty="0" smtClean="0">
+            <a:endParaRPr lang="es-ES" sz="1600" b="1" dirty="0">
               <a:latin typeface="Calibri" pitchFamily="34" charset="0"/>
               <a:cs typeface="Calibri" pitchFamily="34" charset="0"/>
             </a:endParaRPr>
@@ -34232,9 +37417,6 @@
           <a:prstGeom prst="roundRect">
             <a:avLst/>
           </a:prstGeom>
-          <a:solidFill>
-            <a:schemeClr val="bg1"/>
-          </a:solidFill>
         </p:spPr>
         <p:style>
           <a:lnRef idx="1">
@@ -34256,7 +37438,7 @@
           <a:p>
             <a:pPr algn="ctr"/>
             <a:r>
-              <a:rPr lang="es-PE" sz="1600" b="1" dirty="0" smtClean="0">
+              <a:rPr lang="es-PE" sz="1600" b="1" dirty="0">
                 <a:latin typeface="Calibri" pitchFamily="34" charset="0"/>
                 <a:cs typeface="Calibri" pitchFamily="34" charset="0"/>
               </a:rPr>
@@ -34525,9 +37707,133 @@
   <p:timing>
     <p:tnLst>
       <p:par>
-        <p:cTn id="1" dur="indefinite" restart="never" nodeType="tmRoot"/>
+        <p:cTn id="1" dur="indefinite" restart="never" nodeType="tmRoot">
+          <p:childTnLst>
+            <p:seq concurrent="1" nextAc="seek">
+              <p:cTn id="2" dur="indefinite" nodeType="mainSeq">
+                <p:childTnLst>
+                  <p:par>
+                    <p:cTn id="3" fill="hold">
+                      <p:stCondLst>
+                        <p:cond delay="indefinite"/>
+                      </p:stCondLst>
+                      <p:childTnLst>
+                        <p:par>
+                          <p:cTn id="4" fill="hold">
+                            <p:stCondLst>
+                              <p:cond delay="0"/>
+                            </p:stCondLst>
+                            <p:childTnLst>
+                              <p:par>
+                                <p:cTn id="5" presetID="10" presetClass="exit" presetSubtype="0" fill="hold" grpId="0" nodeType="clickEffect">
+                                  <p:stCondLst>
+                                    <p:cond delay="0"/>
+                                  </p:stCondLst>
+                                  <p:childTnLst>
+                                    <p:animEffect transition="out" filter="fade">
+                                      <p:cBhvr>
+                                        <p:cTn id="6" dur="500"/>
+                                        <p:tgtEl>
+                                          <p:spTgt spid="25"/>
+                                        </p:tgtEl>
+                                      </p:cBhvr>
+                                    </p:animEffect>
+                                    <p:set>
+                                      <p:cBhvr>
+                                        <p:cTn id="7" dur="1" fill="hold">
+                                          <p:stCondLst>
+                                            <p:cond delay="499"/>
+                                          </p:stCondLst>
+                                        </p:cTn>
+                                        <p:tgtEl>
+                                          <p:spTgt spid="25"/>
+                                        </p:tgtEl>
+                                        <p:attrNameLst>
+                                          <p:attrName>style.visibility</p:attrName>
+                                        </p:attrNameLst>
+                                      </p:cBhvr>
+                                      <p:to>
+                                        <p:strVal val="hidden"/>
+                                      </p:to>
+                                    </p:set>
+                                  </p:childTnLst>
+                                </p:cTn>
+                              </p:par>
+                            </p:childTnLst>
+                          </p:cTn>
+                        </p:par>
+                        <p:par>
+                          <p:cTn id="8" fill="hold">
+                            <p:stCondLst>
+                              <p:cond delay="500"/>
+                            </p:stCondLst>
+                            <p:childTnLst>
+                              <p:par>
+                                <p:cTn id="9" presetID="10" presetClass="exit" presetSubtype="0" fill="hold" grpId="0" nodeType="afterEffect">
+                                  <p:stCondLst>
+                                    <p:cond delay="0"/>
+                                  </p:stCondLst>
+                                  <p:childTnLst>
+                                    <p:animEffect transition="out" filter="fade">
+                                      <p:cBhvr>
+                                        <p:cTn id="10" dur="500"/>
+                                        <p:tgtEl>
+                                          <p:spTgt spid="28"/>
+                                        </p:tgtEl>
+                                      </p:cBhvr>
+                                    </p:animEffect>
+                                    <p:set>
+                                      <p:cBhvr>
+                                        <p:cTn id="11" dur="1" fill="hold">
+                                          <p:stCondLst>
+                                            <p:cond delay="499"/>
+                                          </p:stCondLst>
+                                        </p:cTn>
+                                        <p:tgtEl>
+                                          <p:spTgt spid="28"/>
+                                        </p:tgtEl>
+                                        <p:attrNameLst>
+                                          <p:attrName>style.visibility</p:attrName>
+                                        </p:attrNameLst>
+                                      </p:cBhvr>
+                                      <p:to>
+                                        <p:strVal val="hidden"/>
+                                      </p:to>
+                                    </p:set>
+                                  </p:childTnLst>
+                                </p:cTn>
+                              </p:par>
+                            </p:childTnLst>
+                          </p:cTn>
+                        </p:par>
+                      </p:childTnLst>
+                    </p:cTn>
+                  </p:par>
+                </p:childTnLst>
+              </p:cTn>
+              <p:prevCondLst>
+                <p:cond evt="onPrev" delay="0">
+                  <p:tgtEl>
+                    <p:sldTgt/>
+                  </p:tgtEl>
+                </p:cond>
+              </p:prevCondLst>
+              <p:nextCondLst>
+                <p:cond evt="onNext" delay="0">
+                  <p:tgtEl>
+                    <p:sldTgt/>
+                  </p:tgtEl>
+                </p:cond>
+              </p:nextCondLst>
+            </p:seq>
+          </p:childTnLst>
+        </p:cTn>
       </p:par>
     </p:tnLst>
+    <p:bldLst>
+      <p:bldP spid="25" grpId="0" animBg="1"/>
+      <p:bldP spid="28" grpId="0" animBg="1"/>
+    </p:bldLst>
   </p:timing>
 </p:sld>
 </file>

--- a/trunk/Presentacion Final Ciclo 2011-1/Presentación Semana 17.pptx
+++ b/trunk/Presentacion Final Ciclo 2011-1/Presentación Semana 17.pptx
@@ -1988,12 +1988,12 @@
   </dgm:ptLst>
   <dgm:cxnLst>
     <dgm:cxn modelId="{95F236CC-CAE7-4A68-A618-3C2C6841E1F1}" type="presOf" srcId="{E41C2F05-A4F5-4386-8519-996689621980}" destId="{A3162E4F-6263-45DF-94D4-25C689A865CF}" srcOrd="0" destOrd="0" presId="urn:microsoft.com/office/officeart/2005/8/layout/hProcess9"/>
+    <dgm:cxn modelId="{586EF142-5CBC-4DEA-AE5E-47D4F13BB072}" srcId="{E41C2F05-A4F5-4386-8519-996689621980}" destId="{9D24AF71-5C30-4CE3-82A8-8CE85C71A6D8}" srcOrd="0" destOrd="0" parTransId="{0BBDC63A-9F4C-4B89-8B44-AFB6EC17E1D8}" sibTransId="{4BD4EE57-DDA6-4573-9F33-B8A46C568779}"/>
+    <dgm:cxn modelId="{4A0042C2-7D1E-480B-96B8-6412A9EF6652}" type="presOf" srcId="{9D24AF71-5C30-4CE3-82A8-8CE85C71A6D8}" destId="{A8A1F048-8F30-4686-A4B0-3F980C36F541}" srcOrd="0" destOrd="0" presId="urn:microsoft.com/office/officeart/2005/8/layout/hProcess9"/>
     <dgm:cxn modelId="{C638205F-FE79-4F75-9F68-76306C521E08}" srcId="{E41C2F05-A4F5-4386-8519-996689621980}" destId="{C7CF8F14-1BA5-435E-9E5E-BB8D63F410B4}" srcOrd="2" destOrd="0" parTransId="{3C2AD85D-275E-465A-A1E9-F7F11DE835B6}" sibTransId="{E9542C35-F6A0-410A-9B4F-FD9D7981BB03}"/>
-    <dgm:cxn modelId="{4A0042C2-7D1E-480B-96B8-6412A9EF6652}" type="presOf" srcId="{9D24AF71-5C30-4CE3-82A8-8CE85C71A6D8}" destId="{A8A1F048-8F30-4686-A4B0-3F980C36F541}" srcOrd="0" destOrd="0" presId="urn:microsoft.com/office/officeart/2005/8/layout/hProcess9"/>
+    <dgm:cxn modelId="{E4712463-1BD4-46CA-8C1B-C02157AFB8E7}" type="presOf" srcId="{C7CF8F14-1BA5-435E-9E5E-BB8D63F410B4}" destId="{09B6BDF7-4FC8-49F5-BC24-556B94FDA05A}" srcOrd="0" destOrd="0" presId="urn:microsoft.com/office/officeart/2005/8/layout/hProcess9"/>
     <dgm:cxn modelId="{3DA24950-DA58-467E-93F2-A764CF69E3EE}" srcId="{E41C2F05-A4F5-4386-8519-996689621980}" destId="{D2FC32CB-F095-42BE-AC4A-BB0F359DB4F7}" srcOrd="1" destOrd="0" parTransId="{12713445-8FBD-4D81-A062-E89C9FE7EDCC}" sibTransId="{0B63B89A-0AC2-4131-88FA-773991C93122}"/>
     <dgm:cxn modelId="{83F68E58-FF91-4EA9-B87F-BC7C527D4CD7}" type="presOf" srcId="{D2FC32CB-F095-42BE-AC4A-BB0F359DB4F7}" destId="{35D9E6C0-E0B5-4D2C-87B2-AF47198864D9}" srcOrd="0" destOrd="0" presId="urn:microsoft.com/office/officeart/2005/8/layout/hProcess9"/>
-    <dgm:cxn modelId="{586EF142-5CBC-4DEA-AE5E-47D4F13BB072}" srcId="{E41C2F05-A4F5-4386-8519-996689621980}" destId="{9D24AF71-5C30-4CE3-82A8-8CE85C71A6D8}" srcOrd="0" destOrd="0" parTransId="{0BBDC63A-9F4C-4B89-8B44-AFB6EC17E1D8}" sibTransId="{4BD4EE57-DDA6-4573-9F33-B8A46C568779}"/>
-    <dgm:cxn modelId="{E4712463-1BD4-46CA-8C1B-C02157AFB8E7}" type="presOf" srcId="{C7CF8F14-1BA5-435E-9E5E-BB8D63F410B4}" destId="{09B6BDF7-4FC8-49F5-BC24-556B94FDA05A}" srcOrd="0" destOrd="0" presId="urn:microsoft.com/office/officeart/2005/8/layout/hProcess9"/>
     <dgm:cxn modelId="{1972745C-A51C-4D14-B926-16CC8D3456F8}" type="presParOf" srcId="{A3162E4F-6263-45DF-94D4-25C689A865CF}" destId="{B154954F-BD1D-44B3-BE45-1CACF5973855}" srcOrd="0" destOrd="0" presId="urn:microsoft.com/office/officeart/2005/8/layout/hProcess9"/>
     <dgm:cxn modelId="{E70591D7-A098-498B-AE0F-02A0815DD1E8}" type="presParOf" srcId="{A3162E4F-6263-45DF-94D4-25C689A865CF}" destId="{D7A8DAF0-8CEF-4833-B5BB-946F8CE7B695}" srcOrd="1" destOrd="0" presId="urn:microsoft.com/office/officeart/2005/8/layout/hProcess9"/>
     <dgm:cxn modelId="{21231C2A-E9F0-41A4-A4F4-388104C681EA}" type="presParOf" srcId="{D7A8DAF0-8CEF-4833-B5BB-946F8CE7B695}" destId="{A8A1F048-8F30-4686-A4B0-3F980C36F541}" srcOrd="0" destOrd="0" presId="urn:microsoft.com/office/officeart/2005/8/layout/hProcess9"/>
@@ -13187,19 +13187,7 @@
             </a:r>
             <a:r>
               <a:rPr lang="es-ES" sz="2000" dirty="0" smtClean="0"/>
-              <a:t>a cargo </a:t>
-            </a:r>
-            <a:r>
-              <a:rPr lang="es-ES" sz="2000" dirty="0" smtClean="0"/>
-              <a:t>del </a:t>
-            </a:r>
-            <a:r>
-              <a:rPr lang="es-ES" sz="2000" dirty="0" smtClean="0"/>
-              <a:t>Departamento de </a:t>
-            </a:r>
-            <a:r>
-              <a:rPr lang="es-ES" sz="2000" dirty="0" smtClean="0"/>
-              <a:t>Administración de </a:t>
+              <a:t>a cargo del Departamento de Administración de </a:t>
             </a:r>
             <a:r>
               <a:rPr lang="es-ES" sz="2000" dirty="0"/>
@@ -13466,15 +13454,7 @@
             </a:pPr>
             <a:r>
               <a:rPr lang="es-ES" sz="1600" dirty="0"/>
-              <a:t>Completar </a:t>
-            </a:r>
-            <a:r>
-              <a:rPr lang="es-ES" sz="1600" dirty="0"/>
-              <a:t>el modelado de los Macroprocesos de Gestión de Abastecimiento, Contabilidad y Presupuestos; y Gestión de Obras </a:t>
-            </a:r>
-            <a:r>
-              <a:rPr lang="es-ES" sz="1600" dirty="0"/>
-              <a:t>Civiles.</a:t>
+              <a:t>Completar el modelado de los Macroprocesos de Gestión de Abastecimiento, Contabilidad y Presupuestos; y Gestión de Obras Civiles.</a:t>
             </a:r>
             <a:endParaRPr lang="es-PE" sz="1600" dirty="0"/>
           </a:p>
@@ -13488,15 +13468,7 @@
             </a:pPr>
             <a:r>
               <a:rPr lang="es-ES" sz="1600" dirty="0"/>
-              <a:t>Realizar </a:t>
-            </a:r>
-            <a:r>
-              <a:rPr lang="es-ES" sz="1600" dirty="0"/>
-              <a:t>el modelado de los Macroprocesos de Gestión de Recursos Humanos, Gestión de Control de Pagos y Gestión de  Educación </a:t>
-            </a:r>
-            <a:r>
-              <a:rPr lang="es-ES" sz="1600" dirty="0"/>
-              <a:t>Rural.</a:t>
+              <a:t>Realizar el modelado de los Macroprocesos de Gestión de Recursos Humanos, Gestión de Control de Pagos y Gestión de  Educación Rural.</a:t>
             </a:r>
             <a:endParaRPr lang="es-PE" sz="1600" dirty="0"/>
           </a:p>
@@ -13510,15 +13482,7 @@
             </a:pPr>
             <a:r>
               <a:rPr lang="es-ES" sz="1600" dirty="0"/>
-              <a:t>Integrar </a:t>
-            </a:r>
-            <a:r>
-              <a:rPr lang="es-ES" sz="1600" dirty="0"/>
-              <a:t>los nuevos procesos definidos con los que fueron desarrollados en el Proyecto de Tesis “Modelo de Negocios Empresarial de la Oficina Central Fe y Alegría</a:t>
-            </a:r>
-            <a:r>
-              <a:rPr lang="es-ES" sz="1600" dirty="0"/>
-              <a:t>”.</a:t>
+              <a:t>Integrar los nuevos procesos definidos con los que fueron desarrollados en el Proyecto de Tesis “Modelo de Negocios Empresarial de la Oficina Central Fe y Alegría”.</a:t>
             </a:r>
             <a:endParaRPr lang="es-PE" sz="1600" dirty="0"/>
           </a:p>
@@ -13532,15 +13496,7 @@
             </a:pPr>
             <a:r>
               <a:rPr lang="es-ES" sz="1600" dirty="0"/>
-              <a:t>Actualizar </a:t>
-            </a:r>
-            <a:r>
-              <a:rPr lang="es-ES" sz="1600" dirty="0"/>
-              <a:t>todos los documentos elaborados en el Proyecto de Tesis “Modelo de Negocios Empresarial de la Oficina Central Fe y Alegría</a:t>
-            </a:r>
-            <a:r>
-              <a:rPr lang="es-ES" sz="1600" dirty="0"/>
-              <a:t>”.</a:t>
+              <a:t>Actualizar todos los documentos elaborados en el Proyecto de Tesis “Modelo de Negocios Empresarial de la Oficina Central Fe y Alegría”.</a:t>
             </a:r>
             <a:endParaRPr lang="es-PE" sz="1600" dirty="0"/>
           </a:p>
@@ -14073,11 +14029,7 @@
             </a:pPr>
             <a:r>
               <a:rPr lang="es-ES" sz="2000" b="1" dirty="0" smtClean="0"/>
-              <a:t>El Proyecto incluirá</a:t>
-            </a:r>
-            <a:r>
-              <a:rPr lang="es-ES" sz="2000" b="1" dirty="0" smtClean="0"/>
-              <a:t>:</a:t>
+              <a:t>El Proyecto incluirá:</a:t>
             </a:r>
             <a:endParaRPr lang="es-PE" sz="2000" dirty="0" smtClean="0"/>
           </a:p>
@@ -32201,6 +32153,45 @@
           </a:p>
         </p:txBody>
       </p:sp>
+      <p:pic>
+        <p:nvPicPr>
+          <p:cNvPr id="1026" name="Picture 2" descr="D:\Documents and Settings\Jose\Escritorio\Actas de Aceptacion\4.jpg"/>
+          <p:cNvPicPr>
+            <a:picLocks noChangeAspect="1" noChangeArrowheads="1"/>
+          </p:cNvPicPr>
+          <p:nvPr/>
+        </p:nvPicPr>
+        <p:blipFill rotWithShape="1">
+          <a:blip r:embed="rId2" cstate="print">
+            <a:extLst>
+              <a:ext uri="{28A0092B-C50C-407E-A947-70E740481C1C}">
+                <a14:useLocalDpi xmlns:a14="http://schemas.microsoft.com/office/drawing/2010/main" val="0"/>
+              </a:ext>
+            </a:extLst>
+          </a:blip>
+          <a:srcRect l="4100" r="3162" b="5930"/>
+          <a:stretch/>
+        </p:blipFill>
+        <p:spPr bwMode="auto">
+          <a:xfrm>
+            <a:off x="3007501" y="2564904"/>
+            <a:ext cx="2890208" cy="4015436"/>
+          </a:xfrm>
+          <a:prstGeom prst="rect">
+            <a:avLst/>
+          </a:prstGeom>
+          <a:noFill/>
+          <a:extLst>
+            <a:ext uri="{909E8E84-426E-40DD-AFC4-6F175D3DCCD1}">
+              <a14:hiddenFill xmlns:a14="http://schemas.microsoft.com/office/drawing/2010/main">
+                <a:solidFill>
+                  <a:srgbClr val="FFFFFF"/>
+                </a:solidFill>
+              </a14:hiddenFill>
+            </a:ext>
+          </a:extLst>
+        </p:spPr>
+      </p:pic>
     </p:spTree>
     <p:extLst>
       <p:ext uri="{BB962C8B-B14F-4D97-AF65-F5344CB8AC3E}">
@@ -34380,11 +34371,7 @@
             </a:pPr>
             <a:r>
               <a:rPr lang="es-PE" sz="2000" dirty="0"/>
-              <a:t>Dentro</a:t>
-            </a:r>
-            <a:r>
-              <a:rPr lang="es-PE" sz="2000" dirty="0"/>
-              <a:t> de este movimiento, la Oficina Central </a:t>
+              <a:t>Dentro de este movimiento, la Oficina Central </a:t>
             </a:r>
             <a:r>
               <a:rPr lang="es-PE" sz="2000" dirty="0" smtClean="0"/>
@@ -34413,15 +34400,7 @@
             </a:r>
             <a:r>
               <a:rPr lang="es-PE" sz="2000" dirty="0"/>
-              <a:t>Perú tiene </a:t>
-            </a:r>
-            <a:r>
-              <a:rPr lang="es-PE" sz="2000" dirty="0"/>
-              <a:t>como </a:t>
-            </a:r>
-            <a:r>
-              <a:rPr lang="es-PE" sz="2000" dirty="0"/>
-              <a:t>objetivo:</a:t>
+              <a:t>Perú tiene como objetivo:</a:t>
             </a:r>
           </a:p>
           <a:p>
@@ -34449,21 +34428,8 @@
             </a:r>
             <a:r>
               <a:rPr lang="es-PE" sz="2000" b="1" dirty="0"/>
-              <a:t>y </a:t>
+              <a:t>y Fortalecimiento de la Organización”</a:t>
             </a:r>
-            <a:r>
-              <a:rPr lang="es-PE" sz="2000" b="1" dirty="0"/>
-              <a:t>Fortalecimiento </a:t>
-            </a:r>
-            <a:r>
-              <a:rPr lang="es-PE" sz="2000" b="1" dirty="0"/>
-              <a:t>de la </a:t>
-            </a:r>
-            <a:r>
-              <a:rPr lang="es-PE" sz="2000" b="1" dirty="0"/>
-              <a:t>Organización”</a:t>
-            </a:r>
-            <a:endParaRPr lang="es-PE" sz="2000" b="1" dirty="0"/>
           </a:p>
           <a:p>
             <a:pPr marL="119062" indent="0" algn="just">
@@ -34479,7 +34445,6 @@
               <a:rPr lang="es-PE" sz="2000" dirty="0" smtClean="0"/>
               <a:t>Y así:</a:t>
             </a:r>
-            <a:endParaRPr lang="es-PE" sz="2000" dirty="0" smtClean="0"/>
           </a:p>
           <a:p>
             <a:pPr marL="119062" indent="0" algn="just">
@@ -35312,11 +35277,7 @@
             </a:r>
             <a:r>
               <a:rPr lang="es-PE" sz="2000" dirty="0" smtClean="0"/>
-              <a:t> definición de  </a:t>
-            </a:r>
-            <a:r>
-              <a:rPr lang="es-PE" sz="2000" dirty="0" smtClean="0"/>
-              <a:t>funciones.</a:t>
+              <a:t> definición de  funciones.</a:t>
             </a:r>
           </a:p>
           <a:p>
@@ -35357,7 +35318,6 @@
               <a:rPr lang="es-PE" sz="2000" b="1" dirty="0" smtClean="0"/>
               <a:t>innecesario.</a:t>
             </a:r>
-            <a:endParaRPr lang="es-PE" sz="2000" b="1" dirty="0" smtClean="0"/>
           </a:p>
           <a:p>
             <a:pPr algn="just">
@@ -35401,7 +35361,6 @@
               <a:rPr lang="es-PE" sz="2000" dirty="0" smtClean="0"/>
               <a:t>.</a:t>
             </a:r>
-            <a:endParaRPr lang="es-PE" sz="2000" dirty="0" smtClean="0"/>
           </a:p>
           <a:p>
             <a:pPr algn="just">
